--- a/powerpoint/Presentazione.pptx
+++ b/powerpoint/Presentazione.pptx
@@ -10,6 +10,16 @@
     <p:sldId id="258" r:id="rId4"/>
     <p:sldId id="259" r:id="rId5"/>
     <p:sldId id="260" r:id="rId6"/>
+    <p:sldId id="261" r:id="rId7"/>
+    <p:sldId id="263" r:id="rId8"/>
+    <p:sldId id="262" r:id="rId9"/>
+    <p:sldId id="264" r:id="rId10"/>
+    <p:sldId id="265" r:id="rId11"/>
+    <p:sldId id="266" r:id="rId12"/>
+    <p:sldId id="267" r:id="rId13"/>
+    <p:sldId id="268" r:id="rId14"/>
+    <p:sldId id="270" r:id="rId15"/>
+    <p:sldId id="269" r:id="rId16"/>
   </p:sldIdLst>
   <p:sldSz cx="12192000" cy="6858000"/>
   <p:notesSz cx="6858000" cy="9144000"/>
@@ -3080,7 +3090,7 @@
             <a:fld id="{1E700B27-DE4C-4B9E-BB11-B9027034A00F}" type="datetimeFigureOut">
               <a:rPr lang="en-US" smtClean="0"/>
               <a:pPr/>
-              <a:t>7/12/2019</a:t>
+              <a:t>7/13/2019</a:t>
             </a:fld>
             <a:endParaRPr lang="en-US" dirty="0"/>
           </a:p>
@@ -4068,7 +4078,7 @@
           <a:p>
             <a:fld id="{C40F4739-9812-4A9F-890D-2AD6BA5F6EE8}" type="datetimeFigureOut">
               <a:rPr lang="en-US" smtClean="0"/>
-              <a:t>7/12/2019</a:t>
+              <a:t>7/13/2019</a:t>
             </a:fld>
             <a:endParaRPr lang="en-US" dirty="0"/>
           </a:p>
@@ -4944,7 +4954,7 @@
           <a:p>
             <a:fld id="{18845AC5-A3F8-44AA-BA8F-596CDCC976D3}" type="datetimeFigureOut">
               <a:rPr lang="en-US" smtClean="0"/>
-              <a:t>7/12/2019</a:t>
+              <a:t>7/13/2019</a:t>
             </a:fld>
             <a:endParaRPr lang="en-US" dirty="0"/>
           </a:p>
@@ -5971,7 +5981,7 @@
           <a:p>
             <a:fld id="{7E0D914D-B099-4142-A885-11F276715148}" type="datetimeFigureOut">
               <a:rPr lang="en-US" smtClean="0"/>
-              <a:t>7/12/2019</a:t>
+              <a:t>7/13/2019</a:t>
             </a:fld>
             <a:endParaRPr lang="en-US" dirty="0"/>
           </a:p>
@@ -6898,7 +6908,7 @@
           <a:p>
             <a:fld id="{174D01B4-0AA5-45E6-B2E6-5FA4078AEBCF}" type="datetimeFigureOut">
               <a:rPr lang="en-US" smtClean="0"/>
-              <a:t>7/12/2019</a:t>
+              <a:t>7/13/2019</a:t>
             </a:fld>
             <a:endParaRPr lang="en-US" dirty="0"/>
           </a:p>
@@ -7560,7 +7570,7 @@
           <a:p>
             <a:fld id="{4147335C-0450-40D7-8612-B3203BED4F28}" type="datetimeFigureOut">
               <a:rPr lang="en-US" smtClean="0"/>
-              <a:t>7/12/2019</a:t>
+              <a:t>7/13/2019</a:t>
             </a:fld>
             <a:endParaRPr lang="en-US" dirty="0"/>
           </a:p>
@@ -8423,7 +8433,7 @@
           <a:p>
             <a:fld id="{D246A105-2A1C-4284-B4EA-07CF89B1A393}" type="datetimeFigureOut">
               <a:rPr lang="en-US" smtClean="0"/>
-              <a:t>7/12/2019</a:t>
+              <a:t>7/13/2019</a:t>
             </a:fld>
             <a:endParaRPr lang="en-US" dirty="0"/>
           </a:p>
@@ -8612,7 +8622,7 @@
           <a:p>
             <a:fld id="{80DBE609-F3F2-45E6-BD6A-E03A8C86C1AE}" type="datetimeFigureOut">
               <a:rPr lang="en-US" smtClean="0"/>
-              <a:t>7/12/2019</a:t>
+              <a:t>7/13/2019</a:t>
             </a:fld>
             <a:endParaRPr lang="en-US" dirty="0"/>
           </a:p>
@@ -9475,7 +9485,7 @@
           <a:p>
             <a:fld id="{7E0D914D-B099-4142-A885-11F276715148}" type="datetimeFigureOut">
               <a:rPr lang="en-US" smtClean="0"/>
-              <a:t>7/12/2019</a:t>
+              <a:t>7/13/2019</a:t>
             </a:fld>
             <a:endParaRPr lang="en-US" dirty="0"/>
           </a:p>
@@ -9701,7 +9711,7 @@
           <a:p>
             <a:fld id="{75C51FCE-E4BB-4680-8E50-3C0E348D2609}" type="datetimeFigureOut">
               <a:rPr lang="en-US" smtClean="0"/>
-              <a:t>7/12/2019</a:t>
+              <a:t>7/13/2019</a:t>
             </a:fld>
             <a:endParaRPr lang="en-US" dirty="0"/>
           </a:p>
@@ -10632,7 +10642,7 @@
           <a:p>
             <a:fld id="{8AAA073D-A903-47F8-8D16-77642FB0DF1F}" type="datetimeFigureOut">
               <a:rPr lang="en-US" smtClean="0"/>
-              <a:t>7/12/2019</a:t>
+              <a:t>7/13/2019</a:t>
             </a:fld>
             <a:endParaRPr lang="en-US" dirty="0"/>
           </a:p>
@@ -10922,7 +10932,7 @@
           <a:p>
             <a:fld id="{AB91FA40-626B-4CA1-85D0-7A9016E395BA}" type="datetimeFigureOut">
               <a:rPr lang="en-US" smtClean="0"/>
-              <a:t>7/12/2019</a:t>
+              <a:t>7/13/2019</a:t>
             </a:fld>
             <a:endParaRPr lang="en-US" dirty="0"/>
           </a:p>
@@ -11318,7 +11328,7 @@
           <a:p>
             <a:fld id="{C3F425EA-B9DC-48A7-991E-9A82573B1B21}" type="datetimeFigureOut">
               <a:rPr lang="en-US" smtClean="0"/>
-              <a:t>7/12/2019</a:t>
+              <a:t>7/13/2019</a:t>
             </a:fld>
             <a:endParaRPr lang="en-US" dirty="0"/>
           </a:p>
@@ -11450,7 +11460,7 @@
           <a:p>
             <a:fld id="{66CB97F8-6CEB-469B-AFCC-889F2A2B1D5A}" type="datetimeFigureOut">
               <a:rPr lang="en-US" smtClean="0"/>
-              <a:t>7/12/2019</a:t>
+              <a:t>7/13/2019</a:t>
             </a:fld>
             <a:endParaRPr lang="en-US" dirty="0"/>
           </a:p>
@@ -11551,7 +11561,7 @@
           <a:p>
             <a:fld id="{8FA9179F-009E-4FA5-B091-7EBB82A185BD}" type="datetimeFigureOut">
               <a:rPr lang="en-US" smtClean="0"/>
-              <a:t>7/12/2019</a:t>
+              <a:t>7/13/2019</a:t>
             </a:fld>
             <a:endParaRPr lang="en-US" dirty="0"/>
           </a:p>
@@ -12528,7 +12538,7 @@
           <a:p>
             <a:fld id="{8E665CEB-0076-4E37-B880-BCEA9784DE0A}" type="datetimeFigureOut">
               <a:rPr lang="en-US" smtClean="0"/>
-              <a:t>7/12/2019</a:t>
+              <a:t>7/13/2019</a:t>
             </a:fld>
             <a:endParaRPr lang="en-US" dirty="0"/>
           </a:p>
@@ -13529,7 +13539,7 @@
           <a:p>
             <a:fld id="{A6149E5E-3896-4118-99A7-7B85668F1C5E}" type="datetimeFigureOut">
               <a:rPr lang="en-US" smtClean="0"/>
-              <a:t>7/12/2019</a:t>
+              <a:t>7/13/2019</a:t>
             </a:fld>
             <a:endParaRPr lang="en-US" dirty="0"/>
           </a:p>
@@ -14419,7 +14429,7 @@
           <a:p>
             <a:fld id="{7E0D914D-B099-4142-A885-11F276715148}" type="datetimeFigureOut">
               <a:rPr lang="en-US" smtClean="0"/>
-              <a:t>7/12/2019</a:t>
+              <a:t>7/13/2019</a:t>
             </a:fld>
             <a:endParaRPr lang="en-US" dirty="0"/>
           </a:p>
@@ -15240,23 +15250,21 @@
           <a:p>
             <a:pPr algn="ctr"/>
             <a:r>
-              <a:rPr lang="it-IT" sz="2000"/>
-              <a:t>Relazione finale di porto francesco (matricola 816042)</a:t>
+              <a:rPr lang="it-IT" sz="2000" dirty="0"/>
+              <a:t>Relazione finale di porto </a:t>
+            </a:r>
+            <a:r>
+              <a:rPr lang="it-IT" sz="2000" dirty="0" err="1"/>
+              <a:t>francesco</a:t>
+            </a:r>
+            <a:r>
+              <a:rPr lang="it-IT" sz="2000" dirty="0"/>
+              <a:t> (matricola 816042)</a:t>
             </a:r>
             <a:br>
-              <a:rPr lang="it-IT" sz="2000"/>
+              <a:rPr lang="it-IT" sz="2000" dirty="0"/>
             </a:br>
-            <a:r>
-              <a:rPr lang="it-IT" sz="2000"/>
-              <a:t>relatore: prof. Della vedova gianLuca</a:t>
-            </a:r>
-            <a:br>
-              <a:rPr lang="it-IT" sz="2000"/>
-            </a:br>
-            <a:r>
-              <a:rPr lang="it-IT" sz="2000"/>
-              <a:t>Correlatore: prof.ssa rizzi raffaella</a:t>
-            </a:r>
+            <a:endParaRPr lang="it-IT" sz="2000" dirty="0"/>
           </a:p>
         </p:txBody>
       </p:sp>
@@ -15324,6 +15332,1730 @@
   </p:cSld>
   <p:clrMapOvr>
     <a:overrideClrMapping bg1="dk1" tx1="lt1" bg2="dk2" tx2="lt2" accent1="accent1" accent2="accent2" accent3="accent3" accent4="accent4" accent5="accent5" accent6="accent6" hlink="hlink" folHlink="folHlink"/>
+  </p:clrMapOvr>
+</p:sld>
+</file>
+
+<file path=ppt/slides/slide10.xml><?xml version="1.0" encoding="utf-8"?>
+<p:sld xmlns:a="http://schemas.openxmlformats.org/drawingml/2006/main" xmlns:r="http://schemas.openxmlformats.org/officeDocument/2006/relationships" xmlns:p="http://schemas.openxmlformats.org/presentationml/2006/main">
+  <p:cSld>
+    <p:bg>
+      <p:bgPr>
+        <a:solidFill>
+          <a:schemeClr val="bg1"/>
+        </a:solidFill>
+        <a:effectLst/>
+      </p:bgPr>
+    </p:bg>
+    <p:spTree>
+      <p:nvGrpSpPr>
+        <p:cNvPr id="1" name=""/>
+        <p:cNvGrpSpPr/>
+        <p:nvPr/>
+      </p:nvGrpSpPr>
+      <p:grpSpPr>
+        <a:xfrm>
+          <a:off x="0" y="0"/>
+          <a:ext cx="0" cy="0"/>
+          <a:chOff x="0" y="0"/>
+          <a:chExt cx="0" cy="0"/>
+        </a:xfrm>
+      </p:grpSpPr>
+      <p:sp>
+        <p:nvSpPr>
+          <p:cNvPr id="26" name="Rectangle 9">
+            <a:extLst>
+              <a:ext uri="{FF2B5EF4-FFF2-40B4-BE49-F238E27FC236}">
+                <a16:creationId xmlns:a16="http://schemas.microsoft.com/office/drawing/2014/main" id="{C43A114B-CAF8-402E-A898-DEE2C2022EBD}"/>
+              </a:ext>
+              <a:ext uri="{C183D7F6-B498-43B3-948B-1728B52AA6E4}">
+                <adec:decorative xmlns:adec="http://schemas.microsoft.com/office/drawing/2017/decorative" val="1"/>
+              </a:ext>
+            </a:extLst>
+          </p:cNvPr>
+          <p:cNvSpPr>
+            <a:spLocks noGrp="1" noRot="1" noChangeAspect="1" noMove="1" noResize="1" noEditPoints="1" noAdjustHandles="1" noChangeArrowheads="1" noChangeShapeType="1" noTextEdit="1"/>
+          </p:cNvSpPr>
+          <p:nvPr>
+            <p:extLst>
+              <p:ext uri="{386F3935-93C4-4BCD-93E2-E3B085C9AB24}">
+                <p16:designElem xmlns:p16="http://schemas.microsoft.com/office/powerpoint/2015/main" val="1"/>
+              </p:ext>
+            </p:extLst>
+          </p:nvPr>
+        </p:nvSpPr>
+        <p:spPr>
+          <a:xfrm>
+            <a:off x="0" y="0"/>
+            <a:ext cx="12192000" cy="6858000"/>
+          </a:xfrm>
+          <a:prstGeom prst="rect">
+            <a:avLst/>
+          </a:prstGeom>
+          <a:blipFill>
+            <a:blip r:embed="rId2">
+              <a:duotone>
+                <a:schemeClr val="dk2">
+                  <a:shade val="69000"/>
+                  <a:hueMod val="108000"/>
+                  <a:satMod val="164000"/>
+                  <a:lumMod val="74000"/>
+                </a:schemeClr>
+                <a:schemeClr val="dk2">
+                  <a:tint val="96000"/>
+                  <a:hueMod val="88000"/>
+                  <a:satMod val="140000"/>
+                  <a:lumMod val="132000"/>
+                </a:schemeClr>
+              </a:duotone>
+            </a:blip>
+            <a:stretch>
+              <a:fillRect/>
+            </a:stretch>
+          </a:blipFill>
+          <a:ln>
+            <a:noFill/>
+          </a:ln>
+        </p:spPr>
+        <p:style>
+          <a:lnRef idx="2">
+            <a:schemeClr val="accent1">
+              <a:shade val="50000"/>
+            </a:schemeClr>
+          </a:lnRef>
+          <a:fillRef idx="1">
+            <a:schemeClr val="accent1"/>
+          </a:fillRef>
+          <a:effectRef idx="0">
+            <a:schemeClr val="accent1"/>
+          </a:effectRef>
+          <a:fontRef idx="minor">
+            <a:schemeClr val="lt1"/>
+          </a:fontRef>
+        </p:style>
+      </p:sp>
+      <p:sp>
+        <p:nvSpPr>
+          <p:cNvPr id="27" name="Oval 11">
+            <a:extLst>
+              <a:ext uri="{FF2B5EF4-FFF2-40B4-BE49-F238E27FC236}">
+                <a16:creationId xmlns:a16="http://schemas.microsoft.com/office/drawing/2014/main" id="{64E68BB1-DCF6-49AB-8FF1-7E68DCBCD111}"/>
+              </a:ext>
+              <a:ext uri="{C183D7F6-B498-43B3-948B-1728B52AA6E4}">
+                <adec:decorative xmlns:adec="http://schemas.microsoft.com/office/drawing/2017/decorative" val="1"/>
+              </a:ext>
+            </a:extLst>
+          </p:cNvPr>
+          <p:cNvSpPr>
+            <a:spLocks noGrp="1" noRot="1" noChangeAspect="1" noMove="1" noResize="1" noEditPoints="1" noAdjustHandles="1" noChangeArrowheads="1" noChangeShapeType="1" noTextEdit="1"/>
+          </p:cNvSpPr>
+          <p:nvPr>
+            <p:extLst>
+              <p:ext uri="{386F3935-93C4-4BCD-93E2-E3B085C9AB24}">
+                <p16:designElem xmlns:p16="http://schemas.microsoft.com/office/powerpoint/2015/main" val="1"/>
+              </p:ext>
+            </p:extLst>
+          </p:nvPr>
+        </p:nvSpPr>
+        <p:spPr>
+          <a:xfrm>
+            <a:off x="8761412" y="1828800"/>
+            <a:ext cx="2819400" cy="2819400"/>
+          </a:xfrm>
+          <a:prstGeom prst="ellipse">
+            <a:avLst/>
+          </a:prstGeom>
+          <a:gradFill flip="none" rotWithShape="1">
+            <a:gsLst>
+              <a:gs pos="0">
+                <a:schemeClr val="accent5">
+                  <a:alpha val="7000"/>
+                </a:schemeClr>
+              </a:gs>
+              <a:gs pos="69000">
+                <a:schemeClr val="accent5">
+                  <a:alpha val="0"/>
+                </a:schemeClr>
+              </a:gs>
+              <a:gs pos="36000">
+                <a:schemeClr val="accent5">
+                  <a:alpha val="6000"/>
+                </a:schemeClr>
+              </a:gs>
+            </a:gsLst>
+            <a:path path="circle">
+              <a:fillToRect l="50000" t="50000" r="50000" b="50000"/>
+            </a:path>
+            <a:tileRect/>
+          </a:gradFill>
+          <a:ln>
+            <a:noFill/>
+          </a:ln>
+          <a:effectLst/>
+        </p:spPr>
+        <p:style>
+          <a:lnRef idx="1">
+            <a:schemeClr val="accent1"/>
+          </a:lnRef>
+          <a:fillRef idx="3">
+            <a:schemeClr val="accent1"/>
+          </a:fillRef>
+          <a:effectRef idx="2">
+            <a:schemeClr val="accent1"/>
+          </a:effectRef>
+          <a:fontRef idx="minor">
+            <a:schemeClr val="lt1"/>
+          </a:fontRef>
+        </p:style>
+      </p:sp>
+      <p:sp>
+        <p:nvSpPr>
+          <p:cNvPr id="28" name="Oval 13">
+            <a:extLst>
+              <a:ext uri="{FF2B5EF4-FFF2-40B4-BE49-F238E27FC236}">
+                <a16:creationId xmlns:a16="http://schemas.microsoft.com/office/drawing/2014/main" id="{DA9B8539-604B-420E-BA1B-0A2E64CD7C72}"/>
+              </a:ext>
+              <a:ext uri="{C183D7F6-B498-43B3-948B-1728B52AA6E4}">
+                <adec:decorative xmlns:adec="http://schemas.microsoft.com/office/drawing/2017/decorative" val="1"/>
+              </a:ext>
+            </a:extLst>
+          </p:cNvPr>
+          <p:cNvSpPr>
+            <a:spLocks noGrp="1" noRot="1" noChangeAspect="1" noMove="1" noResize="1" noEditPoints="1" noAdjustHandles="1" noChangeArrowheads="1" noChangeShapeType="1" noTextEdit="1"/>
+          </p:cNvSpPr>
+          <p:nvPr>
+            <p:extLst>
+              <p:ext uri="{386F3935-93C4-4BCD-93E2-E3B085C9AB24}">
+                <p16:designElem xmlns:p16="http://schemas.microsoft.com/office/powerpoint/2015/main" val="1"/>
+              </p:ext>
+            </p:extLst>
+          </p:nvPr>
+        </p:nvSpPr>
+        <p:spPr>
+          <a:xfrm>
+            <a:off x="8761412" y="5870955"/>
+            <a:ext cx="990600" cy="990600"/>
+          </a:xfrm>
+          <a:prstGeom prst="ellipse">
+            <a:avLst/>
+          </a:prstGeom>
+          <a:gradFill flip="none" rotWithShape="1">
+            <a:gsLst>
+              <a:gs pos="0">
+                <a:schemeClr val="accent5">
+                  <a:alpha val="14000"/>
+                </a:schemeClr>
+              </a:gs>
+              <a:gs pos="66000">
+                <a:schemeClr val="accent5">
+                  <a:alpha val="0"/>
+                </a:schemeClr>
+              </a:gs>
+              <a:gs pos="36000">
+                <a:schemeClr val="accent5">
+                  <a:alpha val="7000"/>
+                </a:schemeClr>
+              </a:gs>
+            </a:gsLst>
+            <a:path path="circle">
+              <a:fillToRect l="50000" t="50000" r="50000" b="50000"/>
+            </a:path>
+            <a:tileRect/>
+          </a:gradFill>
+          <a:ln>
+            <a:noFill/>
+          </a:ln>
+          <a:effectLst/>
+        </p:spPr>
+        <p:style>
+          <a:lnRef idx="1">
+            <a:schemeClr val="accent1"/>
+          </a:lnRef>
+          <a:fillRef idx="3">
+            <a:schemeClr val="accent1"/>
+          </a:fillRef>
+          <a:effectRef idx="2">
+            <a:schemeClr val="accent1"/>
+          </a:effectRef>
+          <a:fontRef idx="minor">
+            <a:schemeClr val="lt1"/>
+          </a:fontRef>
+        </p:style>
+      </p:sp>
+      <p:sp>
+        <p:nvSpPr>
+          <p:cNvPr id="29" name="Oval 15">
+            <a:extLst>
+              <a:ext uri="{FF2B5EF4-FFF2-40B4-BE49-F238E27FC236}">
+                <a16:creationId xmlns:a16="http://schemas.microsoft.com/office/drawing/2014/main" id="{7236CAA2-54C3-4136-B0CC-6837B14D8143}"/>
+              </a:ext>
+              <a:ext uri="{C183D7F6-B498-43B3-948B-1728B52AA6E4}">
+                <adec:decorative xmlns:adec="http://schemas.microsoft.com/office/drawing/2017/decorative" val="1"/>
+              </a:ext>
+            </a:extLst>
+          </p:cNvPr>
+          <p:cNvSpPr>
+            <a:spLocks noGrp="1" noRot="1" noChangeAspect="1" noMove="1" noResize="1" noEditPoints="1" noAdjustHandles="1" noChangeArrowheads="1" noChangeShapeType="1" noTextEdit="1"/>
+          </p:cNvSpPr>
+          <p:nvPr>
+            <p:extLst>
+              <p:ext uri="{386F3935-93C4-4BCD-93E2-E3B085C9AB24}">
+                <p16:designElem xmlns:p16="http://schemas.microsoft.com/office/powerpoint/2015/main" val="1"/>
+              </p:ext>
+            </p:extLst>
+          </p:nvPr>
+        </p:nvSpPr>
+        <p:spPr>
+          <a:xfrm>
+            <a:off x="-1588" y="2667000"/>
+            <a:ext cx="4191000" cy="4191000"/>
+          </a:xfrm>
+          <a:prstGeom prst="ellipse">
+            <a:avLst/>
+          </a:prstGeom>
+          <a:gradFill flip="none" rotWithShape="1">
+            <a:gsLst>
+              <a:gs pos="0">
+                <a:schemeClr val="accent5">
+                  <a:alpha val="11000"/>
+                </a:schemeClr>
+              </a:gs>
+              <a:gs pos="75000">
+                <a:schemeClr val="accent5">
+                  <a:alpha val="0"/>
+                </a:schemeClr>
+              </a:gs>
+              <a:gs pos="36000">
+                <a:schemeClr val="accent5">
+                  <a:alpha val="10000"/>
+                </a:schemeClr>
+              </a:gs>
+            </a:gsLst>
+            <a:path path="circle">
+              <a:fillToRect l="50000" t="50000" r="50000" b="50000"/>
+            </a:path>
+            <a:tileRect/>
+          </a:gradFill>
+          <a:ln>
+            <a:noFill/>
+          </a:ln>
+          <a:effectLst/>
+        </p:spPr>
+        <p:style>
+          <a:lnRef idx="1">
+            <a:schemeClr val="accent1"/>
+          </a:lnRef>
+          <a:fillRef idx="3">
+            <a:schemeClr val="accent1"/>
+          </a:fillRef>
+          <a:effectRef idx="2">
+            <a:schemeClr val="accent1"/>
+          </a:effectRef>
+          <a:fontRef idx="minor">
+            <a:schemeClr val="lt1"/>
+          </a:fontRef>
+        </p:style>
+      </p:sp>
+      <p:sp>
+        <p:nvSpPr>
+          <p:cNvPr id="30" name="Freeform 5">
+            <a:extLst>
+              <a:ext uri="{FF2B5EF4-FFF2-40B4-BE49-F238E27FC236}">
+                <a16:creationId xmlns:a16="http://schemas.microsoft.com/office/drawing/2014/main" id="{40F86E67-9E86-453F-92BC-648189829C2F}"/>
+              </a:ext>
+              <a:ext uri="{C183D7F6-B498-43B3-948B-1728B52AA6E4}">
+                <adec:decorative xmlns:adec="http://schemas.microsoft.com/office/drawing/2017/decorative" val="1"/>
+              </a:ext>
+            </a:extLst>
+          </p:cNvPr>
+          <p:cNvSpPr>
+            <a:spLocks noGrp="1" noRot="1" noChangeAspect="1" noMove="1" noResize="1" noEditPoints="1" noAdjustHandles="1" noChangeArrowheads="1" noChangeShapeType="1" noTextEdit="1"/>
+          </p:cNvSpPr>
+          <p:nvPr>
+            <p:extLst>
+              <p:ext uri="{386F3935-93C4-4BCD-93E2-E3B085C9AB24}">
+                <p16:designElem xmlns:p16="http://schemas.microsoft.com/office/powerpoint/2015/main" val="1"/>
+              </p:ext>
+            </p:extLst>
+          </p:nvPr>
+        </p:nvSpPr>
+        <p:spPr bwMode="gray">
+          <a:xfrm>
+            <a:off x="-1588" y="1587"/>
+            <a:ext cx="12192000" cy="6856413"/>
+          </a:xfrm>
+          <a:custGeom>
+            <a:avLst/>
+            <a:gdLst/>
+            <a:ahLst/>
+            <a:cxnLst/>
+            <a:rect l="0" t="0" r="r" b="b"/>
+            <a:pathLst>
+              <a:path w="15356" h="8638">
+                <a:moveTo>
+                  <a:pt x="0" y="0"/>
+                </a:moveTo>
+                <a:lnTo>
+                  <a:pt x="0" y="8638"/>
+                </a:lnTo>
+                <a:lnTo>
+                  <a:pt x="15356" y="8638"/>
+                </a:lnTo>
+                <a:lnTo>
+                  <a:pt x="15356" y="0"/>
+                </a:lnTo>
+                <a:lnTo>
+                  <a:pt x="0" y="0"/>
+                </a:lnTo>
+                <a:close/>
+                <a:moveTo>
+                  <a:pt x="14748" y="8038"/>
+                </a:moveTo>
+                <a:lnTo>
+                  <a:pt x="600" y="8038"/>
+                </a:lnTo>
+                <a:lnTo>
+                  <a:pt x="600" y="592"/>
+                </a:lnTo>
+                <a:lnTo>
+                  <a:pt x="14748" y="592"/>
+                </a:lnTo>
+                <a:lnTo>
+                  <a:pt x="14748" y="8038"/>
+                </a:lnTo>
+                <a:close/>
+              </a:path>
+            </a:pathLst>
+          </a:custGeom>
+          <a:solidFill>
+            <a:schemeClr val="bg1"/>
+          </a:solidFill>
+          <a:ln>
+            <a:noFill/>
+          </a:ln>
+        </p:spPr>
+      </p:sp>
+      <p:sp>
+        <p:nvSpPr>
+          <p:cNvPr id="31" name="Rectangle 19">
+            <a:extLst>
+              <a:ext uri="{FF2B5EF4-FFF2-40B4-BE49-F238E27FC236}">
+                <a16:creationId xmlns:a16="http://schemas.microsoft.com/office/drawing/2014/main" id="{F73C5439-21D4-46F3-9CF4-FF1CE786FF15}"/>
+              </a:ext>
+              <a:ext uri="{C183D7F6-B498-43B3-948B-1728B52AA6E4}">
+                <adec:decorative xmlns:adec="http://schemas.microsoft.com/office/drawing/2017/decorative" val="1"/>
+              </a:ext>
+            </a:extLst>
+          </p:cNvPr>
+          <p:cNvSpPr>
+            <a:spLocks noGrp="1" noRot="1" noChangeAspect="1" noMove="1" noResize="1" noEditPoints="1" noAdjustHandles="1" noChangeArrowheads="1" noChangeShapeType="1" noTextEdit="1"/>
+          </p:cNvSpPr>
+          <p:nvPr>
+            <p:extLst>
+              <p:ext uri="{386F3935-93C4-4BCD-93E2-E3B085C9AB24}">
+                <p16:designElem xmlns:p16="http://schemas.microsoft.com/office/powerpoint/2015/main" val="1"/>
+              </p:ext>
+            </p:extLst>
+          </p:nvPr>
+        </p:nvSpPr>
+        <p:spPr>
+          <a:xfrm>
+            <a:off x="10437812" y="0"/>
+            <a:ext cx="685800" cy="1143000"/>
+          </a:xfrm>
+          <a:prstGeom prst="rect">
+            <a:avLst/>
+          </a:prstGeom>
+          <a:solidFill>
+            <a:schemeClr val="accent1"/>
+          </a:solidFill>
+          <a:ln>
+            <a:noFill/>
+          </a:ln>
+        </p:spPr>
+        <p:style>
+          <a:lnRef idx="1">
+            <a:schemeClr val="accent1"/>
+          </a:lnRef>
+          <a:fillRef idx="3">
+            <a:schemeClr val="accent1"/>
+          </a:fillRef>
+          <a:effectRef idx="2">
+            <a:schemeClr val="accent1"/>
+          </a:effectRef>
+          <a:fontRef idx="minor">
+            <a:schemeClr val="lt1"/>
+          </a:fontRef>
+        </p:style>
+      </p:sp>
+      <p:sp>
+        <p:nvSpPr>
+          <p:cNvPr id="2" name="Titolo 1">
+            <a:extLst>
+              <a:ext uri="{FF2B5EF4-FFF2-40B4-BE49-F238E27FC236}">
+                <a16:creationId xmlns:a16="http://schemas.microsoft.com/office/drawing/2014/main" id="{687B73CC-B460-44B5-A5BA-26ADD8411CF3}"/>
+              </a:ext>
+            </a:extLst>
+          </p:cNvPr>
+          <p:cNvSpPr>
+            <a:spLocks noGrp="1"/>
+          </p:cNvSpPr>
+          <p:nvPr>
+            <p:ph type="title"/>
+          </p:nvPr>
+        </p:nvSpPr>
+        <p:spPr>
+          <a:xfrm>
+            <a:off x="8382055" y="1241266"/>
+            <a:ext cx="3161016" cy="3153753"/>
+          </a:xfrm>
+        </p:spPr>
+        <p:txBody>
+          <a:bodyPr vert="horz" lIns="91440" tIns="45720" rIns="91440" bIns="45720" rtlCol="0" anchor="b">
+            <a:normAutofit/>
+          </a:bodyPr>
+          <a:lstStyle/>
+          <a:p>
+            <a:pPr>
+              <a:lnSpc>
+                <a:spcPct val="90000"/>
+              </a:lnSpc>
+            </a:pPr>
+            <a:r>
+              <a:rPr lang="en-US" sz="4600"/>
+              <a:t>Modifiche al campo FLAG</a:t>
+            </a:r>
+          </a:p>
+        </p:txBody>
+      </p:sp>
+      <p:grpSp>
+        <p:nvGrpSpPr>
+          <p:cNvPr id="22" name="Group 21">
+            <a:extLst>
+              <a:ext uri="{FF2B5EF4-FFF2-40B4-BE49-F238E27FC236}">
+                <a16:creationId xmlns:a16="http://schemas.microsoft.com/office/drawing/2014/main" id="{227140B8-92FC-43F0-8CCA-F40052CE502D}"/>
+              </a:ext>
+              <a:ext uri="{C183D7F6-B498-43B3-948B-1728B52AA6E4}">
+                <adec:decorative xmlns:adec="http://schemas.microsoft.com/office/drawing/2017/decorative" val="1"/>
+              </a:ext>
+            </a:extLst>
+          </p:cNvPr>
+          <p:cNvGrpSpPr>
+            <a:grpSpLocks noGrp="1" noUngrp="1" noRot="1" noChangeAspect="1" noMove="1" noResize="1"/>
+          </p:cNvGrpSpPr>
+          <p:nvPr>
+            <p:extLst>
+              <p:ext uri="{386F3935-93C4-4BCD-93E2-E3B085C9AB24}">
+                <p16:designElem xmlns:p16="http://schemas.microsoft.com/office/powerpoint/2015/main" val="1"/>
+              </p:ext>
+            </p:extLst>
+          </p:nvPr>
+        </p:nvGrpSpPr>
+        <p:grpSpPr>
+          <a:xfrm>
+            <a:off x="423332" y="396837"/>
+            <a:ext cx="7906665" cy="6058999"/>
+            <a:chOff x="423332" y="396837"/>
+            <a:chExt cx="7906665" cy="6058999"/>
+          </a:xfrm>
+        </p:grpSpPr>
+        <p:sp>
+          <p:nvSpPr>
+            <p:cNvPr id="23" name="Rectangle 22">
+              <a:extLst>
+                <a:ext uri="{FF2B5EF4-FFF2-40B4-BE49-F238E27FC236}">
+                  <a16:creationId xmlns:a16="http://schemas.microsoft.com/office/drawing/2014/main" id="{E14FEF32-7604-4713-A9F1-9D90A6F78B99}"/>
+                </a:ext>
+                <a:ext uri="{C183D7F6-B498-43B3-948B-1728B52AA6E4}">
+                  <adec:decorative xmlns:adec="http://schemas.microsoft.com/office/drawing/2017/decorative" val="1"/>
+                </a:ext>
+              </a:extLst>
+            </p:cNvPr>
+            <p:cNvSpPr/>
+            <p:nvPr>
+              <p:extLst>
+                <p:ext uri="{386F3935-93C4-4BCD-93E2-E3B085C9AB24}">
+                  <p16:designElem xmlns:p16="http://schemas.microsoft.com/office/powerpoint/2015/main" val="1"/>
+                </p:ext>
+              </p:extLst>
+            </p:nvPr>
+          </p:nvSpPr>
+          <p:spPr bwMode="gray">
+            <a:xfrm flipH="1">
+              <a:off x="423332" y="402165"/>
+              <a:ext cx="6785133" cy="6053670"/>
+            </a:xfrm>
+            <a:prstGeom prst="rect">
+              <a:avLst/>
+            </a:prstGeom>
+            <a:solidFill>
+              <a:schemeClr val="bg1"/>
+            </a:solidFill>
+            <a:ln>
+              <a:noFill/>
+            </a:ln>
+            <a:effectLst/>
+          </p:spPr>
+          <p:style>
+            <a:lnRef idx="1">
+              <a:schemeClr val="accent1"/>
+            </a:lnRef>
+            <a:fillRef idx="3">
+              <a:schemeClr val="accent1"/>
+            </a:fillRef>
+            <a:effectRef idx="2">
+              <a:schemeClr val="accent1"/>
+            </a:effectRef>
+            <a:fontRef idx="minor">
+              <a:schemeClr val="lt1"/>
+            </a:fontRef>
+          </p:style>
+        </p:sp>
+        <p:sp>
+          <p:nvSpPr>
+            <p:cNvPr id="24" name="Freeform 5">
+              <a:extLst>
+                <a:ext uri="{FF2B5EF4-FFF2-40B4-BE49-F238E27FC236}">
+                  <a16:creationId xmlns:a16="http://schemas.microsoft.com/office/drawing/2014/main" id="{95AD3905-A7DD-4026-B7FD-C203CC3052E8}"/>
+                </a:ext>
+                <a:ext uri="{C183D7F6-B498-43B3-948B-1728B52AA6E4}">
+                  <adec:decorative xmlns:adec="http://schemas.microsoft.com/office/drawing/2017/decorative" val="1"/>
+                </a:ext>
+              </a:extLst>
+            </p:cNvPr>
+            <p:cNvSpPr/>
+            <p:nvPr>
+              <p:extLst>
+                <p:ext uri="{386F3935-93C4-4BCD-93E2-E3B085C9AB24}">
+                  <p16:designElem xmlns:p16="http://schemas.microsoft.com/office/powerpoint/2015/main" val="1"/>
+                </p:ext>
+              </p:extLst>
+            </p:nvPr>
+          </p:nvSpPr>
+          <p:spPr bwMode="gray">
+            <a:xfrm rot="5400000" flipH="1">
+              <a:off x="4616676" y="2801722"/>
+              <a:ext cx="6053670" cy="1254558"/>
+            </a:xfrm>
+            <a:custGeom>
+              <a:avLst/>
+              <a:gdLst/>
+              <a:ahLst/>
+              <a:cxnLst/>
+              <a:rect l="l" t="t" r="r" b="b"/>
+              <a:pathLst>
+                <a:path w="10000" h="8000">
+                  <a:moveTo>
+                    <a:pt x="0" y="0"/>
+                  </a:moveTo>
+                  <a:lnTo>
+                    <a:pt x="0" y="7970"/>
+                  </a:lnTo>
+                  <a:lnTo>
+                    <a:pt x="10000" y="8000"/>
+                  </a:lnTo>
+                  <a:lnTo>
+                    <a:pt x="10000" y="7"/>
+                  </a:lnTo>
+                  <a:lnTo>
+                    <a:pt x="10000" y="7"/>
+                  </a:lnTo>
+                  <a:lnTo>
+                    <a:pt x="9773" y="156"/>
+                  </a:lnTo>
+                  <a:lnTo>
+                    <a:pt x="9547" y="298"/>
+                  </a:lnTo>
+                  <a:lnTo>
+                    <a:pt x="9320" y="437"/>
+                  </a:lnTo>
+                  <a:lnTo>
+                    <a:pt x="9092" y="556"/>
+                  </a:lnTo>
+                  <a:lnTo>
+                    <a:pt x="8865" y="676"/>
+                  </a:lnTo>
+                  <a:lnTo>
+                    <a:pt x="8637" y="788"/>
+                  </a:lnTo>
+                  <a:lnTo>
+                    <a:pt x="8412" y="884"/>
+                  </a:lnTo>
+                  <a:lnTo>
+                    <a:pt x="8184" y="975"/>
+                  </a:lnTo>
+                  <a:lnTo>
+                    <a:pt x="7957" y="1058"/>
+                  </a:lnTo>
+                  <a:lnTo>
+                    <a:pt x="7734" y="1130"/>
+                  </a:lnTo>
+                  <a:lnTo>
+                    <a:pt x="7508" y="1202"/>
+                  </a:lnTo>
+                  <a:lnTo>
+                    <a:pt x="7285" y="1262"/>
+                  </a:lnTo>
+                  <a:lnTo>
+                    <a:pt x="7062" y="1309"/>
+                  </a:lnTo>
+                  <a:lnTo>
+                    <a:pt x="6840" y="1358"/>
+                  </a:lnTo>
+                  <a:lnTo>
+                    <a:pt x="6620" y="1399"/>
+                  </a:lnTo>
+                  <a:lnTo>
+                    <a:pt x="6402" y="1428"/>
+                  </a:lnTo>
+                  <a:lnTo>
+                    <a:pt x="6184" y="1453"/>
+                  </a:lnTo>
+                  <a:lnTo>
+                    <a:pt x="5968" y="1477"/>
+                  </a:lnTo>
+                  <a:lnTo>
+                    <a:pt x="5755" y="1488"/>
+                  </a:lnTo>
+                  <a:lnTo>
+                    <a:pt x="5542" y="1500"/>
+                  </a:lnTo>
+                  <a:lnTo>
+                    <a:pt x="5332" y="1506"/>
+                  </a:lnTo>
+                  <a:lnTo>
+                    <a:pt x="5124" y="1500"/>
+                  </a:lnTo>
+                  <a:lnTo>
+                    <a:pt x="4918" y="1500"/>
+                  </a:lnTo>
+                  <a:lnTo>
+                    <a:pt x="4714" y="1488"/>
+                  </a:lnTo>
+                  <a:lnTo>
+                    <a:pt x="4514" y="1470"/>
+                  </a:lnTo>
+                  <a:lnTo>
+                    <a:pt x="4316" y="1453"/>
+                  </a:lnTo>
+                  <a:lnTo>
+                    <a:pt x="4122" y="1434"/>
+                  </a:lnTo>
+                  <a:lnTo>
+                    <a:pt x="3929" y="1405"/>
+                  </a:lnTo>
+                  <a:lnTo>
+                    <a:pt x="3739" y="1374"/>
+                  </a:lnTo>
+                  <a:lnTo>
+                    <a:pt x="3553" y="1346"/>
+                  </a:lnTo>
+                  <a:lnTo>
+                    <a:pt x="3190" y="1267"/>
+                  </a:lnTo>
+                  <a:lnTo>
+                    <a:pt x="2842" y="1183"/>
+                  </a:lnTo>
+                  <a:lnTo>
+                    <a:pt x="2508" y="1095"/>
+                  </a:lnTo>
+                  <a:lnTo>
+                    <a:pt x="2192" y="998"/>
+                  </a:lnTo>
+                  <a:lnTo>
+                    <a:pt x="1890" y="897"/>
+                  </a:lnTo>
+                  <a:lnTo>
+                    <a:pt x="1610" y="788"/>
+                  </a:lnTo>
+                  <a:lnTo>
+                    <a:pt x="1347" y="681"/>
+                  </a:lnTo>
+                  <a:lnTo>
+                    <a:pt x="1105" y="574"/>
+                  </a:lnTo>
+                  <a:lnTo>
+                    <a:pt x="883" y="473"/>
+                  </a:lnTo>
+                  <a:lnTo>
+                    <a:pt x="686" y="377"/>
+                  </a:lnTo>
+                  <a:lnTo>
+                    <a:pt x="508" y="286"/>
+                  </a:lnTo>
+                  <a:lnTo>
+                    <a:pt x="358" y="210"/>
+                  </a:lnTo>
+                  <a:lnTo>
+                    <a:pt x="232" y="138"/>
+                  </a:lnTo>
+                  <a:lnTo>
+                    <a:pt x="59" y="35"/>
+                  </a:lnTo>
+                  <a:lnTo>
+                    <a:pt x="0" y="0"/>
+                  </a:lnTo>
+                  <a:lnTo>
+                    <a:pt x="0" y="0"/>
+                  </a:lnTo>
+                  <a:close/>
+                </a:path>
+              </a:pathLst>
+            </a:custGeom>
+            <a:solidFill>
+              <a:schemeClr val="bg1"/>
+            </a:solidFill>
+            <a:ln>
+              <a:noFill/>
+            </a:ln>
+          </p:spPr>
+        </p:sp>
+        <p:sp>
+          <p:nvSpPr>
+            <p:cNvPr id="25" name="Freeform 5">
+              <a:extLst>
+                <a:ext uri="{FF2B5EF4-FFF2-40B4-BE49-F238E27FC236}">
+                  <a16:creationId xmlns:a16="http://schemas.microsoft.com/office/drawing/2014/main" id="{467A9BDB-6572-473C-B2E5-C1AC2F7163D1}"/>
+                </a:ext>
+                <a:ext uri="{C183D7F6-B498-43B3-948B-1728B52AA6E4}">
+                  <adec:decorative xmlns:adec="http://schemas.microsoft.com/office/drawing/2017/decorative" val="1"/>
+                </a:ext>
+              </a:extLst>
+            </p:cNvPr>
+            <p:cNvSpPr/>
+            <p:nvPr>
+              <p:extLst>
+                <p:ext uri="{386F3935-93C4-4BCD-93E2-E3B085C9AB24}">
+                  <p16:designElem xmlns:p16="http://schemas.microsoft.com/office/powerpoint/2015/main" val="1"/>
+                </p:ext>
+              </p:extLst>
+            </p:nvPr>
+          </p:nvSpPr>
+          <p:spPr bwMode="gray">
+            <a:xfrm rot="5677511" flipH="1">
+              <a:off x="6459831" y="1826079"/>
+              <a:ext cx="3299407" cy="440924"/>
+            </a:xfrm>
+            <a:custGeom>
+              <a:avLst/>
+              <a:gdLst/>
+              <a:ahLst/>
+              <a:cxnLst/>
+              <a:rect l="l" t="t" r="r" b="b"/>
+              <a:pathLst>
+                <a:path w="10000" h="5291">
+                  <a:moveTo>
+                    <a:pt x="85" y="2532"/>
+                  </a:moveTo>
+                  <a:cubicBezTo>
+                    <a:pt x="1736" y="3911"/>
+                    <a:pt x="7524" y="5298"/>
+                    <a:pt x="9958" y="5291"/>
+                  </a:cubicBezTo>
+                  <a:cubicBezTo>
+                    <a:pt x="9989" y="1958"/>
+                    <a:pt x="9969" y="3333"/>
+                    <a:pt x="10000" y="0"/>
+                  </a:cubicBezTo>
+                  <a:lnTo>
+                    <a:pt x="10000" y="0"/>
+                  </a:lnTo>
+                  <a:lnTo>
+                    <a:pt x="9667" y="204"/>
+                  </a:lnTo>
+                  <a:lnTo>
+                    <a:pt x="9334" y="400"/>
+                  </a:lnTo>
+                  <a:lnTo>
+                    <a:pt x="9001" y="590"/>
+                  </a:lnTo>
+                  <a:lnTo>
+                    <a:pt x="8667" y="753"/>
+                  </a:lnTo>
+                  <a:lnTo>
+                    <a:pt x="8333" y="917"/>
+                  </a:lnTo>
+                  <a:lnTo>
+                    <a:pt x="7999" y="1071"/>
+                  </a:lnTo>
+                  <a:lnTo>
+                    <a:pt x="7669" y="1202"/>
+                  </a:lnTo>
+                  <a:lnTo>
+                    <a:pt x="7333" y="1325"/>
+                  </a:lnTo>
+                  <a:lnTo>
+                    <a:pt x="7000" y="1440"/>
+                  </a:lnTo>
+                  <a:lnTo>
+                    <a:pt x="6673" y="1538"/>
+                  </a:lnTo>
+                  <a:lnTo>
+                    <a:pt x="6340" y="1636"/>
+                  </a:lnTo>
+                  <a:lnTo>
+                    <a:pt x="6013" y="1719"/>
+                  </a:lnTo>
+                  <a:lnTo>
+                    <a:pt x="5686" y="1784"/>
+                  </a:lnTo>
+                  <a:lnTo>
+                    <a:pt x="5359" y="1850"/>
+                  </a:lnTo>
+                  <a:lnTo>
+                    <a:pt x="5036" y="1906"/>
+                  </a:lnTo>
+                  <a:lnTo>
+                    <a:pt x="4717" y="1948"/>
+                  </a:lnTo>
+                  <a:lnTo>
+                    <a:pt x="4396" y="1980"/>
+                  </a:lnTo>
+                  <a:lnTo>
+                    <a:pt x="4079" y="2013"/>
+                  </a:lnTo>
+                  <a:lnTo>
+                    <a:pt x="3766" y="2029"/>
+                  </a:lnTo>
+                  <a:lnTo>
+                    <a:pt x="3454" y="2046"/>
+                  </a:lnTo>
+                  <a:lnTo>
+                    <a:pt x="3145" y="2053"/>
+                  </a:lnTo>
+                  <a:lnTo>
+                    <a:pt x="2839" y="2046"/>
+                  </a:lnTo>
+                  <a:lnTo>
+                    <a:pt x="2537" y="2046"/>
+                  </a:lnTo>
+                  <a:lnTo>
+                    <a:pt x="2238" y="2029"/>
+                  </a:lnTo>
+                  <a:lnTo>
+                    <a:pt x="1943" y="2004"/>
+                  </a:lnTo>
+                  <a:lnTo>
+                    <a:pt x="1653" y="1980"/>
+                  </a:lnTo>
+                  <a:lnTo>
+                    <a:pt x="1368" y="1955"/>
+                  </a:lnTo>
+                  <a:lnTo>
+                    <a:pt x="1085" y="1915"/>
+                  </a:lnTo>
+                  <a:lnTo>
+                    <a:pt x="806" y="1873"/>
+                  </a:lnTo>
+                  <a:lnTo>
+                    <a:pt x="533" y="1833"/>
+                  </a:lnTo>
+                  <a:lnTo>
+                    <a:pt x="0" y="1726"/>
+                  </a:lnTo>
+                  <a:cubicBezTo>
+                    <a:pt x="28" y="1995"/>
+                    <a:pt x="57" y="2263"/>
+                    <a:pt x="85" y="2532"/>
+                  </a:cubicBezTo>
+                  <a:close/>
+                </a:path>
+              </a:pathLst>
+            </a:custGeom>
+            <a:solidFill>
+              <a:schemeClr val="bg1">
+                <a:alpha val="20000"/>
+              </a:schemeClr>
+            </a:solidFill>
+            <a:ln>
+              <a:noFill/>
+            </a:ln>
+          </p:spPr>
+        </p:sp>
+      </p:grpSp>
+      <p:pic>
+        <p:nvPicPr>
+          <p:cNvPr id="9" name="Segnaposto contenuto 8" descr="Immagine che contiene screenshot&#10;&#10;Descrizione generata automaticamente">
+            <a:extLst>
+              <a:ext uri="{FF2B5EF4-FFF2-40B4-BE49-F238E27FC236}">
+                <a16:creationId xmlns:a16="http://schemas.microsoft.com/office/drawing/2014/main" id="{5E435AEB-52EA-4B6A-BE5C-16EBC9D1A410}"/>
+              </a:ext>
+            </a:extLst>
+          </p:cNvPr>
+          <p:cNvPicPr>
+            <a:picLocks noGrp="1" noChangeAspect="1"/>
+          </p:cNvPicPr>
+          <p:nvPr>
+            <p:ph idx="1"/>
+          </p:nvPr>
+        </p:nvPicPr>
+        <p:blipFill>
+          <a:blip r:embed="rId3"/>
+          <a:stretch>
+            <a:fillRect/>
+          </a:stretch>
+        </p:blipFill>
+        <p:spPr>
+          <a:xfrm>
+            <a:off x="693266" y="615745"/>
+            <a:ext cx="6713062" cy="5335953"/>
+          </a:xfrm>
+        </p:spPr>
+      </p:pic>
+    </p:spTree>
+    <p:extLst>
+      <p:ext uri="{BB962C8B-B14F-4D97-AF65-F5344CB8AC3E}">
+        <p14:creationId xmlns:p14="http://schemas.microsoft.com/office/powerpoint/2010/main" val="4018077245"/>
+      </p:ext>
+    </p:extLst>
+  </p:cSld>
+  <p:clrMapOvr>
+    <a:masterClrMapping/>
+  </p:clrMapOvr>
+</p:sld>
+</file>
+
+<file path=ppt/slides/slide11.xml><?xml version="1.0" encoding="utf-8"?>
+<p:sld xmlns:a="http://schemas.openxmlformats.org/drawingml/2006/main" xmlns:r="http://schemas.openxmlformats.org/officeDocument/2006/relationships" xmlns:p="http://schemas.openxmlformats.org/presentationml/2006/main">
+  <p:cSld>
+    <p:spTree>
+      <p:nvGrpSpPr>
+        <p:cNvPr id="1" name=""/>
+        <p:cNvGrpSpPr/>
+        <p:nvPr/>
+      </p:nvGrpSpPr>
+      <p:grpSpPr>
+        <a:xfrm>
+          <a:off x="0" y="0"/>
+          <a:ext cx="0" cy="0"/>
+          <a:chOff x="0" y="0"/>
+          <a:chExt cx="0" cy="0"/>
+        </a:xfrm>
+      </p:grpSpPr>
+      <p:sp>
+        <p:nvSpPr>
+          <p:cNvPr id="2" name="Titolo 1">
+            <a:extLst>
+              <a:ext uri="{FF2B5EF4-FFF2-40B4-BE49-F238E27FC236}">
+                <a16:creationId xmlns:a16="http://schemas.microsoft.com/office/drawing/2014/main" id="{AA620634-592E-4C3D-925E-B56E651C949A}"/>
+              </a:ext>
+            </a:extLst>
+          </p:cNvPr>
+          <p:cNvSpPr>
+            <a:spLocks noGrp="1"/>
+          </p:cNvSpPr>
+          <p:nvPr>
+            <p:ph type="title"/>
+          </p:nvPr>
+        </p:nvSpPr>
+        <p:spPr/>
+        <p:txBody>
+          <a:bodyPr/>
+          <a:lstStyle/>
+          <a:p>
+            <a:r>
+              <a:rPr lang="it-IT" dirty="0"/>
+              <a:t>Campi RNEXT, PNEXT, TLEN</a:t>
+            </a:r>
+          </a:p>
+        </p:txBody>
+      </p:sp>
+      <p:sp>
+        <p:nvSpPr>
+          <p:cNvPr id="3" name="Segnaposto contenuto 2">
+            <a:extLst>
+              <a:ext uri="{FF2B5EF4-FFF2-40B4-BE49-F238E27FC236}">
+                <a16:creationId xmlns:a16="http://schemas.microsoft.com/office/drawing/2014/main" id="{96075553-7D69-4FE4-A8D5-4DFDE9D97607}"/>
+              </a:ext>
+            </a:extLst>
+          </p:cNvPr>
+          <p:cNvSpPr>
+            <a:spLocks noGrp="1"/>
+          </p:cNvSpPr>
+          <p:nvPr>
+            <p:ph idx="1"/>
+          </p:nvPr>
+        </p:nvSpPr>
+        <p:spPr/>
+        <p:txBody>
+          <a:bodyPr/>
+          <a:lstStyle/>
+          <a:p>
+            <a:r>
+              <a:rPr lang="it-IT" dirty="0"/>
+              <a:t>RNEXT = nome dell’allineamento (campo QNAME) del mate</a:t>
+            </a:r>
+          </a:p>
+          <a:p>
+            <a:r>
+              <a:rPr lang="it-IT" dirty="0"/>
+              <a:t>PNEXT = posizione iniziale dell’allineamento (campo POS) del mate</a:t>
+            </a:r>
+          </a:p>
+          <a:p>
+            <a:r>
+              <a:rPr lang="it-IT" dirty="0"/>
+              <a:t>TLEN  = Distanza tra mate</a:t>
+            </a:r>
+          </a:p>
+          <a:p>
+            <a:r>
+              <a:rPr lang="it-IT" dirty="0"/>
+              <a:t>Settando correttamente questi campi, i mate risultano correttamente mappati</a:t>
+            </a:r>
+          </a:p>
+          <a:p>
+            <a:pPr lvl="1"/>
+            <a:r>
+              <a:rPr lang="it-IT" dirty="0"/>
+              <a:t>Usando IGV, ad esempio, posizionando il cursore del mouse su una </a:t>
+            </a:r>
+            <a:r>
+              <a:rPr lang="it-IT" dirty="0" err="1"/>
+              <a:t>read</a:t>
+            </a:r>
+            <a:r>
+              <a:rPr lang="it-IT" dirty="0"/>
+              <a:t>, vengono visualizzate informazioni sul mate</a:t>
+            </a:r>
+          </a:p>
+        </p:txBody>
+      </p:sp>
+    </p:spTree>
+    <p:extLst>
+      <p:ext uri="{BB962C8B-B14F-4D97-AF65-F5344CB8AC3E}">
+        <p14:creationId xmlns:p14="http://schemas.microsoft.com/office/powerpoint/2010/main" val="3638582784"/>
+      </p:ext>
+    </p:extLst>
+  </p:cSld>
+  <p:clrMapOvr>
+    <a:masterClrMapping/>
+  </p:clrMapOvr>
+</p:sld>
+</file>
+
+<file path=ppt/slides/slide12.xml><?xml version="1.0" encoding="utf-8"?>
+<p:sld xmlns:a="http://schemas.openxmlformats.org/drawingml/2006/main" xmlns:r="http://schemas.openxmlformats.org/officeDocument/2006/relationships" xmlns:p="http://schemas.openxmlformats.org/presentationml/2006/main">
+  <p:cSld>
+    <p:spTree>
+      <p:nvGrpSpPr>
+        <p:cNvPr id="1" name=""/>
+        <p:cNvGrpSpPr/>
+        <p:nvPr/>
+      </p:nvGrpSpPr>
+      <p:grpSpPr>
+        <a:xfrm>
+          <a:off x="0" y="0"/>
+          <a:ext cx="0" cy="0"/>
+          <a:chOff x="0" y="0"/>
+          <a:chExt cx="0" cy="0"/>
+        </a:xfrm>
+      </p:grpSpPr>
+      <p:sp>
+        <p:nvSpPr>
+          <p:cNvPr id="2" name="Titolo 1">
+            <a:extLst>
+              <a:ext uri="{FF2B5EF4-FFF2-40B4-BE49-F238E27FC236}">
+                <a16:creationId xmlns:a16="http://schemas.microsoft.com/office/drawing/2014/main" id="{075AF54F-6E7C-4E8B-925F-004A08239966}"/>
+              </a:ext>
+            </a:extLst>
+          </p:cNvPr>
+          <p:cNvSpPr>
+            <a:spLocks noGrp="1"/>
+          </p:cNvSpPr>
+          <p:nvPr>
+            <p:ph type="title"/>
+          </p:nvPr>
+        </p:nvSpPr>
+        <p:spPr>
+          <a:xfrm>
+            <a:off x="1154954" y="973669"/>
+            <a:ext cx="8825659" cy="706964"/>
+          </a:xfrm>
+        </p:spPr>
+        <p:txBody>
+          <a:bodyPr/>
+          <a:lstStyle/>
+          <a:p>
+            <a:r>
+              <a:rPr lang="it-IT"/>
+              <a:t>Rilevazione di eventi di Alternative Splicing</a:t>
+            </a:r>
+            <a:endParaRPr lang="it-IT" dirty="0"/>
+          </a:p>
+        </p:txBody>
+      </p:sp>
+      <p:pic>
+        <p:nvPicPr>
+          <p:cNvPr id="5" name="Segnaposto contenuto 4" descr="Immagine che contiene screenshot&#10;&#10;Descrizione generata automaticamente">
+            <a:extLst>
+              <a:ext uri="{FF2B5EF4-FFF2-40B4-BE49-F238E27FC236}">
+                <a16:creationId xmlns:a16="http://schemas.microsoft.com/office/drawing/2014/main" id="{A0DE2700-9A76-4064-8CB9-1942C1DABBFE}"/>
+              </a:ext>
+            </a:extLst>
+          </p:cNvPr>
+          <p:cNvPicPr>
+            <a:picLocks noGrp="1" noChangeAspect="1"/>
+          </p:cNvPicPr>
+          <p:nvPr>
+            <p:ph idx="1"/>
+          </p:nvPr>
+        </p:nvPicPr>
+        <p:blipFill>
+          <a:blip r:embed="rId2"/>
+          <a:stretch>
+            <a:fillRect/>
+          </a:stretch>
+        </p:blipFill>
+        <p:spPr>
+          <a:xfrm>
+            <a:off x="465499" y="2588343"/>
+            <a:ext cx="5433855" cy="3295988"/>
+          </a:xfrm>
+        </p:spPr>
+      </p:pic>
+      <p:pic>
+        <p:nvPicPr>
+          <p:cNvPr id="11" name="Immagine 10" descr="Immagine che contiene testo, bottiglia&#10;&#10;Descrizione generata automaticamente">
+            <a:extLst>
+              <a:ext uri="{FF2B5EF4-FFF2-40B4-BE49-F238E27FC236}">
+                <a16:creationId xmlns:a16="http://schemas.microsoft.com/office/drawing/2014/main" id="{3A2DC6CD-AA9B-480D-B789-78119D36EC29}"/>
+              </a:ext>
+            </a:extLst>
+          </p:cNvPr>
+          <p:cNvPicPr>
+            <a:picLocks noChangeAspect="1"/>
+          </p:cNvPicPr>
+          <p:nvPr/>
+        </p:nvPicPr>
+        <p:blipFill>
+          <a:blip r:embed="rId3"/>
+          <a:stretch>
+            <a:fillRect/>
+          </a:stretch>
+        </p:blipFill>
+        <p:spPr>
+          <a:xfrm>
+            <a:off x="5567783" y="3429000"/>
+            <a:ext cx="5736856" cy="2367116"/>
+          </a:xfrm>
+          <a:prstGeom prst="rect">
+            <a:avLst/>
+          </a:prstGeom>
+        </p:spPr>
+      </p:pic>
+    </p:spTree>
+    <p:extLst>
+      <p:ext uri="{BB962C8B-B14F-4D97-AF65-F5344CB8AC3E}">
+        <p14:creationId xmlns:p14="http://schemas.microsoft.com/office/powerpoint/2010/main" val="531303288"/>
+      </p:ext>
+    </p:extLst>
+  </p:cSld>
+  <p:clrMapOvr>
+    <a:masterClrMapping/>
+  </p:clrMapOvr>
+</p:sld>
+</file>
+
+<file path=ppt/slides/slide13.xml><?xml version="1.0" encoding="utf-8"?>
+<p:sld xmlns:a="http://schemas.openxmlformats.org/drawingml/2006/main" xmlns:r="http://schemas.openxmlformats.org/officeDocument/2006/relationships" xmlns:p="http://schemas.openxmlformats.org/presentationml/2006/main">
+  <p:cSld>
+    <p:spTree>
+      <p:nvGrpSpPr>
+        <p:cNvPr id="1" name=""/>
+        <p:cNvGrpSpPr/>
+        <p:nvPr/>
+      </p:nvGrpSpPr>
+      <p:grpSpPr>
+        <a:xfrm>
+          <a:off x="0" y="0"/>
+          <a:ext cx="0" cy="0"/>
+          <a:chOff x="0" y="0"/>
+          <a:chExt cx="0" cy="0"/>
+        </a:xfrm>
+      </p:grpSpPr>
+      <p:sp>
+        <p:nvSpPr>
+          <p:cNvPr id="2" name="Titolo 1">
+            <a:extLst>
+              <a:ext uri="{FF2B5EF4-FFF2-40B4-BE49-F238E27FC236}">
+                <a16:creationId xmlns:a16="http://schemas.microsoft.com/office/drawing/2014/main" id="{0FAB421C-E5CD-4CE6-A2E9-1DE909C497D3}"/>
+              </a:ext>
+            </a:extLst>
+          </p:cNvPr>
+          <p:cNvSpPr>
+            <a:spLocks noGrp="1"/>
+          </p:cNvSpPr>
+          <p:nvPr>
+            <p:ph type="title"/>
+          </p:nvPr>
+        </p:nvSpPr>
+        <p:spPr/>
+        <p:txBody>
+          <a:bodyPr/>
+          <a:lstStyle/>
+          <a:p>
+            <a:r>
+              <a:rPr lang="it-IT" dirty="0"/>
+              <a:t>IDMP &amp; TIDMP, Sviluppi Futuri</a:t>
+            </a:r>
+          </a:p>
+        </p:txBody>
+      </p:sp>
+      <p:sp>
+        <p:nvSpPr>
+          <p:cNvPr id="3" name="Segnaposto contenuto 2">
+            <a:extLst>
+              <a:ext uri="{FF2B5EF4-FFF2-40B4-BE49-F238E27FC236}">
+                <a16:creationId xmlns:a16="http://schemas.microsoft.com/office/drawing/2014/main" id="{05E762D8-2DE1-49DC-B5C6-6B29F2E3C330}"/>
+              </a:ext>
+            </a:extLst>
+          </p:cNvPr>
+          <p:cNvSpPr>
+            <a:spLocks noGrp="1"/>
+          </p:cNvSpPr>
+          <p:nvPr>
+            <p:ph idx="1"/>
+          </p:nvPr>
+        </p:nvSpPr>
+        <p:spPr/>
+        <p:txBody>
+          <a:bodyPr/>
+          <a:lstStyle/>
+          <a:p>
+            <a:r>
+              <a:rPr lang="it-IT" b="1" dirty="0"/>
+              <a:t>IDMP </a:t>
+            </a:r>
+            <a:r>
+              <a:rPr lang="it-IT" dirty="0"/>
+              <a:t>(Inner </a:t>
+            </a:r>
+            <a:r>
+              <a:rPr lang="it-IT" dirty="0" err="1"/>
+              <a:t>Distance</a:t>
+            </a:r>
+            <a:r>
+              <a:rPr lang="it-IT" dirty="0"/>
+              <a:t> </a:t>
+            </a:r>
+            <a:r>
+              <a:rPr lang="it-IT" dirty="0" err="1"/>
+              <a:t>between</a:t>
+            </a:r>
+            <a:r>
+              <a:rPr lang="it-IT" dirty="0"/>
+              <a:t> Mate </a:t>
+            </a:r>
+            <a:r>
+              <a:rPr lang="it-IT" dirty="0" err="1"/>
+              <a:t>Pairs</a:t>
+            </a:r>
+            <a:r>
+              <a:rPr lang="it-IT" dirty="0"/>
+              <a:t>) distanza sul genoma tra </a:t>
+            </a:r>
+            <a:r>
+              <a:rPr lang="it-IT" dirty="0" err="1"/>
+              <a:t>read</a:t>
+            </a:r>
+            <a:r>
+              <a:rPr lang="it-IT" dirty="0"/>
+              <a:t> allineate</a:t>
+            </a:r>
+          </a:p>
+          <a:p>
+            <a:pPr lvl="1"/>
+            <a:r>
+              <a:rPr lang="it-IT" b="1" dirty="0"/>
+              <a:t>Problema #1 : </a:t>
+            </a:r>
+            <a:r>
+              <a:rPr lang="it-IT" dirty="0"/>
+              <a:t>Distanza tra </a:t>
+            </a:r>
+            <a:r>
+              <a:rPr lang="it-IT" dirty="0" err="1"/>
+              <a:t>read</a:t>
+            </a:r>
+            <a:r>
+              <a:rPr lang="it-IT" dirty="0"/>
+              <a:t> non sempre disponibile, possibile calcolarla via allineamento con altri allineatori</a:t>
+            </a:r>
+          </a:p>
+          <a:p>
+            <a:pPr lvl="1"/>
+            <a:r>
+              <a:rPr lang="it-IT" b="1" dirty="0"/>
+              <a:t>Problema #2 : </a:t>
+            </a:r>
+            <a:r>
+              <a:rPr lang="it-IT" dirty="0"/>
+              <a:t>Non tutti gli allineatori hanno la stessa nozione di «distanza tra </a:t>
+            </a:r>
+            <a:r>
+              <a:rPr lang="it-IT" dirty="0" err="1"/>
+              <a:t>read</a:t>
+            </a:r>
+            <a:r>
+              <a:rPr lang="it-IT" dirty="0"/>
+              <a:t>» + politiche di allineamento diverse portano a risultati diversi</a:t>
+            </a:r>
+            <a:endParaRPr lang="it-IT" b="1" dirty="0"/>
+          </a:p>
+          <a:p>
+            <a:r>
+              <a:rPr lang="it-IT" b="1" dirty="0"/>
+              <a:t>TIDMP </a:t>
+            </a:r>
+            <a:r>
+              <a:rPr lang="it-IT" dirty="0"/>
+              <a:t>(</a:t>
+            </a:r>
+            <a:r>
+              <a:rPr lang="it-IT" dirty="0" err="1"/>
+              <a:t>Transcript-based</a:t>
+            </a:r>
+            <a:r>
+              <a:rPr lang="it-IT" dirty="0"/>
+              <a:t> IDMP) distanza sui trascritti tra </a:t>
+            </a:r>
+            <a:r>
+              <a:rPr lang="it-IT" dirty="0" err="1"/>
+              <a:t>read</a:t>
+            </a:r>
+            <a:r>
+              <a:rPr lang="it-IT" dirty="0"/>
+              <a:t> allineate</a:t>
+            </a:r>
+          </a:p>
+          <a:p>
+            <a:pPr lvl="1"/>
+            <a:r>
+              <a:rPr lang="it-IT" b="1" dirty="0"/>
+              <a:t>Problema #1: </a:t>
+            </a:r>
+            <a:r>
+              <a:rPr lang="it-IT" dirty="0"/>
+              <a:t>Non è ancora stato calcolato su trascritti non consecutivi</a:t>
+            </a:r>
+          </a:p>
+          <a:p>
+            <a:pPr lvl="1"/>
+            <a:r>
+              <a:rPr lang="it-IT" b="1" dirty="0"/>
+              <a:t>Problema #2: </a:t>
+            </a:r>
+            <a:r>
+              <a:rPr lang="it-IT" dirty="0"/>
+              <a:t>Valida alternativa a IDMP?</a:t>
+            </a:r>
+          </a:p>
+          <a:p>
+            <a:endParaRPr lang="it-IT" dirty="0"/>
+          </a:p>
+          <a:p>
+            <a:endParaRPr lang="it-IT" b="1" dirty="0"/>
+          </a:p>
+        </p:txBody>
+      </p:sp>
+    </p:spTree>
+    <p:extLst>
+      <p:ext uri="{BB962C8B-B14F-4D97-AF65-F5344CB8AC3E}">
+        <p14:creationId xmlns:p14="http://schemas.microsoft.com/office/powerpoint/2010/main" val="3429650190"/>
+      </p:ext>
+    </p:extLst>
+  </p:cSld>
+  <p:clrMapOvr>
+    <a:masterClrMapping/>
+  </p:clrMapOvr>
+</p:sld>
+</file>
+
+<file path=ppt/slides/slide14.xml><?xml version="1.0" encoding="utf-8"?>
+<p:sld xmlns:a="http://schemas.openxmlformats.org/drawingml/2006/main" xmlns:r="http://schemas.openxmlformats.org/officeDocument/2006/relationships" xmlns:p="http://schemas.openxmlformats.org/presentationml/2006/main">
+  <p:cSld>
+    <p:spTree>
+      <p:nvGrpSpPr>
+        <p:cNvPr id="1" name=""/>
+        <p:cNvGrpSpPr/>
+        <p:nvPr/>
+      </p:nvGrpSpPr>
+      <p:grpSpPr>
+        <a:xfrm>
+          <a:off x="0" y="0"/>
+          <a:ext cx="0" cy="0"/>
+          <a:chOff x="0" y="0"/>
+          <a:chExt cx="0" cy="0"/>
+        </a:xfrm>
+      </p:grpSpPr>
+      <p:sp>
+        <p:nvSpPr>
+          <p:cNvPr id="2" name="Titolo 1">
+            <a:extLst>
+              <a:ext uri="{FF2B5EF4-FFF2-40B4-BE49-F238E27FC236}">
+                <a16:creationId xmlns:a16="http://schemas.microsoft.com/office/drawing/2014/main" id="{6C104ED6-A3FA-4D53-86BB-BEA2E9410666}"/>
+              </a:ext>
+            </a:extLst>
+          </p:cNvPr>
+          <p:cNvSpPr>
+            <a:spLocks noGrp="1"/>
+          </p:cNvSpPr>
+          <p:nvPr>
+            <p:ph type="title"/>
+          </p:nvPr>
+        </p:nvSpPr>
+        <p:spPr/>
+        <p:txBody>
+          <a:bodyPr/>
+          <a:lstStyle/>
+          <a:p>
+            <a:r>
+              <a:rPr lang="it-IT" dirty="0"/>
+              <a:t>IDMP &amp; TIDMP, Sviluppi Futuri (2)</a:t>
+            </a:r>
+          </a:p>
+        </p:txBody>
+      </p:sp>
+      <p:sp>
+        <p:nvSpPr>
+          <p:cNvPr id="3" name="Segnaposto contenuto 2">
+            <a:extLst>
+              <a:ext uri="{FF2B5EF4-FFF2-40B4-BE49-F238E27FC236}">
+                <a16:creationId xmlns:a16="http://schemas.microsoft.com/office/drawing/2014/main" id="{25D30B1E-6369-405B-8862-72F569970A4F}"/>
+              </a:ext>
+            </a:extLst>
+          </p:cNvPr>
+          <p:cNvSpPr>
+            <a:spLocks noGrp="1"/>
+          </p:cNvSpPr>
+          <p:nvPr>
+            <p:ph idx="1"/>
+          </p:nvPr>
+        </p:nvSpPr>
+        <p:spPr/>
+        <p:txBody>
+          <a:bodyPr/>
+          <a:lstStyle/>
+          <a:p>
+            <a:r>
+              <a:rPr lang="it-IT" dirty="0"/>
+              <a:t>Scartare le </a:t>
+            </a:r>
+            <a:r>
+              <a:rPr lang="it-IT" dirty="0" err="1"/>
+              <a:t>read</a:t>
+            </a:r>
+            <a:r>
+              <a:rPr lang="it-IT" dirty="0"/>
+              <a:t> allineate con IDMP/TIDMP eccessivo</a:t>
+            </a:r>
+          </a:p>
+          <a:p>
+            <a:pPr lvl="1"/>
+            <a:r>
+              <a:rPr lang="it-IT" dirty="0"/>
+              <a:t>Potrebbe peggiorare le capacità di rilevazione di alcuni eventi (es: </a:t>
+            </a:r>
+            <a:r>
+              <a:rPr lang="it-IT" dirty="0" err="1"/>
+              <a:t>Exon</a:t>
+            </a:r>
+            <a:r>
+              <a:rPr lang="it-IT" dirty="0"/>
+              <a:t> </a:t>
+            </a:r>
+            <a:r>
+              <a:rPr lang="it-IT" dirty="0" err="1"/>
+              <a:t>Skipping</a:t>
+            </a:r>
+            <a:r>
+              <a:rPr lang="it-IT" dirty="0"/>
+              <a:t>)</a:t>
+            </a:r>
+          </a:p>
+          <a:p>
+            <a:r>
+              <a:rPr lang="it-IT" dirty="0"/>
+              <a:t>Riallineamento in caso di IDMP/TIDMP eccessivo</a:t>
+            </a:r>
+          </a:p>
+          <a:p>
+            <a:pPr lvl="1"/>
+            <a:r>
+              <a:rPr lang="it-IT" dirty="0"/>
+              <a:t>Difficile da implementare</a:t>
+            </a:r>
+          </a:p>
+        </p:txBody>
+      </p:sp>
+    </p:spTree>
+    <p:extLst>
+      <p:ext uri="{BB962C8B-B14F-4D97-AF65-F5344CB8AC3E}">
+        <p14:creationId xmlns:p14="http://schemas.microsoft.com/office/powerpoint/2010/main" val="2515794963"/>
+      </p:ext>
+    </p:extLst>
+  </p:cSld>
+  <p:clrMapOvr>
+    <a:masterClrMapping/>
+  </p:clrMapOvr>
+</p:sld>
+</file>
+
+<file path=ppt/slides/slide15.xml><?xml version="1.0" encoding="utf-8"?>
+<p:sld xmlns:a="http://schemas.openxmlformats.org/drawingml/2006/main" xmlns:r="http://schemas.openxmlformats.org/officeDocument/2006/relationships" xmlns:p="http://schemas.openxmlformats.org/presentationml/2006/main">
+  <p:cSld>
+    <p:spTree>
+      <p:nvGrpSpPr>
+        <p:cNvPr id="1" name=""/>
+        <p:cNvGrpSpPr/>
+        <p:nvPr/>
+      </p:nvGrpSpPr>
+      <p:grpSpPr>
+        <a:xfrm>
+          <a:off x="0" y="0"/>
+          <a:ext cx="0" cy="0"/>
+          <a:chOff x="0" y="0"/>
+          <a:chExt cx="0" cy="0"/>
+        </a:xfrm>
+      </p:grpSpPr>
+      <p:sp>
+        <p:nvSpPr>
+          <p:cNvPr id="2" name="Titolo 1">
+            <a:extLst>
+              <a:ext uri="{FF2B5EF4-FFF2-40B4-BE49-F238E27FC236}">
+                <a16:creationId xmlns:a16="http://schemas.microsoft.com/office/drawing/2014/main" id="{2DF5AC93-8F7A-45D9-9551-2C1C04D6B58E}"/>
+              </a:ext>
+            </a:extLst>
+          </p:cNvPr>
+          <p:cNvSpPr>
+            <a:spLocks noGrp="1"/>
+          </p:cNvSpPr>
+          <p:nvPr>
+            <p:ph type="title"/>
+          </p:nvPr>
+        </p:nvSpPr>
+        <p:spPr/>
+        <p:txBody>
+          <a:bodyPr/>
+          <a:lstStyle/>
+          <a:p>
+            <a:r>
+              <a:rPr lang="it-IT" dirty="0"/>
+              <a:t>Conclusioni</a:t>
+            </a:r>
+          </a:p>
+        </p:txBody>
+      </p:sp>
+      <p:sp>
+        <p:nvSpPr>
+          <p:cNvPr id="3" name="Segnaposto contenuto 2">
+            <a:extLst>
+              <a:ext uri="{FF2B5EF4-FFF2-40B4-BE49-F238E27FC236}">
+                <a16:creationId xmlns:a16="http://schemas.microsoft.com/office/drawing/2014/main" id="{8619E0C1-33DC-4D01-A841-E351658D6FC6}"/>
+              </a:ext>
+            </a:extLst>
+          </p:cNvPr>
+          <p:cNvSpPr>
+            <a:spLocks noGrp="1"/>
+          </p:cNvSpPr>
+          <p:nvPr>
+            <p:ph idx="1"/>
+          </p:nvPr>
+        </p:nvSpPr>
+        <p:spPr/>
+        <p:txBody>
+          <a:bodyPr/>
+          <a:lstStyle/>
+          <a:p>
+            <a:r>
+              <a:rPr lang="it-IT" dirty="0"/>
+              <a:t>ASGAL è ora in grado di:</a:t>
+            </a:r>
+          </a:p>
+          <a:p>
+            <a:pPr lvl="1"/>
+            <a:r>
+              <a:rPr lang="it-IT" dirty="0"/>
+              <a:t>allineare correttamente </a:t>
+            </a:r>
+            <a:r>
+              <a:rPr lang="it-IT" dirty="0" err="1"/>
+              <a:t>read</a:t>
+            </a:r>
+            <a:r>
+              <a:rPr lang="it-IT" dirty="0"/>
+              <a:t> </a:t>
+            </a:r>
+            <a:r>
+              <a:rPr lang="it-IT" dirty="0" err="1"/>
+              <a:t>paired</a:t>
+            </a:r>
+            <a:r>
+              <a:rPr lang="it-IT" dirty="0"/>
+              <a:t>-end con un genoma di riferimento</a:t>
+            </a:r>
+          </a:p>
+          <a:p>
+            <a:pPr lvl="1"/>
+            <a:r>
+              <a:rPr lang="it-IT" dirty="0"/>
+              <a:t>salvare gli allineamenti ottenuti nel formato SAM (rispettando le specifiche per quanto riguarda </a:t>
+            </a:r>
+            <a:r>
+              <a:rPr lang="it-IT" dirty="0" err="1"/>
+              <a:t>read</a:t>
+            </a:r>
+            <a:r>
+              <a:rPr lang="it-IT" dirty="0"/>
+              <a:t> </a:t>
+            </a:r>
+            <a:r>
+              <a:rPr lang="it-IT" dirty="0" err="1"/>
+              <a:t>paired</a:t>
+            </a:r>
+            <a:r>
+              <a:rPr lang="it-IT" dirty="0"/>
+              <a:t>-end)</a:t>
+            </a:r>
+          </a:p>
+          <a:p>
+            <a:pPr lvl="1"/>
+            <a:r>
+              <a:rPr lang="it-IT" dirty="0"/>
+              <a:t>visualizzare gli eventi di Alternative Splicing rilevati</a:t>
+            </a:r>
+          </a:p>
+          <a:p>
+            <a:r>
+              <a:rPr lang="it-IT" dirty="0"/>
+              <a:t>Rimangono da investigare i possibili utilizzi di IDMP e TIDMP per migliorare la qualità della rilevazione</a:t>
+            </a:r>
+          </a:p>
+          <a:p>
+            <a:r>
+              <a:rPr lang="it-IT" dirty="0"/>
+              <a:t>Codice disponibile su: </a:t>
+            </a:r>
+            <a:r>
+              <a:rPr lang="it-IT" dirty="0">
+                <a:hlinkClick r:id="rId2"/>
+              </a:rPr>
+              <a:t>https://github.com/HopedWall/galig</a:t>
+            </a:r>
+            <a:endParaRPr lang="it-IT" dirty="0"/>
+          </a:p>
+        </p:txBody>
+      </p:sp>
+    </p:spTree>
+    <p:extLst>
+      <p:ext uri="{BB962C8B-B14F-4D97-AF65-F5344CB8AC3E}">
+        <p14:creationId xmlns:p14="http://schemas.microsoft.com/office/powerpoint/2010/main" val="3019954621"/>
+      </p:ext>
+    </p:extLst>
+  </p:cSld>
+  <p:clrMapOvr>
+    <a:masterClrMapping/>
   </p:clrMapOvr>
 </p:sld>
 </file>
@@ -16290,8 +18022,8 @@
         </p:blipFill>
         <p:spPr>
           <a:xfrm>
-            <a:off x="6585155" y="2591321"/>
-            <a:ext cx="4277031" cy="3558756"/>
+            <a:off x="6585156" y="2591321"/>
+            <a:ext cx="4358890" cy="3558756"/>
           </a:xfrm>
           <a:prstGeom prst="roundRect">
             <a:avLst>
@@ -16324,7 +18056,7 @@
         <p:spPr>
           <a:xfrm>
             <a:off x="803787" y="2591321"/>
-            <a:ext cx="5235677" cy="3293009"/>
+            <a:ext cx="5453239" cy="3293009"/>
           </a:xfrm>
           <a:prstGeom prst="roundRect">
             <a:avLst>
@@ -17259,7 +18991,232 @@
           </a:bodyPr>
           <a:lstStyle/>
           <a:p>
-            <a:endParaRPr lang="en-US">
+            <a:r>
+              <a:rPr lang="en-US" dirty="0">
+                <a:solidFill>
+                  <a:schemeClr val="bg1"/>
+                </a:solidFill>
+              </a:rPr>
+              <a:t>Due </a:t>
+            </a:r>
+            <a:r>
+              <a:rPr lang="en-US" dirty="0" err="1">
+                <a:solidFill>
+                  <a:schemeClr val="bg1"/>
+                </a:solidFill>
+              </a:rPr>
+              <a:t>letture</a:t>
+            </a:r>
+            <a:r>
+              <a:rPr lang="en-US" dirty="0">
+                <a:solidFill>
+                  <a:schemeClr val="bg1"/>
+                </a:solidFill>
+              </a:rPr>
+              <a:t> (“mates”) + </a:t>
+            </a:r>
+            <a:r>
+              <a:rPr lang="en-US" dirty="0" err="1">
+                <a:solidFill>
+                  <a:schemeClr val="bg1"/>
+                </a:solidFill>
+              </a:rPr>
+              <a:t>distanza</a:t>
+            </a:r>
+            <a:r>
+              <a:rPr lang="en-US" dirty="0">
+                <a:solidFill>
+                  <a:schemeClr val="bg1"/>
+                </a:solidFill>
+              </a:rPr>
+              <a:t> </a:t>
+            </a:r>
+            <a:r>
+              <a:rPr lang="en-US" dirty="0" err="1">
+                <a:solidFill>
+                  <a:schemeClr val="bg1"/>
+                </a:solidFill>
+              </a:rPr>
+              <a:t>tra</a:t>
+            </a:r>
+            <a:r>
+              <a:rPr lang="en-US" dirty="0">
+                <a:solidFill>
+                  <a:schemeClr val="bg1"/>
+                </a:solidFill>
+              </a:rPr>
+              <a:t> di </a:t>
+            </a:r>
+            <a:r>
+              <a:rPr lang="en-US" dirty="0" err="1">
+                <a:solidFill>
+                  <a:schemeClr val="bg1"/>
+                </a:solidFill>
+              </a:rPr>
+              <a:t>esse</a:t>
+            </a:r>
+            <a:endParaRPr lang="en-US" dirty="0">
+              <a:solidFill>
+                <a:schemeClr val="bg1"/>
+              </a:solidFill>
+            </a:endParaRPr>
+          </a:p>
+          <a:p>
+            <a:r>
+              <a:rPr lang="en-US" dirty="0" err="1">
+                <a:solidFill>
+                  <a:schemeClr val="bg1"/>
+                </a:solidFill>
+              </a:rPr>
+              <a:t>Utilizzate</a:t>
+            </a:r>
+            <a:r>
+              <a:rPr lang="en-US" dirty="0">
+                <a:solidFill>
+                  <a:schemeClr val="bg1"/>
+                </a:solidFill>
+              </a:rPr>
+              <a:t> </a:t>
+            </a:r>
+            <a:r>
+              <a:rPr lang="en-US" dirty="0" err="1">
+                <a:solidFill>
+                  <a:schemeClr val="bg1"/>
+                </a:solidFill>
+              </a:rPr>
+              <a:t>dagli</a:t>
+            </a:r>
+            <a:r>
+              <a:rPr lang="en-US" dirty="0">
+                <a:solidFill>
+                  <a:schemeClr val="bg1"/>
+                </a:solidFill>
+              </a:rPr>
+              <a:t> </a:t>
+            </a:r>
+            <a:r>
+              <a:rPr lang="en-US" dirty="0" err="1">
+                <a:solidFill>
+                  <a:schemeClr val="bg1"/>
+                </a:solidFill>
+              </a:rPr>
+              <a:t>allineatori</a:t>
+            </a:r>
+            <a:r>
+              <a:rPr lang="en-US" dirty="0">
+                <a:solidFill>
+                  <a:schemeClr val="bg1"/>
+                </a:solidFill>
+              </a:rPr>
+              <a:t> per </a:t>
+            </a:r>
+            <a:r>
+              <a:rPr lang="en-US" dirty="0" err="1">
+                <a:solidFill>
+                  <a:schemeClr val="bg1"/>
+                </a:solidFill>
+              </a:rPr>
+              <a:t>disambiguare</a:t>
+            </a:r>
+            <a:r>
+              <a:rPr lang="en-US" dirty="0">
+                <a:solidFill>
+                  <a:schemeClr val="bg1"/>
+                </a:solidFill>
+              </a:rPr>
+              <a:t> </a:t>
+            </a:r>
+            <a:r>
+              <a:rPr lang="en-US" dirty="0" err="1">
+                <a:solidFill>
+                  <a:schemeClr val="bg1"/>
+                </a:solidFill>
+              </a:rPr>
+              <a:t>alcuni</a:t>
+            </a:r>
+            <a:r>
+              <a:rPr lang="en-US" dirty="0">
+                <a:solidFill>
+                  <a:schemeClr val="bg1"/>
+                </a:solidFill>
+              </a:rPr>
+              <a:t> </a:t>
+            </a:r>
+            <a:r>
+              <a:rPr lang="en-US" dirty="0" err="1">
+                <a:solidFill>
+                  <a:schemeClr val="bg1"/>
+                </a:solidFill>
+              </a:rPr>
+              <a:t>casi</a:t>
+            </a:r>
+            <a:r>
+              <a:rPr lang="en-US" dirty="0">
+                <a:solidFill>
+                  <a:schemeClr val="bg1"/>
+                </a:solidFill>
+              </a:rPr>
+              <a:t> di </a:t>
+            </a:r>
+            <a:r>
+              <a:rPr lang="en-US" dirty="0" err="1">
+                <a:solidFill>
+                  <a:schemeClr val="bg1"/>
+                </a:solidFill>
+              </a:rPr>
+              <a:t>allineamento</a:t>
+            </a:r>
+            <a:endParaRPr lang="en-US" dirty="0">
+              <a:solidFill>
+                <a:schemeClr val="bg1"/>
+              </a:solidFill>
+            </a:endParaRPr>
+          </a:p>
+          <a:p>
+            <a:pPr lvl="1"/>
+            <a:r>
+              <a:rPr lang="en-US" dirty="0">
+                <a:solidFill>
+                  <a:schemeClr val="bg1"/>
+                </a:solidFill>
+              </a:rPr>
+              <a:t> ASGAL le </a:t>
+            </a:r>
+            <a:r>
+              <a:rPr lang="en-US" dirty="0" err="1">
+                <a:solidFill>
+                  <a:schemeClr val="bg1"/>
+                </a:solidFill>
+              </a:rPr>
+              <a:t>usa</a:t>
+            </a:r>
+            <a:r>
+              <a:rPr lang="en-US" dirty="0">
+                <a:solidFill>
+                  <a:schemeClr val="bg1"/>
+                </a:solidFill>
+              </a:rPr>
+              <a:t> in modo un po’ </a:t>
+            </a:r>
+            <a:r>
+              <a:rPr lang="en-US" dirty="0" err="1">
+                <a:solidFill>
+                  <a:schemeClr val="bg1"/>
+                </a:solidFill>
+              </a:rPr>
+              <a:t>diverso</a:t>
+            </a:r>
+            <a:r>
+              <a:rPr lang="en-US" dirty="0">
+                <a:solidFill>
+                  <a:schemeClr val="bg1"/>
+                </a:solidFill>
+              </a:rPr>
+              <a:t>…</a:t>
+            </a:r>
+          </a:p>
+          <a:p>
+            <a:endParaRPr lang="en-US" dirty="0">
               <a:solidFill>
                 <a:schemeClr val="bg1"/>
               </a:solidFill>
@@ -18353,6 +20310,1732 @@
 </p:sld>
 </file>
 
+<file path=ppt/slides/slide6.xml><?xml version="1.0" encoding="utf-8"?>
+<p:sld xmlns:a="http://schemas.openxmlformats.org/drawingml/2006/main" xmlns:r="http://schemas.openxmlformats.org/officeDocument/2006/relationships" xmlns:p="http://schemas.openxmlformats.org/presentationml/2006/main">
+  <p:cSld>
+    <p:spTree>
+      <p:nvGrpSpPr>
+        <p:cNvPr id="1" name=""/>
+        <p:cNvGrpSpPr/>
+        <p:nvPr/>
+      </p:nvGrpSpPr>
+      <p:grpSpPr>
+        <a:xfrm>
+          <a:off x="0" y="0"/>
+          <a:ext cx="0" cy="0"/>
+          <a:chOff x="0" y="0"/>
+          <a:chExt cx="0" cy="0"/>
+        </a:xfrm>
+      </p:grpSpPr>
+      <p:sp>
+        <p:nvSpPr>
+          <p:cNvPr id="2" name="Titolo 1">
+            <a:extLst>
+              <a:ext uri="{FF2B5EF4-FFF2-40B4-BE49-F238E27FC236}">
+                <a16:creationId xmlns:a16="http://schemas.microsoft.com/office/drawing/2014/main" id="{89FF1860-6EA4-4DA0-8B06-3A2D7F45BCC5}"/>
+              </a:ext>
+            </a:extLst>
+          </p:cNvPr>
+          <p:cNvSpPr>
+            <a:spLocks noGrp="1"/>
+          </p:cNvSpPr>
+          <p:nvPr>
+            <p:ph type="title"/>
+          </p:nvPr>
+        </p:nvSpPr>
+        <p:spPr/>
+        <p:txBody>
+          <a:bodyPr/>
+          <a:lstStyle/>
+          <a:p>
+            <a:r>
+              <a:rPr lang="it-IT" dirty="0"/>
+              <a:t>Costruzione Splicing </a:t>
+            </a:r>
+            <a:r>
+              <a:rPr lang="it-IT" dirty="0" err="1"/>
+              <a:t>Graph</a:t>
+            </a:r>
+            <a:r>
+              <a:rPr lang="it-IT" dirty="0"/>
+              <a:t> &amp; Allineamento </a:t>
+            </a:r>
+            <a:r>
+              <a:rPr lang="it-IT" dirty="0" err="1"/>
+              <a:t>Splice-Aware</a:t>
+            </a:r>
+            <a:endParaRPr lang="it-IT" dirty="0"/>
+          </a:p>
+        </p:txBody>
+      </p:sp>
+      <p:pic>
+        <p:nvPicPr>
+          <p:cNvPr id="5" name="Segnaposto contenuto 4" descr="Immagine che contiene screenshot&#10;&#10;Descrizione generata automaticamente">
+            <a:extLst>
+              <a:ext uri="{FF2B5EF4-FFF2-40B4-BE49-F238E27FC236}">
+                <a16:creationId xmlns:a16="http://schemas.microsoft.com/office/drawing/2014/main" id="{F4E84B90-165B-4F24-8435-FCF23179A8DA}"/>
+              </a:ext>
+            </a:extLst>
+          </p:cNvPr>
+          <p:cNvPicPr>
+            <a:picLocks noGrp="1" noChangeAspect="1"/>
+          </p:cNvPicPr>
+          <p:nvPr>
+            <p:ph idx="1"/>
+          </p:nvPr>
+        </p:nvPicPr>
+        <p:blipFill>
+          <a:blip r:embed="rId2"/>
+          <a:stretch>
+            <a:fillRect/>
+          </a:stretch>
+        </p:blipFill>
+        <p:spPr>
+          <a:xfrm>
+            <a:off x="1154954" y="2492476"/>
+            <a:ext cx="5228303" cy="3465871"/>
+          </a:xfrm>
+        </p:spPr>
+      </p:pic>
+      <p:sp>
+        <p:nvSpPr>
+          <p:cNvPr id="8" name="CasellaDiTesto 7">
+            <a:extLst>
+              <a:ext uri="{FF2B5EF4-FFF2-40B4-BE49-F238E27FC236}">
+                <a16:creationId xmlns:a16="http://schemas.microsoft.com/office/drawing/2014/main" id="{AB882E36-6DAC-448E-AE7B-5EBD8F9045DA}"/>
+              </a:ext>
+            </a:extLst>
+          </p:cNvPr>
+          <p:cNvSpPr txBox="1"/>
+          <p:nvPr/>
+        </p:nvSpPr>
+        <p:spPr>
+          <a:xfrm>
+            <a:off x="6894871" y="2706329"/>
+            <a:ext cx="4992329" cy="3139321"/>
+          </a:xfrm>
+          <a:prstGeom prst="rect">
+            <a:avLst/>
+          </a:prstGeom>
+          <a:noFill/>
+        </p:spPr>
+        <p:txBody>
+          <a:bodyPr wrap="square" rtlCol="0">
+            <a:spAutoFit/>
+          </a:bodyPr>
+          <a:lstStyle/>
+          <a:p>
+            <a:r>
+              <a:rPr lang="it-IT" dirty="0"/>
+              <a:t>Un MEM (</a:t>
+            </a:r>
+            <a:r>
+              <a:rPr lang="it-IT" dirty="0" err="1"/>
+              <a:t>Maximal</a:t>
+            </a:r>
+            <a:r>
+              <a:rPr lang="it-IT" dirty="0"/>
+              <a:t> </a:t>
+            </a:r>
+            <a:r>
+              <a:rPr lang="it-IT" dirty="0" err="1"/>
+              <a:t>Exact</a:t>
+            </a:r>
+            <a:r>
+              <a:rPr lang="it-IT" dirty="0"/>
+              <a:t> Match) è una tripla (</a:t>
+            </a:r>
+            <a:r>
+              <a:rPr lang="it-IT" dirty="0" err="1"/>
+              <a:t>t,p,l</a:t>
+            </a:r>
+            <a:r>
+              <a:rPr lang="it-IT" dirty="0"/>
+              <a:t>) tale che:</a:t>
+            </a:r>
+          </a:p>
+          <a:p>
+            <a:pPr marL="285750" indent="-285750">
+              <a:buFont typeface="Arial" panose="020B0604020202020204" pitchFamily="34" charset="0"/>
+              <a:buChar char="•"/>
+            </a:pPr>
+            <a:r>
+              <a:rPr lang="it-IT" dirty="0"/>
+              <a:t>t = posizione di partenza su Z</a:t>
+            </a:r>
+          </a:p>
+          <a:p>
+            <a:pPr marL="285750" indent="-285750">
+              <a:buFont typeface="Arial" panose="020B0604020202020204" pitchFamily="34" charset="0"/>
+              <a:buChar char="•"/>
+            </a:pPr>
+            <a:r>
+              <a:rPr lang="it-IT" dirty="0"/>
+              <a:t>p = posizione di partenza sulla </a:t>
+            </a:r>
+            <a:r>
+              <a:rPr lang="it-IT" dirty="0" err="1"/>
+              <a:t>read</a:t>
+            </a:r>
+            <a:endParaRPr lang="it-IT" dirty="0"/>
+          </a:p>
+          <a:p>
+            <a:pPr marL="285750" indent="-285750">
+              <a:buFont typeface="Arial" panose="020B0604020202020204" pitchFamily="34" charset="0"/>
+              <a:buChar char="•"/>
+            </a:pPr>
+            <a:r>
+              <a:rPr lang="it-IT" dirty="0"/>
+              <a:t>l = lunghezza della sottostringa comune massimale</a:t>
+            </a:r>
+          </a:p>
+          <a:p>
+            <a:br>
+              <a:rPr lang="it-IT" dirty="0"/>
+            </a:br>
+            <a:r>
+              <a:rPr lang="it-IT" dirty="0"/>
+              <a:t>1 allineamento &lt;-&gt; 1 o più MEM</a:t>
+            </a:r>
+          </a:p>
+          <a:p>
+            <a:endParaRPr lang="it-IT" dirty="0"/>
+          </a:p>
+          <a:p>
+            <a:r>
+              <a:rPr lang="it-IT" dirty="0"/>
+              <a:t>Almeno un allineamento primario, più allineamenti secondari</a:t>
+            </a:r>
+          </a:p>
+        </p:txBody>
+      </p:sp>
+    </p:spTree>
+    <p:extLst>
+      <p:ext uri="{BB962C8B-B14F-4D97-AF65-F5344CB8AC3E}">
+        <p14:creationId xmlns:p14="http://schemas.microsoft.com/office/powerpoint/2010/main" val="3949259724"/>
+      </p:ext>
+    </p:extLst>
+  </p:cSld>
+  <p:clrMapOvr>
+    <a:masterClrMapping/>
+  </p:clrMapOvr>
+</p:sld>
+</file>
+
+<file path=ppt/slides/slide7.xml><?xml version="1.0" encoding="utf-8"?>
+<p:sld xmlns:a="http://schemas.openxmlformats.org/drawingml/2006/main" xmlns:r="http://schemas.openxmlformats.org/officeDocument/2006/relationships" xmlns:p="http://schemas.openxmlformats.org/presentationml/2006/main">
+  <p:cSld>
+    <p:spTree>
+      <p:nvGrpSpPr>
+        <p:cNvPr id="1" name=""/>
+        <p:cNvGrpSpPr/>
+        <p:nvPr/>
+      </p:nvGrpSpPr>
+      <p:grpSpPr>
+        <a:xfrm>
+          <a:off x="0" y="0"/>
+          <a:ext cx="0" cy="0"/>
+          <a:chOff x="0" y="0"/>
+          <a:chExt cx="0" cy="0"/>
+        </a:xfrm>
+      </p:grpSpPr>
+      <p:sp>
+        <p:nvSpPr>
+          <p:cNvPr id="2" name="Titolo 1">
+            <a:extLst>
+              <a:ext uri="{FF2B5EF4-FFF2-40B4-BE49-F238E27FC236}">
+                <a16:creationId xmlns:a16="http://schemas.microsoft.com/office/drawing/2014/main" id="{A43D4F0C-C553-4EA4-A74A-DFFE05A4B264}"/>
+              </a:ext>
+            </a:extLst>
+          </p:cNvPr>
+          <p:cNvSpPr>
+            <a:spLocks noGrp="1"/>
+          </p:cNvSpPr>
+          <p:nvPr>
+            <p:ph type="title"/>
+          </p:nvPr>
+        </p:nvSpPr>
+        <p:spPr/>
+        <p:txBody>
+          <a:bodyPr/>
+          <a:lstStyle/>
+          <a:p>
+            <a:r>
+              <a:rPr lang="it-IT" dirty="0"/>
+              <a:t>Introduzione MEM </a:t>
+            </a:r>
+            <a:r>
+              <a:rPr lang="it-IT" dirty="0" err="1"/>
+              <a:t>unmapped</a:t>
+            </a:r>
+            <a:r>
+              <a:rPr lang="it-IT" dirty="0"/>
+              <a:t> &amp; </a:t>
+            </a:r>
+            <a:r>
+              <a:rPr lang="it-IT" dirty="0" err="1"/>
+              <a:t>placeholder</a:t>
+            </a:r>
+            <a:endParaRPr lang="it-IT" dirty="0"/>
+          </a:p>
+        </p:txBody>
+      </p:sp>
+      <p:sp>
+        <p:nvSpPr>
+          <p:cNvPr id="7" name="Segnaposto contenuto 6">
+            <a:extLst>
+              <a:ext uri="{FF2B5EF4-FFF2-40B4-BE49-F238E27FC236}">
+                <a16:creationId xmlns:a16="http://schemas.microsoft.com/office/drawing/2014/main" id="{18847922-9FCE-4A88-B26C-1CF5C87F78A2}"/>
+              </a:ext>
+            </a:extLst>
+          </p:cNvPr>
+          <p:cNvSpPr>
+            <a:spLocks noGrp="1"/>
+          </p:cNvSpPr>
+          <p:nvPr>
+            <p:ph idx="1"/>
+          </p:nvPr>
+        </p:nvSpPr>
+        <p:spPr/>
+        <p:txBody>
+          <a:bodyPr/>
+          <a:lstStyle/>
+          <a:p>
+            <a:pPr marL="0" indent="0">
+              <a:buNone/>
+            </a:pPr>
+            <a:r>
+              <a:rPr lang="it-IT" dirty="0"/>
+              <a:t>Consideriamo le due estremità di una </a:t>
+            </a:r>
+            <a:r>
+              <a:rPr lang="it-IT" dirty="0" err="1"/>
+              <a:t>read</a:t>
+            </a:r>
+            <a:r>
+              <a:rPr lang="it-IT" dirty="0"/>
+              <a:t> </a:t>
+            </a:r>
+            <a:r>
+              <a:rPr lang="it-IT" dirty="0" err="1"/>
+              <a:t>paired</a:t>
+            </a:r>
+            <a:r>
+              <a:rPr lang="it-IT" dirty="0"/>
+              <a:t>-end:</a:t>
+            </a:r>
+          </a:p>
+          <a:p>
+            <a:r>
+              <a:rPr lang="it-IT" dirty="0"/>
+              <a:t>Problema #1:  Non sempre entrambe le estremità vengono allineate</a:t>
+            </a:r>
+          </a:p>
+          <a:p>
+            <a:pPr lvl="1"/>
+            <a:r>
+              <a:rPr lang="it-IT" dirty="0"/>
+              <a:t>Introduzione di </a:t>
+            </a:r>
+            <a:r>
+              <a:rPr lang="it-IT" b="1" dirty="0"/>
+              <a:t>MEM </a:t>
+            </a:r>
+            <a:r>
+              <a:rPr lang="it-IT" b="1" dirty="0" err="1"/>
+              <a:t>unmapped</a:t>
+            </a:r>
+            <a:r>
+              <a:rPr lang="it-IT" b="1" dirty="0"/>
+              <a:t> </a:t>
+            </a:r>
+          </a:p>
+          <a:p>
+            <a:r>
+              <a:rPr lang="it-IT" dirty="0"/>
+              <a:t>Problema #2:  Non sempre due </a:t>
+            </a:r>
+            <a:r>
+              <a:rPr lang="it-IT" dirty="0" err="1"/>
+              <a:t>read</a:t>
+            </a:r>
+            <a:r>
+              <a:rPr lang="it-IT" dirty="0"/>
+              <a:t> hanno lo stesso numero di allineamenti secondari </a:t>
+            </a:r>
+          </a:p>
+          <a:p>
+            <a:pPr lvl="1"/>
+            <a:r>
+              <a:rPr lang="it-IT" dirty="0"/>
+              <a:t>Introduzione di </a:t>
+            </a:r>
+            <a:r>
+              <a:rPr lang="it-IT" b="1" dirty="0"/>
+              <a:t>MEM </a:t>
+            </a:r>
+            <a:r>
+              <a:rPr lang="it-IT" b="1" dirty="0" err="1"/>
+              <a:t>placeholder</a:t>
+            </a:r>
+            <a:endParaRPr lang="it-IT" b="1" dirty="0"/>
+          </a:p>
+        </p:txBody>
+      </p:sp>
+      <p:pic>
+        <p:nvPicPr>
+          <p:cNvPr id="9" name="Immagine 8">
+            <a:extLst>
+              <a:ext uri="{FF2B5EF4-FFF2-40B4-BE49-F238E27FC236}">
+                <a16:creationId xmlns:a16="http://schemas.microsoft.com/office/drawing/2014/main" id="{115C89FE-936C-4D63-8C48-EF865A42E9E3}"/>
+              </a:ext>
+            </a:extLst>
+          </p:cNvPr>
+          <p:cNvPicPr>
+            <a:picLocks noChangeAspect="1"/>
+          </p:cNvPicPr>
+          <p:nvPr/>
+        </p:nvPicPr>
+        <p:blipFill>
+          <a:blip r:embed="rId2"/>
+          <a:stretch>
+            <a:fillRect/>
+          </a:stretch>
+        </p:blipFill>
+        <p:spPr>
+          <a:xfrm>
+            <a:off x="626806" y="5007077"/>
+            <a:ext cx="11002297" cy="1097221"/>
+          </a:xfrm>
+          <a:prstGeom prst="rect">
+            <a:avLst/>
+          </a:prstGeom>
+        </p:spPr>
+      </p:pic>
+    </p:spTree>
+    <p:extLst>
+      <p:ext uri="{BB962C8B-B14F-4D97-AF65-F5344CB8AC3E}">
+        <p14:creationId xmlns:p14="http://schemas.microsoft.com/office/powerpoint/2010/main" val="3035179204"/>
+      </p:ext>
+    </p:extLst>
+  </p:cSld>
+  <p:clrMapOvr>
+    <a:masterClrMapping/>
+  </p:clrMapOvr>
+</p:sld>
+</file>
+
+<file path=ppt/slides/slide8.xml><?xml version="1.0" encoding="utf-8"?>
+<p:sld xmlns:a="http://schemas.openxmlformats.org/drawingml/2006/main" xmlns:r="http://schemas.openxmlformats.org/officeDocument/2006/relationships" xmlns:p="http://schemas.openxmlformats.org/presentationml/2006/main">
+  <p:cSld>
+    <p:bg>
+      <p:bgPr>
+        <a:solidFill>
+          <a:schemeClr val="bg1"/>
+        </a:solidFill>
+        <a:effectLst/>
+      </p:bgPr>
+    </p:bg>
+    <p:spTree>
+      <p:nvGrpSpPr>
+        <p:cNvPr id="1" name=""/>
+        <p:cNvGrpSpPr/>
+        <p:nvPr/>
+      </p:nvGrpSpPr>
+      <p:grpSpPr>
+        <a:xfrm>
+          <a:off x="0" y="0"/>
+          <a:ext cx="0" cy="0"/>
+          <a:chOff x="0" y="0"/>
+          <a:chExt cx="0" cy="0"/>
+        </a:xfrm>
+      </p:grpSpPr>
+      <p:grpSp>
+        <p:nvGrpSpPr>
+          <p:cNvPr id="13" name="Group 12">
+            <a:extLst>
+              <a:ext uri="{FF2B5EF4-FFF2-40B4-BE49-F238E27FC236}">
+                <a16:creationId xmlns:a16="http://schemas.microsoft.com/office/drawing/2014/main" id="{A2FC4F8C-DCFB-41A7-9587-B6E49A20404A}"/>
+              </a:ext>
+              <a:ext uri="{C183D7F6-B498-43B3-948B-1728B52AA6E4}">
+                <adec:decorative xmlns:adec="http://schemas.microsoft.com/office/drawing/2017/decorative" val="1"/>
+              </a:ext>
+            </a:extLst>
+          </p:cNvPr>
+          <p:cNvGrpSpPr>
+            <a:grpSpLocks noGrp="1" noUngrp="1" noRot="1" noChangeAspect="1" noMove="1" noResize="1"/>
+          </p:cNvGrpSpPr>
+          <p:nvPr>
+            <p:extLst>
+              <p:ext uri="{386F3935-93C4-4BCD-93E2-E3B085C9AB24}">
+                <p16:designElem xmlns:p16="http://schemas.microsoft.com/office/powerpoint/2015/main" val="1"/>
+              </p:ext>
+            </p:extLst>
+          </p:nvPr>
+        </p:nvGrpSpPr>
+        <p:grpSpPr>
+          <a:xfrm>
+            <a:off x="-1588" y="0"/>
+            <a:ext cx="12193588" cy="6861555"/>
+            <a:chOff x="-1588" y="0"/>
+            <a:chExt cx="12193588" cy="6861555"/>
+          </a:xfrm>
+        </p:grpSpPr>
+        <p:sp>
+          <p:nvSpPr>
+            <p:cNvPr id="14" name="Rectangle 13">
+              <a:extLst>
+                <a:ext uri="{FF2B5EF4-FFF2-40B4-BE49-F238E27FC236}">
+                  <a16:creationId xmlns:a16="http://schemas.microsoft.com/office/drawing/2014/main" id="{8CB8134D-DAA6-44DB-9A7B-8D5B04711DE5}"/>
+                </a:ext>
+                <a:ext uri="{C183D7F6-B498-43B3-948B-1728B52AA6E4}">
+                  <adec:decorative xmlns:adec="http://schemas.microsoft.com/office/drawing/2017/decorative" val="1"/>
+                </a:ext>
+              </a:extLst>
+            </p:cNvPr>
+            <p:cNvSpPr/>
+            <p:nvPr>
+              <p:extLst>
+                <p:ext uri="{386F3935-93C4-4BCD-93E2-E3B085C9AB24}">
+                  <p16:designElem xmlns:p16="http://schemas.microsoft.com/office/powerpoint/2015/main" val="1"/>
+                </p:ext>
+              </p:extLst>
+            </p:nvPr>
+          </p:nvSpPr>
+          <p:spPr>
+            <a:xfrm>
+              <a:off x="0" y="0"/>
+              <a:ext cx="12192000" cy="6858000"/>
+            </a:xfrm>
+            <a:prstGeom prst="rect">
+              <a:avLst/>
+            </a:prstGeom>
+            <a:blipFill>
+              <a:blip r:embed="rId2">
+                <a:duotone>
+                  <a:schemeClr val="dk2">
+                    <a:shade val="69000"/>
+                    <a:hueMod val="108000"/>
+                    <a:satMod val="164000"/>
+                    <a:lumMod val="74000"/>
+                  </a:schemeClr>
+                  <a:schemeClr val="dk2">
+                    <a:tint val="96000"/>
+                    <a:hueMod val="88000"/>
+                    <a:satMod val="140000"/>
+                    <a:lumMod val="132000"/>
+                  </a:schemeClr>
+                </a:duotone>
+              </a:blip>
+              <a:stretch>
+                <a:fillRect/>
+              </a:stretch>
+            </a:blipFill>
+            <a:ln>
+              <a:noFill/>
+            </a:ln>
+          </p:spPr>
+          <p:style>
+            <a:lnRef idx="2">
+              <a:schemeClr val="accent1">
+                <a:shade val="50000"/>
+              </a:schemeClr>
+            </a:lnRef>
+            <a:fillRef idx="1">
+              <a:schemeClr val="accent1"/>
+            </a:fillRef>
+            <a:effectRef idx="0">
+              <a:schemeClr val="accent1"/>
+            </a:effectRef>
+            <a:fontRef idx="minor">
+              <a:schemeClr val="lt1"/>
+            </a:fontRef>
+          </p:style>
+        </p:sp>
+        <p:sp>
+          <p:nvSpPr>
+            <p:cNvPr id="15" name="Oval 14">
+              <a:extLst>
+                <a:ext uri="{FF2B5EF4-FFF2-40B4-BE49-F238E27FC236}">
+                  <a16:creationId xmlns:a16="http://schemas.microsoft.com/office/drawing/2014/main" id="{25AD0F1C-BC8E-4CB4-BAC4-8F33C36F6949}"/>
+                </a:ext>
+                <a:ext uri="{C183D7F6-B498-43B3-948B-1728B52AA6E4}">
+                  <adec:decorative xmlns:adec="http://schemas.microsoft.com/office/drawing/2017/decorative" val="1"/>
+                </a:ext>
+              </a:extLst>
+            </p:cNvPr>
+            <p:cNvSpPr/>
+            <p:nvPr>
+              <p:extLst>
+                <p:ext uri="{386F3935-93C4-4BCD-93E2-E3B085C9AB24}">
+                  <p16:designElem xmlns:p16="http://schemas.microsoft.com/office/powerpoint/2015/main" val="1"/>
+                </p:ext>
+              </p:extLst>
+            </p:nvPr>
+          </p:nvSpPr>
+          <p:spPr>
+            <a:xfrm>
+              <a:off x="8761412" y="1828800"/>
+              <a:ext cx="2819400" cy="2819400"/>
+            </a:xfrm>
+            <a:prstGeom prst="ellipse">
+              <a:avLst/>
+            </a:prstGeom>
+            <a:gradFill flip="none" rotWithShape="1">
+              <a:gsLst>
+                <a:gs pos="0">
+                  <a:schemeClr val="accent5">
+                    <a:alpha val="7000"/>
+                  </a:schemeClr>
+                </a:gs>
+                <a:gs pos="69000">
+                  <a:schemeClr val="accent5">
+                    <a:alpha val="0"/>
+                  </a:schemeClr>
+                </a:gs>
+                <a:gs pos="36000">
+                  <a:schemeClr val="accent5">
+                    <a:alpha val="6000"/>
+                  </a:schemeClr>
+                </a:gs>
+              </a:gsLst>
+              <a:path path="circle">
+                <a:fillToRect l="50000" t="50000" r="50000" b="50000"/>
+              </a:path>
+              <a:tileRect/>
+            </a:gradFill>
+            <a:ln>
+              <a:noFill/>
+            </a:ln>
+            <a:effectLst/>
+          </p:spPr>
+          <p:style>
+            <a:lnRef idx="1">
+              <a:schemeClr val="accent1"/>
+            </a:lnRef>
+            <a:fillRef idx="3">
+              <a:schemeClr val="accent1"/>
+            </a:fillRef>
+            <a:effectRef idx="2">
+              <a:schemeClr val="accent1"/>
+            </a:effectRef>
+            <a:fontRef idx="minor">
+              <a:schemeClr val="lt1"/>
+            </a:fontRef>
+          </p:style>
+        </p:sp>
+        <p:sp>
+          <p:nvSpPr>
+            <p:cNvPr id="16" name="Oval 15">
+              <a:extLst>
+                <a:ext uri="{FF2B5EF4-FFF2-40B4-BE49-F238E27FC236}">
+                  <a16:creationId xmlns:a16="http://schemas.microsoft.com/office/drawing/2014/main" id="{581087E9-D266-4B08-AAB1-F7439DF65270}"/>
+                </a:ext>
+                <a:ext uri="{C183D7F6-B498-43B3-948B-1728B52AA6E4}">
+                  <adec:decorative xmlns:adec="http://schemas.microsoft.com/office/drawing/2017/decorative" val="1"/>
+                </a:ext>
+              </a:extLst>
+            </p:cNvPr>
+            <p:cNvSpPr/>
+            <p:nvPr>
+              <p:extLst>
+                <p:ext uri="{386F3935-93C4-4BCD-93E2-E3B085C9AB24}">
+                  <p16:designElem xmlns:p16="http://schemas.microsoft.com/office/powerpoint/2015/main" val="1"/>
+                </p:ext>
+              </p:extLst>
+            </p:nvPr>
+          </p:nvSpPr>
+          <p:spPr>
+            <a:xfrm>
+              <a:off x="8761412" y="5870955"/>
+              <a:ext cx="990600" cy="990600"/>
+            </a:xfrm>
+            <a:prstGeom prst="ellipse">
+              <a:avLst/>
+            </a:prstGeom>
+            <a:gradFill flip="none" rotWithShape="1">
+              <a:gsLst>
+                <a:gs pos="0">
+                  <a:schemeClr val="accent5">
+                    <a:alpha val="14000"/>
+                  </a:schemeClr>
+                </a:gs>
+                <a:gs pos="66000">
+                  <a:schemeClr val="accent5">
+                    <a:alpha val="0"/>
+                  </a:schemeClr>
+                </a:gs>
+                <a:gs pos="36000">
+                  <a:schemeClr val="accent5">
+                    <a:alpha val="7000"/>
+                  </a:schemeClr>
+                </a:gs>
+              </a:gsLst>
+              <a:path path="circle">
+                <a:fillToRect l="50000" t="50000" r="50000" b="50000"/>
+              </a:path>
+              <a:tileRect/>
+            </a:gradFill>
+            <a:ln>
+              <a:noFill/>
+            </a:ln>
+            <a:effectLst/>
+          </p:spPr>
+          <p:style>
+            <a:lnRef idx="1">
+              <a:schemeClr val="accent1"/>
+            </a:lnRef>
+            <a:fillRef idx="3">
+              <a:schemeClr val="accent1"/>
+            </a:fillRef>
+            <a:effectRef idx="2">
+              <a:schemeClr val="accent1"/>
+            </a:effectRef>
+            <a:fontRef idx="minor">
+              <a:schemeClr val="lt1"/>
+            </a:fontRef>
+          </p:style>
+        </p:sp>
+        <p:sp>
+          <p:nvSpPr>
+            <p:cNvPr id="17" name="Oval 16">
+              <a:extLst>
+                <a:ext uri="{FF2B5EF4-FFF2-40B4-BE49-F238E27FC236}">
+                  <a16:creationId xmlns:a16="http://schemas.microsoft.com/office/drawing/2014/main" id="{64A2B069-C853-43DD-8CC0-7CE6F331A7B7}"/>
+                </a:ext>
+                <a:ext uri="{C183D7F6-B498-43B3-948B-1728B52AA6E4}">
+                  <adec:decorative xmlns:adec="http://schemas.microsoft.com/office/drawing/2017/decorative" val="1"/>
+                </a:ext>
+              </a:extLst>
+            </p:cNvPr>
+            <p:cNvSpPr/>
+            <p:nvPr>
+              <p:extLst>
+                <p:ext uri="{386F3935-93C4-4BCD-93E2-E3B085C9AB24}">
+                  <p16:designElem xmlns:p16="http://schemas.microsoft.com/office/powerpoint/2015/main" val="1"/>
+                </p:ext>
+              </p:extLst>
+            </p:nvPr>
+          </p:nvSpPr>
+          <p:spPr>
+            <a:xfrm>
+              <a:off x="-1588" y="2667000"/>
+              <a:ext cx="4191000" cy="4191000"/>
+            </a:xfrm>
+            <a:prstGeom prst="ellipse">
+              <a:avLst/>
+            </a:prstGeom>
+            <a:gradFill flip="none" rotWithShape="1">
+              <a:gsLst>
+                <a:gs pos="0">
+                  <a:schemeClr val="accent5">
+                    <a:alpha val="11000"/>
+                  </a:schemeClr>
+                </a:gs>
+                <a:gs pos="75000">
+                  <a:schemeClr val="accent5">
+                    <a:alpha val="0"/>
+                  </a:schemeClr>
+                </a:gs>
+                <a:gs pos="36000">
+                  <a:schemeClr val="accent5">
+                    <a:alpha val="10000"/>
+                  </a:schemeClr>
+                </a:gs>
+              </a:gsLst>
+              <a:path path="circle">
+                <a:fillToRect l="50000" t="50000" r="50000" b="50000"/>
+              </a:path>
+              <a:tileRect/>
+            </a:gradFill>
+            <a:ln>
+              <a:noFill/>
+            </a:ln>
+            <a:effectLst/>
+          </p:spPr>
+          <p:style>
+            <a:lnRef idx="1">
+              <a:schemeClr val="accent1"/>
+            </a:lnRef>
+            <a:fillRef idx="3">
+              <a:schemeClr val="accent1"/>
+            </a:fillRef>
+            <a:effectRef idx="2">
+              <a:schemeClr val="accent1"/>
+            </a:effectRef>
+            <a:fontRef idx="minor">
+              <a:schemeClr val="lt1"/>
+            </a:fontRef>
+          </p:style>
+        </p:sp>
+        <p:sp>
+          <p:nvSpPr>
+            <p:cNvPr id="18" name="Rectangle 17">
+              <a:extLst>
+                <a:ext uri="{FF2B5EF4-FFF2-40B4-BE49-F238E27FC236}">
+                  <a16:creationId xmlns:a16="http://schemas.microsoft.com/office/drawing/2014/main" id="{7DDD86E2-5424-44EC-A189-3E2DDD38DD7B}"/>
+                </a:ext>
+                <a:ext uri="{C183D7F6-B498-43B3-948B-1728B52AA6E4}">
+                  <adec:decorative xmlns:adec="http://schemas.microsoft.com/office/drawing/2017/decorative" val="1"/>
+                </a:ext>
+              </a:extLst>
+            </p:cNvPr>
+            <p:cNvSpPr/>
+            <p:nvPr>
+              <p:extLst>
+                <p:ext uri="{386F3935-93C4-4BCD-93E2-E3B085C9AB24}">
+                  <p16:designElem xmlns:p16="http://schemas.microsoft.com/office/powerpoint/2015/main" val="1"/>
+                </p:ext>
+              </p:extLst>
+            </p:nvPr>
+          </p:nvSpPr>
+          <p:spPr>
+            <a:xfrm>
+              <a:off x="5713412" y="402165"/>
+              <a:ext cx="6055253" cy="6053670"/>
+            </a:xfrm>
+            <a:prstGeom prst="rect">
+              <a:avLst/>
+            </a:prstGeom>
+            <a:solidFill>
+              <a:schemeClr val="bg1"/>
+            </a:solidFill>
+            <a:ln>
+              <a:noFill/>
+            </a:ln>
+            <a:effectLst/>
+          </p:spPr>
+          <p:style>
+            <a:lnRef idx="1">
+              <a:schemeClr val="accent1"/>
+            </a:lnRef>
+            <a:fillRef idx="3">
+              <a:schemeClr val="accent1"/>
+            </a:fillRef>
+            <a:effectRef idx="2">
+              <a:schemeClr val="accent1"/>
+            </a:effectRef>
+            <a:fontRef idx="minor">
+              <a:schemeClr val="lt1"/>
+            </a:fontRef>
+          </p:style>
+        </p:sp>
+        <p:sp>
+          <p:nvSpPr>
+            <p:cNvPr id="19" name="Freeform 5">
+              <a:extLst>
+                <a:ext uri="{FF2B5EF4-FFF2-40B4-BE49-F238E27FC236}">
+                  <a16:creationId xmlns:a16="http://schemas.microsoft.com/office/drawing/2014/main" id="{4F8CFC5E-B977-45D3-A7A8-A4EDF8C88A6E}"/>
+                </a:ext>
+                <a:ext uri="{C183D7F6-B498-43B3-948B-1728B52AA6E4}">
+                  <adec:decorative xmlns:adec="http://schemas.microsoft.com/office/drawing/2017/decorative" val="1"/>
+                </a:ext>
+              </a:extLst>
+            </p:cNvPr>
+            <p:cNvSpPr/>
+            <p:nvPr>
+              <p:extLst>
+                <p:ext uri="{386F3935-93C4-4BCD-93E2-E3B085C9AB24}">
+                  <p16:designElem xmlns:p16="http://schemas.microsoft.com/office/powerpoint/2015/main" val="1"/>
+                </p:ext>
+              </p:extLst>
+            </p:nvPr>
+          </p:nvSpPr>
+          <p:spPr bwMode="gray">
+            <a:xfrm rot="16200000">
+              <a:off x="2229377" y="2801721"/>
+              <a:ext cx="6053670" cy="1254558"/>
+            </a:xfrm>
+            <a:custGeom>
+              <a:avLst/>
+              <a:gdLst/>
+              <a:ahLst/>
+              <a:cxnLst/>
+              <a:rect l="l" t="t" r="r" b="b"/>
+              <a:pathLst>
+                <a:path w="10000" h="8000">
+                  <a:moveTo>
+                    <a:pt x="0" y="0"/>
+                  </a:moveTo>
+                  <a:lnTo>
+                    <a:pt x="0" y="7970"/>
+                  </a:lnTo>
+                  <a:lnTo>
+                    <a:pt x="10000" y="8000"/>
+                  </a:lnTo>
+                  <a:lnTo>
+                    <a:pt x="10000" y="7"/>
+                  </a:lnTo>
+                  <a:lnTo>
+                    <a:pt x="10000" y="7"/>
+                  </a:lnTo>
+                  <a:lnTo>
+                    <a:pt x="9773" y="156"/>
+                  </a:lnTo>
+                  <a:lnTo>
+                    <a:pt x="9547" y="298"/>
+                  </a:lnTo>
+                  <a:lnTo>
+                    <a:pt x="9320" y="437"/>
+                  </a:lnTo>
+                  <a:lnTo>
+                    <a:pt x="9092" y="556"/>
+                  </a:lnTo>
+                  <a:lnTo>
+                    <a:pt x="8865" y="676"/>
+                  </a:lnTo>
+                  <a:lnTo>
+                    <a:pt x="8637" y="788"/>
+                  </a:lnTo>
+                  <a:lnTo>
+                    <a:pt x="8412" y="884"/>
+                  </a:lnTo>
+                  <a:lnTo>
+                    <a:pt x="8184" y="975"/>
+                  </a:lnTo>
+                  <a:lnTo>
+                    <a:pt x="7957" y="1058"/>
+                  </a:lnTo>
+                  <a:lnTo>
+                    <a:pt x="7734" y="1130"/>
+                  </a:lnTo>
+                  <a:lnTo>
+                    <a:pt x="7508" y="1202"/>
+                  </a:lnTo>
+                  <a:lnTo>
+                    <a:pt x="7285" y="1262"/>
+                  </a:lnTo>
+                  <a:lnTo>
+                    <a:pt x="7062" y="1309"/>
+                  </a:lnTo>
+                  <a:lnTo>
+                    <a:pt x="6840" y="1358"/>
+                  </a:lnTo>
+                  <a:lnTo>
+                    <a:pt x="6620" y="1399"/>
+                  </a:lnTo>
+                  <a:lnTo>
+                    <a:pt x="6402" y="1428"/>
+                  </a:lnTo>
+                  <a:lnTo>
+                    <a:pt x="6184" y="1453"/>
+                  </a:lnTo>
+                  <a:lnTo>
+                    <a:pt x="5968" y="1477"/>
+                  </a:lnTo>
+                  <a:lnTo>
+                    <a:pt x="5755" y="1488"/>
+                  </a:lnTo>
+                  <a:lnTo>
+                    <a:pt x="5542" y="1500"/>
+                  </a:lnTo>
+                  <a:lnTo>
+                    <a:pt x="5332" y="1506"/>
+                  </a:lnTo>
+                  <a:lnTo>
+                    <a:pt x="5124" y="1500"/>
+                  </a:lnTo>
+                  <a:lnTo>
+                    <a:pt x="4918" y="1500"/>
+                  </a:lnTo>
+                  <a:lnTo>
+                    <a:pt x="4714" y="1488"/>
+                  </a:lnTo>
+                  <a:lnTo>
+                    <a:pt x="4514" y="1470"/>
+                  </a:lnTo>
+                  <a:lnTo>
+                    <a:pt x="4316" y="1453"/>
+                  </a:lnTo>
+                  <a:lnTo>
+                    <a:pt x="4122" y="1434"/>
+                  </a:lnTo>
+                  <a:lnTo>
+                    <a:pt x="3929" y="1405"/>
+                  </a:lnTo>
+                  <a:lnTo>
+                    <a:pt x="3739" y="1374"/>
+                  </a:lnTo>
+                  <a:lnTo>
+                    <a:pt x="3553" y="1346"/>
+                  </a:lnTo>
+                  <a:lnTo>
+                    <a:pt x="3190" y="1267"/>
+                  </a:lnTo>
+                  <a:lnTo>
+                    <a:pt x="2842" y="1183"/>
+                  </a:lnTo>
+                  <a:lnTo>
+                    <a:pt x="2508" y="1095"/>
+                  </a:lnTo>
+                  <a:lnTo>
+                    <a:pt x="2192" y="998"/>
+                  </a:lnTo>
+                  <a:lnTo>
+                    <a:pt x="1890" y="897"/>
+                  </a:lnTo>
+                  <a:lnTo>
+                    <a:pt x="1610" y="788"/>
+                  </a:lnTo>
+                  <a:lnTo>
+                    <a:pt x="1347" y="681"/>
+                  </a:lnTo>
+                  <a:lnTo>
+                    <a:pt x="1105" y="574"/>
+                  </a:lnTo>
+                  <a:lnTo>
+                    <a:pt x="883" y="473"/>
+                  </a:lnTo>
+                  <a:lnTo>
+                    <a:pt x="686" y="377"/>
+                  </a:lnTo>
+                  <a:lnTo>
+                    <a:pt x="508" y="286"/>
+                  </a:lnTo>
+                  <a:lnTo>
+                    <a:pt x="358" y="210"/>
+                  </a:lnTo>
+                  <a:lnTo>
+                    <a:pt x="232" y="138"/>
+                  </a:lnTo>
+                  <a:lnTo>
+                    <a:pt x="59" y="35"/>
+                  </a:lnTo>
+                  <a:lnTo>
+                    <a:pt x="0" y="0"/>
+                  </a:lnTo>
+                  <a:lnTo>
+                    <a:pt x="0" y="0"/>
+                  </a:lnTo>
+                  <a:close/>
+                </a:path>
+              </a:pathLst>
+            </a:custGeom>
+            <a:solidFill>
+              <a:schemeClr val="bg1"/>
+            </a:solidFill>
+            <a:ln>
+              <a:noFill/>
+            </a:ln>
+          </p:spPr>
+        </p:sp>
+        <p:sp>
+          <p:nvSpPr>
+            <p:cNvPr id="20" name="Freeform 5">
+              <a:extLst>
+                <a:ext uri="{FF2B5EF4-FFF2-40B4-BE49-F238E27FC236}">
+                  <a16:creationId xmlns:a16="http://schemas.microsoft.com/office/drawing/2014/main" id="{A347F91F-7A0C-4FD7-AC29-DCAF67A2E561}"/>
+                </a:ext>
+                <a:ext uri="{C183D7F6-B498-43B3-948B-1728B52AA6E4}">
+                  <adec:decorative xmlns:adec="http://schemas.microsoft.com/office/drawing/2017/decorative" val="1"/>
+                </a:ext>
+              </a:extLst>
+            </p:cNvPr>
+            <p:cNvSpPr/>
+            <p:nvPr>
+              <p:extLst>
+                <p:ext uri="{386F3935-93C4-4BCD-93E2-E3B085C9AB24}">
+                  <p16:designElem xmlns:p16="http://schemas.microsoft.com/office/powerpoint/2015/main" val="1"/>
+                </p:ext>
+              </p:extLst>
+            </p:nvPr>
+          </p:nvSpPr>
+          <p:spPr bwMode="gray">
+            <a:xfrm rot="15922489">
+              <a:off x="3140485" y="1826078"/>
+              <a:ext cx="3299407" cy="440924"/>
+            </a:xfrm>
+            <a:custGeom>
+              <a:avLst/>
+              <a:gdLst/>
+              <a:ahLst/>
+              <a:cxnLst/>
+              <a:rect l="l" t="t" r="r" b="b"/>
+              <a:pathLst>
+                <a:path w="10000" h="5291">
+                  <a:moveTo>
+                    <a:pt x="85" y="2532"/>
+                  </a:moveTo>
+                  <a:cubicBezTo>
+                    <a:pt x="1736" y="3911"/>
+                    <a:pt x="7524" y="5298"/>
+                    <a:pt x="9958" y="5291"/>
+                  </a:cubicBezTo>
+                  <a:cubicBezTo>
+                    <a:pt x="9989" y="1958"/>
+                    <a:pt x="9969" y="3333"/>
+                    <a:pt x="10000" y="0"/>
+                  </a:cubicBezTo>
+                  <a:lnTo>
+                    <a:pt x="10000" y="0"/>
+                  </a:lnTo>
+                  <a:lnTo>
+                    <a:pt x="9667" y="204"/>
+                  </a:lnTo>
+                  <a:lnTo>
+                    <a:pt x="9334" y="400"/>
+                  </a:lnTo>
+                  <a:lnTo>
+                    <a:pt x="9001" y="590"/>
+                  </a:lnTo>
+                  <a:lnTo>
+                    <a:pt x="8667" y="753"/>
+                  </a:lnTo>
+                  <a:lnTo>
+                    <a:pt x="8333" y="917"/>
+                  </a:lnTo>
+                  <a:lnTo>
+                    <a:pt x="7999" y="1071"/>
+                  </a:lnTo>
+                  <a:lnTo>
+                    <a:pt x="7669" y="1202"/>
+                  </a:lnTo>
+                  <a:lnTo>
+                    <a:pt x="7333" y="1325"/>
+                  </a:lnTo>
+                  <a:lnTo>
+                    <a:pt x="7000" y="1440"/>
+                  </a:lnTo>
+                  <a:lnTo>
+                    <a:pt x="6673" y="1538"/>
+                  </a:lnTo>
+                  <a:lnTo>
+                    <a:pt x="6340" y="1636"/>
+                  </a:lnTo>
+                  <a:lnTo>
+                    <a:pt x="6013" y="1719"/>
+                  </a:lnTo>
+                  <a:lnTo>
+                    <a:pt x="5686" y="1784"/>
+                  </a:lnTo>
+                  <a:lnTo>
+                    <a:pt x="5359" y="1850"/>
+                  </a:lnTo>
+                  <a:lnTo>
+                    <a:pt x="5036" y="1906"/>
+                  </a:lnTo>
+                  <a:lnTo>
+                    <a:pt x="4717" y="1948"/>
+                  </a:lnTo>
+                  <a:lnTo>
+                    <a:pt x="4396" y="1980"/>
+                  </a:lnTo>
+                  <a:lnTo>
+                    <a:pt x="4079" y="2013"/>
+                  </a:lnTo>
+                  <a:lnTo>
+                    <a:pt x="3766" y="2029"/>
+                  </a:lnTo>
+                  <a:lnTo>
+                    <a:pt x="3454" y="2046"/>
+                  </a:lnTo>
+                  <a:lnTo>
+                    <a:pt x="3145" y="2053"/>
+                  </a:lnTo>
+                  <a:lnTo>
+                    <a:pt x="2839" y="2046"/>
+                  </a:lnTo>
+                  <a:lnTo>
+                    <a:pt x="2537" y="2046"/>
+                  </a:lnTo>
+                  <a:lnTo>
+                    <a:pt x="2238" y="2029"/>
+                  </a:lnTo>
+                  <a:lnTo>
+                    <a:pt x="1943" y="2004"/>
+                  </a:lnTo>
+                  <a:lnTo>
+                    <a:pt x="1653" y="1980"/>
+                  </a:lnTo>
+                  <a:lnTo>
+                    <a:pt x="1368" y="1955"/>
+                  </a:lnTo>
+                  <a:lnTo>
+                    <a:pt x="1085" y="1915"/>
+                  </a:lnTo>
+                  <a:lnTo>
+                    <a:pt x="806" y="1873"/>
+                  </a:lnTo>
+                  <a:lnTo>
+                    <a:pt x="533" y="1833"/>
+                  </a:lnTo>
+                  <a:lnTo>
+                    <a:pt x="0" y="1726"/>
+                  </a:lnTo>
+                  <a:cubicBezTo>
+                    <a:pt x="28" y="1995"/>
+                    <a:pt x="57" y="2263"/>
+                    <a:pt x="85" y="2532"/>
+                  </a:cubicBezTo>
+                  <a:close/>
+                </a:path>
+              </a:pathLst>
+            </a:custGeom>
+            <a:solidFill>
+              <a:schemeClr val="bg1">
+                <a:alpha val="20000"/>
+              </a:schemeClr>
+            </a:solidFill>
+            <a:ln>
+              <a:noFill/>
+            </a:ln>
+          </p:spPr>
+        </p:sp>
+        <p:sp>
+          <p:nvSpPr>
+            <p:cNvPr id="21" name="Freeform 5">
+              <a:extLst>
+                <a:ext uri="{FF2B5EF4-FFF2-40B4-BE49-F238E27FC236}">
+                  <a16:creationId xmlns:a16="http://schemas.microsoft.com/office/drawing/2014/main" id="{1FD264AA-C656-4350-AD8E-3E13639C02B9}"/>
+                </a:ext>
+                <a:ext uri="{C183D7F6-B498-43B3-948B-1728B52AA6E4}">
+                  <adec:decorative xmlns:adec="http://schemas.microsoft.com/office/drawing/2017/decorative" val="1"/>
+                </a:ext>
+              </a:extLst>
+            </p:cNvPr>
+            <p:cNvSpPr>
+              <a:spLocks noEditPoints="1"/>
+            </p:cNvSpPr>
+            <p:nvPr>
+              <p:extLst>
+                <p:ext uri="{386F3935-93C4-4BCD-93E2-E3B085C9AB24}">
+                  <p16:designElem xmlns:p16="http://schemas.microsoft.com/office/powerpoint/2015/main" val="1"/>
+                </p:ext>
+              </p:extLst>
+            </p:nvPr>
+          </p:nvSpPr>
+          <p:spPr bwMode="gray">
+            <a:xfrm>
+              <a:off x="0" y="1587"/>
+              <a:ext cx="12192000" cy="6856413"/>
+            </a:xfrm>
+            <a:custGeom>
+              <a:avLst/>
+              <a:gdLst/>
+              <a:ahLst/>
+              <a:cxnLst/>
+              <a:rect l="0" t="0" r="r" b="b"/>
+              <a:pathLst>
+                <a:path w="15356" h="8638">
+                  <a:moveTo>
+                    <a:pt x="0" y="0"/>
+                  </a:moveTo>
+                  <a:lnTo>
+                    <a:pt x="0" y="8638"/>
+                  </a:lnTo>
+                  <a:lnTo>
+                    <a:pt x="15356" y="8638"/>
+                  </a:lnTo>
+                  <a:lnTo>
+                    <a:pt x="15356" y="0"/>
+                  </a:lnTo>
+                  <a:lnTo>
+                    <a:pt x="0" y="0"/>
+                  </a:lnTo>
+                  <a:close/>
+                  <a:moveTo>
+                    <a:pt x="14748" y="8038"/>
+                  </a:moveTo>
+                  <a:lnTo>
+                    <a:pt x="600" y="8038"/>
+                  </a:lnTo>
+                  <a:lnTo>
+                    <a:pt x="600" y="592"/>
+                  </a:lnTo>
+                  <a:lnTo>
+                    <a:pt x="14748" y="592"/>
+                  </a:lnTo>
+                  <a:lnTo>
+                    <a:pt x="14748" y="8038"/>
+                  </a:lnTo>
+                  <a:close/>
+                </a:path>
+              </a:pathLst>
+            </a:custGeom>
+            <a:solidFill>
+              <a:schemeClr val="bg1"/>
+            </a:solidFill>
+            <a:ln>
+              <a:noFill/>
+            </a:ln>
+          </p:spPr>
+        </p:sp>
+      </p:grpSp>
+      <p:sp>
+        <p:nvSpPr>
+          <p:cNvPr id="2" name="Titolo 1">
+            <a:extLst>
+              <a:ext uri="{FF2B5EF4-FFF2-40B4-BE49-F238E27FC236}">
+                <a16:creationId xmlns:a16="http://schemas.microsoft.com/office/drawing/2014/main" id="{41378325-9B9B-472E-A022-94FADD5AC64B}"/>
+              </a:ext>
+            </a:extLst>
+          </p:cNvPr>
+          <p:cNvSpPr>
+            <a:spLocks noGrp="1"/>
+          </p:cNvSpPr>
+          <p:nvPr>
+            <p:ph type="title"/>
+          </p:nvPr>
+        </p:nvSpPr>
+        <p:spPr>
+          <a:xfrm>
+            <a:off x="1154955" y="973668"/>
+            <a:ext cx="3178260" cy="1020232"/>
+          </a:xfrm>
+        </p:spPr>
+        <p:txBody>
+          <a:bodyPr>
+            <a:normAutofit/>
+          </a:bodyPr>
+          <a:lstStyle/>
+          <a:p>
+            <a:pPr>
+              <a:lnSpc>
+                <a:spcPct val="90000"/>
+              </a:lnSpc>
+            </a:pPr>
+            <a:r>
+              <a:rPr lang="it-IT" sz="3300" err="1"/>
+              <a:t>Fragment</a:t>
+            </a:r>
+            <a:r>
+              <a:rPr lang="it-IT" sz="3300"/>
+              <a:t> Library </a:t>
+            </a:r>
+            <a:r>
+              <a:rPr lang="it-IT" sz="3300" err="1"/>
+              <a:t>Types</a:t>
+            </a:r>
+            <a:endParaRPr lang="it-IT" sz="3300"/>
+          </a:p>
+        </p:txBody>
+      </p:sp>
+      <p:sp>
+        <p:nvSpPr>
+          <p:cNvPr id="10" name="Content Placeholder 9">
+            <a:extLst>
+              <a:ext uri="{FF2B5EF4-FFF2-40B4-BE49-F238E27FC236}">
+                <a16:creationId xmlns:a16="http://schemas.microsoft.com/office/drawing/2014/main" id="{DA4D1100-0DAF-4328-B779-9A10F230D41B}"/>
+              </a:ext>
+            </a:extLst>
+          </p:cNvPr>
+          <p:cNvSpPr>
+            <a:spLocks noGrp="1"/>
+          </p:cNvSpPr>
+          <p:nvPr>
+            <p:ph idx="1"/>
+          </p:nvPr>
+        </p:nvSpPr>
+        <p:spPr>
+          <a:xfrm>
+            <a:off x="1154955" y="2120900"/>
+            <a:ext cx="3133726" cy="3898900"/>
+          </a:xfrm>
+        </p:spPr>
+        <p:txBody>
+          <a:bodyPr>
+            <a:normAutofit/>
+          </a:bodyPr>
+          <a:lstStyle/>
+          <a:p>
+            <a:r>
+              <a:rPr lang="en-US" dirty="0" err="1">
+                <a:solidFill>
+                  <a:schemeClr val="bg1"/>
+                </a:solidFill>
+              </a:rPr>
+              <a:t>Descrivono</a:t>
+            </a:r>
+            <a:r>
+              <a:rPr lang="en-US" dirty="0">
+                <a:solidFill>
+                  <a:schemeClr val="bg1"/>
+                </a:solidFill>
+              </a:rPr>
+              <a:t> </a:t>
+            </a:r>
+            <a:r>
+              <a:rPr lang="en-US" dirty="0" err="1">
+                <a:solidFill>
+                  <a:schemeClr val="bg1"/>
+                </a:solidFill>
+              </a:rPr>
+              <a:t>il</a:t>
+            </a:r>
+            <a:r>
+              <a:rPr lang="en-US" dirty="0">
+                <a:solidFill>
+                  <a:schemeClr val="bg1"/>
+                </a:solidFill>
+              </a:rPr>
+              <a:t> </a:t>
+            </a:r>
+            <a:r>
+              <a:rPr lang="en-US" dirty="0" err="1">
+                <a:solidFill>
+                  <a:schemeClr val="bg1"/>
+                </a:solidFill>
+              </a:rPr>
+              <a:t>formato</a:t>
+            </a:r>
+            <a:r>
+              <a:rPr lang="en-US" dirty="0">
+                <a:solidFill>
+                  <a:schemeClr val="bg1"/>
+                </a:solidFill>
+              </a:rPr>
+              <a:t> di read paired-end</a:t>
+            </a:r>
+          </a:p>
+          <a:p>
+            <a:r>
+              <a:rPr lang="en-US" dirty="0" err="1">
+                <a:solidFill>
+                  <a:schemeClr val="bg1"/>
+                </a:solidFill>
+              </a:rPr>
+              <a:t>Posizione</a:t>
+            </a:r>
+            <a:r>
+              <a:rPr lang="en-US" dirty="0">
+                <a:solidFill>
+                  <a:schemeClr val="bg1"/>
+                </a:solidFill>
+              </a:rPr>
+              <a:t> </a:t>
+            </a:r>
+            <a:r>
+              <a:rPr lang="en-US" dirty="0" err="1">
+                <a:solidFill>
+                  <a:schemeClr val="bg1"/>
+                </a:solidFill>
+              </a:rPr>
+              <a:t>reciproca</a:t>
+            </a:r>
+            <a:r>
+              <a:rPr lang="en-US" dirty="0">
+                <a:solidFill>
+                  <a:schemeClr val="bg1"/>
+                </a:solidFill>
+              </a:rPr>
+              <a:t> </a:t>
+            </a:r>
+            <a:r>
+              <a:rPr lang="en-US" dirty="0" err="1">
+                <a:solidFill>
+                  <a:schemeClr val="bg1"/>
+                </a:solidFill>
+              </a:rPr>
+              <a:t>delle</a:t>
+            </a:r>
+            <a:r>
+              <a:rPr lang="en-US" dirty="0">
+                <a:solidFill>
+                  <a:schemeClr val="bg1"/>
+                </a:solidFill>
+              </a:rPr>
+              <a:t> read + </a:t>
+            </a:r>
+            <a:r>
+              <a:rPr lang="en-US" dirty="0" err="1">
+                <a:solidFill>
+                  <a:schemeClr val="bg1"/>
+                </a:solidFill>
+              </a:rPr>
+              <a:t>orientamento</a:t>
+            </a:r>
+            <a:r>
+              <a:rPr lang="en-US" dirty="0">
+                <a:solidFill>
+                  <a:schemeClr val="bg1"/>
+                </a:solidFill>
+              </a:rPr>
+              <a:t> prima read (se </a:t>
+            </a:r>
+            <a:r>
+              <a:rPr lang="en-US" dirty="0" err="1">
+                <a:solidFill>
+                  <a:schemeClr val="bg1"/>
+                </a:solidFill>
+              </a:rPr>
+              <a:t>disponibile</a:t>
+            </a:r>
+            <a:r>
+              <a:rPr lang="en-US" dirty="0">
+                <a:solidFill>
+                  <a:schemeClr val="bg1"/>
+                </a:solidFill>
+              </a:rPr>
+              <a:t>)</a:t>
+            </a:r>
+          </a:p>
+          <a:p>
+            <a:r>
+              <a:rPr lang="en-US" dirty="0" err="1">
+                <a:solidFill>
+                  <a:schemeClr val="bg1"/>
+                </a:solidFill>
+              </a:rPr>
+              <a:t>Aumento</a:t>
+            </a:r>
+            <a:r>
+              <a:rPr lang="en-US" dirty="0">
+                <a:solidFill>
+                  <a:schemeClr val="bg1"/>
+                </a:solidFill>
+              </a:rPr>
+              <a:t> </a:t>
+            </a:r>
+            <a:r>
+              <a:rPr lang="en-US" dirty="0" err="1">
+                <a:solidFill>
+                  <a:schemeClr val="bg1"/>
+                </a:solidFill>
+              </a:rPr>
+              <a:t>dell’efficienza</a:t>
+            </a:r>
+            <a:r>
+              <a:rPr lang="en-US" dirty="0">
+                <a:solidFill>
+                  <a:schemeClr val="bg1"/>
+                </a:solidFill>
+              </a:rPr>
+              <a:t> in </a:t>
+            </a:r>
+            <a:r>
+              <a:rPr lang="en-US" dirty="0" err="1">
+                <a:solidFill>
+                  <a:schemeClr val="bg1"/>
+                </a:solidFill>
+              </a:rPr>
+              <a:t>fase</a:t>
+            </a:r>
+            <a:r>
+              <a:rPr lang="en-US" dirty="0">
+                <a:solidFill>
+                  <a:schemeClr val="bg1"/>
+                </a:solidFill>
+              </a:rPr>
+              <a:t> di </a:t>
+            </a:r>
+            <a:r>
+              <a:rPr lang="en-US" dirty="0" err="1">
+                <a:solidFill>
+                  <a:schemeClr val="bg1"/>
+                </a:solidFill>
+              </a:rPr>
+              <a:t>allineamento</a:t>
+            </a:r>
+            <a:r>
+              <a:rPr lang="en-US" dirty="0">
+                <a:solidFill>
+                  <a:schemeClr val="bg1"/>
+                </a:solidFill>
+              </a:rPr>
+              <a:t> </a:t>
+            </a:r>
+            <a:r>
+              <a:rPr lang="en-US" dirty="0" err="1">
+                <a:solidFill>
+                  <a:schemeClr val="bg1"/>
+                </a:solidFill>
+              </a:rPr>
+              <a:t>fino</a:t>
+            </a:r>
+            <a:r>
+              <a:rPr lang="en-US" dirty="0">
+                <a:solidFill>
+                  <a:schemeClr val="bg1"/>
+                </a:solidFill>
+              </a:rPr>
+              <a:t> al 50%</a:t>
+            </a:r>
+          </a:p>
+        </p:txBody>
+      </p:sp>
+      <p:pic>
+        <p:nvPicPr>
+          <p:cNvPr id="8" name="Segnaposto contenuto 4">
+            <a:extLst>
+              <a:ext uri="{FF2B5EF4-FFF2-40B4-BE49-F238E27FC236}">
+                <a16:creationId xmlns:a16="http://schemas.microsoft.com/office/drawing/2014/main" id="{8788E4F0-D592-41A0-83AE-909E29990BBA}"/>
+              </a:ext>
+            </a:extLst>
+          </p:cNvPr>
+          <p:cNvPicPr>
+            <a:picLocks noChangeAspect="1"/>
+          </p:cNvPicPr>
+          <p:nvPr/>
+        </p:nvPicPr>
+        <p:blipFill>
+          <a:blip r:embed="rId3"/>
+          <a:stretch>
+            <a:fillRect/>
+          </a:stretch>
+        </p:blipFill>
+        <p:spPr>
+          <a:xfrm>
+            <a:off x="5334476" y="553065"/>
+            <a:ext cx="6251664" cy="5825612"/>
+          </a:xfrm>
+          <a:prstGeom prst="rect">
+            <a:avLst/>
+          </a:prstGeom>
+        </p:spPr>
+      </p:pic>
+      <p:sp>
+        <p:nvSpPr>
+          <p:cNvPr id="23" name="Rectangle 22">
+            <a:extLst>
+              <a:ext uri="{FF2B5EF4-FFF2-40B4-BE49-F238E27FC236}">
+                <a16:creationId xmlns:a16="http://schemas.microsoft.com/office/drawing/2014/main" id="{C4EF29AB-620C-4783-9B23-EACEB54D7836}"/>
+              </a:ext>
+              <a:ext uri="{C183D7F6-B498-43B3-948B-1728B52AA6E4}">
+                <adec:decorative xmlns:adec="http://schemas.microsoft.com/office/drawing/2017/decorative" val="1"/>
+              </a:ext>
+            </a:extLst>
+          </p:cNvPr>
+          <p:cNvSpPr>
+            <a:spLocks noGrp="1" noRot="1" noChangeAspect="1" noMove="1" noResize="1" noEditPoints="1" noAdjustHandles="1" noChangeArrowheads="1" noChangeShapeType="1" noTextEdit="1"/>
+          </p:cNvSpPr>
+          <p:nvPr>
+            <p:extLst>
+              <p:ext uri="{386F3935-93C4-4BCD-93E2-E3B085C9AB24}">
+                <p16:designElem xmlns:p16="http://schemas.microsoft.com/office/powerpoint/2015/main" val="1"/>
+              </p:ext>
+            </p:extLst>
+          </p:nvPr>
+        </p:nvSpPr>
+        <p:spPr>
+          <a:xfrm>
+            <a:off x="10437812" y="0"/>
+            <a:ext cx="685800" cy="1143000"/>
+          </a:xfrm>
+          <a:prstGeom prst="rect">
+            <a:avLst/>
+          </a:prstGeom>
+          <a:solidFill>
+            <a:schemeClr val="accent1"/>
+          </a:solidFill>
+          <a:ln>
+            <a:noFill/>
+          </a:ln>
+        </p:spPr>
+        <p:style>
+          <a:lnRef idx="1">
+            <a:schemeClr val="accent1"/>
+          </a:lnRef>
+          <a:fillRef idx="3">
+            <a:schemeClr val="accent1"/>
+          </a:fillRef>
+          <a:effectRef idx="2">
+            <a:schemeClr val="accent1"/>
+          </a:effectRef>
+          <a:fontRef idx="minor">
+            <a:schemeClr val="lt1"/>
+          </a:fontRef>
+        </p:style>
+      </p:sp>
+    </p:spTree>
+    <p:extLst>
+      <p:ext uri="{BB962C8B-B14F-4D97-AF65-F5344CB8AC3E}">
+        <p14:creationId xmlns:p14="http://schemas.microsoft.com/office/powerpoint/2010/main" val="1412470289"/>
+      </p:ext>
+    </p:extLst>
+  </p:cSld>
+  <p:clrMapOvr>
+    <a:masterClrMapping/>
+  </p:clrMapOvr>
+</p:sld>
+</file>
+
+<file path=ppt/slides/slide9.xml><?xml version="1.0" encoding="utf-8"?>
+<p:sld xmlns:a="http://schemas.openxmlformats.org/drawingml/2006/main" xmlns:r="http://schemas.openxmlformats.org/officeDocument/2006/relationships" xmlns:p="http://schemas.openxmlformats.org/presentationml/2006/main">
+  <p:cSld>
+    <p:spTree>
+      <p:nvGrpSpPr>
+        <p:cNvPr id="1" name=""/>
+        <p:cNvGrpSpPr/>
+        <p:nvPr/>
+      </p:nvGrpSpPr>
+      <p:grpSpPr>
+        <a:xfrm>
+          <a:off x="0" y="0"/>
+          <a:ext cx="0" cy="0"/>
+          <a:chOff x="0" y="0"/>
+          <a:chExt cx="0" cy="0"/>
+        </a:xfrm>
+      </p:grpSpPr>
+      <p:sp>
+        <p:nvSpPr>
+          <p:cNvPr id="2" name="Titolo 1">
+            <a:extLst>
+              <a:ext uri="{FF2B5EF4-FFF2-40B4-BE49-F238E27FC236}">
+                <a16:creationId xmlns:a16="http://schemas.microsoft.com/office/drawing/2014/main" id="{93B79D30-536C-48D8-8778-E78682EB448D}"/>
+              </a:ext>
+            </a:extLst>
+          </p:cNvPr>
+          <p:cNvSpPr>
+            <a:spLocks noGrp="1"/>
+          </p:cNvSpPr>
+          <p:nvPr>
+            <p:ph type="title"/>
+          </p:nvPr>
+        </p:nvSpPr>
+        <p:spPr/>
+        <p:txBody>
+          <a:bodyPr/>
+          <a:lstStyle/>
+          <a:p>
+            <a:r>
+              <a:rPr lang="it-IT" dirty="0"/>
+              <a:t>Formattazione SAM</a:t>
+            </a:r>
+          </a:p>
+        </p:txBody>
+      </p:sp>
+      <p:pic>
+        <p:nvPicPr>
+          <p:cNvPr id="9" name="Segnaposto contenuto 8" descr="Immagine che contiene screenshot&#10;&#10;Descrizione generata automaticamente">
+            <a:extLst>
+              <a:ext uri="{FF2B5EF4-FFF2-40B4-BE49-F238E27FC236}">
+                <a16:creationId xmlns:a16="http://schemas.microsoft.com/office/drawing/2014/main" id="{43C5AD8F-5F12-47AA-B82F-2429ACC34184}"/>
+              </a:ext>
+            </a:extLst>
+          </p:cNvPr>
+          <p:cNvPicPr>
+            <a:picLocks noGrp="1" noChangeAspect="1"/>
+          </p:cNvPicPr>
+          <p:nvPr>
+            <p:ph idx="1"/>
+          </p:nvPr>
+        </p:nvPicPr>
+        <p:blipFill>
+          <a:blip r:embed="rId2"/>
+          <a:stretch>
+            <a:fillRect/>
+          </a:stretch>
+        </p:blipFill>
+        <p:spPr>
+          <a:xfrm>
+            <a:off x="1224116" y="2691581"/>
+            <a:ext cx="9792929" cy="3362632"/>
+          </a:xfrm>
+        </p:spPr>
+      </p:pic>
+    </p:spTree>
+    <p:extLst>
+      <p:ext uri="{BB962C8B-B14F-4D97-AF65-F5344CB8AC3E}">
+        <p14:creationId xmlns:p14="http://schemas.microsoft.com/office/powerpoint/2010/main" val="2666377656"/>
+      </p:ext>
+    </p:extLst>
+  </p:cSld>
+  <p:clrMapOvr>
+    <a:masterClrMapping/>
+  </p:clrMapOvr>
+</p:sld>
+</file>
+
 <file path=ppt/theme/theme1.xml><?xml version="1.0" encoding="utf-8"?>
 <a:theme xmlns:a="http://schemas.openxmlformats.org/drawingml/2006/main" name="Riunioni ione">
   <a:themeElements>

--- a/powerpoint/Presentazione.pptx
+++ b/powerpoint/Presentazione.pptx
@@ -4,22 +4,24 @@
   <p:sldMasterIdLst>
     <p:sldMasterId id="2147483671" r:id="rId1"/>
   </p:sldMasterIdLst>
+  <p:notesMasterIdLst>
+    <p:notesMasterId r:id="rId16"/>
+  </p:notesMasterIdLst>
   <p:sldIdLst>
     <p:sldId id="256" r:id="rId2"/>
-    <p:sldId id="257" r:id="rId3"/>
-    <p:sldId id="258" r:id="rId4"/>
+    <p:sldId id="274" r:id="rId3"/>
+    <p:sldId id="271" r:id="rId4"/>
     <p:sldId id="259" r:id="rId5"/>
-    <p:sldId id="260" r:id="rId6"/>
+    <p:sldId id="272" r:id="rId6"/>
     <p:sldId id="261" r:id="rId7"/>
     <p:sldId id="263" r:id="rId8"/>
     <p:sldId id="262" r:id="rId9"/>
-    <p:sldId id="264" r:id="rId10"/>
-    <p:sldId id="265" r:id="rId11"/>
-    <p:sldId id="266" r:id="rId12"/>
-    <p:sldId id="267" r:id="rId13"/>
-    <p:sldId id="268" r:id="rId14"/>
-    <p:sldId id="270" r:id="rId15"/>
-    <p:sldId id="269" r:id="rId16"/>
+    <p:sldId id="275" r:id="rId10"/>
+    <p:sldId id="267" r:id="rId11"/>
+    <p:sldId id="268" r:id="rId12"/>
+    <p:sldId id="270" r:id="rId13"/>
+    <p:sldId id="273" r:id="rId14"/>
+    <p:sldId id="269" r:id="rId15"/>
   </p:sldIdLst>
   <p:sldSz cx="12192000" cy="6858000"/>
   <p:notesSz cx="6858000" cy="9144000"/>
@@ -912,7 +914,7 @@
 <dgm:dataModel xmlns:dgm="http://schemas.openxmlformats.org/drawingml/2006/diagram" xmlns:a="http://schemas.openxmlformats.org/drawingml/2006/main">
   <dgm:ptLst>
     <dgm:pt modelId="{3EE04567-E827-422C-94B4-C1662327EE9B}" type="doc">
-      <dgm:prSet loTypeId="urn:microsoft.com/office/officeart/2005/8/layout/vList2" loCatId="list" qsTypeId="urn:microsoft.com/office/officeart/2005/8/quickstyle/simple1" qsCatId="simple" csTypeId="urn:microsoft.com/office/officeart/2005/8/colors/colorful5" csCatId="colorful"/>
+      <dgm:prSet loTypeId="urn:microsoft.com/office/officeart/2005/8/layout/vList2" loCatId="list" qsTypeId="urn:microsoft.com/office/officeart/2005/8/quickstyle/simple1" qsCatId="simple" csTypeId="urn:microsoft.com/office/officeart/2005/8/colors/colorful5" csCatId="colorful" phldr="1"/>
       <dgm:spPr/>
       <dgm:t>
         <a:bodyPr/>
@@ -930,10 +932,26 @@
         <a:lstStyle/>
         <a:p>
           <a:r>
-            <a:rPr lang="it-IT" b="1" i="0"/>
-            <a:t>Alternative Splicing</a:t>
+            <a:rPr lang="it-IT" b="1" i="0" dirty="0"/>
+            <a:t>Concetti fondamentali (Alternative Splicing, </a:t>
           </a:r>
-          <a:endParaRPr lang="en-US"/>
+          <a:r>
+            <a:rPr lang="it-IT" b="1" i="0" dirty="0" err="1"/>
+            <a:t>read</a:t>
+          </a:r>
+          <a:r>
+            <a:rPr lang="it-IT" b="1" i="0" dirty="0"/>
+            <a:t> </a:t>
+          </a:r>
+          <a:r>
+            <a:rPr lang="it-IT" b="1" i="0" dirty="0" err="1"/>
+            <a:t>paired</a:t>
+          </a:r>
+          <a:r>
+            <a:rPr lang="it-IT" b="1" i="0" dirty="0"/>
+            <a:t>-end, ASGAL)</a:t>
+          </a:r>
+          <a:endParaRPr lang="en-US" dirty="0"/>
         </a:p>
       </dgm:t>
     </dgm:pt>
@@ -967,10 +985,26 @@
         <a:lstStyle/>
         <a:p>
           <a:r>
-            <a:rPr lang="it-IT" b="1" i="0"/>
-            <a:t>Read paired-end</a:t>
+            <a:rPr lang="it-IT" b="1" i="0" dirty="0"/>
+            <a:t>Modifiche apportate ad ASGAL per supportare </a:t>
           </a:r>
-          <a:endParaRPr lang="en-US"/>
+          <a:r>
+            <a:rPr lang="it-IT" b="1" i="0" dirty="0" err="1"/>
+            <a:t>read</a:t>
+          </a:r>
+          <a:r>
+            <a:rPr lang="it-IT" b="1" i="0" dirty="0"/>
+            <a:t> </a:t>
+          </a:r>
+          <a:r>
+            <a:rPr lang="it-IT" b="1" i="0" dirty="0" err="1"/>
+            <a:t>paired</a:t>
+          </a:r>
+          <a:r>
+            <a:rPr lang="it-IT" b="1" i="0" dirty="0"/>
+            <a:t>-end</a:t>
+          </a:r>
+          <a:endParaRPr lang="en-US" dirty="0"/>
         </a:p>
       </dgm:t>
     </dgm:pt>
@@ -1005,23 +1039,7 @@
         <a:p>
           <a:r>
             <a:rPr lang="it-IT" b="1" i="0" dirty="0"/>
-            <a:t>ASGAL (Alternative Splicing </a:t>
-          </a:r>
-          <a:r>
-            <a:rPr lang="it-IT" b="1" i="0" dirty="0" err="1"/>
-            <a:t>Graph</a:t>
-          </a:r>
-          <a:r>
-            <a:rPr lang="it-IT" b="1" i="0" dirty="0"/>
-            <a:t> </a:t>
-          </a:r>
-          <a:r>
-            <a:rPr lang="it-IT" b="1" i="0" dirty="0" err="1"/>
-            <a:t>ALigner</a:t>
-          </a:r>
-          <a:r>
-            <a:rPr lang="it-IT" b="1" i="0" dirty="0"/>
-            <a:t>)</a:t>
+            <a:t>Conclusioni e sviluppi futuri</a:t>
           </a:r>
           <a:endParaRPr lang="en-US" dirty="0"/>
         </a:p>
@@ -1112,7 +1130,7 @@
   <dgm:whole/>
   <dgm:extLst>
     <a:ext uri="http://schemas.microsoft.com/office/drawing/2008/diagram">
-      <dsp:dataModelExt xmlns:dsp="http://schemas.microsoft.com/office/drawing/2008/diagram" relId="rId7" minVer="http://schemas.openxmlformats.org/drawingml/2006/diagram"/>
+      <dsp:dataModelExt xmlns:dsp="http://schemas.microsoft.com/office/drawing/2008/diagram" relId="rId8" minVer="http://schemas.openxmlformats.org/drawingml/2006/diagram"/>
     </a:ext>
   </dgm:extLst>
 </dgm:dataModel>
@@ -1133,8 +1151,8 @@
       </dsp:nvSpPr>
       <dsp:spPr>
         <a:xfrm>
-          <a:off x="0" y="124634"/>
-          <a:ext cx="6391275" cy="1589006"/>
+          <a:off x="0" y="9743"/>
+          <a:ext cx="6391275" cy="1684800"/>
         </a:xfrm>
         <a:prstGeom prst="roundRect">
           <a:avLst/>
@@ -1175,12 +1193,12 @@
         </a:fontRef>
       </dsp:style>
       <dsp:txBody>
-        <a:bodyPr spcFirstLastPara="0" vert="horz" wrap="square" lIns="152400" tIns="152400" rIns="152400" bIns="152400" numCol="1" spcCol="1270" anchor="ctr" anchorCtr="0">
+        <a:bodyPr spcFirstLastPara="0" vert="horz" wrap="square" lIns="114300" tIns="114300" rIns="114300" bIns="114300" numCol="1" spcCol="1270" anchor="ctr" anchorCtr="0">
           <a:noAutofit/>
         </a:bodyPr>
         <a:lstStyle/>
         <a:p>
-          <a:pPr marL="0" lvl="0" indent="0" algn="l" defTabSz="1778000">
+          <a:pPr marL="0" lvl="0" indent="0" algn="l" defTabSz="1333500">
             <a:lnSpc>
               <a:spcPct val="90000"/>
             </a:lnSpc>
@@ -1193,15 +1211,31 @@
             <a:buNone/>
           </a:pPr>
           <a:r>
-            <a:rPr lang="it-IT" sz="4000" b="1" i="0" kern="1200"/>
-            <a:t>Alternative Splicing</a:t>
+            <a:rPr lang="it-IT" sz="3000" b="1" i="0" kern="1200" dirty="0"/>
+            <a:t>Concetti fondamentali (Alternative Splicing, </a:t>
           </a:r>
-          <a:endParaRPr lang="en-US" sz="4000" kern="1200"/>
+          <a:r>
+            <a:rPr lang="it-IT" sz="3000" b="1" i="0" kern="1200" dirty="0" err="1"/>
+            <a:t>read</a:t>
+          </a:r>
+          <a:r>
+            <a:rPr lang="it-IT" sz="3000" b="1" i="0" kern="1200" dirty="0"/>
+            <a:t> </a:t>
+          </a:r>
+          <a:r>
+            <a:rPr lang="it-IT" sz="3000" b="1" i="0" kern="1200" dirty="0" err="1"/>
+            <a:t>paired</a:t>
+          </a:r>
+          <a:r>
+            <a:rPr lang="it-IT" sz="3000" b="1" i="0" kern="1200" dirty="0"/>
+            <a:t>-end, ASGAL)</a:t>
+          </a:r>
+          <a:endParaRPr lang="en-US" sz="3000" kern="1200" dirty="0"/>
         </a:p>
       </dsp:txBody>
       <dsp:txXfrm>
-        <a:off x="77569" y="202203"/>
-        <a:ext cx="6236137" cy="1433868"/>
+        <a:off x="82245" y="91988"/>
+        <a:ext cx="6226785" cy="1520310"/>
       </dsp:txXfrm>
     </dsp:sp>
     <dsp:sp modelId="{3A6D13AA-E70F-44D2-92B3-90AF42B4B987}">
@@ -1211,8 +1245,8 @@
       </dsp:nvSpPr>
       <dsp:spPr>
         <a:xfrm>
-          <a:off x="0" y="1828840"/>
-          <a:ext cx="6391275" cy="1589006"/>
+          <a:off x="0" y="1780943"/>
+          <a:ext cx="6391275" cy="1684800"/>
         </a:xfrm>
         <a:prstGeom prst="roundRect">
           <a:avLst/>
@@ -1253,12 +1287,12 @@
         </a:fontRef>
       </dsp:style>
       <dsp:txBody>
-        <a:bodyPr spcFirstLastPara="0" vert="horz" wrap="square" lIns="152400" tIns="152400" rIns="152400" bIns="152400" numCol="1" spcCol="1270" anchor="ctr" anchorCtr="0">
+        <a:bodyPr spcFirstLastPara="0" vert="horz" wrap="square" lIns="114300" tIns="114300" rIns="114300" bIns="114300" numCol="1" spcCol="1270" anchor="ctr" anchorCtr="0">
           <a:noAutofit/>
         </a:bodyPr>
         <a:lstStyle/>
         <a:p>
-          <a:pPr marL="0" lvl="0" indent="0" algn="l" defTabSz="1778000">
+          <a:pPr marL="0" lvl="0" indent="0" algn="l" defTabSz="1333500">
             <a:lnSpc>
               <a:spcPct val="90000"/>
             </a:lnSpc>
@@ -1271,15 +1305,31 @@
             <a:buNone/>
           </a:pPr>
           <a:r>
-            <a:rPr lang="it-IT" sz="4000" b="1" i="0" kern="1200"/>
-            <a:t>Read paired-end</a:t>
+            <a:rPr lang="it-IT" sz="3000" b="1" i="0" kern="1200" dirty="0"/>
+            <a:t>Modifiche apportate ad ASGAL per supportare </a:t>
           </a:r>
-          <a:endParaRPr lang="en-US" sz="4000" kern="1200"/>
+          <a:r>
+            <a:rPr lang="it-IT" sz="3000" b="1" i="0" kern="1200" dirty="0" err="1"/>
+            <a:t>read</a:t>
+          </a:r>
+          <a:r>
+            <a:rPr lang="it-IT" sz="3000" b="1" i="0" kern="1200" dirty="0"/>
+            <a:t> </a:t>
+          </a:r>
+          <a:r>
+            <a:rPr lang="it-IT" sz="3000" b="1" i="0" kern="1200" dirty="0" err="1"/>
+            <a:t>paired</a:t>
+          </a:r>
+          <a:r>
+            <a:rPr lang="it-IT" sz="3000" b="1" i="0" kern="1200" dirty="0"/>
+            <a:t>-end</a:t>
+          </a:r>
+          <a:endParaRPr lang="en-US" sz="3000" kern="1200" dirty="0"/>
         </a:p>
       </dsp:txBody>
       <dsp:txXfrm>
-        <a:off x="77569" y="1906409"/>
-        <a:ext cx="6236137" cy="1433868"/>
+        <a:off x="82245" y="1863188"/>
+        <a:ext cx="6226785" cy="1520310"/>
       </dsp:txXfrm>
     </dsp:sp>
     <dsp:sp modelId="{17B72D78-B332-4541-93F3-4117ED0EDDD0}">
@@ -1289,8 +1339,8 @@
       </dsp:nvSpPr>
       <dsp:spPr>
         <a:xfrm>
-          <a:off x="0" y="3533046"/>
-          <a:ext cx="6391275" cy="1589006"/>
+          <a:off x="0" y="3552143"/>
+          <a:ext cx="6391275" cy="1684800"/>
         </a:xfrm>
         <a:prstGeom prst="roundRect">
           <a:avLst/>
@@ -1331,12 +1381,12 @@
         </a:fontRef>
       </dsp:style>
       <dsp:txBody>
-        <a:bodyPr spcFirstLastPara="0" vert="horz" wrap="square" lIns="152400" tIns="152400" rIns="152400" bIns="152400" numCol="1" spcCol="1270" anchor="ctr" anchorCtr="0">
+        <a:bodyPr spcFirstLastPara="0" vert="horz" wrap="square" lIns="114300" tIns="114300" rIns="114300" bIns="114300" numCol="1" spcCol="1270" anchor="ctr" anchorCtr="0">
           <a:noAutofit/>
         </a:bodyPr>
         <a:lstStyle/>
         <a:p>
-          <a:pPr marL="0" lvl="0" indent="0" algn="l" defTabSz="1778000">
+          <a:pPr marL="0" lvl="0" indent="0" algn="l" defTabSz="1333500">
             <a:lnSpc>
               <a:spcPct val="90000"/>
             </a:lnSpc>
@@ -1349,31 +1399,15 @@
             <a:buNone/>
           </a:pPr>
           <a:r>
-            <a:rPr lang="it-IT" sz="4000" b="1" i="0" kern="1200" dirty="0"/>
-            <a:t>ASGAL (Alternative Splicing </a:t>
+            <a:rPr lang="it-IT" sz="3000" b="1" i="0" kern="1200" dirty="0"/>
+            <a:t>Conclusioni e sviluppi futuri</a:t>
           </a:r>
-          <a:r>
-            <a:rPr lang="it-IT" sz="4000" b="1" i="0" kern="1200" dirty="0" err="1"/>
-            <a:t>Graph</a:t>
-          </a:r>
-          <a:r>
-            <a:rPr lang="it-IT" sz="4000" b="1" i="0" kern="1200" dirty="0"/>
-            <a:t> </a:t>
-          </a:r>
-          <a:r>
-            <a:rPr lang="it-IT" sz="4000" b="1" i="0" kern="1200" dirty="0" err="1"/>
-            <a:t>ALigner</a:t>
-          </a:r>
-          <a:r>
-            <a:rPr lang="it-IT" sz="4000" b="1" i="0" kern="1200" dirty="0"/>
-            <a:t>)</a:t>
-          </a:r>
-          <a:endParaRPr lang="en-US" sz="4000" kern="1200" dirty="0"/>
+          <a:endParaRPr lang="en-US" sz="3000" kern="1200" dirty="0"/>
         </a:p>
       </dsp:txBody>
       <dsp:txXfrm>
-        <a:off x="77569" y="3610615"/>
-        <a:ext cx="6236137" cy="1433868"/>
+        <a:off x="82245" y="3634388"/>
+        <a:ext cx="6226785" cy="1520310"/>
       </dsp:txXfrm>
     </dsp:sp>
   </dsp:spTree>
@@ -2581,6 +2615,955 @@
 </dgm:styleDef>
 </file>
 
+<file path=ppt/notesMasters/notesMaster1.xml><?xml version="1.0" encoding="utf-8"?>
+<p:notesMaster xmlns:a="http://schemas.openxmlformats.org/drawingml/2006/main" xmlns:r="http://schemas.openxmlformats.org/officeDocument/2006/relationships" xmlns:p="http://schemas.openxmlformats.org/presentationml/2006/main">
+  <p:cSld>
+    <p:bg>
+      <p:bgRef idx="1001">
+        <a:schemeClr val="bg1"/>
+      </p:bgRef>
+    </p:bg>
+    <p:spTree>
+      <p:nvGrpSpPr>
+        <p:cNvPr id="1" name=""/>
+        <p:cNvGrpSpPr/>
+        <p:nvPr/>
+      </p:nvGrpSpPr>
+      <p:grpSpPr>
+        <a:xfrm>
+          <a:off x="0" y="0"/>
+          <a:ext cx="0" cy="0"/>
+          <a:chOff x="0" y="0"/>
+          <a:chExt cx="0" cy="0"/>
+        </a:xfrm>
+      </p:grpSpPr>
+      <p:sp>
+        <p:nvSpPr>
+          <p:cNvPr id="2" name="Segnaposto intestazione 1"/>
+          <p:cNvSpPr>
+            <a:spLocks noGrp="1"/>
+          </p:cNvSpPr>
+          <p:nvPr>
+            <p:ph type="hdr" sz="quarter"/>
+          </p:nvPr>
+        </p:nvSpPr>
+        <p:spPr>
+          <a:xfrm>
+            <a:off x="0" y="0"/>
+            <a:ext cx="2971800" cy="458788"/>
+          </a:xfrm>
+          <a:prstGeom prst="rect">
+            <a:avLst/>
+          </a:prstGeom>
+        </p:spPr>
+        <p:txBody>
+          <a:bodyPr vert="horz" lIns="91440" tIns="45720" rIns="91440" bIns="45720" rtlCol="0"/>
+          <a:lstStyle>
+            <a:lvl1pPr algn="l">
+              <a:defRPr sz="1200"/>
+            </a:lvl1pPr>
+          </a:lstStyle>
+          <a:p>
+            <a:endParaRPr lang="it-IT"/>
+          </a:p>
+        </p:txBody>
+      </p:sp>
+      <p:sp>
+        <p:nvSpPr>
+          <p:cNvPr id="3" name="Segnaposto data 2"/>
+          <p:cNvSpPr>
+            <a:spLocks noGrp="1"/>
+          </p:cNvSpPr>
+          <p:nvPr>
+            <p:ph type="dt" idx="1"/>
+          </p:nvPr>
+        </p:nvSpPr>
+        <p:spPr>
+          <a:xfrm>
+            <a:off x="3884613" y="0"/>
+            <a:ext cx="2971800" cy="458788"/>
+          </a:xfrm>
+          <a:prstGeom prst="rect">
+            <a:avLst/>
+          </a:prstGeom>
+        </p:spPr>
+        <p:txBody>
+          <a:bodyPr vert="horz" lIns="91440" tIns="45720" rIns="91440" bIns="45720" rtlCol="0"/>
+          <a:lstStyle>
+            <a:lvl1pPr algn="r">
+              <a:defRPr sz="1200"/>
+            </a:lvl1pPr>
+          </a:lstStyle>
+          <a:p>
+            <a:fld id="{E882AD5C-591D-445A-8100-C0F621DCCAA2}" type="datetimeFigureOut">
+              <a:rPr lang="it-IT" smtClean="0"/>
+              <a:t>17/07/2019</a:t>
+            </a:fld>
+            <a:endParaRPr lang="it-IT"/>
+          </a:p>
+        </p:txBody>
+      </p:sp>
+      <p:sp>
+        <p:nvSpPr>
+          <p:cNvPr id="4" name="Segnaposto immagine diapositiva 3"/>
+          <p:cNvSpPr>
+            <a:spLocks noGrp="1" noRot="1" noChangeAspect="1"/>
+          </p:cNvSpPr>
+          <p:nvPr>
+            <p:ph type="sldImg" idx="2"/>
+          </p:nvPr>
+        </p:nvSpPr>
+        <p:spPr>
+          <a:xfrm>
+            <a:off x="685800" y="1143000"/>
+            <a:ext cx="5486400" cy="3086100"/>
+          </a:xfrm>
+          <a:prstGeom prst="rect">
+            <a:avLst/>
+          </a:prstGeom>
+          <a:noFill/>
+          <a:ln w="12700">
+            <a:solidFill>
+              <a:prstClr val="black"/>
+            </a:solidFill>
+          </a:ln>
+        </p:spPr>
+        <p:txBody>
+          <a:bodyPr vert="horz" lIns="91440" tIns="45720" rIns="91440" bIns="45720" rtlCol="0" anchor="ctr"/>
+          <a:lstStyle/>
+          <a:p>
+            <a:endParaRPr lang="it-IT"/>
+          </a:p>
+        </p:txBody>
+      </p:sp>
+      <p:sp>
+        <p:nvSpPr>
+          <p:cNvPr id="5" name="Segnaposto note 4"/>
+          <p:cNvSpPr>
+            <a:spLocks noGrp="1"/>
+          </p:cNvSpPr>
+          <p:nvPr>
+            <p:ph type="body" sz="quarter" idx="3"/>
+          </p:nvPr>
+        </p:nvSpPr>
+        <p:spPr>
+          <a:xfrm>
+            <a:off x="685800" y="4400550"/>
+            <a:ext cx="5486400" cy="3600450"/>
+          </a:xfrm>
+          <a:prstGeom prst="rect">
+            <a:avLst/>
+          </a:prstGeom>
+        </p:spPr>
+        <p:txBody>
+          <a:bodyPr vert="horz" lIns="91440" tIns="45720" rIns="91440" bIns="45720" rtlCol="0"/>
+          <a:lstStyle/>
+          <a:p>
+            <a:pPr lvl="0"/>
+            <a:r>
+              <a:rPr lang="it-IT"/>
+              <a:t>Fare clic per modificare gli stili del testo dello schema</a:t>
+            </a:r>
+          </a:p>
+          <a:p>
+            <a:pPr lvl="1"/>
+            <a:r>
+              <a:rPr lang="it-IT"/>
+              <a:t>Secondo livello</a:t>
+            </a:r>
+          </a:p>
+          <a:p>
+            <a:pPr lvl="2"/>
+            <a:r>
+              <a:rPr lang="it-IT"/>
+              <a:t>Terzo livello</a:t>
+            </a:r>
+          </a:p>
+          <a:p>
+            <a:pPr lvl="3"/>
+            <a:r>
+              <a:rPr lang="it-IT"/>
+              <a:t>Quarto livello</a:t>
+            </a:r>
+          </a:p>
+          <a:p>
+            <a:pPr lvl="4"/>
+            <a:r>
+              <a:rPr lang="it-IT"/>
+              <a:t>Quinto livello</a:t>
+            </a:r>
+          </a:p>
+        </p:txBody>
+      </p:sp>
+      <p:sp>
+        <p:nvSpPr>
+          <p:cNvPr id="6" name="Segnaposto piè di pagina 5"/>
+          <p:cNvSpPr>
+            <a:spLocks noGrp="1"/>
+          </p:cNvSpPr>
+          <p:nvPr>
+            <p:ph type="ftr" sz="quarter" idx="4"/>
+          </p:nvPr>
+        </p:nvSpPr>
+        <p:spPr>
+          <a:xfrm>
+            <a:off x="0" y="8685213"/>
+            <a:ext cx="2971800" cy="458787"/>
+          </a:xfrm>
+          <a:prstGeom prst="rect">
+            <a:avLst/>
+          </a:prstGeom>
+        </p:spPr>
+        <p:txBody>
+          <a:bodyPr vert="horz" lIns="91440" tIns="45720" rIns="91440" bIns="45720" rtlCol="0" anchor="b"/>
+          <a:lstStyle>
+            <a:lvl1pPr algn="l">
+              <a:defRPr sz="1200"/>
+            </a:lvl1pPr>
+          </a:lstStyle>
+          <a:p>
+            <a:endParaRPr lang="it-IT"/>
+          </a:p>
+        </p:txBody>
+      </p:sp>
+      <p:sp>
+        <p:nvSpPr>
+          <p:cNvPr id="7" name="Segnaposto numero diapositiva 6"/>
+          <p:cNvSpPr>
+            <a:spLocks noGrp="1"/>
+          </p:cNvSpPr>
+          <p:nvPr>
+            <p:ph type="sldNum" sz="quarter" idx="5"/>
+          </p:nvPr>
+        </p:nvSpPr>
+        <p:spPr>
+          <a:xfrm>
+            <a:off x="3884613" y="8685213"/>
+            <a:ext cx="2971800" cy="458787"/>
+          </a:xfrm>
+          <a:prstGeom prst="rect">
+            <a:avLst/>
+          </a:prstGeom>
+        </p:spPr>
+        <p:txBody>
+          <a:bodyPr vert="horz" lIns="91440" tIns="45720" rIns="91440" bIns="45720" rtlCol="0" anchor="b"/>
+          <a:lstStyle>
+            <a:lvl1pPr algn="r">
+              <a:defRPr sz="1200"/>
+            </a:lvl1pPr>
+          </a:lstStyle>
+          <a:p>
+            <a:fld id="{6AA6CFA1-72A4-454D-A26D-61FC33286D3A}" type="slidenum">
+              <a:rPr lang="it-IT" smtClean="0"/>
+              <a:t>‹N›</a:t>
+            </a:fld>
+            <a:endParaRPr lang="it-IT"/>
+          </a:p>
+        </p:txBody>
+      </p:sp>
+    </p:spTree>
+    <p:extLst>
+      <p:ext uri="{BB962C8B-B14F-4D97-AF65-F5344CB8AC3E}">
+        <p14:creationId xmlns:p14="http://schemas.microsoft.com/office/powerpoint/2010/main" val="1470592607"/>
+      </p:ext>
+    </p:extLst>
+  </p:cSld>
+  <p:clrMap bg1="lt1" tx1="dk1" bg2="lt2" tx2="dk2" accent1="accent1" accent2="accent2" accent3="accent3" accent4="accent4" accent5="accent5" accent6="accent6" hlink="hlink" folHlink="folHlink"/>
+  <p:notesStyle>
+    <a:lvl1pPr marL="0" algn="l" defTabSz="914400" rtl="0" eaLnBrk="1" latinLnBrk="0" hangingPunct="1">
+      <a:defRPr sz="1200" kern="1200">
+        <a:solidFill>
+          <a:schemeClr val="tx1"/>
+        </a:solidFill>
+        <a:latin typeface="+mn-lt"/>
+        <a:ea typeface="+mn-ea"/>
+        <a:cs typeface="+mn-cs"/>
+      </a:defRPr>
+    </a:lvl1pPr>
+    <a:lvl2pPr marL="457200" algn="l" defTabSz="914400" rtl="0" eaLnBrk="1" latinLnBrk="0" hangingPunct="1">
+      <a:defRPr sz="1200" kern="1200">
+        <a:solidFill>
+          <a:schemeClr val="tx1"/>
+        </a:solidFill>
+        <a:latin typeface="+mn-lt"/>
+        <a:ea typeface="+mn-ea"/>
+        <a:cs typeface="+mn-cs"/>
+      </a:defRPr>
+    </a:lvl2pPr>
+    <a:lvl3pPr marL="914400" algn="l" defTabSz="914400" rtl="0" eaLnBrk="1" latinLnBrk="0" hangingPunct="1">
+      <a:defRPr sz="1200" kern="1200">
+        <a:solidFill>
+          <a:schemeClr val="tx1"/>
+        </a:solidFill>
+        <a:latin typeface="+mn-lt"/>
+        <a:ea typeface="+mn-ea"/>
+        <a:cs typeface="+mn-cs"/>
+      </a:defRPr>
+    </a:lvl3pPr>
+    <a:lvl4pPr marL="1371600" algn="l" defTabSz="914400" rtl="0" eaLnBrk="1" latinLnBrk="0" hangingPunct="1">
+      <a:defRPr sz="1200" kern="1200">
+        <a:solidFill>
+          <a:schemeClr val="tx1"/>
+        </a:solidFill>
+        <a:latin typeface="+mn-lt"/>
+        <a:ea typeface="+mn-ea"/>
+        <a:cs typeface="+mn-cs"/>
+      </a:defRPr>
+    </a:lvl4pPr>
+    <a:lvl5pPr marL="1828800" algn="l" defTabSz="914400" rtl="0" eaLnBrk="1" latinLnBrk="0" hangingPunct="1">
+      <a:defRPr sz="1200" kern="1200">
+        <a:solidFill>
+          <a:schemeClr val="tx1"/>
+        </a:solidFill>
+        <a:latin typeface="+mn-lt"/>
+        <a:ea typeface="+mn-ea"/>
+        <a:cs typeface="+mn-cs"/>
+      </a:defRPr>
+    </a:lvl5pPr>
+    <a:lvl6pPr marL="2286000" algn="l" defTabSz="914400" rtl="0" eaLnBrk="1" latinLnBrk="0" hangingPunct="1">
+      <a:defRPr sz="1200" kern="1200">
+        <a:solidFill>
+          <a:schemeClr val="tx1"/>
+        </a:solidFill>
+        <a:latin typeface="+mn-lt"/>
+        <a:ea typeface="+mn-ea"/>
+        <a:cs typeface="+mn-cs"/>
+      </a:defRPr>
+    </a:lvl6pPr>
+    <a:lvl7pPr marL="2743200" algn="l" defTabSz="914400" rtl="0" eaLnBrk="1" latinLnBrk="0" hangingPunct="1">
+      <a:defRPr sz="1200" kern="1200">
+        <a:solidFill>
+          <a:schemeClr val="tx1"/>
+        </a:solidFill>
+        <a:latin typeface="+mn-lt"/>
+        <a:ea typeface="+mn-ea"/>
+        <a:cs typeface="+mn-cs"/>
+      </a:defRPr>
+    </a:lvl7pPr>
+    <a:lvl8pPr marL="3200400" algn="l" defTabSz="914400" rtl="0" eaLnBrk="1" latinLnBrk="0" hangingPunct="1">
+      <a:defRPr sz="1200" kern="1200">
+        <a:solidFill>
+          <a:schemeClr val="tx1"/>
+        </a:solidFill>
+        <a:latin typeface="+mn-lt"/>
+        <a:ea typeface="+mn-ea"/>
+        <a:cs typeface="+mn-cs"/>
+      </a:defRPr>
+    </a:lvl8pPr>
+    <a:lvl9pPr marL="3657600" algn="l" defTabSz="914400" rtl="0" eaLnBrk="1" latinLnBrk="0" hangingPunct="1">
+      <a:defRPr sz="1200" kern="1200">
+        <a:solidFill>
+          <a:schemeClr val="tx1"/>
+        </a:solidFill>
+        <a:latin typeface="+mn-lt"/>
+        <a:ea typeface="+mn-ea"/>
+        <a:cs typeface="+mn-cs"/>
+      </a:defRPr>
+    </a:lvl9pPr>
+  </p:notesStyle>
+</p:notesMaster>
+</file>
+
+<file path=ppt/notesSlides/notesSlide1.xml><?xml version="1.0" encoding="utf-8"?>
+<p:notes xmlns:a="http://schemas.openxmlformats.org/drawingml/2006/main" xmlns:r="http://schemas.openxmlformats.org/officeDocument/2006/relationships" xmlns:p="http://schemas.openxmlformats.org/presentationml/2006/main">
+  <p:cSld>
+    <p:spTree>
+      <p:nvGrpSpPr>
+        <p:cNvPr id="1" name=""/>
+        <p:cNvGrpSpPr/>
+        <p:nvPr/>
+      </p:nvGrpSpPr>
+      <p:grpSpPr>
+        <a:xfrm>
+          <a:off x="0" y="0"/>
+          <a:ext cx="0" cy="0"/>
+          <a:chOff x="0" y="0"/>
+          <a:chExt cx="0" cy="0"/>
+        </a:xfrm>
+      </p:grpSpPr>
+      <p:sp>
+        <p:nvSpPr>
+          <p:cNvPr id="2" name="Segnaposto immagine diapositiva 1"/>
+          <p:cNvSpPr>
+            <a:spLocks noGrp="1" noRot="1" noChangeAspect="1"/>
+          </p:cNvSpPr>
+          <p:nvPr>
+            <p:ph type="sldImg"/>
+          </p:nvPr>
+        </p:nvSpPr>
+        <p:spPr/>
+      </p:sp>
+      <p:sp>
+        <p:nvSpPr>
+          <p:cNvPr id="3" name="Segnaposto note 2"/>
+          <p:cNvSpPr>
+            <a:spLocks noGrp="1"/>
+          </p:cNvSpPr>
+          <p:nvPr>
+            <p:ph type="body" idx="1"/>
+          </p:nvPr>
+        </p:nvSpPr>
+        <p:spPr/>
+        <p:txBody>
+          <a:bodyPr/>
+          <a:lstStyle/>
+          <a:p>
+            <a:endParaRPr lang="it-IT" dirty="0"/>
+          </a:p>
+        </p:txBody>
+      </p:sp>
+      <p:sp>
+        <p:nvSpPr>
+          <p:cNvPr id="4" name="Segnaposto numero diapositiva 3"/>
+          <p:cNvSpPr>
+            <a:spLocks noGrp="1"/>
+          </p:cNvSpPr>
+          <p:nvPr>
+            <p:ph type="sldNum" sz="quarter" idx="5"/>
+          </p:nvPr>
+        </p:nvSpPr>
+        <p:spPr/>
+        <p:txBody>
+          <a:bodyPr/>
+          <a:lstStyle/>
+          <a:p>
+            <a:fld id="{6AA6CFA1-72A4-454D-A26D-61FC33286D3A}" type="slidenum">
+              <a:rPr lang="it-IT" smtClean="0"/>
+              <a:t>1</a:t>
+            </a:fld>
+            <a:endParaRPr lang="it-IT"/>
+          </a:p>
+        </p:txBody>
+      </p:sp>
+    </p:spTree>
+    <p:extLst>
+      <p:ext uri="{BB962C8B-B14F-4D97-AF65-F5344CB8AC3E}">
+        <p14:creationId xmlns:p14="http://schemas.microsoft.com/office/powerpoint/2010/main" val="2213107505"/>
+      </p:ext>
+    </p:extLst>
+  </p:cSld>
+  <p:clrMapOvr>
+    <a:masterClrMapping/>
+  </p:clrMapOvr>
+</p:notes>
+</file>
+
+<file path=ppt/notesSlides/notesSlide2.xml><?xml version="1.0" encoding="utf-8"?>
+<p:notes xmlns:a="http://schemas.openxmlformats.org/drawingml/2006/main" xmlns:r="http://schemas.openxmlformats.org/officeDocument/2006/relationships" xmlns:p="http://schemas.openxmlformats.org/presentationml/2006/main">
+  <p:cSld>
+    <p:spTree>
+      <p:nvGrpSpPr>
+        <p:cNvPr id="1" name=""/>
+        <p:cNvGrpSpPr/>
+        <p:nvPr/>
+      </p:nvGrpSpPr>
+      <p:grpSpPr>
+        <a:xfrm>
+          <a:off x="0" y="0"/>
+          <a:ext cx="0" cy="0"/>
+          <a:chOff x="0" y="0"/>
+          <a:chExt cx="0" cy="0"/>
+        </a:xfrm>
+      </p:grpSpPr>
+      <p:sp>
+        <p:nvSpPr>
+          <p:cNvPr id="2" name="Segnaposto immagine diapositiva 1"/>
+          <p:cNvSpPr>
+            <a:spLocks noGrp="1" noRot="1" noChangeAspect="1"/>
+          </p:cNvSpPr>
+          <p:nvPr>
+            <p:ph type="sldImg"/>
+          </p:nvPr>
+        </p:nvSpPr>
+        <p:spPr/>
+      </p:sp>
+      <p:sp>
+        <p:nvSpPr>
+          <p:cNvPr id="3" name="Segnaposto note 2"/>
+          <p:cNvSpPr>
+            <a:spLocks noGrp="1"/>
+          </p:cNvSpPr>
+          <p:nvPr>
+            <p:ph type="body" idx="1"/>
+          </p:nvPr>
+        </p:nvSpPr>
+        <p:spPr/>
+        <p:txBody>
+          <a:bodyPr/>
+          <a:lstStyle/>
+          <a:p>
+            <a:r>
+              <a:rPr lang="it-IT" dirty="0"/>
+              <a:t>Aggiungere «modifiche»</a:t>
+            </a:r>
+          </a:p>
+        </p:txBody>
+      </p:sp>
+      <p:sp>
+        <p:nvSpPr>
+          <p:cNvPr id="4" name="Segnaposto numero diapositiva 3"/>
+          <p:cNvSpPr>
+            <a:spLocks noGrp="1"/>
+          </p:cNvSpPr>
+          <p:nvPr>
+            <p:ph type="sldNum" sz="quarter" idx="5"/>
+          </p:nvPr>
+        </p:nvSpPr>
+        <p:spPr/>
+        <p:txBody>
+          <a:bodyPr/>
+          <a:lstStyle/>
+          <a:p>
+            <a:fld id="{6AA6CFA1-72A4-454D-A26D-61FC33286D3A}" type="slidenum">
+              <a:rPr lang="it-IT" smtClean="0"/>
+              <a:t>2</a:t>
+            </a:fld>
+            <a:endParaRPr lang="it-IT"/>
+          </a:p>
+        </p:txBody>
+      </p:sp>
+    </p:spTree>
+    <p:extLst>
+      <p:ext uri="{BB962C8B-B14F-4D97-AF65-F5344CB8AC3E}">
+        <p14:creationId xmlns:p14="http://schemas.microsoft.com/office/powerpoint/2010/main" val="1987446893"/>
+      </p:ext>
+    </p:extLst>
+  </p:cSld>
+  <p:clrMapOvr>
+    <a:masterClrMapping/>
+  </p:clrMapOvr>
+</p:notes>
+</file>
+
+<file path=ppt/notesSlides/notesSlide3.xml><?xml version="1.0" encoding="utf-8"?>
+<p:notes xmlns:a="http://schemas.openxmlformats.org/drawingml/2006/main" xmlns:r="http://schemas.openxmlformats.org/officeDocument/2006/relationships" xmlns:p="http://schemas.openxmlformats.org/presentationml/2006/main">
+  <p:cSld>
+    <p:spTree>
+      <p:nvGrpSpPr>
+        <p:cNvPr id="1" name=""/>
+        <p:cNvGrpSpPr/>
+        <p:nvPr/>
+      </p:nvGrpSpPr>
+      <p:grpSpPr>
+        <a:xfrm>
+          <a:off x="0" y="0"/>
+          <a:ext cx="0" cy="0"/>
+          <a:chOff x="0" y="0"/>
+          <a:chExt cx="0" cy="0"/>
+        </a:xfrm>
+      </p:grpSpPr>
+      <p:sp>
+        <p:nvSpPr>
+          <p:cNvPr id="2" name="Segnaposto immagine diapositiva 1"/>
+          <p:cNvSpPr>
+            <a:spLocks noGrp="1" noRot="1" noChangeAspect="1"/>
+          </p:cNvSpPr>
+          <p:nvPr>
+            <p:ph type="sldImg"/>
+          </p:nvPr>
+        </p:nvSpPr>
+        <p:spPr/>
+      </p:sp>
+      <p:sp>
+        <p:nvSpPr>
+          <p:cNvPr id="3" name="Segnaposto note 2"/>
+          <p:cNvSpPr>
+            <a:spLocks noGrp="1"/>
+          </p:cNvSpPr>
+          <p:nvPr>
+            <p:ph type="body" idx="1"/>
+          </p:nvPr>
+        </p:nvSpPr>
+        <p:spPr/>
+        <p:txBody>
+          <a:bodyPr/>
+          <a:lstStyle/>
+          <a:p>
+            <a:endParaRPr lang="it-IT" dirty="0"/>
+          </a:p>
+        </p:txBody>
+      </p:sp>
+      <p:sp>
+        <p:nvSpPr>
+          <p:cNvPr id="4" name="Segnaposto numero diapositiva 3"/>
+          <p:cNvSpPr>
+            <a:spLocks noGrp="1"/>
+          </p:cNvSpPr>
+          <p:nvPr>
+            <p:ph type="sldNum" sz="quarter" idx="5"/>
+          </p:nvPr>
+        </p:nvSpPr>
+        <p:spPr/>
+        <p:txBody>
+          <a:bodyPr/>
+          <a:lstStyle/>
+          <a:p>
+            <a:fld id="{6AA6CFA1-72A4-454D-A26D-61FC33286D3A}" type="slidenum">
+              <a:rPr lang="it-IT" smtClean="0"/>
+              <a:t>3</a:t>
+            </a:fld>
+            <a:endParaRPr lang="it-IT"/>
+          </a:p>
+        </p:txBody>
+      </p:sp>
+    </p:spTree>
+    <p:extLst>
+      <p:ext uri="{BB962C8B-B14F-4D97-AF65-F5344CB8AC3E}">
+        <p14:creationId xmlns:p14="http://schemas.microsoft.com/office/powerpoint/2010/main" val="1581488402"/>
+      </p:ext>
+    </p:extLst>
+  </p:cSld>
+  <p:clrMapOvr>
+    <a:masterClrMapping/>
+  </p:clrMapOvr>
+</p:notes>
+</file>
+
+<file path=ppt/notesSlides/notesSlide4.xml><?xml version="1.0" encoding="utf-8"?>
+<p:notes xmlns:a="http://schemas.openxmlformats.org/drawingml/2006/main" xmlns:r="http://schemas.openxmlformats.org/officeDocument/2006/relationships" xmlns:p="http://schemas.openxmlformats.org/presentationml/2006/main">
+  <p:cSld>
+    <p:spTree>
+      <p:nvGrpSpPr>
+        <p:cNvPr id="1" name=""/>
+        <p:cNvGrpSpPr/>
+        <p:nvPr/>
+      </p:nvGrpSpPr>
+      <p:grpSpPr>
+        <a:xfrm>
+          <a:off x="0" y="0"/>
+          <a:ext cx="0" cy="0"/>
+          <a:chOff x="0" y="0"/>
+          <a:chExt cx="0" cy="0"/>
+        </a:xfrm>
+      </p:grpSpPr>
+      <p:sp>
+        <p:nvSpPr>
+          <p:cNvPr id="2" name="Segnaposto immagine diapositiva 1"/>
+          <p:cNvSpPr>
+            <a:spLocks noGrp="1" noRot="1" noChangeAspect="1"/>
+          </p:cNvSpPr>
+          <p:nvPr>
+            <p:ph type="sldImg"/>
+          </p:nvPr>
+        </p:nvSpPr>
+        <p:spPr/>
+      </p:sp>
+      <p:sp>
+        <p:nvSpPr>
+          <p:cNvPr id="3" name="Segnaposto note 2"/>
+          <p:cNvSpPr>
+            <a:spLocks noGrp="1"/>
+          </p:cNvSpPr>
+          <p:nvPr>
+            <p:ph type="body" idx="1"/>
+          </p:nvPr>
+        </p:nvSpPr>
+        <p:spPr/>
+        <p:txBody>
+          <a:bodyPr/>
+          <a:lstStyle/>
+          <a:p>
+            <a:endParaRPr lang="it-IT" dirty="0"/>
+          </a:p>
+        </p:txBody>
+      </p:sp>
+      <p:sp>
+        <p:nvSpPr>
+          <p:cNvPr id="4" name="Segnaposto numero diapositiva 3"/>
+          <p:cNvSpPr>
+            <a:spLocks noGrp="1"/>
+          </p:cNvSpPr>
+          <p:nvPr>
+            <p:ph type="sldNum" sz="quarter" idx="5"/>
+          </p:nvPr>
+        </p:nvSpPr>
+        <p:spPr/>
+        <p:txBody>
+          <a:bodyPr/>
+          <a:lstStyle/>
+          <a:p>
+            <a:fld id="{6AA6CFA1-72A4-454D-A26D-61FC33286D3A}" type="slidenum">
+              <a:rPr lang="it-IT" smtClean="0"/>
+              <a:t>4</a:t>
+            </a:fld>
+            <a:endParaRPr lang="it-IT"/>
+          </a:p>
+        </p:txBody>
+      </p:sp>
+    </p:spTree>
+    <p:extLst>
+      <p:ext uri="{BB962C8B-B14F-4D97-AF65-F5344CB8AC3E}">
+        <p14:creationId xmlns:p14="http://schemas.microsoft.com/office/powerpoint/2010/main" val="3081651936"/>
+      </p:ext>
+    </p:extLst>
+  </p:cSld>
+  <p:clrMapOvr>
+    <a:masterClrMapping/>
+  </p:clrMapOvr>
+</p:notes>
+</file>
+
+<file path=ppt/notesSlides/notesSlide5.xml><?xml version="1.0" encoding="utf-8"?>
+<p:notes xmlns:a="http://schemas.openxmlformats.org/drawingml/2006/main" xmlns:r="http://schemas.openxmlformats.org/officeDocument/2006/relationships" xmlns:p="http://schemas.openxmlformats.org/presentationml/2006/main">
+  <p:cSld>
+    <p:spTree>
+      <p:nvGrpSpPr>
+        <p:cNvPr id="1" name=""/>
+        <p:cNvGrpSpPr/>
+        <p:nvPr/>
+      </p:nvGrpSpPr>
+      <p:grpSpPr>
+        <a:xfrm>
+          <a:off x="0" y="0"/>
+          <a:ext cx="0" cy="0"/>
+          <a:chOff x="0" y="0"/>
+          <a:chExt cx="0" cy="0"/>
+        </a:xfrm>
+      </p:grpSpPr>
+      <p:sp>
+        <p:nvSpPr>
+          <p:cNvPr id="2" name="Segnaposto immagine diapositiva 1"/>
+          <p:cNvSpPr>
+            <a:spLocks noGrp="1" noRot="1" noChangeAspect="1"/>
+          </p:cNvSpPr>
+          <p:nvPr>
+            <p:ph type="sldImg"/>
+          </p:nvPr>
+        </p:nvSpPr>
+        <p:spPr/>
+      </p:sp>
+      <p:sp>
+        <p:nvSpPr>
+          <p:cNvPr id="3" name="Segnaposto note 2"/>
+          <p:cNvSpPr>
+            <a:spLocks noGrp="1"/>
+          </p:cNvSpPr>
+          <p:nvPr>
+            <p:ph type="body" idx="1"/>
+          </p:nvPr>
+        </p:nvSpPr>
+        <p:spPr/>
+        <p:txBody>
+          <a:bodyPr/>
+          <a:lstStyle/>
+          <a:p>
+            <a:r>
+              <a:rPr lang="it-IT" dirty="0"/>
+              <a:t>Evidenziare parti interessate</a:t>
+            </a:r>
+          </a:p>
+        </p:txBody>
+      </p:sp>
+      <p:sp>
+        <p:nvSpPr>
+          <p:cNvPr id="4" name="Segnaposto numero diapositiva 3"/>
+          <p:cNvSpPr>
+            <a:spLocks noGrp="1"/>
+          </p:cNvSpPr>
+          <p:nvPr>
+            <p:ph type="sldNum" sz="quarter" idx="5"/>
+          </p:nvPr>
+        </p:nvSpPr>
+        <p:spPr/>
+        <p:txBody>
+          <a:bodyPr/>
+          <a:lstStyle/>
+          <a:p>
+            <a:fld id="{6AA6CFA1-72A4-454D-A26D-61FC33286D3A}" type="slidenum">
+              <a:rPr lang="it-IT" smtClean="0"/>
+              <a:t>5</a:t>
+            </a:fld>
+            <a:endParaRPr lang="it-IT"/>
+          </a:p>
+        </p:txBody>
+      </p:sp>
+    </p:spTree>
+    <p:extLst>
+      <p:ext uri="{BB962C8B-B14F-4D97-AF65-F5344CB8AC3E}">
+        <p14:creationId xmlns:p14="http://schemas.microsoft.com/office/powerpoint/2010/main" val="1538192456"/>
+      </p:ext>
+    </p:extLst>
+  </p:cSld>
+  <p:clrMapOvr>
+    <a:masterClrMapping/>
+  </p:clrMapOvr>
+</p:notes>
+</file>
+
+<file path=ppt/notesSlides/notesSlide6.xml><?xml version="1.0" encoding="utf-8"?>
+<p:notes xmlns:a="http://schemas.openxmlformats.org/drawingml/2006/main" xmlns:r="http://schemas.openxmlformats.org/officeDocument/2006/relationships" xmlns:p="http://schemas.openxmlformats.org/presentationml/2006/main">
+  <p:cSld>
+    <p:spTree>
+      <p:nvGrpSpPr>
+        <p:cNvPr id="1" name=""/>
+        <p:cNvGrpSpPr/>
+        <p:nvPr/>
+      </p:nvGrpSpPr>
+      <p:grpSpPr>
+        <a:xfrm>
+          <a:off x="0" y="0"/>
+          <a:ext cx="0" cy="0"/>
+          <a:chOff x="0" y="0"/>
+          <a:chExt cx="0" cy="0"/>
+        </a:xfrm>
+      </p:grpSpPr>
+      <p:sp>
+        <p:nvSpPr>
+          <p:cNvPr id="2" name="Segnaposto immagine diapositiva 1"/>
+          <p:cNvSpPr>
+            <a:spLocks noGrp="1" noRot="1" noChangeAspect="1"/>
+          </p:cNvSpPr>
+          <p:nvPr>
+            <p:ph type="sldImg"/>
+          </p:nvPr>
+        </p:nvSpPr>
+        <p:spPr/>
+      </p:sp>
+      <p:sp>
+        <p:nvSpPr>
+          <p:cNvPr id="3" name="Segnaposto note 2"/>
+          <p:cNvSpPr>
+            <a:spLocks noGrp="1"/>
+          </p:cNvSpPr>
+          <p:nvPr>
+            <p:ph type="body" idx="1"/>
+          </p:nvPr>
+        </p:nvSpPr>
+        <p:spPr/>
+        <p:txBody>
+          <a:bodyPr/>
+          <a:lstStyle/>
+          <a:p>
+            <a:r>
+              <a:rPr lang="it-IT" dirty="0"/>
+              <a:t>Inserire riga SAM + campi</a:t>
+            </a:r>
+          </a:p>
+        </p:txBody>
+      </p:sp>
+      <p:sp>
+        <p:nvSpPr>
+          <p:cNvPr id="4" name="Segnaposto numero diapositiva 3"/>
+          <p:cNvSpPr>
+            <a:spLocks noGrp="1"/>
+          </p:cNvSpPr>
+          <p:nvPr>
+            <p:ph type="sldNum" sz="quarter" idx="5"/>
+          </p:nvPr>
+        </p:nvSpPr>
+        <p:spPr/>
+        <p:txBody>
+          <a:bodyPr/>
+          <a:lstStyle/>
+          <a:p>
+            <a:fld id="{6AA6CFA1-72A4-454D-A26D-61FC33286D3A}" type="slidenum">
+              <a:rPr lang="it-IT" smtClean="0"/>
+              <a:t>9</a:t>
+            </a:fld>
+            <a:endParaRPr lang="it-IT"/>
+          </a:p>
+        </p:txBody>
+      </p:sp>
+    </p:spTree>
+    <p:extLst>
+      <p:ext uri="{BB962C8B-B14F-4D97-AF65-F5344CB8AC3E}">
+        <p14:creationId xmlns:p14="http://schemas.microsoft.com/office/powerpoint/2010/main" val="451483467"/>
+      </p:ext>
+    </p:extLst>
+  </p:cSld>
+  <p:clrMapOvr>
+    <a:masterClrMapping/>
+  </p:clrMapOvr>
+</p:notes>
+</file>
+
+<file path=ppt/notesSlides/notesSlide7.xml><?xml version="1.0" encoding="utf-8"?>
+<p:notes xmlns:a="http://schemas.openxmlformats.org/drawingml/2006/main" xmlns:r="http://schemas.openxmlformats.org/officeDocument/2006/relationships" xmlns:p="http://schemas.openxmlformats.org/presentationml/2006/main">
+  <p:cSld>
+    <p:spTree>
+      <p:nvGrpSpPr>
+        <p:cNvPr id="1" name=""/>
+        <p:cNvGrpSpPr/>
+        <p:nvPr/>
+      </p:nvGrpSpPr>
+      <p:grpSpPr>
+        <a:xfrm>
+          <a:off x="0" y="0"/>
+          <a:ext cx="0" cy="0"/>
+          <a:chOff x="0" y="0"/>
+          <a:chExt cx="0" cy="0"/>
+        </a:xfrm>
+      </p:grpSpPr>
+      <p:sp>
+        <p:nvSpPr>
+          <p:cNvPr id="2" name="Segnaposto immagine diapositiva 1"/>
+          <p:cNvSpPr>
+            <a:spLocks noGrp="1" noRot="1" noChangeAspect="1"/>
+          </p:cNvSpPr>
+          <p:nvPr>
+            <p:ph type="sldImg"/>
+          </p:nvPr>
+        </p:nvSpPr>
+        <p:spPr/>
+      </p:sp>
+      <p:sp>
+        <p:nvSpPr>
+          <p:cNvPr id="3" name="Segnaposto note 2"/>
+          <p:cNvSpPr>
+            <a:spLocks noGrp="1"/>
+          </p:cNvSpPr>
+          <p:nvPr>
+            <p:ph type="body" idx="1"/>
+          </p:nvPr>
+        </p:nvSpPr>
+        <p:spPr/>
+        <p:txBody>
+          <a:bodyPr/>
+          <a:lstStyle/>
+          <a:p>
+            <a:r>
+              <a:rPr lang="it-IT" dirty="0"/>
+              <a:t>Inserire cosa faccio</a:t>
+            </a:r>
+          </a:p>
+        </p:txBody>
+      </p:sp>
+      <p:sp>
+        <p:nvSpPr>
+          <p:cNvPr id="4" name="Segnaposto numero diapositiva 3"/>
+          <p:cNvSpPr>
+            <a:spLocks noGrp="1"/>
+          </p:cNvSpPr>
+          <p:nvPr>
+            <p:ph type="sldNum" sz="quarter" idx="5"/>
+          </p:nvPr>
+        </p:nvSpPr>
+        <p:spPr/>
+        <p:txBody>
+          <a:bodyPr/>
+          <a:lstStyle/>
+          <a:p>
+            <a:fld id="{6AA6CFA1-72A4-454D-A26D-61FC33286D3A}" type="slidenum">
+              <a:rPr lang="it-IT" smtClean="0"/>
+              <a:t>10</a:t>
+            </a:fld>
+            <a:endParaRPr lang="it-IT"/>
+          </a:p>
+        </p:txBody>
+      </p:sp>
+    </p:spTree>
+    <p:extLst>
+      <p:ext uri="{BB962C8B-B14F-4D97-AF65-F5344CB8AC3E}">
+        <p14:creationId xmlns:p14="http://schemas.microsoft.com/office/powerpoint/2010/main" val="1155871724"/>
+      </p:ext>
+    </p:extLst>
+  </p:cSld>
+  <p:clrMapOvr>
+    <a:masterClrMapping/>
+  </p:clrMapOvr>
+</p:notes>
+</file>
+
 <file path=ppt/slideLayouts/slideLayout1.xml><?xml version="1.0" encoding="utf-8"?>
 <p:sldLayout xmlns:a="http://schemas.openxmlformats.org/drawingml/2006/main" xmlns:r="http://schemas.openxmlformats.org/officeDocument/2006/relationships" xmlns:p="http://schemas.openxmlformats.org/presentationml/2006/main" showMasterSp="0" type="title" preserve="1">
   <p:cSld name="Diapositiva titolo">
@@ -3090,7 +4073,7 @@
             <a:fld id="{1E700B27-DE4C-4B9E-BB11-B9027034A00F}" type="datetimeFigureOut">
               <a:rPr lang="en-US" smtClean="0"/>
               <a:pPr/>
-              <a:t>7/13/2019</a:t>
+              <a:t>7/17/2019</a:t>
             </a:fld>
             <a:endParaRPr lang="en-US" dirty="0"/>
           </a:p>
@@ -4078,7 +5061,7 @@
           <a:p>
             <a:fld id="{C40F4739-9812-4A9F-890D-2AD6BA5F6EE8}" type="datetimeFigureOut">
               <a:rPr lang="en-US" smtClean="0"/>
-              <a:t>7/13/2019</a:t>
+              <a:t>7/17/2019</a:t>
             </a:fld>
             <a:endParaRPr lang="en-US" dirty="0"/>
           </a:p>
@@ -4954,7 +5937,7 @@
           <a:p>
             <a:fld id="{18845AC5-A3F8-44AA-BA8F-596CDCC976D3}" type="datetimeFigureOut">
               <a:rPr lang="en-US" smtClean="0"/>
-              <a:t>7/13/2019</a:t>
+              <a:t>7/17/2019</a:t>
             </a:fld>
             <a:endParaRPr lang="en-US" dirty="0"/>
           </a:p>
@@ -5981,7 +6964,7 @@
           <a:p>
             <a:fld id="{7E0D914D-B099-4142-A885-11F276715148}" type="datetimeFigureOut">
               <a:rPr lang="en-US" smtClean="0"/>
-              <a:t>7/13/2019</a:t>
+              <a:t>7/17/2019</a:t>
             </a:fld>
             <a:endParaRPr lang="en-US" dirty="0"/>
           </a:p>
@@ -6908,7 +7891,7 @@
           <a:p>
             <a:fld id="{174D01B4-0AA5-45E6-B2E6-5FA4078AEBCF}" type="datetimeFigureOut">
               <a:rPr lang="en-US" smtClean="0"/>
-              <a:t>7/13/2019</a:t>
+              <a:t>7/17/2019</a:t>
             </a:fld>
             <a:endParaRPr lang="en-US" dirty="0"/>
           </a:p>
@@ -7570,7 +8553,7 @@
           <a:p>
             <a:fld id="{4147335C-0450-40D7-8612-B3203BED4F28}" type="datetimeFigureOut">
               <a:rPr lang="en-US" smtClean="0"/>
-              <a:t>7/13/2019</a:t>
+              <a:t>7/17/2019</a:t>
             </a:fld>
             <a:endParaRPr lang="en-US" dirty="0"/>
           </a:p>
@@ -8433,7 +9416,7 @@
           <a:p>
             <a:fld id="{D246A105-2A1C-4284-B4EA-07CF89B1A393}" type="datetimeFigureOut">
               <a:rPr lang="en-US" smtClean="0"/>
-              <a:t>7/13/2019</a:t>
+              <a:t>7/17/2019</a:t>
             </a:fld>
             <a:endParaRPr lang="en-US" dirty="0"/>
           </a:p>
@@ -8622,7 +9605,7 @@
           <a:p>
             <a:fld id="{80DBE609-F3F2-45E6-BD6A-E03A8C86C1AE}" type="datetimeFigureOut">
               <a:rPr lang="en-US" smtClean="0"/>
-              <a:t>7/13/2019</a:t>
+              <a:t>7/17/2019</a:t>
             </a:fld>
             <a:endParaRPr lang="en-US" dirty="0"/>
           </a:p>
@@ -9485,7 +10468,7 @@
           <a:p>
             <a:fld id="{7E0D914D-B099-4142-A885-11F276715148}" type="datetimeFigureOut">
               <a:rPr lang="en-US" smtClean="0"/>
-              <a:t>7/13/2019</a:t>
+              <a:t>7/17/2019</a:t>
             </a:fld>
             <a:endParaRPr lang="en-US" dirty="0"/>
           </a:p>
@@ -9711,7 +10694,7 @@
           <a:p>
             <a:fld id="{75C51FCE-E4BB-4680-8E50-3C0E348D2609}" type="datetimeFigureOut">
               <a:rPr lang="en-US" smtClean="0"/>
-              <a:t>7/13/2019</a:t>
+              <a:t>7/17/2019</a:t>
             </a:fld>
             <a:endParaRPr lang="en-US" dirty="0"/>
           </a:p>
@@ -10642,7 +11625,7 @@
           <a:p>
             <a:fld id="{8AAA073D-A903-47F8-8D16-77642FB0DF1F}" type="datetimeFigureOut">
               <a:rPr lang="en-US" smtClean="0"/>
-              <a:t>7/13/2019</a:t>
+              <a:t>7/17/2019</a:t>
             </a:fld>
             <a:endParaRPr lang="en-US" dirty="0"/>
           </a:p>
@@ -10932,7 +11915,7 @@
           <a:p>
             <a:fld id="{AB91FA40-626B-4CA1-85D0-7A9016E395BA}" type="datetimeFigureOut">
               <a:rPr lang="en-US" smtClean="0"/>
-              <a:t>7/13/2019</a:t>
+              <a:t>7/17/2019</a:t>
             </a:fld>
             <a:endParaRPr lang="en-US" dirty="0"/>
           </a:p>
@@ -11328,7 +12311,7 @@
           <a:p>
             <a:fld id="{C3F425EA-B9DC-48A7-991E-9A82573B1B21}" type="datetimeFigureOut">
               <a:rPr lang="en-US" smtClean="0"/>
-              <a:t>7/13/2019</a:t>
+              <a:t>7/17/2019</a:t>
             </a:fld>
             <a:endParaRPr lang="en-US" dirty="0"/>
           </a:p>
@@ -11460,7 +12443,7 @@
           <a:p>
             <a:fld id="{66CB97F8-6CEB-469B-AFCC-889F2A2B1D5A}" type="datetimeFigureOut">
               <a:rPr lang="en-US" smtClean="0"/>
-              <a:t>7/13/2019</a:t>
+              <a:t>7/17/2019</a:t>
             </a:fld>
             <a:endParaRPr lang="en-US" dirty="0"/>
           </a:p>
@@ -11561,7 +12544,7 @@
           <a:p>
             <a:fld id="{8FA9179F-009E-4FA5-B091-7EBB82A185BD}" type="datetimeFigureOut">
               <a:rPr lang="en-US" smtClean="0"/>
-              <a:t>7/13/2019</a:t>
+              <a:t>7/17/2019</a:t>
             </a:fld>
             <a:endParaRPr lang="en-US" dirty="0"/>
           </a:p>
@@ -12538,7 +13521,7 @@
           <a:p>
             <a:fld id="{8E665CEB-0076-4E37-B880-BCEA9784DE0A}" type="datetimeFigureOut">
               <a:rPr lang="en-US" smtClean="0"/>
-              <a:t>7/13/2019</a:t>
+              <a:t>7/17/2019</a:t>
             </a:fld>
             <a:endParaRPr lang="en-US" dirty="0"/>
           </a:p>
@@ -13539,7 +14522,7 @@
           <a:p>
             <a:fld id="{A6149E5E-3896-4118-99A7-7B85668F1C5E}" type="datetimeFigureOut">
               <a:rPr lang="en-US" smtClean="0"/>
-              <a:t>7/13/2019</a:t>
+              <a:t>7/17/2019</a:t>
             </a:fld>
             <a:endParaRPr lang="en-US" dirty="0"/>
           </a:p>
@@ -14429,7 +15412,7 @@
           <a:p>
             <a:fld id="{7E0D914D-B099-4142-A885-11F276715148}" type="datetimeFigureOut">
               <a:rPr lang="en-US" smtClean="0"/>
-              <a:t>7/13/2019</a:t>
+              <a:t>7/17/2019</a:t>
             </a:fld>
             <a:endParaRPr lang="en-US" dirty="0"/>
           </a:p>
@@ -14984,7 +15967,7 @@
     <p:bg>
       <p:bgPr>
         <a:blipFill rotWithShape="1">
-          <a:blip r:embed="rId2">
+          <a:blip r:embed="rId3">
             <a:duotone>
               <a:schemeClr val="bg2">
                 <a:shade val="69000"/>
@@ -15259,12 +16242,30 @@
             </a:r>
             <a:r>
               <a:rPr lang="it-IT" sz="2000" dirty="0"/>
-              <a:t> (matricola 816042)</a:t>
+              <a:t> </a:t>
             </a:r>
             <a:br>
               <a:rPr lang="it-IT" sz="2000" dirty="0"/>
             </a:br>
-            <a:endParaRPr lang="it-IT" sz="2000" dirty="0"/>
+            <a:r>
+              <a:rPr lang="it-IT" sz="2000" dirty="0"/>
+              <a:t>matricola 816042</a:t>
+            </a:r>
+            <a:br>
+              <a:rPr lang="it-IT" sz="2000" dirty="0"/>
+            </a:br>
+            <a:r>
+              <a:rPr lang="it-IT" sz="2000" dirty="0"/>
+              <a:t>università degli studi di </a:t>
+            </a:r>
+            <a:r>
+              <a:rPr lang="it-IT" sz="2000" dirty="0" err="1"/>
+              <a:t>milano</a:t>
+            </a:r>
+            <a:r>
+              <a:rPr lang="it-IT" sz="2000" dirty="0"/>
+              <a:t>-bicocca</a:t>
+            </a:r>
           </a:p>
         </p:txBody>
       </p:sp>
@@ -15363,10 +16364,10 @@
       </p:grpSpPr>
       <p:sp>
         <p:nvSpPr>
-          <p:cNvPr id="26" name="Rectangle 9">
+          <p:cNvPr id="11" name="Rectangle 10">
             <a:extLst>
               <a:ext uri="{FF2B5EF4-FFF2-40B4-BE49-F238E27FC236}">
-                <a16:creationId xmlns:a16="http://schemas.microsoft.com/office/drawing/2014/main" id="{C43A114B-CAF8-402E-A898-DEE2C2022EBD}"/>
+                <a16:creationId xmlns:a16="http://schemas.microsoft.com/office/drawing/2014/main" id="{7F8F1B44-F396-4193-AE11-9D5E5ECAA440}"/>
               </a:ext>
               <a:ext uri="{C183D7F6-B498-43B3-948B-1728B52AA6E4}">
                 <adec:decorative xmlns:adec="http://schemas.microsoft.com/office/drawing/2017/decorative" val="1"/>
@@ -15393,7 +16394,7 @@
             <a:avLst/>
           </a:prstGeom>
           <a:blipFill>
-            <a:blip r:embed="rId2">
+            <a:blip r:embed="rId3">
               <a:duotone>
                 <a:schemeClr val="dk2">
                   <a:shade val="69000"/>
@@ -15434,21 +16435,21 @@
           </a:fontRef>
         </p:style>
       </p:sp>
-      <p:sp>
-        <p:nvSpPr>
-          <p:cNvPr id="27" name="Oval 11">
+      <p:grpSp>
+        <p:nvGrpSpPr>
+          <p:cNvPr id="13" name="Group 12">
             <a:extLst>
               <a:ext uri="{FF2B5EF4-FFF2-40B4-BE49-F238E27FC236}">
-                <a16:creationId xmlns:a16="http://schemas.microsoft.com/office/drawing/2014/main" id="{64E68BB1-DCF6-49AB-8FF1-7E68DCBCD111}"/>
+                <a16:creationId xmlns:a16="http://schemas.microsoft.com/office/drawing/2014/main" id="{8A9B6836-D32C-4F9C-B65B-8010233618F3}"/>
               </a:ext>
               <a:ext uri="{C183D7F6-B498-43B3-948B-1728B52AA6E4}">
                 <adec:decorative xmlns:adec="http://schemas.microsoft.com/office/drawing/2017/decorative" val="1"/>
               </a:ext>
             </a:extLst>
           </p:cNvPr>
-          <p:cNvSpPr>
-            <a:spLocks noGrp="1" noRot="1" noChangeAspect="1" noMove="1" noResize="1" noEditPoints="1" noAdjustHandles="1" noChangeArrowheads="1" noChangeShapeType="1" noTextEdit="1"/>
-          </p:cNvSpPr>
+          <p:cNvGrpSpPr>
+            <a:grpSpLocks noGrp="1" noUngrp="1" noRot="1" noChangeAspect="1" noMove="1" noResize="1"/>
+          </p:cNvGrpSpPr>
           <p:nvPr>
             <p:extLst>
               <p:ext uri="{386F3935-93C4-4BCD-93E2-E3B085C9AB24}">
@@ -15456,291 +16457,1463 @@
               </p:ext>
             </p:extLst>
           </p:nvPr>
-        </p:nvSpPr>
-        <p:spPr>
+        </p:nvGrpSpPr>
+        <p:grpSpPr>
           <a:xfrm>
-            <a:off x="8761412" y="1828800"/>
-            <a:ext cx="2819400" cy="2819400"/>
+            <a:off x="0" y="1587"/>
+            <a:ext cx="12192000" cy="6856413"/>
+            <a:chOff x="0" y="1587"/>
+            <a:chExt cx="12192000" cy="6856413"/>
           </a:xfrm>
-          <a:prstGeom prst="ellipse">
-            <a:avLst/>
-          </a:prstGeom>
-          <a:gradFill flip="none" rotWithShape="1">
-            <a:gsLst>
-              <a:gs pos="0">
-                <a:schemeClr val="accent5">
-                  <a:alpha val="7000"/>
-                </a:schemeClr>
-              </a:gs>
-              <a:gs pos="69000">
-                <a:schemeClr val="accent5">
-                  <a:alpha val="0"/>
-                </a:schemeClr>
-              </a:gs>
-              <a:gs pos="36000">
-                <a:schemeClr val="accent5">
-                  <a:alpha val="6000"/>
-                </a:schemeClr>
-              </a:gs>
-            </a:gsLst>
-            <a:path path="circle">
-              <a:fillToRect l="50000" t="50000" r="50000" b="50000"/>
-            </a:path>
-            <a:tileRect/>
-          </a:gradFill>
-          <a:ln>
-            <a:noFill/>
-          </a:ln>
-          <a:effectLst/>
-        </p:spPr>
-        <p:style>
-          <a:lnRef idx="1">
-            <a:schemeClr val="accent1"/>
-          </a:lnRef>
-          <a:fillRef idx="3">
-            <a:schemeClr val="accent1"/>
-          </a:fillRef>
-          <a:effectRef idx="2">
-            <a:schemeClr val="accent1"/>
-          </a:effectRef>
-          <a:fontRef idx="minor">
-            <a:schemeClr val="lt1"/>
-          </a:fontRef>
-        </p:style>
-      </p:sp>
+        </p:grpSpPr>
+        <p:sp>
+          <p:nvSpPr>
+            <p:cNvPr id="14" name="Oval 13">
+              <a:extLst>
+                <a:ext uri="{FF2B5EF4-FFF2-40B4-BE49-F238E27FC236}">
+                  <a16:creationId xmlns:a16="http://schemas.microsoft.com/office/drawing/2014/main" id="{01FDFCED-E54B-408A-8E95-6140929A8C73}"/>
+                </a:ext>
+                <a:ext uri="{C183D7F6-B498-43B3-948B-1728B52AA6E4}">
+                  <adec:decorative xmlns:adec="http://schemas.microsoft.com/office/drawing/2017/decorative" val="1"/>
+                </a:ext>
+              </a:extLst>
+            </p:cNvPr>
+            <p:cNvSpPr/>
+            <p:nvPr>
+              <p:extLst>
+                <p:ext uri="{386F3935-93C4-4BCD-93E2-E3B085C9AB24}">
+                  <p16:designElem xmlns:p16="http://schemas.microsoft.com/office/powerpoint/2015/main" val="1"/>
+                </p:ext>
+              </p:extLst>
+            </p:nvPr>
+          </p:nvSpPr>
+          <p:spPr>
+            <a:xfrm>
+              <a:off x="0" y="2667000"/>
+              <a:ext cx="4191000" cy="4191000"/>
+            </a:xfrm>
+            <a:prstGeom prst="ellipse">
+              <a:avLst/>
+            </a:prstGeom>
+            <a:gradFill flip="none" rotWithShape="1">
+              <a:gsLst>
+                <a:gs pos="0">
+                  <a:schemeClr val="accent5">
+                    <a:alpha val="11000"/>
+                  </a:schemeClr>
+                </a:gs>
+                <a:gs pos="75000">
+                  <a:schemeClr val="accent5">
+                    <a:alpha val="0"/>
+                  </a:schemeClr>
+                </a:gs>
+                <a:gs pos="36000">
+                  <a:schemeClr val="accent5">
+                    <a:alpha val="10000"/>
+                  </a:schemeClr>
+                </a:gs>
+              </a:gsLst>
+              <a:path path="circle">
+                <a:fillToRect l="50000" t="50000" r="50000" b="50000"/>
+              </a:path>
+              <a:tileRect/>
+            </a:gradFill>
+            <a:ln>
+              <a:noFill/>
+            </a:ln>
+            <a:effectLst/>
+          </p:spPr>
+          <p:style>
+            <a:lnRef idx="1">
+              <a:schemeClr val="accent1"/>
+            </a:lnRef>
+            <a:fillRef idx="3">
+              <a:schemeClr val="accent1"/>
+            </a:fillRef>
+            <a:effectRef idx="2">
+              <a:schemeClr val="accent1"/>
+            </a:effectRef>
+            <a:fontRef idx="minor">
+              <a:schemeClr val="lt1"/>
+            </a:fontRef>
+          </p:style>
+        </p:sp>
+        <p:sp>
+          <p:nvSpPr>
+            <p:cNvPr id="15" name="Oval 14">
+              <a:extLst>
+                <a:ext uri="{FF2B5EF4-FFF2-40B4-BE49-F238E27FC236}">
+                  <a16:creationId xmlns:a16="http://schemas.microsoft.com/office/drawing/2014/main" id="{9CB46B6F-BE17-4645-8EC7-70218D9D11A9}"/>
+                </a:ext>
+                <a:ext uri="{C183D7F6-B498-43B3-948B-1728B52AA6E4}">
+                  <adec:decorative xmlns:adec="http://schemas.microsoft.com/office/drawing/2017/decorative" val="1"/>
+                </a:ext>
+              </a:extLst>
+            </p:cNvPr>
+            <p:cNvSpPr/>
+            <p:nvPr>
+              <p:extLst>
+                <p:ext uri="{386F3935-93C4-4BCD-93E2-E3B085C9AB24}">
+                  <p16:designElem xmlns:p16="http://schemas.microsoft.com/office/powerpoint/2015/main" val="1"/>
+                </p:ext>
+              </p:extLst>
+            </p:nvPr>
+          </p:nvSpPr>
+          <p:spPr>
+            <a:xfrm>
+              <a:off x="0" y="2895600"/>
+              <a:ext cx="2362200" cy="2362200"/>
+            </a:xfrm>
+            <a:prstGeom prst="ellipse">
+              <a:avLst/>
+            </a:prstGeom>
+            <a:gradFill flip="none" rotWithShape="1">
+              <a:gsLst>
+                <a:gs pos="0">
+                  <a:schemeClr val="accent5">
+                    <a:alpha val="8000"/>
+                  </a:schemeClr>
+                </a:gs>
+                <a:gs pos="72000">
+                  <a:schemeClr val="accent5">
+                    <a:alpha val="0"/>
+                  </a:schemeClr>
+                </a:gs>
+                <a:gs pos="36000">
+                  <a:schemeClr val="accent5">
+                    <a:alpha val="8000"/>
+                  </a:schemeClr>
+                </a:gs>
+              </a:gsLst>
+              <a:path path="circle">
+                <a:fillToRect l="50000" t="50000" r="50000" b="50000"/>
+              </a:path>
+              <a:tileRect/>
+            </a:gradFill>
+            <a:ln>
+              <a:noFill/>
+            </a:ln>
+            <a:effectLst/>
+          </p:spPr>
+          <p:style>
+            <a:lnRef idx="1">
+              <a:schemeClr val="accent1"/>
+            </a:lnRef>
+            <a:fillRef idx="3">
+              <a:schemeClr val="accent1"/>
+            </a:fillRef>
+            <a:effectRef idx="2">
+              <a:schemeClr val="accent1"/>
+            </a:effectRef>
+            <a:fontRef idx="minor">
+              <a:schemeClr val="lt1"/>
+            </a:fontRef>
+          </p:style>
+        </p:sp>
+        <p:sp>
+          <p:nvSpPr>
+            <p:cNvPr id="16" name="Rectangle 15">
+              <a:extLst>
+                <a:ext uri="{FF2B5EF4-FFF2-40B4-BE49-F238E27FC236}">
+                  <a16:creationId xmlns:a16="http://schemas.microsoft.com/office/drawing/2014/main" id="{096550E4-E748-4721-BE84-185E1860BF52}"/>
+                </a:ext>
+                <a:ext uri="{C183D7F6-B498-43B3-948B-1728B52AA6E4}">
+                  <adec:decorative xmlns:adec="http://schemas.microsoft.com/office/drawing/2017/decorative" val="1"/>
+                </a:ext>
+              </a:extLst>
+            </p:cNvPr>
+            <p:cNvSpPr/>
+            <p:nvPr>
+              <p:extLst>
+                <p:ext uri="{386F3935-93C4-4BCD-93E2-E3B085C9AB24}">
+                  <p16:designElem xmlns:p16="http://schemas.microsoft.com/office/powerpoint/2015/main" val="1"/>
+                </p:ext>
+              </p:extLst>
+            </p:nvPr>
+          </p:nvSpPr>
+          <p:spPr bwMode="gray">
+            <a:xfrm>
+              <a:off x="6700828" y="402165"/>
+              <a:ext cx="5067838" cy="6053670"/>
+            </a:xfrm>
+            <a:prstGeom prst="rect">
+              <a:avLst/>
+            </a:prstGeom>
+            <a:solidFill>
+              <a:schemeClr val="bg1"/>
+            </a:solidFill>
+            <a:ln>
+              <a:noFill/>
+            </a:ln>
+            <a:effectLst/>
+          </p:spPr>
+          <p:style>
+            <a:lnRef idx="1">
+              <a:schemeClr val="accent1"/>
+            </a:lnRef>
+            <a:fillRef idx="3">
+              <a:schemeClr val="accent1"/>
+            </a:fillRef>
+            <a:effectRef idx="2">
+              <a:schemeClr val="accent1"/>
+            </a:effectRef>
+            <a:fontRef idx="minor">
+              <a:schemeClr val="lt1"/>
+            </a:fontRef>
+          </p:style>
+        </p:sp>
+        <p:sp>
+          <p:nvSpPr>
+            <p:cNvPr id="17" name="Freeform 5">
+              <a:extLst>
+                <a:ext uri="{FF2B5EF4-FFF2-40B4-BE49-F238E27FC236}">
+                  <a16:creationId xmlns:a16="http://schemas.microsoft.com/office/drawing/2014/main" id="{D881B11C-8E0B-40B8-A894-9BB9FF2EFD43}"/>
+                </a:ext>
+                <a:ext uri="{C183D7F6-B498-43B3-948B-1728B52AA6E4}">
+                  <adec:decorative xmlns:adec="http://schemas.microsoft.com/office/drawing/2017/decorative" val="1"/>
+                </a:ext>
+              </a:extLst>
+            </p:cNvPr>
+            <p:cNvSpPr/>
+            <p:nvPr>
+              <p:extLst>
+                <p:ext uri="{386F3935-93C4-4BCD-93E2-E3B085C9AB24}">
+                  <p16:designElem xmlns:p16="http://schemas.microsoft.com/office/powerpoint/2015/main" val="1"/>
+                </p:ext>
+              </p:extLst>
+            </p:nvPr>
+          </p:nvSpPr>
+          <p:spPr bwMode="gray">
+            <a:xfrm rot="16200000">
+              <a:off x="3787244" y="2801721"/>
+              <a:ext cx="6053670" cy="1254558"/>
+            </a:xfrm>
+            <a:custGeom>
+              <a:avLst/>
+              <a:gdLst/>
+              <a:ahLst/>
+              <a:cxnLst/>
+              <a:rect l="l" t="t" r="r" b="b"/>
+              <a:pathLst>
+                <a:path w="10000" h="8000">
+                  <a:moveTo>
+                    <a:pt x="0" y="0"/>
+                  </a:moveTo>
+                  <a:lnTo>
+                    <a:pt x="0" y="7970"/>
+                  </a:lnTo>
+                  <a:lnTo>
+                    <a:pt x="10000" y="8000"/>
+                  </a:lnTo>
+                  <a:lnTo>
+                    <a:pt x="10000" y="7"/>
+                  </a:lnTo>
+                  <a:lnTo>
+                    <a:pt x="10000" y="7"/>
+                  </a:lnTo>
+                  <a:lnTo>
+                    <a:pt x="9773" y="156"/>
+                  </a:lnTo>
+                  <a:lnTo>
+                    <a:pt x="9547" y="298"/>
+                  </a:lnTo>
+                  <a:lnTo>
+                    <a:pt x="9320" y="437"/>
+                  </a:lnTo>
+                  <a:lnTo>
+                    <a:pt x="9092" y="556"/>
+                  </a:lnTo>
+                  <a:lnTo>
+                    <a:pt x="8865" y="676"/>
+                  </a:lnTo>
+                  <a:lnTo>
+                    <a:pt x="8637" y="788"/>
+                  </a:lnTo>
+                  <a:lnTo>
+                    <a:pt x="8412" y="884"/>
+                  </a:lnTo>
+                  <a:lnTo>
+                    <a:pt x="8184" y="975"/>
+                  </a:lnTo>
+                  <a:lnTo>
+                    <a:pt x="7957" y="1058"/>
+                  </a:lnTo>
+                  <a:lnTo>
+                    <a:pt x="7734" y="1130"/>
+                  </a:lnTo>
+                  <a:lnTo>
+                    <a:pt x="7508" y="1202"/>
+                  </a:lnTo>
+                  <a:lnTo>
+                    <a:pt x="7285" y="1262"/>
+                  </a:lnTo>
+                  <a:lnTo>
+                    <a:pt x="7062" y="1309"/>
+                  </a:lnTo>
+                  <a:lnTo>
+                    <a:pt x="6840" y="1358"/>
+                  </a:lnTo>
+                  <a:lnTo>
+                    <a:pt x="6620" y="1399"/>
+                  </a:lnTo>
+                  <a:lnTo>
+                    <a:pt x="6402" y="1428"/>
+                  </a:lnTo>
+                  <a:lnTo>
+                    <a:pt x="6184" y="1453"/>
+                  </a:lnTo>
+                  <a:lnTo>
+                    <a:pt x="5968" y="1477"/>
+                  </a:lnTo>
+                  <a:lnTo>
+                    <a:pt x="5755" y="1488"/>
+                  </a:lnTo>
+                  <a:lnTo>
+                    <a:pt x="5542" y="1500"/>
+                  </a:lnTo>
+                  <a:lnTo>
+                    <a:pt x="5332" y="1506"/>
+                  </a:lnTo>
+                  <a:lnTo>
+                    <a:pt x="5124" y="1500"/>
+                  </a:lnTo>
+                  <a:lnTo>
+                    <a:pt x="4918" y="1500"/>
+                  </a:lnTo>
+                  <a:lnTo>
+                    <a:pt x="4714" y="1488"/>
+                  </a:lnTo>
+                  <a:lnTo>
+                    <a:pt x="4514" y="1470"/>
+                  </a:lnTo>
+                  <a:lnTo>
+                    <a:pt x="4316" y="1453"/>
+                  </a:lnTo>
+                  <a:lnTo>
+                    <a:pt x="4122" y="1434"/>
+                  </a:lnTo>
+                  <a:lnTo>
+                    <a:pt x="3929" y="1405"/>
+                  </a:lnTo>
+                  <a:lnTo>
+                    <a:pt x="3739" y="1374"/>
+                  </a:lnTo>
+                  <a:lnTo>
+                    <a:pt x="3553" y="1346"/>
+                  </a:lnTo>
+                  <a:lnTo>
+                    <a:pt x="3190" y="1267"/>
+                  </a:lnTo>
+                  <a:lnTo>
+                    <a:pt x="2842" y="1183"/>
+                  </a:lnTo>
+                  <a:lnTo>
+                    <a:pt x="2508" y="1095"/>
+                  </a:lnTo>
+                  <a:lnTo>
+                    <a:pt x="2192" y="998"/>
+                  </a:lnTo>
+                  <a:lnTo>
+                    <a:pt x="1890" y="897"/>
+                  </a:lnTo>
+                  <a:lnTo>
+                    <a:pt x="1610" y="788"/>
+                  </a:lnTo>
+                  <a:lnTo>
+                    <a:pt x="1347" y="681"/>
+                  </a:lnTo>
+                  <a:lnTo>
+                    <a:pt x="1105" y="574"/>
+                  </a:lnTo>
+                  <a:lnTo>
+                    <a:pt x="883" y="473"/>
+                  </a:lnTo>
+                  <a:lnTo>
+                    <a:pt x="686" y="377"/>
+                  </a:lnTo>
+                  <a:lnTo>
+                    <a:pt x="508" y="286"/>
+                  </a:lnTo>
+                  <a:lnTo>
+                    <a:pt x="358" y="210"/>
+                  </a:lnTo>
+                  <a:lnTo>
+                    <a:pt x="232" y="138"/>
+                  </a:lnTo>
+                  <a:lnTo>
+                    <a:pt x="59" y="35"/>
+                  </a:lnTo>
+                  <a:lnTo>
+                    <a:pt x="0" y="0"/>
+                  </a:lnTo>
+                  <a:lnTo>
+                    <a:pt x="0" y="0"/>
+                  </a:lnTo>
+                  <a:close/>
+                </a:path>
+              </a:pathLst>
+            </a:custGeom>
+            <a:solidFill>
+              <a:schemeClr val="bg1"/>
+            </a:solidFill>
+            <a:ln>
+              <a:noFill/>
+            </a:ln>
+          </p:spPr>
+        </p:sp>
+        <p:sp>
+          <p:nvSpPr>
+            <p:cNvPr id="18" name="Freeform 5">
+              <a:extLst>
+                <a:ext uri="{FF2B5EF4-FFF2-40B4-BE49-F238E27FC236}">
+                  <a16:creationId xmlns:a16="http://schemas.microsoft.com/office/drawing/2014/main" id="{5305ABBC-C4B0-4260-AE2F-93099262EC1D}"/>
+                </a:ext>
+                <a:ext uri="{C183D7F6-B498-43B3-948B-1728B52AA6E4}">
+                  <adec:decorative xmlns:adec="http://schemas.microsoft.com/office/drawing/2017/decorative" val="1"/>
+                </a:ext>
+              </a:extLst>
+            </p:cNvPr>
+            <p:cNvSpPr/>
+            <p:nvPr>
+              <p:extLst>
+                <p:ext uri="{386F3935-93C4-4BCD-93E2-E3B085C9AB24}">
+                  <p16:designElem xmlns:p16="http://schemas.microsoft.com/office/powerpoint/2015/main" val="1"/>
+                </p:ext>
+              </p:extLst>
+            </p:nvPr>
+          </p:nvSpPr>
+          <p:spPr bwMode="gray">
+            <a:xfrm rot="15922489">
+              <a:off x="4698352" y="1826078"/>
+              <a:ext cx="3299407" cy="440924"/>
+            </a:xfrm>
+            <a:custGeom>
+              <a:avLst/>
+              <a:gdLst/>
+              <a:ahLst/>
+              <a:cxnLst/>
+              <a:rect l="l" t="t" r="r" b="b"/>
+              <a:pathLst>
+                <a:path w="10000" h="5291">
+                  <a:moveTo>
+                    <a:pt x="85" y="2532"/>
+                  </a:moveTo>
+                  <a:cubicBezTo>
+                    <a:pt x="1736" y="3911"/>
+                    <a:pt x="7524" y="5298"/>
+                    <a:pt x="9958" y="5291"/>
+                  </a:cubicBezTo>
+                  <a:cubicBezTo>
+                    <a:pt x="9989" y="1958"/>
+                    <a:pt x="9969" y="3333"/>
+                    <a:pt x="10000" y="0"/>
+                  </a:cubicBezTo>
+                  <a:lnTo>
+                    <a:pt x="10000" y="0"/>
+                  </a:lnTo>
+                  <a:lnTo>
+                    <a:pt x="9667" y="204"/>
+                  </a:lnTo>
+                  <a:lnTo>
+                    <a:pt x="9334" y="400"/>
+                  </a:lnTo>
+                  <a:lnTo>
+                    <a:pt x="9001" y="590"/>
+                  </a:lnTo>
+                  <a:lnTo>
+                    <a:pt x="8667" y="753"/>
+                  </a:lnTo>
+                  <a:lnTo>
+                    <a:pt x="8333" y="917"/>
+                  </a:lnTo>
+                  <a:lnTo>
+                    <a:pt x="7999" y="1071"/>
+                  </a:lnTo>
+                  <a:lnTo>
+                    <a:pt x="7669" y="1202"/>
+                  </a:lnTo>
+                  <a:lnTo>
+                    <a:pt x="7333" y="1325"/>
+                  </a:lnTo>
+                  <a:lnTo>
+                    <a:pt x="7000" y="1440"/>
+                  </a:lnTo>
+                  <a:lnTo>
+                    <a:pt x="6673" y="1538"/>
+                  </a:lnTo>
+                  <a:lnTo>
+                    <a:pt x="6340" y="1636"/>
+                  </a:lnTo>
+                  <a:lnTo>
+                    <a:pt x="6013" y="1719"/>
+                  </a:lnTo>
+                  <a:lnTo>
+                    <a:pt x="5686" y="1784"/>
+                  </a:lnTo>
+                  <a:lnTo>
+                    <a:pt x="5359" y="1850"/>
+                  </a:lnTo>
+                  <a:lnTo>
+                    <a:pt x="5036" y="1906"/>
+                  </a:lnTo>
+                  <a:lnTo>
+                    <a:pt x="4717" y="1948"/>
+                  </a:lnTo>
+                  <a:lnTo>
+                    <a:pt x="4396" y="1980"/>
+                  </a:lnTo>
+                  <a:lnTo>
+                    <a:pt x="4079" y="2013"/>
+                  </a:lnTo>
+                  <a:lnTo>
+                    <a:pt x="3766" y="2029"/>
+                  </a:lnTo>
+                  <a:lnTo>
+                    <a:pt x="3454" y="2046"/>
+                  </a:lnTo>
+                  <a:lnTo>
+                    <a:pt x="3145" y="2053"/>
+                  </a:lnTo>
+                  <a:lnTo>
+                    <a:pt x="2839" y="2046"/>
+                  </a:lnTo>
+                  <a:lnTo>
+                    <a:pt x="2537" y="2046"/>
+                  </a:lnTo>
+                  <a:lnTo>
+                    <a:pt x="2238" y="2029"/>
+                  </a:lnTo>
+                  <a:lnTo>
+                    <a:pt x="1943" y="2004"/>
+                  </a:lnTo>
+                  <a:lnTo>
+                    <a:pt x="1653" y="1980"/>
+                  </a:lnTo>
+                  <a:lnTo>
+                    <a:pt x="1368" y="1955"/>
+                  </a:lnTo>
+                  <a:lnTo>
+                    <a:pt x="1085" y="1915"/>
+                  </a:lnTo>
+                  <a:lnTo>
+                    <a:pt x="806" y="1873"/>
+                  </a:lnTo>
+                  <a:lnTo>
+                    <a:pt x="533" y="1833"/>
+                  </a:lnTo>
+                  <a:lnTo>
+                    <a:pt x="0" y="1726"/>
+                  </a:lnTo>
+                  <a:cubicBezTo>
+                    <a:pt x="28" y="1995"/>
+                    <a:pt x="57" y="2263"/>
+                    <a:pt x="85" y="2532"/>
+                  </a:cubicBezTo>
+                  <a:close/>
+                </a:path>
+              </a:pathLst>
+            </a:custGeom>
+            <a:solidFill>
+              <a:schemeClr val="bg1">
+                <a:alpha val="20000"/>
+              </a:schemeClr>
+            </a:solidFill>
+            <a:ln>
+              <a:noFill/>
+            </a:ln>
+          </p:spPr>
+        </p:sp>
+        <p:sp>
+          <p:nvSpPr>
+            <p:cNvPr id="19" name="Freeform 5">
+              <a:extLst>
+                <a:ext uri="{FF2B5EF4-FFF2-40B4-BE49-F238E27FC236}">
+                  <a16:creationId xmlns:a16="http://schemas.microsoft.com/office/drawing/2014/main" id="{000E4B86-B483-499C-9602-46AEEF0B00A3}"/>
+                </a:ext>
+                <a:ext uri="{C183D7F6-B498-43B3-948B-1728B52AA6E4}">
+                  <adec:decorative xmlns:adec="http://schemas.microsoft.com/office/drawing/2017/decorative" val="1"/>
+                </a:ext>
+              </a:extLst>
+            </p:cNvPr>
+            <p:cNvSpPr>
+              <a:spLocks noEditPoints="1"/>
+            </p:cNvSpPr>
+            <p:nvPr>
+              <p:extLst>
+                <p:ext uri="{386F3935-93C4-4BCD-93E2-E3B085C9AB24}">
+                  <p16:designElem xmlns:p16="http://schemas.microsoft.com/office/powerpoint/2015/main" val="1"/>
+                </p:ext>
+              </p:extLst>
+            </p:nvPr>
+          </p:nvSpPr>
+          <p:spPr bwMode="gray">
+            <a:xfrm>
+              <a:off x="0" y="1587"/>
+              <a:ext cx="12192000" cy="6856413"/>
+            </a:xfrm>
+            <a:custGeom>
+              <a:avLst/>
+              <a:gdLst/>
+              <a:ahLst/>
+              <a:cxnLst/>
+              <a:rect l="0" t="0" r="r" b="b"/>
+              <a:pathLst>
+                <a:path w="15356" h="8638">
+                  <a:moveTo>
+                    <a:pt x="0" y="0"/>
+                  </a:moveTo>
+                  <a:lnTo>
+                    <a:pt x="0" y="8638"/>
+                  </a:lnTo>
+                  <a:lnTo>
+                    <a:pt x="15356" y="8638"/>
+                  </a:lnTo>
+                  <a:lnTo>
+                    <a:pt x="15356" y="0"/>
+                  </a:lnTo>
+                  <a:lnTo>
+                    <a:pt x="0" y="0"/>
+                  </a:lnTo>
+                  <a:close/>
+                  <a:moveTo>
+                    <a:pt x="14748" y="8038"/>
+                  </a:moveTo>
+                  <a:lnTo>
+                    <a:pt x="600" y="8038"/>
+                  </a:lnTo>
+                  <a:lnTo>
+                    <a:pt x="600" y="592"/>
+                  </a:lnTo>
+                  <a:lnTo>
+                    <a:pt x="14748" y="592"/>
+                  </a:lnTo>
+                  <a:lnTo>
+                    <a:pt x="14748" y="8038"/>
+                  </a:lnTo>
+                  <a:close/>
+                </a:path>
+              </a:pathLst>
+            </a:custGeom>
+            <a:solidFill>
+              <a:schemeClr val="bg1"/>
+            </a:solidFill>
+            <a:ln>
+              <a:noFill/>
+            </a:ln>
+          </p:spPr>
+        </p:sp>
+      </p:grpSp>
       <p:sp>
         <p:nvSpPr>
-          <p:cNvPr id="28" name="Oval 13">
+          <p:cNvPr id="2" name="Titolo 1">
             <a:extLst>
               <a:ext uri="{FF2B5EF4-FFF2-40B4-BE49-F238E27FC236}">
-                <a16:creationId xmlns:a16="http://schemas.microsoft.com/office/drawing/2014/main" id="{DA9B8539-604B-420E-BA1B-0A2E64CD7C72}"/>
-              </a:ext>
-              <a:ext uri="{C183D7F6-B498-43B3-948B-1728B52AA6E4}">
-                <adec:decorative xmlns:adec="http://schemas.microsoft.com/office/drawing/2017/decorative" val="1"/>
+                <a16:creationId xmlns:a16="http://schemas.microsoft.com/office/drawing/2014/main" id="{075AF54F-6E7C-4E8B-925F-004A08239966}"/>
               </a:ext>
             </a:extLst>
           </p:cNvPr>
           <p:cNvSpPr>
-            <a:spLocks noGrp="1" noRot="1" noChangeAspect="1" noMove="1" noResize="1" noEditPoints="1" noAdjustHandles="1" noChangeArrowheads="1" noChangeShapeType="1" noTextEdit="1"/>
+            <a:spLocks noGrp="1"/>
           </p:cNvSpPr>
           <p:nvPr>
-            <p:extLst>
-              <p:ext uri="{386F3935-93C4-4BCD-93E2-E3B085C9AB24}">
-                <p16:designElem xmlns:p16="http://schemas.microsoft.com/office/powerpoint/2015/main" val="1"/>
-              </p:ext>
-            </p:extLst>
+            <p:ph type="title"/>
           </p:nvPr>
         </p:nvSpPr>
         <p:spPr>
           <a:xfrm>
-            <a:off x="8761412" y="5870955"/>
-            <a:ext cx="990600" cy="990600"/>
+            <a:off x="639098" y="629265"/>
+            <a:ext cx="5132438" cy="1538841"/>
           </a:xfrm>
-          <a:prstGeom prst="ellipse">
-            <a:avLst/>
-          </a:prstGeom>
-          <a:gradFill flip="none" rotWithShape="1">
-            <a:gsLst>
-              <a:gs pos="0">
-                <a:schemeClr val="accent5">
-                  <a:alpha val="14000"/>
-                </a:schemeClr>
-              </a:gs>
-              <a:gs pos="66000">
-                <a:schemeClr val="accent5">
-                  <a:alpha val="0"/>
-                </a:schemeClr>
-              </a:gs>
-              <a:gs pos="36000">
-                <a:schemeClr val="accent5">
-                  <a:alpha val="7000"/>
-                </a:schemeClr>
-              </a:gs>
-            </a:gsLst>
-            <a:path path="circle">
-              <a:fillToRect l="50000" t="50000" r="50000" b="50000"/>
-            </a:path>
-            <a:tileRect/>
-          </a:gradFill>
-          <a:ln>
-            <a:noFill/>
-          </a:ln>
-          <a:effectLst/>
         </p:spPr>
-        <p:style>
-          <a:lnRef idx="1">
-            <a:schemeClr val="accent1"/>
-          </a:lnRef>
-          <a:fillRef idx="3">
-            <a:schemeClr val="accent1"/>
-          </a:fillRef>
-          <a:effectRef idx="2">
-            <a:schemeClr val="accent1"/>
-          </a:effectRef>
-          <a:fontRef idx="minor">
-            <a:schemeClr val="lt1"/>
-          </a:fontRef>
-        </p:style>
+        <p:txBody>
+          <a:bodyPr vert="horz" lIns="91440" tIns="45720" rIns="91440" bIns="45720" rtlCol="0" anchor="ctr">
+            <a:normAutofit/>
+          </a:bodyPr>
+          <a:lstStyle/>
+          <a:p>
+            <a:r>
+              <a:rPr lang="en-US" dirty="0" err="1"/>
+              <a:t>Rilevazione</a:t>
+            </a:r>
+            <a:r>
+              <a:rPr lang="en-US" dirty="0"/>
+              <a:t> di </a:t>
+            </a:r>
+            <a:r>
+              <a:rPr lang="en-US" dirty="0" err="1"/>
+              <a:t>eventi</a:t>
+            </a:r>
+            <a:r>
+              <a:rPr lang="en-US" dirty="0"/>
+              <a:t> di Alternative Splicing</a:t>
+            </a:r>
+          </a:p>
+        </p:txBody>
       </p:sp>
       <p:sp>
         <p:nvSpPr>
-          <p:cNvPr id="29" name="Oval 15">
+          <p:cNvPr id="6" name="Content Placeholder 9">
             <a:extLst>
               <a:ext uri="{FF2B5EF4-FFF2-40B4-BE49-F238E27FC236}">
-                <a16:creationId xmlns:a16="http://schemas.microsoft.com/office/drawing/2014/main" id="{7236CAA2-54C3-4136-B0CC-6837B14D8143}"/>
-              </a:ext>
-              <a:ext uri="{C183D7F6-B498-43B3-948B-1728B52AA6E4}">
-                <adec:decorative xmlns:adec="http://schemas.microsoft.com/office/drawing/2017/decorative" val="1"/>
+                <a16:creationId xmlns:a16="http://schemas.microsoft.com/office/drawing/2014/main" id="{C174B7BC-62FC-4ECE-AA28-32634DA10D0B}"/>
               </a:ext>
             </a:extLst>
           </p:cNvPr>
-          <p:cNvSpPr>
-            <a:spLocks noGrp="1" noRot="1" noChangeAspect="1" noMove="1" noResize="1" noEditPoints="1" noAdjustHandles="1" noChangeArrowheads="1" noChangeShapeType="1" noTextEdit="1"/>
+          <p:cNvSpPr txBox="1">
+            <a:spLocks/>
           </p:cNvSpPr>
-          <p:nvPr>
-            <p:extLst>
-              <p:ext uri="{386F3935-93C4-4BCD-93E2-E3B085C9AB24}">
-                <p16:designElem xmlns:p16="http://schemas.microsoft.com/office/powerpoint/2015/main" val="1"/>
-              </p:ext>
-            </p:extLst>
-          </p:nvPr>
+          <p:nvPr/>
         </p:nvSpPr>
         <p:spPr>
           <a:xfrm>
-            <a:off x="-1588" y="2667000"/>
-            <a:ext cx="4191000" cy="4191000"/>
+            <a:off x="639098" y="2418735"/>
+            <a:ext cx="5132439" cy="2987152"/>
           </a:xfrm>
-          <a:prstGeom prst="ellipse">
+          <a:prstGeom prst="rect">
             <a:avLst/>
           </a:prstGeom>
-          <a:gradFill flip="none" rotWithShape="1">
-            <a:gsLst>
-              <a:gs pos="0">
-                <a:schemeClr val="accent5">
-                  <a:alpha val="11000"/>
-                </a:schemeClr>
-              </a:gs>
-              <a:gs pos="75000">
-                <a:schemeClr val="accent5">
-                  <a:alpha val="0"/>
-                </a:schemeClr>
-              </a:gs>
-              <a:gs pos="36000">
-                <a:schemeClr val="accent5">
-                  <a:alpha val="10000"/>
-                </a:schemeClr>
-              </a:gs>
-            </a:gsLst>
-            <a:path path="circle">
-              <a:fillToRect l="50000" t="50000" r="50000" b="50000"/>
-            </a:path>
-            <a:tileRect/>
-          </a:gradFill>
-          <a:ln>
-            <a:noFill/>
-          </a:ln>
-          <a:effectLst/>
         </p:spPr>
-        <p:style>
-          <a:lnRef idx="1">
-            <a:schemeClr val="accent1"/>
-          </a:lnRef>
-          <a:fillRef idx="3">
-            <a:schemeClr val="accent1"/>
-          </a:fillRef>
-          <a:effectRef idx="2">
-            <a:schemeClr val="accent1"/>
-          </a:effectRef>
-          <a:fontRef idx="minor">
-            <a:schemeClr val="lt1"/>
-          </a:fontRef>
-        </p:style>
+        <p:txBody>
+          <a:bodyPr vert="horz" lIns="91440" tIns="45720" rIns="91440" bIns="45720" rtlCol="0" anchor="ctr">
+            <a:normAutofit/>
+          </a:bodyPr>
+          <a:lstStyle>
+            <a:lvl1pPr marL="342900" indent="-342900" algn="l" defTabSz="457200" rtl="0" eaLnBrk="1" latinLnBrk="0" hangingPunct="1">
+              <a:spcBef>
+                <a:spcPts val="1000"/>
+              </a:spcBef>
+              <a:spcAft>
+                <a:spcPts val="0"/>
+              </a:spcAft>
+              <a:buClr>
+                <a:schemeClr val="accent1"/>
+              </a:buClr>
+              <a:buSzPct val="80000"/>
+              <a:buFont typeface="Wingdings 3" charset="2"/>
+              <a:buChar char=""/>
+              <a:defRPr sz="1800" b="0" i="0" kern="1200">
+                <a:solidFill>
+                  <a:schemeClr val="tx1">
+                    <a:lumMod val="75000"/>
+                    <a:lumOff val="25000"/>
+                  </a:schemeClr>
+                </a:solidFill>
+                <a:latin typeface="+mn-lt"/>
+                <a:ea typeface="+mn-ea"/>
+                <a:cs typeface="+mn-cs"/>
+              </a:defRPr>
+            </a:lvl1pPr>
+            <a:lvl2pPr marL="742950" indent="-285750" algn="l" defTabSz="457200" rtl="0" eaLnBrk="1" latinLnBrk="0" hangingPunct="1">
+              <a:spcBef>
+                <a:spcPts val="1000"/>
+              </a:spcBef>
+              <a:spcAft>
+                <a:spcPts val="0"/>
+              </a:spcAft>
+              <a:buClr>
+                <a:schemeClr val="accent1"/>
+              </a:buClr>
+              <a:buSzPct val="80000"/>
+              <a:buFont typeface="Wingdings 3" charset="2"/>
+              <a:buChar char=""/>
+              <a:defRPr sz="1600" b="0" i="0" kern="1200">
+                <a:solidFill>
+                  <a:schemeClr val="tx1">
+                    <a:lumMod val="75000"/>
+                    <a:lumOff val="25000"/>
+                  </a:schemeClr>
+                </a:solidFill>
+                <a:latin typeface="+mn-lt"/>
+                <a:ea typeface="+mn-ea"/>
+                <a:cs typeface="+mn-cs"/>
+              </a:defRPr>
+            </a:lvl2pPr>
+            <a:lvl3pPr marL="1143000" indent="-228600" algn="l" defTabSz="457200" rtl="0" eaLnBrk="1" latinLnBrk="0" hangingPunct="1">
+              <a:spcBef>
+                <a:spcPts val="1000"/>
+              </a:spcBef>
+              <a:spcAft>
+                <a:spcPts val="0"/>
+              </a:spcAft>
+              <a:buClr>
+                <a:schemeClr val="accent1"/>
+              </a:buClr>
+              <a:buSzPct val="80000"/>
+              <a:buFont typeface="Wingdings 3" charset="2"/>
+              <a:buChar char=""/>
+              <a:defRPr sz="1400" b="0" i="0" kern="1200">
+                <a:solidFill>
+                  <a:schemeClr val="tx1">
+                    <a:lumMod val="75000"/>
+                    <a:lumOff val="25000"/>
+                  </a:schemeClr>
+                </a:solidFill>
+                <a:latin typeface="+mn-lt"/>
+                <a:ea typeface="+mn-ea"/>
+                <a:cs typeface="+mn-cs"/>
+              </a:defRPr>
+            </a:lvl3pPr>
+            <a:lvl4pPr marL="1600200" indent="-228600" algn="l" defTabSz="457200" rtl="0" eaLnBrk="1" latinLnBrk="0" hangingPunct="1">
+              <a:spcBef>
+                <a:spcPts val="1000"/>
+              </a:spcBef>
+              <a:spcAft>
+                <a:spcPts val="0"/>
+              </a:spcAft>
+              <a:buClr>
+                <a:schemeClr val="accent1"/>
+              </a:buClr>
+              <a:buSzPct val="80000"/>
+              <a:buFont typeface="Wingdings 3" charset="2"/>
+              <a:buChar char=""/>
+              <a:defRPr sz="1200" b="0" i="0" kern="1200">
+                <a:solidFill>
+                  <a:schemeClr val="tx1">
+                    <a:lumMod val="75000"/>
+                    <a:lumOff val="25000"/>
+                  </a:schemeClr>
+                </a:solidFill>
+                <a:latin typeface="+mn-lt"/>
+                <a:ea typeface="+mn-ea"/>
+                <a:cs typeface="+mn-cs"/>
+              </a:defRPr>
+            </a:lvl4pPr>
+            <a:lvl5pPr marL="2057400" indent="-228600" algn="l" defTabSz="457200" rtl="0" eaLnBrk="1" latinLnBrk="0" hangingPunct="1">
+              <a:spcBef>
+                <a:spcPts val="1000"/>
+              </a:spcBef>
+              <a:spcAft>
+                <a:spcPts val="0"/>
+              </a:spcAft>
+              <a:buClr>
+                <a:schemeClr val="accent1"/>
+              </a:buClr>
+              <a:buSzPct val="80000"/>
+              <a:buFont typeface="Wingdings 3" charset="2"/>
+              <a:buChar char=""/>
+              <a:defRPr sz="1200" b="0" i="0" kern="1200">
+                <a:solidFill>
+                  <a:schemeClr val="tx1">
+                    <a:lumMod val="75000"/>
+                    <a:lumOff val="25000"/>
+                  </a:schemeClr>
+                </a:solidFill>
+                <a:latin typeface="+mn-lt"/>
+                <a:ea typeface="+mn-ea"/>
+                <a:cs typeface="+mn-cs"/>
+              </a:defRPr>
+            </a:lvl5pPr>
+            <a:lvl6pPr marL="2514600" indent="-228600" algn="l" defTabSz="457200" rtl="0" eaLnBrk="1" latinLnBrk="0" hangingPunct="1">
+              <a:spcBef>
+                <a:spcPts val="1000"/>
+              </a:spcBef>
+              <a:spcAft>
+                <a:spcPts val="0"/>
+              </a:spcAft>
+              <a:buClr>
+                <a:schemeClr val="accent1"/>
+              </a:buClr>
+              <a:buSzPct val="80000"/>
+              <a:buFont typeface="Wingdings 3" charset="2"/>
+              <a:buChar char=""/>
+              <a:defRPr sz="1200" b="0" i="0" kern="1200">
+                <a:solidFill>
+                  <a:schemeClr val="tx1">
+                    <a:lumMod val="75000"/>
+                    <a:lumOff val="25000"/>
+                  </a:schemeClr>
+                </a:solidFill>
+                <a:latin typeface="+mn-lt"/>
+                <a:ea typeface="+mn-ea"/>
+                <a:cs typeface="+mn-cs"/>
+              </a:defRPr>
+            </a:lvl6pPr>
+            <a:lvl7pPr marL="2971800" indent="-228600" algn="l" defTabSz="457200" rtl="0" eaLnBrk="1" latinLnBrk="0" hangingPunct="1">
+              <a:spcBef>
+                <a:spcPts val="1000"/>
+              </a:spcBef>
+              <a:spcAft>
+                <a:spcPts val="0"/>
+              </a:spcAft>
+              <a:buClr>
+                <a:schemeClr val="accent1"/>
+              </a:buClr>
+              <a:buSzPct val="80000"/>
+              <a:buFont typeface="Wingdings 3" charset="2"/>
+              <a:buChar char=""/>
+              <a:defRPr sz="1200" b="0" i="0" kern="1200">
+                <a:solidFill>
+                  <a:schemeClr val="tx1">
+                    <a:lumMod val="75000"/>
+                    <a:lumOff val="25000"/>
+                  </a:schemeClr>
+                </a:solidFill>
+                <a:latin typeface="+mn-lt"/>
+                <a:ea typeface="+mn-ea"/>
+                <a:cs typeface="+mn-cs"/>
+              </a:defRPr>
+            </a:lvl7pPr>
+            <a:lvl8pPr marL="3429000" indent="-228600" algn="l" defTabSz="457200" rtl="0" eaLnBrk="1" latinLnBrk="0" hangingPunct="1">
+              <a:spcBef>
+                <a:spcPts val="1000"/>
+              </a:spcBef>
+              <a:spcAft>
+                <a:spcPts val="0"/>
+              </a:spcAft>
+              <a:buClr>
+                <a:schemeClr val="accent1"/>
+              </a:buClr>
+              <a:buSzPct val="80000"/>
+              <a:buFont typeface="Wingdings 3" charset="2"/>
+              <a:buChar char=""/>
+              <a:defRPr sz="1200" b="0" i="0" kern="1200">
+                <a:solidFill>
+                  <a:schemeClr val="tx1">
+                    <a:lumMod val="75000"/>
+                    <a:lumOff val="25000"/>
+                  </a:schemeClr>
+                </a:solidFill>
+                <a:latin typeface="+mn-lt"/>
+                <a:ea typeface="+mn-ea"/>
+                <a:cs typeface="+mn-cs"/>
+              </a:defRPr>
+            </a:lvl8pPr>
+            <a:lvl9pPr marL="3886200" indent="-228600" algn="l" defTabSz="457200" rtl="0" eaLnBrk="1" latinLnBrk="0" hangingPunct="1">
+              <a:spcBef>
+                <a:spcPts val="1000"/>
+              </a:spcBef>
+              <a:spcAft>
+                <a:spcPts val="0"/>
+              </a:spcAft>
+              <a:buClr>
+                <a:schemeClr val="accent1"/>
+              </a:buClr>
+              <a:buSzPct val="80000"/>
+              <a:buFont typeface="Wingdings 3" charset="2"/>
+              <a:buChar char=""/>
+              <a:defRPr sz="1200" b="0" i="0" kern="1200">
+                <a:solidFill>
+                  <a:schemeClr val="tx1">
+                    <a:lumMod val="75000"/>
+                    <a:lumOff val="25000"/>
+                  </a:schemeClr>
+                </a:solidFill>
+                <a:latin typeface="+mn-lt"/>
+                <a:ea typeface="+mn-ea"/>
+                <a:cs typeface="+mn-cs"/>
+              </a:defRPr>
+            </a:lvl9pPr>
+          </a:lstStyle>
+          <a:p>
+            <a:r>
+              <a:rPr lang="en-US" dirty="0" err="1">
+                <a:solidFill>
+                  <a:schemeClr val="bg1"/>
+                </a:solidFill>
+              </a:rPr>
+              <a:t>Fase</a:t>
+            </a:r>
+            <a:r>
+              <a:rPr lang="en-US" dirty="0">
+                <a:solidFill>
+                  <a:schemeClr val="bg1"/>
+                </a:solidFill>
+              </a:rPr>
+              <a:t> di </a:t>
+            </a:r>
+            <a:r>
+              <a:rPr lang="en-US" b="1" dirty="0" err="1">
+                <a:solidFill>
+                  <a:schemeClr val="bg1"/>
+                </a:solidFill>
+              </a:rPr>
+              <a:t>analisi</a:t>
+            </a:r>
+            <a:r>
+              <a:rPr lang="en-US" dirty="0">
+                <a:solidFill>
+                  <a:schemeClr val="bg1"/>
+                </a:solidFill>
+              </a:rPr>
+              <a:t> </a:t>
+            </a:r>
+            <a:r>
+              <a:rPr lang="en-US" dirty="0" err="1">
+                <a:solidFill>
+                  <a:schemeClr val="bg1"/>
+                </a:solidFill>
+              </a:rPr>
+              <a:t>dei</a:t>
+            </a:r>
+            <a:r>
+              <a:rPr lang="en-US" dirty="0">
+                <a:solidFill>
+                  <a:schemeClr val="bg1"/>
+                </a:solidFill>
+              </a:rPr>
+              <a:t> MEM </a:t>
+            </a:r>
+            <a:r>
+              <a:rPr lang="en-US" dirty="0" err="1">
+                <a:solidFill>
+                  <a:schemeClr val="bg1"/>
+                </a:solidFill>
+              </a:rPr>
+              <a:t>prodotti</a:t>
+            </a:r>
+            <a:r>
+              <a:rPr lang="en-US" dirty="0">
+                <a:solidFill>
+                  <a:schemeClr val="bg1"/>
+                </a:solidFill>
+              </a:rPr>
+              <a:t> </a:t>
+            </a:r>
+            <a:r>
+              <a:rPr lang="en-US" dirty="0" err="1">
+                <a:solidFill>
+                  <a:schemeClr val="bg1"/>
+                </a:solidFill>
+              </a:rPr>
+              <a:t>dall’Allineatore</a:t>
+            </a:r>
+            <a:r>
+              <a:rPr lang="en-US" dirty="0">
+                <a:solidFill>
+                  <a:schemeClr val="bg1"/>
+                </a:solidFill>
+              </a:rPr>
+              <a:t> Splice-Aware per </a:t>
+            </a:r>
+            <a:r>
+              <a:rPr lang="en-US" dirty="0" err="1">
+                <a:solidFill>
+                  <a:schemeClr val="bg1"/>
+                </a:solidFill>
+              </a:rPr>
+              <a:t>rilvare</a:t>
+            </a:r>
+            <a:r>
+              <a:rPr lang="en-US" dirty="0">
+                <a:solidFill>
+                  <a:schemeClr val="bg1"/>
+                </a:solidFill>
+              </a:rPr>
+              <a:t> </a:t>
+            </a:r>
+            <a:r>
+              <a:rPr lang="en-US" u="sng" dirty="0" err="1">
+                <a:solidFill>
+                  <a:schemeClr val="bg1"/>
+                </a:solidFill>
+              </a:rPr>
+              <a:t>nuovi</a:t>
+            </a:r>
+            <a:r>
+              <a:rPr lang="en-US" dirty="0">
+                <a:solidFill>
+                  <a:schemeClr val="bg1"/>
+                </a:solidFill>
+              </a:rPr>
+              <a:t> </a:t>
+            </a:r>
+            <a:r>
+              <a:rPr lang="en-US" dirty="0" err="1">
+                <a:solidFill>
+                  <a:schemeClr val="bg1"/>
+                </a:solidFill>
+              </a:rPr>
+              <a:t>introni</a:t>
+            </a:r>
+            <a:endParaRPr lang="en-US" dirty="0">
+              <a:solidFill>
+                <a:schemeClr val="bg1"/>
+              </a:solidFill>
+            </a:endParaRPr>
+          </a:p>
+          <a:p>
+            <a:r>
+              <a:rPr lang="en-US" dirty="0" err="1">
+                <a:solidFill>
+                  <a:schemeClr val="bg1"/>
+                </a:solidFill>
+              </a:rPr>
+              <a:t>Viene</a:t>
+            </a:r>
+            <a:r>
+              <a:rPr lang="en-US" dirty="0">
+                <a:solidFill>
+                  <a:schemeClr val="bg1"/>
+                </a:solidFill>
+              </a:rPr>
+              <a:t> </a:t>
+            </a:r>
+            <a:r>
+              <a:rPr lang="en-US" dirty="0" err="1">
+                <a:solidFill>
+                  <a:schemeClr val="bg1"/>
+                </a:solidFill>
+              </a:rPr>
+              <a:t>effettuato</a:t>
+            </a:r>
+            <a:r>
+              <a:rPr lang="en-US" dirty="0">
+                <a:solidFill>
+                  <a:schemeClr val="bg1"/>
+                </a:solidFill>
+              </a:rPr>
+              <a:t> un </a:t>
+            </a:r>
+            <a:r>
+              <a:rPr lang="en-US" dirty="0" err="1">
+                <a:solidFill>
+                  <a:schemeClr val="bg1"/>
+                </a:solidFill>
+              </a:rPr>
+              <a:t>confronto</a:t>
+            </a:r>
+            <a:r>
+              <a:rPr lang="en-US" dirty="0">
+                <a:solidFill>
+                  <a:schemeClr val="bg1"/>
+                </a:solidFill>
+              </a:rPr>
+              <a:t> </a:t>
+            </a:r>
+            <a:r>
+              <a:rPr lang="en-US" dirty="0" err="1">
+                <a:solidFill>
+                  <a:schemeClr val="bg1"/>
+                </a:solidFill>
+              </a:rPr>
+              <a:t>tra</a:t>
+            </a:r>
+            <a:r>
+              <a:rPr lang="en-US" dirty="0">
+                <a:solidFill>
+                  <a:schemeClr val="bg1"/>
+                </a:solidFill>
+              </a:rPr>
+              <a:t> </a:t>
+            </a:r>
+            <a:r>
+              <a:rPr lang="en-US" dirty="0" err="1">
+                <a:solidFill>
+                  <a:schemeClr val="bg1"/>
+                </a:solidFill>
+              </a:rPr>
+              <a:t>introni</a:t>
+            </a:r>
+            <a:r>
+              <a:rPr lang="en-US" dirty="0">
+                <a:solidFill>
+                  <a:schemeClr val="bg1"/>
+                </a:solidFill>
+              </a:rPr>
+              <a:t> </a:t>
+            </a:r>
+            <a:r>
+              <a:rPr lang="en-US" dirty="0" err="1">
+                <a:solidFill>
+                  <a:schemeClr val="bg1"/>
+                </a:solidFill>
+              </a:rPr>
+              <a:t>noti</a:t>
+            </a:r>
+            <a:r>
+              <a:rPr lang="en-US" dirty="0">
+                <a:solidFill>
+                  <a:schemeClr val="bg1"/>
+                </a:solidFill>
+              </a:rPr>
+              <a:t> e </a:t>
+            </a:r>
+            <a:r>
+              <a:rPr lang="en-US" dirty="0" err="1">
+                <a:solidFill>
+                  <a:schemeClr val="bg1"/>
+                </a:solidFill>
+              </a:rPr>
+              <a:t>introni</a:t>
+            </a:r>
+            <a:r>
+              <a:rPr lang="en-US" dirty="0">
+                <a:solidFill>
+                  <a:schemeClr val="bg1"/>
+                </a:solidFill>
+              </a:rPr>
+              <a:t> </a:t>
+            </a:r>
+            <a:r>
+              <a:rPr lang="en-US" dirty="0" err="1">
+                <a:solidFill>
+                  <a:schemeClr val="bg1"/>
+                </a:solidFill>
+              </a:rPr>
+              <a:t>dedotti</a:t>
+            </a:r>
+            <a:r>
+              <a:rPr lang="en-US" dirty="0">
+                <a:solidFill>
+                  <a:schemeClr val="bg1"/>
+                </a:solidFill>
+              </a:rPr>
+              <a:t> </a:t>
+            </a:r>
+            <a:r>
+              <a:rPr lang="en-US" dirty="0" err="1">
+                <a:solidFill>
+                  <a:schemeClr val="bg1"/>
+                </a:solidFill>
+              </a:rPr>
+              <a:t>dai</a:t>
+            </a:r>
+            <a:r>
+              <a:rPr lang="en-US" dirty="0">
+                <a:solidFill>
+                  <a:schemeClr val="bg1"/>
+                </a:solidFill>
+              </a:rPr>
+              <a:t> MEM</a:t>
+            </a:r>
+          </a:p>
+          <a:p>
+            <a:pPr lvl="1"/>
+            <a:r>
+              <a:rPr lang="en-US" b="1" dirty="0" err="1">
+                <a:solidFill>
+                  <a:schemeClr val="bg1"/>
+                </a:solidFill>
+              </a:rPr>
+              <a:t>Differenze</a:t>
+            </a:r>
+            <a:r>
+              <a:rPr lang="en-US" dirty="0">
+                <a:solidFill>
+                  <a:schemeClr val="bg1"/>
+                </a:solidFill>
+              </a:rPr>
+              <a:t> </a:t>
+            </a:r>
+            <a:r>
+              <a:rPr lang="en-US" dirty="0" err="1">
+                <a:solidFill>
+                  <a:schemeClr val="bg1"/>
+                </a:solidFill>
+              </a:rPr>
+              <a:t>tra</a:t>
+            </a:r>
+            <a:r>
+              <a:rPr lang="en-US" dirty="0">
+                <a:solidFill>
+                  <a:schemeClr val="bg1"/>
+                </a:solidFill>
+              </a:rPr>
+              <a:t> </a:t>
+            </a:r>
+            <a:r>
+              <a:rPr lang="en-US" dirty="0" err="1">
+                <a:solidFill>
+                  <a:schemeClr val="bg1"/>
+                </a:solidFill>
+              </a:rPr>
+              <a:t>i</a:t>
+            </a:r>
+            <a:r>
+              <a:rPr lang="en-US" dirty="0">
+                <a:solidFill>
+                  <a:schemeClr val="bg1"/>
+                </a:solidFill>
+              </a:rPr>
+              <a:t> due &lt;-&gt; </a:t>
+            </a:r>
+            <a:r>
+              <a:rPr lang="en-US" b="1" dirty="0" err="1">
+                <a:solidFill>
+                  <a:schemeClr val="bg1"/>
+                </a:solidFill>
+              </a:rPr>
+              <a:t>evento</a:t>
+            </a:r>
+            <a:r>
+              <a:rPr lang="en-US" b="1" dirty="0">
+                <a:solidFill>
+                  <a:schemeClr val="bg1"/>
+                </a:solidFill>
+              </a:rPr>
+              <a:t> di Alternative Splicing</a:t>
+            </a:r>
+          </a:p>
+          <a:p>
+            <a:r>
+              <a:rPr lang="en-US" dirty="0">
+                <a:solidFill>
+                  <a:schemeClr val="bg1"/>
+                </a:solidFill>
+              </a:rPr>
+              <a:t>E’ </a:t>
+            </a:r>
+            <a:r>
+              <a:rPr lang="en-US" dirty="0" err="1">
+                <a:solidFill>
+                  <a:schemeClr val="bg1"/>
+                </a:solidFill>
+              </a:rPr>
+              <a:t>stata</a:t>
+            </a:r>
+            <a:r>
+              <a:rPr lang="en-US" dirty="0">
+                <a:solidFill>
+                  <a:schemeClr val="bg1"/>
+                </a:solidFill>
+              </a:rPr>
+              <a:t> </a:t>
+            </a:r>
+            <a:r>
+              <a:rPr lang="en-US" dirty="0" err="1">
+                <a:solidFill>
+                  <a:schemeClr val="bg1"/>
+                </a:solidFill>
+              </a:rPr>
+              <a:t>effettuata</a:t>
+            </a:r>
+            <a:r>
+              <a:rPr lang="en-US" dirty="0">
+                <a:solidFill>
+                  <a:schemeClr val="bg1"/>
+                </a:solidFill>
+              </a:rPr>
+              <a:t> una </a:t>
+            </a:r>
+            <a:r>
+              <a:rPr lang="en-US" b="1" dirty="0">
+                <a:solidFill>
+                  <a:schemeClr val="bg1"/>
+                </a:solidFill>
+              </a:rPr>
+              <a:t>merge </a:t>
+            </a:r>
+            <a:r>
+              <a:rPr lang="en-US" b="1" dirty="0" err="1">
+                <a:solidFill>
+                  <a:schemeClr val="bg1"/>
+                </a:solidFill>
+              </a:rPr>
+              <a:t>degli</a:t>
+            </a:r>
+            <a:r>
+              <a:rPr lang="en-US" b="1" dirty="0">
+                <a:solidFill>
+                  <a:schemeClr val="bg1"/>
+                </a:solidFill>
+              </a:rPr>
+              <a:t> </a:t>
+            </a:r>
+            <a:r>
+              <a:rPr lang="en-US" b="1" dirty="0" err="1">
+                <a:solidFill>
+                  <a:schemeClr val="bg1"/>
+                </a:solidFill>
+              </a:rPr>
+              <a:t>introni</a:t>
+            </a:r>
+            <a:r>
+              <a:rPr lang="en-US" b="1" dirty="0">
+                <a:solidFill>
+                  <a:schemeClr val="bg1"/>
+                </a:solidFill>
+              </a:rPr>
+              <a:t> </a:t>
+            </a:r>
+            <a:r>
+              <a:rPr lang="en-US" dirty="0" err="1">
+                <a:solidFill>
+                  <a:schemeClr val="bg1"/>
+                </a:solidFill>
+              </a:rPr>
+              <a:t>dedotti</a:t>
+            </a:r>
+            <a:r>
+              <a:rPr lang="en-US" dirty="0">
+                <a:solidFill>
+                  <a:schemeClr val="bg1"/>
+                </a:solidFill>
+              </a:rPr>
+              <a:t> da </a:t>
+            </a:r>
+            <a:r>
+              <a:rPr lang="en-US" dirty="0" err="1">
+                <a:solidFill>
+                  <a:schemeClr val="bg1"/>
+                </a:solidFill>
+              </a:rPr>
+              <a:t>entrambi</a:t>
+            </a:r>
+            <a:r>
+              <a:rPr lang="en-US" dirty="0">
+                <a:solidFill>
+                  <a:schemeClr val="bg1"/>
+                </a:solidFill>
+              </a:rPr>
+              <a:t> </a:t>
+            </a:r>
+            <a:r>
+              <a:rPr lang="en-US" dirty="0" err="1">
+                <a:solidFill>
+                  <a:schemeClr val="bg1"/>
+                </a:solidFill>
+              </a:rPr>
+              <a:t>i</a:t>
+            </a:r>
+            <a:r>
+              <a:rPr lang="en-US" dirty="0">
+                <a:solidFill>
+                  <a:schemeClr val="bg1"/>
+                </a:solidFill>
+              </a:rPr>
+              <a:t> mates</a:t>
+            </a:r>
+          </a:p>
+        </p:txBody>
       </p:sp>
-      <p:sp>
-        <p:nvSpPr>
-          <p:cNvPr id="30" name="Freeform 5">
+      <p:pic>
+        <p:nvPicPr>
+          <p:cNvPr id="5" name="Segnaposto contenuto 4" descr="Immagine che contiene screenshot&#10;&#10;Descrizione generata automaticamente">
             <a:extLst>
               <a:ext uri="{FF2B5EF4-FFF2-40B4-BE49-F238E27FC236}">
-                <a16:creationId xmlns:a16="http://schemas.microsoft.com/office/drawing/2014/main" id="{40F86E67-9E86-453F-92BC-648189829C2F}"/>
-              </a:ext>
-              <a:ext uri="{C183D7F6-B498-43B3-948B-1728B52AA6E4}">
-                <adec:decorative xmlns:adec="http://schemas.microsoft.com/office/drawing/2017/decorative" val="1"/>
+                <a16:creationId xmlns:a16="http://schemas.microsoft.com/office/drawing/2014/main" id="{A0DE2700-9A76-4064-8CB9-1942C1DABBFE}"/>
               </a:ext>
             </a:extLst>
           </p:cNvPr>
-          <p:cNvSpPr>
-            <a:spLocks noGrp="1" noRot="1" noChangeAspect="1" noMove="1" noResize="1" noEditPoints="1" noAdjustHandles="1" noChangeArrowheads="1" noChangeShapeType="1" noTextEdit="1"/>
-          </p:cNvSpPr>
+          <p:cNvPicPr>
+            <a:picLocks noGrp="1" noChangeAspect="1"/>
+          </p:cNvPicPr>
           <p:nvPr>
-            <p:extLst>
-              <p:ext uri="{386F3935-93C4-4BCD-93E2-E3B085C9AB24}">
-                <p16:designElem xmlns:p16="http://schemas.microsoft.com/office/powerpoint/2015/main" val="1"/>
-              </p:ext>
-            </p:extLst>
+            <p:ph idx="1"/>
           </p:nvPr>
-        </p:nvSpPr>
-        <p:spPr bwMode="gray">
+        </p:nvPicPr>
+        <p:blipFill>
+          <a:blip r:embed="rId4"/>
+          <a:stretch>
+            <a:fillRect/>
+          </a:stretch>
+        </p:blipFill>
+        <p:spPr>
           <a:xfrm>
-            <a:off x="-1588" y="1587"/>
-            <a:ext cx="12192000" cy="6856413"/>
+            <a:off x="6648091" y="1294810"/>
+            <a:ext cx="5118729" cy="2857371"/>
           </a:xfrm>
-          <a:custGeom>
+          <a:prstGeom prst="rect">
             <a:avLst/>
-            <a:gdLst/>
-            <a:ahLst/>
-            <a:cxnLst/>
-            <a:rect l="0" t="0" r="r" b="b"/>
-            <a:pathLst>
-              <a:path w="15356" h="8638">
-                <a:moveTo>
-                  <a:pt x="0" y="0"/>
-                </a:moveTo>
-                <a:lnTo>
-                  <a:pt x="0" y="8638"/>
-                </a:lnTo>
-                <a:lnTo>
-                  <a:pt x="15356" y="8638"/>
-                </a:lnTo>
-                <a:lnTo>
-                  <a:pt x="15356" y="0"/>
-                </a:lnTo>
-                <a:lnTo>
-                  <a:pt x="0" y="0"/>
-                </a:lnTo>
-                <a:close/>
-                <a:moveTo>
-                  <a:pt x="14748" y="8038"/>
-                </a:moveTo>
-                <a:lnTo>
-                  <a:pt x="600" y="8038"/>
-                </a:lnTo>
-                <a:lnTo>
-                  <a:pt x="600" y="592"/>
-                </a:lnTo>
-                <a:lnTo>
-                  <a:pt x="14748" y="592"/>
-                </a:lnTo>
-                <a:lnTo>
-                  <a:pt x="14748" y="8038"/>
-                </a:lnTo>
-                <a:close/>
-              </a:path>
-            </a:pathLst>
-          </a:custGeom>
-          <a:solidFill>
-            <a:schemeClr val="bg1"/>
-          </a:solidFill>
-          <a:ln>
-            <a:noFill/>
-          </a:ln>
+          </a:prstGeom>
         </p:spPr>
-      </p:sp>
+      </p:pic>
       <p:sp>
         <p:nvSpPr>
-          <p:cNvPr id="31" name="Rectangle 19">
+          <p:cNvPr id="21" name="Rectangle 20">
             <a:extLst>
               <a:ext uri="{FF2B5EF4-FFF2-40B4-BE49-F238E27FC236}">
-                <a16:creationId xmlns:a16="http://schemas.microsoft.com/office/drawing/2014/main" id="{F73C5439-21D4-46F3-9CF4-FF1CE786FF15}"/>
+                <a16:creationId xmlns:a16="http://schemas.microsoft.com/office/drawing/2014/main" id="{F3075F69-BD3F-42CD-B3E9-4A817B3158B5}"/>
               </a:ext>
               <a:ext uri="{C183D7F6-B498-43B3-948B-1728B52AA6E4}">
                 <adec:decorative xmlns:adec="http://schemas.microsoft.com/office/drawing/2017/decorative" val="1"/>
@@ -15788,738 +17961,12 @@
           </a:fontRef>
         </p:style>
       </p:sp>
-      <p:sp>
-        <p:nvSpPr>
-          <p:cNvPr id="2" name="Titolo 1">
+      <p:pic>
+        <p:nvPicPr>
+          <p:cNvPr id="4" name="Immagine 3" descr="Immagine che contiene testo, bottiglia&#10;&#10;Descrizione generata automaticamente">
             <a:extLst>
               <a:ext uri="{FF2B5EF4-FFF2-40B4-BE49-F238E27FC236}">
-                <a16:creationId xmlns:a16="http://schemas.microsoft.com/office/drawing/2014/main" id="{687B73CC-B460-44B5-A5BA-26ADD8411CF3}"/>
-              </a:ext>
-            </a:extLst>
-          </p:cNvPr>
-          <p:cNvSpPr>
-            <a:spLocks noGrp="1"/>
-          </p:cNvSpPr>
-          <p:nvPr>
-            <p:ph type="title"/>
-          </p:nvPr>
-        </p:nvSpPr>
-        <p:spPr>
-          <a:xfrm>
-            <a:off x="8382055" y="1241266"/>
-            <a:ext cx="3161016" cy="3153753"/>
-          </a:xfrm>
-        </p:spPr>
-        <p:txBody>
-          <a:bodyPr vert="horz" lIns="91440" tIns="45720" rIns="91440" bIns="45720" rtlCol="0" anchor="b">
-            <a:normAutofit/>
-          </a:bodyPr>
-          <a:lstStyle/>
-          <a:p>
-            <a:pPr>
-              <a:lnSpc>
-                <a:spcPct val="90000"/>
-              </a:lnSpc>
-            </a:pPr>
-            <a:r>
-              <a:rPr lang="en-US" sz="4600"/>
-              <a:t>Modifiche al campo FLAG</a:t>
-            </a:r>
-          </a:p>
-        </p:txBody>
-      </p:sp>
-      <p:grpSp>
-        <p:nvGrpSpPr>
-          <p:cNvPr id="22" name="Group 21">
-            <a:extLst>
-              <a:ext uri="{FF2B5EF4-FFF2-40B4-BE49-F238E27FC236}">
-                <a16:creationId xmlns:a16="http://schemas.microsoft.com/office/drawing/2014/main" id="{227140B8-92FC-43F0-8CCA-F40052CE502D}"/>
-              </a:ext>
-              <a:ext uri="{C183D7F6-B498-43B3-948B-1728B52AA6E4}">
-                <adec:decorative xmlns:adec="http://schemas.microsoft.com/office/drawing/2017/decorative" val="1"/>
-              </a:ext>
-            </a:extLst>
-          </p:cNvPr>
-          <p:cNvGrpSpPr>
-            <a:grpSpLocks noGrp="1" noUngrp="1" noRot="1" noChangeAspect="1" noMove="1" noResize="1"/>
-          </p:cNvGrpSpPr>
-          <p:nvPr>
-            <p:extLst>
-              <p:ext uri="{386F3935-93C4-4BCD-93E2-E3B085C9AB24}">
-                <p16:designElem xmlns:p16="http://schemas.microsoft.com/office/powerpoint/2015/main" val="1"/>
-              </p:ext>
-            </p:extLst>
-          </p:nvPr>
-        </p:nvGrpSpPr>
-        <p:grpSpPr>
-          <a:xfrm>
-            <a:off x="423332" y="396837"/>
-            <a:ext cx="7906665" cy="6058999"/>
-            <a:chOff x="423332" y="396837"/>
-            <a:chExt cx="7906665" cy="6058999"/>
-          </a:xfrm>
-        </p:grpSpPr>
-        <p:sp>
-          <p:nvSpPr>
-            <p:cNvPr id="23" name="Rectangle 22">
-              <a:extLst>
-                <a:ext uri="{FF2B5EF4-FFF2-40B4-BE49-F238E27FC236}">
-                  <a16:creationId xmlns:a16="http://schemas.microsoft.com/office/drawing/2014/main" id="{E14FEF32-7604-4713-A9F1-9D90A6F78B99}"/>
-                </a:ext>
-                <a:ext uri="{C183D7F6-B498-43B3-948B-1728B52AA6E4}">
-                  <adec:decorative xmlns:adec="http://schemas.microsoft.com/office/drawing/2017/decorative" val="1"/>
-                </a:ext>
-              </a:extLst>
-            </p:cNvPr>
-            <p:cNvSpPr/>
-            <p:nvPr>
-              <p:extLst>
-                <p:ext uri="{386F3935-93C4-4BCD-93E2-E3B085C9AB24}">
-                  <p16:designElem xmlns:p16="http://schemas.microsoft.com/office/powerpoint/2015/main" val="1"/>
-                </p:ext>
-              </p:extLst>
-            </p:nvPr>
-          </p:nvSpPr>
-          <p:spPr bwMode="gray">
-            <a:xfrm flipH="1">
-              <a:off x="423332" y="402165"/>
-              <a:ext cx="6785133" cy="6053670"/>
-            </a:xfrm>
-            <a:prstGeom prst="rect">
-              <a:avLst/>
-            </a:prstGeom>
-            <a:solidFill>
-              <a:schemeClr val="bg1"/>
-            </a:solidFill>
-            <a:ln>
-              <a:noFill/>
-            </a:ln>
-            <a:effectLst/>
-          </p:spPr>
-          <p:style>
-            <a:lnRef idx="1">
-              <a:schemeClr val="accent1"/>
-            </a:lnRef>
-            <a:fillRef idx="3">
-              <a:schemeClr val="accent1"/>
-            </a:fillRef>
-            <a:effectRef idx="2">
-              <a:schemeClr val="accent1"/>
-            </a:effectRef>
-            <a:fontRef idx="minor">
-              <a:schemeClr val="lt1"/>
-            </a:fontRef>
-          </p:style>
-        </p:sp>
-        <p:sp>
-          <p:nvSpPr>
-            <p:cNvPr id="24" name="Freeform 5">
-              <a:extLst>
-                <a:ext uri="{FF2B5EF4-FFF2-40B4-BE49-F238E27FC236}">
-                  <a16:creationId xmlns:a16="http://schemas.microsoft.com/office/drawing/2014/main" id="{95AD3905-A7DD-4026-B7FD-C203CC3052E8}"/>
-                </a:ext>
-                <a:ext uri="{C183D7F6-B498-43B3-948B-1728B52AA6E4}">
-                  <adec:decorative xmlns:adec="http://schemas.microsoft.com/office/drawing/2017/decorative" val="1"/>
-                </a:ext>
-              </a:extLst>
-            </p:cNvPr>
-            <p:cNvSpPr/>
-            <p:nvPr>
-              <p:extLst>
-                <p:ext uri="{386F3935-93C4-4BCD-93E2-E3B085C9AB24}">
-                  <p16:designElem xmlns:p16="http://schemas.microsoft.com/office/powerpoint/2015/main" val="1"/>
-                </p:ext>
-              </p:extLst>
-            </p:nvPr>
-          </p:nvSpPr>
-          <p:spPr bwMode="gray">
-            <a:xfrm rot="5400000" flipH="1">
-              <a:off x="4616676" y="2801722"/>
-              <a:ext cx="6053670" cy="1254558"/>
-            </a:xfrm>
-            <a:custGeom>
-              <a:avLst/>
-              <a:gdLst/>
-              <a:ahLst/>
-              <a:cxnLst/>
-              <a:rect l="l" t="t" r="r" b="b"/>
-              <a:pathLst>
-                <a:path w="10000" h="8000">
-                  <a:moveTo>
-                    <a:pt x="0" y="0"/>
-                  </a:moveTo>
-                  <a:lnTo>
-                    <a:pt x="0" y="7970"/>
-                  </a:lnTo>
-                  <a:lnTo>
-                    <a:pt x="10000" y="8000"/>
-                  </a:lnTo>
-                  <a:lnTo>
-                    <a:pt x="10000" y="7"/>
-                  </a:lnTo>
-                  <a:lnTo>
-                    <a:pt x="10000" y="7"/>
-                  </a:lnTo>
-                  <a:lnTo>
-                    <a:pt x="9773" y="156"/>
-                  </a:lnTo>
-                  <a:lnTo>
-                    <a:pt x="9547" y="298"/>
-                  </a:lnTo>
-                  <a:lnTo>
-                    <a:pt x="9320" y="437"/>
-                  </a:lnTo>
-                  <a:lnTo>
-                    <a:pt x="9092" y="556"/>
-                  </a:lnTo>
-                  <a:lnTo>
-                    <a:pt x="8865" y="676"/>
-                  </a:lnTo>
-                  <a:lnTo>
-                    <a:pt x="8637" y="788"/>
-                  </a:lnTo>
-                  <a:lnTo>
-                    <a:pt x="8412" y="884"/>
-                  </a:lnTo>
-                  <a:lnTo>
-                    <a:pt x="8184" y="975"/>
-                  </a:lnTo>
-                  <a:lnTo>
-                    <a:pt x="7957" y="1058"/>
-                  </a:lnTo>
-                  <a:lnTo>
-                    <a:pt x="7734" y="1130"/>
-                  </a:lnTo>
-                  <a:lnTo>
-                    <a:pt x="7508" y="1202"/>
-                  </a:lnTo>
-                  <a:lnTo>
-                    <a:pt x="7285" y="1262"/>
-                  </a:lnTo>
-                  <a:lnTo>
-                    <a:pt x="7062" y="1309"/>
-                  </a:lnTo>
-                  <a:lnTo>
-                    <a:pt x="6840" y="1358"/>
-                  </a:lnTo>
-                  <a:lnTo>
-                    <a:pt x="6620" y="1399"/>
-                  </a:lnTo>
-                  <a:lnTo>
-                    <a:pt x="6402" y="1428"/>
-                  </a:lnTo>
-                  <a:lnTo>
-                    <a:pt x="6184" y="1453"/>
-                  </a:lnTo>
-                  <a:lnTo>
-                    <a:pt x="5968" y="1477"/>
-                  </a:lnTo>
-                  <a:lnTo>
-                    <a:pt x="5755" y="1488"/>
-                  </a:lnTo>
-                  <a:lnTo>
-                    <a:pt x="5542" y="1500"/>
-                  </a:lnTo>
-                  <a:lnTo>
-                    <a:pt x="5332" y="1506"/>
-                  </a:lnTo>
-                  <a:lnTo>
-                    <a:pt x="5124" y="1500"/>
-                  </a:lnTo>
-                  <a:lnTo>
-                    <a:pt x="4918" y="1500"/>
-                  </a:lnTo>
-                  <a:lnTo>
-                    <a:pt x="4714" y="1488"/>
-                  </a:lnTo>
-                  <a:lnTo>
-                    <a:pt x="4514" y="1470"/>
-                  </a:lnTo>
-                  <a:lnTo>
-                    <a:pt x="4316" y="1453"/>
-                  </a:lnTo>
-                  <a:lnTo>
-                    <a:pt x="4122" y="1434"/>
-                  </a:lnTo>
-                  <a:lnTo>
-                    <a:pt x="3929" y="1405"/>
-                  </a:lnTo>
-                  <a:lnTo>
-                    <a:pt x="3739" y="1374"/>
-                  </a:lnTo>
-                  <a:lnTo>
-                    <a:pt x="3553" y="1346"/>
-                  </a:lnTo>
-                  <a:lnTo>
-                    <a:pt x="3190" y="1267"/>
-                  </a:lnTo>
-                  <a:lnTo>
-                    <a:pt x="2842" y="1183"/>
-                  </a:lnTo>
-                  <a:lnTo>
-                    <a:pt x="2508" y="1095"/>
-                  </a:lnTo>
-                  <a:lnTo>
-                    <a:pt x="2192" y="998"/>
-                  </a:lnTo>
-                  <a:lnTo>
-                    <a:pt x="1890" y="897"/>
-                  </a:lnTo>
-                  <a:lnTo>
-                    <a:pt x="1610" y="788"/>
-                  </a:lnTo>
-                  <a:lnTo>
-                    <a:pt x="1347" y="681"/>
-                  </a:lnTo>
-                  <a:lnTo>
-                    <a:pt x="1105" y="574"/>
-                  </a:lnTo>
-                  <a:lnTo>
-                    <a:pt x="883" y="473"/>
-                  </a:lnTo>
-                  <a:lnTo>
-                    <a:pt x="686" y="377"/>
-                  </a:lnTo>
-                  <a:lnTo>
-                    <a:pt x="508" y="286"/>
-                  </a:lnTo>
-                  <a:lnTo>
-                    <a:pt x="358" y="210"/>
-                  </a:lnTo>
-                  <a:lnTo>
-                    <a:pt x="232" y="138"/>
-                  </a:lnTo>
-                  <a:lnTo>
-                    <a:pt x="59" y="35"/>
-                  </a:lnTo>
-                  <a:lnTo>
-                    <a:pt x="0" y="0"/>
-                  </a:lnTo>
-                  <a:lnTo>
-                    <a:pt x="0" y="0"/>
-                  </a:lnTo>
-                  <a:close/>
-                </a:path>
-              </a:pathLst>
-            </a:custGeom>
-            <a:solidFill>
-              <a:schemeClr val="bg1"/>
-            </a:solidFill>
-            <a:ln>
-              <a:noFill/>
-            </a:ln>
-          </p:spPr>
-        </p:sp>
-        <p:sp>
-          <p:nvSpPr>
-            <p:cNvPr id="25" name="Freeform 5">
-              <a:extLst>
-                <a:ext uri="{FF2B5EF4-FFF2-40B4-BE49-F238E27FC236}">
-                  <a16:creationId xmlns:a16="http://schemas.microsoft.com/office/drawing/2014/main" id="{467A9BDB-6572-473C-B2E5-C1AC2F7163D1}"/>
-                </a:ext>
-                <a:ext uri="{C183D7F6-B498-43B3-948B-1728B52AA6E4}">
-                  <adec:decorative xmlns:adec="http://schemas.microsoft.com/office/drawing/2017/decorative" val="1"/>
-                </a:ext>
-              </a:extLst>
-            </p:cNvPr>
-            <p:cNvSpPr/>
-            <p:nvPr>
-              <p:extLst>
-                <p:ext uri="{386F3935-93C4-4BCD-93E2-E3B085C9AB24}">
-                  <p16:designElem xmlns:p16="http://schemas.microsoft.com/office/powerpoint/2015/main" val="1"/>
-                </p:ext>
-              </p:extLst>
-            </p:nvPr>
-          </p:nvSpPr>
-          <p:spPr bwMode="gray">
-            <a:xfrm rot="5677511" flipH="1">
-              <a:off x="6459831" y="1826079"/>
-              <a:ext cx="3299407" cy="440924"/>
-            </a:xfrm>
-            <a:custGeom>
-              <a:avLst/>
-              <a:gdLst/>
-              <a:ahLst/>
-              <a:cxnLst/>
-              <a:rect l="l" t="t" r="r" b="b"/>
-              <a:pathLst>
-                <a:path w="10000" h="5291">
-                  <a:moveTo>
-                    <a:pt x="85" y="2532"/>
-                  </a:moveTo>
-                  <a:cubicBezTo>
-                    <a:pt x="1736" y="3911"/>
-                    <a:pt x="7524" y="5298"/>
-                    <a:pt x="9958" y="5291"/>
-                  </a:cubicBezTo>
-                  <a:cubicBezTo>
-                    <a:pt x="9989" y="1958"/>
-                    <a:pt x="9969" y="3333"/>
-                    <a:pt x="10000" y="0"/>
-                  </a:cubicBezTo>
-                  <a:lnTo>
-                    <a:pt x="10000" y="0"/>
-                  </a:lnTo>
-                  <a:lnTo>
-                    <a:pt x="9667" y="204"/>
-                  </a:lnTo>
-                  <a:lnTo>
-                    <a:pt x="9334" y="400"/>
-                  </a:lnTo>
-                  <a:lnTo>
-                    <a:pt x="9001" y="590"/>
-                  </a:lnTo>
-                  <a:lnTo>
-                    <a:pt x="8667" y="753"/>
-                  </a:lnTo>
-                  <a:lnTo>
-                    <a:pt x="8333" y="917"/>
-                  </a:lnTo>
-                  <a:lnTo>
-                    <a:pt x="7999" y="1071"/>
-                  </a:lnTo>
-                  <a:lnTo>
-                    <a:pt x="7669" y="1202"/>
-                  </a:lnTo>
-                  <a:lnTo>
-                    <a:pt x="7333" y="1325"/>
-                  </a:lnTo>
-                  <a:lnTo>
-                    <a:pt x="7000" y="1440"/>
-                  </a:lnTo>
-                  <a:lnTo>
-                    <a:pt x="6673" y="1538"/>
-                  </a:lnTo>
-                  <a:lnTo>
-                    <a:pt x="6340" y="1636"/>
-                  </a:lnTo>
-                  <a:lnTo>
-                    <a:pt x="6013" y="1719"/>
-                  </a:lnTo>
-                  <a:lnTo>
-                    <a:pt x="5686" y="1784"/>
-                  </a:lnTo>
-                  <a:lnTo>
-                    <a:pt x="5359" y="1850"/>
-                  </a:lnTo>
-                  <a:lnTo>
-                    <a:pt x="5036" y="1906"/>
-                  </a:lnTo>
-                  <a:lnTo>
-                    <a:pt x="4717" y="1948"/>
-                  </a:lnTo>
-                  <a:lnTo>
-                    <a:pt x="4396" y="1980"/>
-                  </a:lnTo>
-                  <a:lnTo>
-                    <a:pt x="4079" y="2013"/>
-                  </a:lnTo>
-                  <a:lnTo>
-                    <a:pt x="3766" y="2029"/>
-                  </a:lnTo>
-                  <a:lnTo>
-                    <a:pt x="3454" y="2046"/>
-                  </a:lnTo>
-                  <a:lnTo>
-                    <a:pt x="3145" y="2053"/>
-                  </a:lnTo>
-                  <a:lnTo>
-                    <a:pt x="2839" y="2046"/>
-                  </a:lnTo>
-                  <a:lnTo>
-                    <a:pt x="2537" y="2046"/>
-                  </a:lnTo>
-                  <a:lnTo>
-                    <a:pt x="2238" y="2029"/>
-                  </a:lnTo>
-                  <a:lnTo>
-                    <a:pt x="1943" y="2004"/>
-                  </a:lnTo>
-                  <a:lnTo>
-                    <a:pt x="1653" y="1980"/>
-                  </a:lnTo>
-                  <a:lnTo>
-                    <a:pt x="1368" y="1955"/>
-                  </a:lnTo>
-                  <a:lnTo>
-                    <a:pt x="1085" y="1915"/>
-                  </a:lnTo>
-                  <a:lnTo>
-                    <a:pt x="806" y="1873"/>
-                  </a:lnTo>
-                  <a:lnTo>
-                    <a:pt x="533" y="1833"/>
-                  </a:lnTo>
-                  <a:lnTo>
-                    <a:pt x="0" y="1726"/>
-                  </a:lnTo>
-                  <a:cubicBezTo>
-                    <a:pt x="28" y="1995"/>
-                    <a:pt x="57" y="2263"/>
-                    <a:pt x="85" y="2532"/>
-                  </a:cubicBezTo>
-                  <a:close/>
-                </a:path>
-              </a:pathLst>
-            </a:custGeom>
-            <a:solidFill>
-              <a:schemeClr val="bg1">
-                <a:alpha val="20000"/>
-              </a:schemeClr>
-            </a:solidFill>
-            <a:ln>
-              <a:noFill/>
-            </a:ln>
-          </p:spPr>
-        </p:sp>
-      </p:grpSp>
-      <p:pic>
-        <p:nvPicPr>
-          <p:cNvPr id="9" name="Segnaposto contenuto 8" descr="Immagine che contiene screenshot&#10;&#10;Descrizione generata automaticamente">
-            <a:extLst>
-              <a:ext uri="{FF2B5EF4-FFF2-40B4-BE49-F238E27FC236}">
-                <a16:creationId xmlns:a16="http://schemas.microsoft.com/office/drawing/2014/main" id="{5E435AEB-52EA-4B6A-BE5C-16EBC9D1A410}"/>
-              </a:ext>
-            </a:extLst>
-          </p:cNvPr>
-          <p:cNvPicPr>
-            <a:picLocks noGrp="1" noChangeAspect="1"/>
-          </p:cNvPicPr>
-          <p:nvPr>
-            <p:ph idx="1"/>
-          </p:nvPr>
-        </p:nvPicPr>
-        <p:blipFill>
-          <a:blip r:embed="rId3"/>
-          <a:stretch>
-            <a:fillRect/>
-          </a:stretch>
-        </p:blipFill>
-        <p:spPr>
-          <a:xfrm>
-            <a:off x="693266" y="615745"/>
-            <a:ext cx="6713062" cy="5335953"/>
-          </a:xfrm>
-        </p:spPr>
-      </p:pic>
-    </p:spTree>
-    <p:extLst>
-      <p:ext uri="{BB962C8B-B14F-4D97-AF65-F5344CB8AC3E}">
-        <p14:creationId xmlns:p14="http://schemas.microsoft.com/office/powerpoint/2010/main" val="4018077245"/>
-      </p:ext>
-    </p:extLst>
-  </p:cSld>
-  <p:clrMapOvr>
-    <a:masterClrMapping/>
-  </p:clrMapOvr>
-</p:sld>
-</file>
-
-<file path=ppt/slides/slide11.xml><?xml version="1.0" encoding="utf-8"?>
-<p:sld xmlns:a="http://schemas.openxmlformats.org/drawingml/2006/main" xmlns:r="http://schemas.openxmlformats.org/officeDocument/2006/relationships" xmlns:p="http://schemas.openxmlformats.org/presentationml/2006/main">
-  <p:cSld>
-    <p:spTree>
-      <p:nvGrpSpPr>
-        <p:cNvPr id="1" name=""/>
-        <p:cNvGrpSpPr/>
-        <p:nvPr/>
-      </p:nvGrpSpPr>
-      <p:grpSpPr>
-        <a:xfrm>
-          <a:off x="0" y="0"/>
-          <a:ext cx="0" cy="0"/>
-          <a:chOff x="0" y="0"/>
-          <a:chExt cx="0" cy="0"/>
-        </a:xfrm>
-      </p:grpSpPr>
-      <p:sp>
-        <p:nvSpPr>
-          <p:cNvPr id="2" name="Titolo 1">
-            <a:extLst>
-              <a:ext uri="{FF2B5EF4-FFF2-40B4-BE49-F238E27FC236}">
-                <a16:creationId xmlns:a16="http://schemas.microsoft.com/office/drawing/2014/main" id="{AA620634-592E-4C3D-925E-B56E651C949A}"/>
-              </a:ext>
-            </a:extLst>
-          </p:cNvPr>
-          <p:cNvSpPr>
-            <a:spLocks noGrp="1"/>
-          </p:cNvSpPr>
-          <p:nvPr>
-            <p:ph type="title"/>
-          </p:nvPr>
-        </p:nvSpPr>
-        <p:spPr/>
-        <p:txBody>
-          <a:bodyPr/>
-          <a:lstStyle/>
-          <a:p>
-            <a:r>
-              <a:rPr lang="it-IT" dirty="0"/>
-              <a:t>Campi RNEXT, PNEXT, TLEN</a:t>
-            </a:r>
-          </a:p>
-        </p:txBody>
-      </p:sp>
-      <p:sp>
-        <p:nvSpPr>
-          <p:cNvPr id="3" name="Segnaposto contenuto 2">
-            <a:extLst>
-              <a:ext uri="{FF2B5EF4-FFF2-40B4-BE49-F238E27FC236}">
-                <a16:creationId xmlns:a16="http://schemas.microsoft.com/office/drawing/2014/main" id="{96075553-7D69-4FE4-A8D5-4DFDE9D97607}"/>
-              </a:ext>
-            </a:extLst>
-          </p:cNvPr>
-          <p:cNvSpPr>
-            <a:spLocks noGrp="1"/>
-          </p:cNvSpPr>
-          <p:nvPr>
-            <p:ph idx="1"/>
-          </p:nvPr>
-        </p:nvSpPr>
-        <p:spPr/>
-        <p:txBody>
-          <a:bodyPr/>
-          <a:lstStyle/>
-          <a:p>
-            <a:r>
-              <a:rPr lang="it-IT" dirty="0"/>
-              <a:t>RNEXT = nome dell’allineamento (campo QNAME) del mate</a:t>
-            </a:r>
-          </a:p>
-          <a:p>
-            <a:r>
-              <a:rPr lang="it-IT" dirty="0"/>
-              <a:t>PNEXT = posizione iniziale dell’allineamento (campo POS) del mate</a:t>
-            </a:r>
-          </a:p>
-          <a:p>
-            <a:r>
-              <a:rPr lang="it-IT" dirty="0"/>
-              <a:t>TLEN  = Distanza tra mate</a:t>
-            </a:r>
-          </a:p>
-          <a:p>
-            <a:r>
-              <a:rPr lang="it-IT" dirty="0"/>
-              <a:t>Settando correttamente questi campi, i mate risultano correttamente mappati</a:t>
-            </a:r>
-          </a:p>
-          <a:p>
-            <a:pPr lvl="1"/>
-            <a:r>
-              <a:rPr lang="it-IT" dirty="0"/>
-              <a:t>Usando IGV, ad esempio, posizionando il cursore del mouse su una </a:t>
-            </a:r>
-            <a:r>
-              <a:rPr lang="it-IT" dirty="0" err="1"/>
-              <a:t>read</a:t>
-            </a:r>
-            <a:r>
-              <a:rPr lang="it-IT" dirty="0"/>
-              <a:t>, vengono visualizzate informazioni sul mate</a:t>
-            </a:r>
-          </a:p>
-        </p:txBody>
-      </p:sp>
-    </p:spTree>
-    <p:extLst>
-      <p:ext uri="{BB962C8B-B14F-4D97-AF65-F5344CB8AC3E}">
-        <p14:creationId xmlns:p14="http://schemas.microsoft.com/office/powerpoint/2010/main" val="3638582784"/>
-      </p:ext>
-    </p:extLst>
-  </p:cSld>
-  <p:clrMapOvr>
-    <a:masterClrMapping/>
-  </p:clrMapOvr>
-</p:sld>
-</file>
-
-<file path=ppt/slides/slide12.xml><?xml version="1.0" encoding="utf-8"?>
-<p:sld xmlns:a="http://schemas.openxmlformats.org/drawingml/2006/main" xmlns:r="http://schemas.openxmlformats.org/officeDocument/2006/relationships" xmlns:p="http://schemas.openxmlformats.org/presentationml/2006/main">
-  <p:cSld>
-    <p:spTree>
-      <p:nvGrpSpPr>
-        <p:cNvPr id="1" name=""/>
-        <p:cNvGrpSpPr/>
-        <p:nvPr/>
-      </p:nvGrpSpPr>
-      <p:grpSpPr>
-        <a:xfrm>
-          <a:off x="0" y="0"/>
-          <a:ext cx="0" cy="0"/>
-          <a:chOff x="0" y="0"/>
-          <a:chExt cx="0" cy="0"/>
-        </a:xfrm>
-      </p:grpSpPr>
-      <p:sp>
-        <p:nvSpPr>
-          <p:cNvPr id="2" name="Titolo 1">
-            <a:extLst>
-              <a:ext uri="{FF2B5EF4-FFF2-40B4-BE49-F238E27FC236}">
-                <a16:creationId xmlns:a16="http://schemas.microsoft.com/office/drawing/2014/main" id="{075AF54F-6E7C-4E8B-925F-004A08239966}"/>
-              </a:ext>
-            </a:extLst>
-          </p:cNvPr>
-          <p:cNvSpPr>
-            <a:spLocks noGrp="1"/>
-          </p:cNvSpPr>
-          <p:nvPr>
-            <p:ph type="title"/>
-          </p:nvPr>
-        </p:nvSpPr>
-        <p:spPr>
-          <a:xfrm>
-            <a:off x="1154954" y="973669"/>
-            <a:ext cx="8825659" cy="706964"/>
-          </a:xfrm>
-        </p:spPr>
-        <p:txBody>
-          <a:bodyPr/>
-          <a:lstStyle/>
-          <a:p>
-            <a:r>
-              <a:rPr lang="it-IT"/>
-              <a:t>Rilevazione di eventi di Alternative Splicing</a:t>
-            </a:r>
-            <a:endParaRPr lang="it-IT" dirty="0"/>
-          </a:p>
-        </p:txBody>
-      </p:sp>
-      <p:pic>
-        <p:nvPicPr>
-          <p:cNvPr id="5" name="Segnaposto contenuto 4" descr="Immagine che contiene screenshot&#10;&#10;Descrizione generata automaticamente">
-            <a:extLst>
-              <a:ext uri="{FF2B5EF4-FFF2-40B4-BE49-F238E27FC236}">
-                <a16:creationId xmlns:a16="http://schemas.microsoft.com/office/drawing/2014/main" id="{A0DE2700-9A76-4064-8CB9-1942C1DABBFE}"/>
-              </a:ext>
-            </a:extLst>
-          </p:cNvPr>
-          <p:cNvPicPr>
-            <a:picLocks noGrp="1" noChangeAspect="1"/>
-          </p:cNvPicPr>
-          <p:nvPr>
-            <p:ph idx="1"/>
-          </p:nvPr>
-        </p:nvPicPr>
-        <p:blipFill>
-          <a:blip r:embed="rId2"/>
-          <a:stretch>
-            <a:fillRect/>
-          </a:stretch>
-        </p:blipFill>
-        <p:spPr>
-          <a:xfrm>
-            <a:off x="465499" y="2588343"/>
-            <a:ext cx="5433855" cy="3295988"/>
-          </a:xfrm>
-        </p:spPr>
-      </p:pic>
-      <p:pic>
-        <p:nvPicPr>
-          <p:cNvPr id="11" name="Immagine 10" descr="Immagine che contiene testo, bottiglia&#10;&#10;Descrizione generata automaticamente">
-            <a:extLst>
-              <a:ext uri="{FF2B5EF4-FFF2-40B4-BE49-F238E27FC236}">
-                <a16:creationId xmlns:a16="http://schemas.microsoft.com/office/drawing/2014/main" id="{3A2DC6CD-AA9B-480D-B789-78119D36EC29}"/>
+                <a16:creationId xmlns:a16="http://schemas.microsoft.com/office/drawing/2014/main" id="{89E7BB1A-51FD-4254-9307-5C03D1348E09}"/>
               </a:ext>
             </a:extLst>
           </p:cNvPr>
@@ -16529,15 +17976,15 @@
           <p:nvPr/>
         </p:nvPicPr>
         <p:blipFill>
-          <a:blip r:embed="rId3"/>
+          <a:blip r:embed="rId5"/>
           <a:stretch>
             <a:fillRect/>
           </a:stretch>
         </p:blipFill>
         <p:spPr>
           <a:xfrm>
-            <a:off x="5567783" y="3429000"/>
-            <a:ext cx="5736856" cy="2367116"/>
+            <a:off x="6820393" y="4494119"/>
+            <a:ext cx="4828707" cy="1527362"/>
           </a:xfrm>
           <a:prstGeom prst="rect">
             <a:avLst/>
@@ -16557,7 +18004,7 @@
 </p:sld>
 </file>
 
-<file path=ppt/slides/slide13.xml><?xml version="1.0" encoding="utf-8"?>
+<file path=ppt/slides/slide11.xml><?xml version="1.0" encoding="utf-8"?>
 <p:sld xmlns:a="http://schemas.openxmlformats.org/drawingml/2006/main" xmlns:r="http://schemas.openxmlformats.org/officeDocument/2006/relationships" xmlns:p="http://schemas.openxmlformats.org/presentationml/2006/main">
   <p:cSld>
     <p:spTree>
@@ -16772,7 +18219,7 @@
 </p:sld>
 </file>
 
-<file path=ppt/slides/slide14.xml><?xml version="1.0" encoding="utf-8"?>
+<file path=ppt/slides/slide12.xml><?xml version="1.0" encoding="utf-8"?>
 <p:sld xmlns:a="http://schemas.openxmlformats.org/drawingml/2006/main" xmlns:r="http://schemas.openxmlformats.org/officeDocument/2006/relationships" xmlns:p="http://schemas.openxmlformats.org/presentationml/2006/main">
   <p:cSld>
     <p:spTree>
@@ -16839,16 +18286,20 @@
           <a:lstStyle/>
           <a:p>
             <a:r>
+              <a:rPr lang="it-IT" b="1" dirty="0"/>
+              <a:t>Scartare le </a:t>
+            </a:r>
+            <a:r>
+              <a:rPr lang="it-IT" b="1" dirty="0" err="1"/>
+              <a:t>read</a:t>
+            </a:r>
+            <a:r>
+              <a:rPr lang="it-IT" b="1" dirty="0"/>
+              <a:t> </a:t>
+            </a:r>
+            <a:r>
               <a:rPr lang="it-IT" dirty="0"/>
-              <a:t>Scartare le </a:t>
-            </a:r>
-            <a:r>
-              <a:rPr lang="it-IT" dirty="0" err="1"/>
-              <a:t>read</a:t>
-            </a:r>
-            <a:r>
-              <a:rPr lang="it-IT" dirty="0"/>
-              <a:t> allineate con IDMP/TIDMP eccessivo</a:t>
+              <a:t>allineate con IDMP/TIDMP eccessivo</a:t>
             </a:r>
           </a:p>
           <a:p>
@@ -16876,8 +18327,12 @@
           </a:p>
           <a:p>
             <a:r>
+              <a:rPr lang="it-IT" b="1" dirty="0"/>
+              <a:t>Riallineamento</a:t>
+            </a:r>
+            <a:r>
               <a:rPr lang="it-IT" dirty="0"/>
-              <a:t>Riallineamento in caso di IDMP/TIDMP eccessivo</a:t>
+              <a:t> in caso di IDMP/TIDMP eccessivo</a:t>
             </a:r>
           </a:p>
           <a:p>
@@ -16885,6 +18340,13 @@
             <a:r>
               <a:rPr lang="it-IT" dirty="0"/>
               <a:t>Difficile da implementare</a:t>
+            </a:r>
+          </a:p>
+          <a:p>
+            <a:pPr lvl="1"/>
+            <a:r>
+              <a:rPr lang="it-IT" dirty="0"/>
+              <a:t>Possibile peggioramento delle capacità di rilevazione</a:t>
             </a:r>
           </a:p>
         </p:txBody>
@@ -16902,7 +18364,243 @@
 </p:sld>
 </file>
 
-<file path=ppt/slides/slide15.xml><?xml version="1.0" encoding="utf-8"?>
+<file path=ppt/slides/slide13.xml><?xml version="1.0" encoding="utf-8"?>
+<p:sld xmlns:a="http://schemas.openxmlformats.org/drawingml/2006/main" xmlns:r="http://schemas.openxmlformats.org/officeDocument/2006/relationships" xmlns:p="http://schemas.openxmlformats.org/presentationml/2006/main">
+  <p:cSld>
+    <p:spTree>
+      <p:nvGrpSpPr>
+        <p:cNvPr id="1" name=""/>
+        <p:cNvGrpSpPr/>
+        <p:nvPr/>
+      </p:nvGrpSpPr>
+      <p:grpSpPr>
+        <a:xfrm>
+          <a:off x="0" y="0"/>
+          <a:ext cx="0" cy="0"/>
+          <a:chOff x="0" y="0"/>
+          <a:chExt cx="0" cy="0"/>
+        </a:xfrm>
+      </p:grpSpPr>
+      <p:sp>
+        <p:nvSpPr>
+          <p:cNvPr id="2" name="Titolo 1">
+            <a:extLst>
+              <a:ext uri="{FF2B5EF4-FFF2-40B4-BE49-F238E27FC236}">
+                <a16:creationId xmlns:a16="http://schemas.microsoft.com/office/drawing/2014/main" id="{706793A8-2C96-488B-AD49-3FA1AAA02CAC}"/>
+              </a:ext>
+            </a:extLst>
+          </p:cNvPr>
+          <p:cNvSpPr>
+            <a:spLocks noGrp="1"/>
+          </p:cNvSpPr>
+          <p:nvPr>
+            <p:ph type="title"/>
+          </p:nvPr>
+        </p:nvSpPr>
+        <p:spPr/>
+        <p:txBody>
+          <a:bodyPr/>
+          <a:lstStyle/>
+          <a:p>
+            <a:r>
+              <a:rPr lang="it-IT" dirty="0"/>
+              <a:t>Competenze acquisite</a:t>
+            </a:r>
+          </a:p>
+        </p:txBody>
+      </p:sp>
+      <p:sp>
+        <p:nvSpPr>
+          <p:cNvPr id="3" name="Segnaposto contenuto 2">
+            <a:extLst>
+              <a:ext uri="{FF2B5EF4-FFF2-40B4-BE49-F238E27FC236}">
+                <a16:creationId xmlns:a16="http://schemas.microsoft.com/office/drawing/2014/main" id="{8223AC8A-7F97-4185-8DD9-81FE7B3918AB}"/>
+              </a:ext>
+            </a:extLst>
+          </p:cNvPr>
+          <p:cNvSpPr>
+            <a:spLocks noGrp="1"/>
+          </p:cNvSpPr>
+          <p:nvPr>
+            <p:ph idx="1"/>
+          </p:nvPr>
+        </p:nvSpPr>
+        <p:spPr>
+          <a:xfrm>
+            <a:off x="1154954" y="2603499"/>
+            <a:ext cx="8825659" cy="3509753"/>
+          </a:xfrm>
+        </p:spPr>
+        <p:txBody>
+          <a:bodyPr>
+            <a:normAutofit/>
+          </a:bodyPr>
+          <a:lstStyle/>
+          <a:p>
+            <a:r>
+              <a:rPr lang="it-IT" dirty="0"/>
+              <a:t>Utilizzo di </a:t>
+            </a:r>
+            <a:r>
+              <a:rPr lang="it-IT" b="1" dirty="0"/>
+              <a:t>dati biologici </a:t>
+            </a:r>
+            <a:r>
+              <a:rPr lang="it-IT" dirty="0"/>
+              <a:t>in formati diversi (fasta, </a:t>
+            </a:r>
+            <a:r>
+              <a:rPr lang="it-IT" dirty="0" err="1"/>
+              <a:t>gtf</a:t>
+            </a:r>
+            <a:r>
+              <a:rPr lang="it-IT" dirty="0"/>
+              <a:t>, SAM, ecc.) e creazione di </a:t>
+            </a:r>
+            <a:r>
+              <a:rPr lang="it-IT" b="1" dirty="0"/>
+              <a:t>algoritmi</a:t>
+            </a:r>
+            <a:r>
+              <a:rPr lang="it-IT" dirty="0"/>
+              <a:t> che li manipolano</a:t>
+            </a:r>
+          </a:p>
+          <a:p>
+            <a:r>
+              <a:rPr lang="it-IT" dirty="0"/>
+              <a:t>Utilizzo di </a:t>
+            </a:r>
+            <a:r>
+              <a:rPr lang="it-IT" b="1" dirty="0"/>
+              <a:t>strumenti</a:t>
+            </a:r>
+            <a:r>
+              <a:rPr lang="it-IT" dirty="0"/>
+              <a:t> di natura bioinformatica: </a:t>
+            </a:r>
+            <a:r>
+              <a:rPr lang="it-IT" dirty="0" err="1"/>
+              <a:t>SAMTools</a:t>
+            </a:r>
+            <a:r>
+              <a:rPr lang="it-IT" dirty="0"/>
+              <a:t> per la validazione dei file SAM, IGV per la visualizzazione degli eventi sul genoma, ecc.</a:t>
+            </a:r>
+          </a:p>
+          <a:p>
+            <a:r>
+              <a:rPr lang="it-IT" dirty="0"/>
+              <a:t>Utilizzo di </a:t>
+            </a:r>
+            <a:r>
+              <a:rPr lang="it-IT" b="1" dirty="0"/>
+              <a:t>community di esperti </a:t>
+            </a:r>
+            <a:r>
+              <a:rPr lang="it-IT" dirty="0"/>
+              <a:t>di bioinformatica: è stato usato </a:t>
+            </a:r>
+            <a:r>
+              <a:rPr lang="it-IT" b="1" dirty="0"/>
+              <a:t>Biostar</a:t>
+            </a:r>
+            <a:r>
+              <a:rPr lang="it-IT" dirty="0"/>
+              <a:t> (forum di riferimento per la bioinformatica) per chiarire alcuni dubbi sull’allineamento di </a:t>
+            </a:r>
+            <a:r>
+              <a:rPr lang="it-IT" dirty="0" err="1"/>
+              <a:t>read</a:t>
+            </a:r>
+            <a:r>
+              <a:rPr lang="it-IT" dirty="0"/>
+              <a:t> </a:t>
+            </a:r>
+            <a:r>
+              <a:rPr lang="it-IT" dirty="0" err="1"/>
+              <a:t>paired</a:t>
+            </a:r>
+            <a:r>
+              <a:rPr lang="it-IT" dirty="0"/>
+              <a:t>-end (</a:t>
+            </a:r>
+            <a:r>
+              <a:rPr lang="it-IT" dirty="0">
+                <a:hlinkClick r:id="rId2"/>
+              </a:rPr>
+              <a:t>https://www.biostars.org/p/376192/</a:t>
+            </a:r>
+            <a:r>
+              <a:rPr lang="it-IT" dirty="0"/>
+              <a:t>)</a:t>
+            </a:r>
+          </a:p>
+          <a:p>
+            <a:r>
+              <a:rPr lang="it-IT" dirty="0"/>
+              <a:t>Approfondimento dei linguaggi di programmazione </a:t>
+            </a:r>
+            <a:r>
+              <a:rPr lang="it-IT" b="1" dirty="0"/>
+              <a:t>Python</a:t>
+            </a:r>
+            <a:r>
+              <a:rPr lang="it-IT" dirty="0"/>
+              <a:t> e </a:t>
+            </a:r>
+            <a:r>
+              <a:rPr lang="it-IT" b="1" dirty="0"/>
+              <a:t>C++ </a:t>
+            </a:r>
+            <a:r>
+              <a:rPr lang="it-IT" dirty="0"/>
+              <a:t>e utilizzo di </a:t>
+            </a:r>
+            <a:r>
+              <a:rPr lang="it-IT" b="1" dirty="0"/>
+              <a:t>librerie specifiche</a:t>
+            </a:r>
+            <a:r>
+              <a:rPr lang="it-IT" dirty="0"/>
+              <a:t> per la bioinformatica (es: </a:t>
+            </a:r>
+            <a:r>
+              <a:rPr lang="it-IT" dirty="0" err="1"/>
+              <a:t>kseq</a:t>
+            </a:r>
+            <a:r>
+              <a:rPr lang="it-IT"/>
+              <a:t>)</a:t>
+            </a:r>
+            <a:endParaRPr lang="it-IT" dirty="0"/>
+          </a:p>
+          <a:p>
+            <a:r>
+              <a:rPr lang="it-IT" dirty="0"/>
+              <a:t>Utilizzo di </a:t>
+            </a:r>
+            <a:r>
+              <a:rPr lang="it-IT" b="1" dirty="0"/>
+              <a:t>Linux</a:t>
+            </a:r>
+          </a:p>
+        </p:txBody>
+      </p:sp>
+    </p:spTree>
+    <p:extLst>
+      <p:ext uri="{BB962C8B-B14F-4D97-AF65-F5344CB8AC3E}">
+        <p14:creationId xmlns:p14="http://schemas.microsoft.com/office/powerpoint/2010/main" val="602611621"/>
+      </p:ext>
+    </p:extLst>
+  </p:cSld>
+  <p:clrMapOvr>
+    <a:masterClrMapping/>
+  </p:clrMapOvr>
+</p:sld>
+</file>
+
+<file path=ppt/slides/slide14.xml><?xml version="1.0" encoding="utf-8"?>
 <p:sld xmlns:a="http://schemas.openxmlformats.org/drawingml/2006/main" xmlns:r="http://schemas.openxmlformats.org/officeDocument/2006/relationships" xmlns:p="http://schemas.openxmlformats.org/presentationml/2006/main">
   <p:cSld>
     <p:spTree>
@@ -16993,8 +18691,13 @@
             </a:r>
             <a:r>
               <a:rPr lang="it-IT" dirty="0"/>
-              <a:t>-end con un genoma di riferimento</a:t>
-            </a:r>
+              <a:t>-end con lo Splicing </a:t>
+            </a:r>
+            <a:r>
+              <a:rPr lang="it-IT" dirty="0" err="1"/>
+              <a:t>Graph</a:t>
+            </a:r>
+            <a:endParaRPr lang="it-IT" dirty="0"/>
           </a:p>
           <a:p>
             <a:pPr lvl="1"/>
@@ -17023,7 +18726,23 @@
             <a:pPr lvl="1"/>
             <a:r>
               <a:rPr lang="it-IT" dirty="0"/>
-              <a:t>visualizzare gli eventi di Alternative Splicing rilevati</a:t>
+              <a:t>rilevare eventi di Alternative Splicing a partire da </a:t>
+            </a:r>
+            <a:r>
+              <a:rPr lang="it-IT" dirty="0" err="1"/>
+              <a:t>read</a:t>
+            </a:r>
+            <a:r>
+              <a:rPr lang="it-IT" dirty="0"/>
+              <a:t> </a:t>
+            </a:r>
+            <a:r>
+              <a:rPr lang="it-IT" dirty="0" err="1"/>
+              <a:t>paired</a:t>
+            </a:r>
+            <a:r>
+              <a:rPr lang="it-IT" dirty="0"/>
+              <a:t>-end</a:t>
             </a:r>
           </a:p>
           <a:p>
@@ -17117,7 +18836,7 @@
             <a:avLst/>
           </a:prstGeom>
           <a:blipFill>
-            <a:blip r:embed="rId2">
+            <a:blip r:embed="rId3">
               <a:duotone>
                 <a:schemeClr val="dk2">
                   <a:shade val="69000"/>
@@ -17833,7 +19552,7 @@
           <a:lstStyle/>
           <a:p>
             <a:r>
-              <a:rPr lang="it-IT">
+              <a:rPr lang="it-IT" dirty="0">
                 <a:solidFill>
                   <a:srgbClr val="EBEBEB"/>
                 </a:solidFill>
@@ -17912,7 +19631,7 @@
             <p:ph idx="1"/>
             <p:extLst>
               <p:ext uri="{D42A27DB-BD31-4B8C-83A1-F6EECF244321}">
-                <p14:modId xmlns:p14="http://schemas.microsoft.com/office/powerpoint/2010/main" val="3856649566"/>
+                <p14:modId xmlns:p14="http://schemas.microsoft.com/office/powerpoint/2010/main" val="3344293730"/>
               </p:ext>
             </p:extLst>
           </p:nvPr>
@@ -17923,14 +19642,14 @@
         </p:xfrm>
         <a:graphic>
           <a:graphicData uri="http://schemas.openxmlformats.org/drawingml/2006/diagram">
-            <dgm:relIds xmlns:dgm="http://schemas.openxmlformats.org/drawingml/2006/diagram" xmlns:r="http://schemas.openxmlformats.org/officeDocument/2006/relationships" r:dm="rId3" r:lo="rId4" r:qs="rId5" r:cs="rId6"/>
+            <dgm:relIds xmlns:dgm="http://schemas.openxmlformats.org/drawingml/2006/diagram" xmlns:r="http://schemas.openxmlformats.org/officeDocument/2006/relationships" r:dm="rId4" r:lo="rId5" r:qs="rId6" r:cs="rId7"/>
           </a:graphicData>
         </a:graphic>
       </p:graphicFrame>
     </p:spTree>
     <p:extLst>
       <p:ext uri="{BB962C8B-B14F-4D97-AF65-F5344CB8AC3E}">
-        <p14:creationId xmlns:p14="http://schemas.microsoft.com/office/powerpoint/2010/main" val="2863660490"/>
+        <p14:creationId xmlns:p14="http://schemas.microsoft.com/office/powerpoint/2010/main" val="990957294"/>
       </p:ext>
     </p:extLst>
   </p:cSld>
@@ -17941,145 +19660,6 @@
 </file>
 
 <file path=ppt/slides/slide3.xml><?xml version="1.0" encoding="utf-8"?>
-<p:sld xmlns:a="http://schemas.openxmlformats.org/drawingml/2006/main" xmlns:r="http://schemas.openxmlformats.org/officeDocument/2006/relationships" xmlns:p="http://schemas.openxmlformats.org/presentationml/2006/main">
-  <p:cSld>
-    <p:bg>
-      <p:bgPr>
-        <a:solidFill>
-          <a:schemeClr val="bg1"/>
-        </a:solidFill>
-        <a:effectLst/>
-      </p:bgPr>
-    </p:bg>
-    <p:spTree>
-      <p:nvGrpSpPr>
-        <p:cNvPr id="1" name=""/>
-        <p:cNvGrpSpPr/>
-        <p:nvPr/>
-      </p:nvGrpSpPr>
-      <p:grpSpPr>
-        <a:xfrm>
-          <a:off x="0" y="0"/>
-          <a:ext cx="0" cy="0"/>
-          <a:chOff x="0" y="0"/>
-          <a:chExt cx="0" cy="0"/>
-        </a:xfrm>
-      </p:grpSpPr>
-      <p:sp>
-        <p:nvSpPr>
-          <p:cNvPr id="2" name="Titolo 1">
-            <a:extLst>
-              <a:ext uri="{FF2B5EF4-FFF2-40B4-BE49-F238E27FC236}">
-                <a16:creationId xmlns:a16="http://schemas.microsoft.com/office/drawing/2014/main" id="{4025308A-B791-4817-931A-9A40A422CA1E}"/>
-              </a:ext>
-            </a:extLst>
-          </p:cNvPr>
-          <p:cNvSpPr>
-            <a:spLocks noGrp="1"/>
-          </p:cNvSpPr>
-          <p:nvPr>
-            <p:ph type="title"/>
-          </p:nvPr>
-        </p:nvSpPr>
-        <p:spPr>
-          <a:xfrm>
-            <a:off x="1154954" y="973669"/>
-            <a:ext cx="8825659" cy="706964"/>
-          </a:xfrm>
-        </p:spPr>
-        <p:txBody>
-          <a:bodyPr>
-            <a:normAutofit/>
-          </a:bodyPr>
-          <a:lstStyle/>
-          <a:p>
-            <a:r>
-              <a:rPr lang="it-IT" dirty="0"/>
-              <a:t>Alternative Splicing</a:t>
-            </a:r>
-          </a:p>
-        </p:txBody>
-      </p:sp>
-      <p:pic>
-        <p:nvPicPr>
-          <p:cNvPr id="7" name="Immagine 6" descr="Immagine che contiene screenshot&#10;&#10;Descrizione generata automaticamente">
-            <a:extLst>
-              <a:ext uri="{FF2B5EF4-FFF2-40B4-BE49-F238E27FC236}">
-                <a16:creationId xmlns:a16="http://schemas.microsoft.com/office/drawing/2014/main" id="{124B5362-62B3-4484-AF1B-240C164436E5}"/>
-              </a:ext>
-            </a:extLst>
-          </p:cNvPr>
-          <p:cNvPicPr>
-            <a:picLocks noChangeAspect="1"/>
-          </p:cNvPicPr>
-          <p:nvPr/>
-        </p:nvPicPr>
-        <p:blipFill>
-          <a:blip r:embed="rId2"/>
-          <a:stretch>
-            <a:fillRect/>
-          </a:stretch>
-        </p:blipFill>
-        <p:spPr>
-          <a:xfrm>
-            <a:off x="6585156" y="2591321"/>
-            <a:ext cx="4358890" cy="3558756"/>
-          </a:xfrm>
-          <a:prstGeom prst="roundRect">
-            <a:avLst>
-              <a:gd name="adj" fmla="val 1858"/>
-            </a:avLst>
-          </a:prstGeom>
-          <a:effectLst/>
-        </p:spPr>
-      </p:pic>
-      <p:pic>
-        <p:nvPicPr>
-          <p:cNvPr id="10" name="Segnaposto contenuto 4" descr="Immagine che contiene screenshot&#10;&#10;Descrizione generata automaticamente">
-            <a:extLst>
-              <a:ext uri="{FF2B5EF4-FFF2-40B4-BE49-F238E27FC236}">
-                <a16:creationId xmlns:a16="http://schemas.microsoft.com/office/drawing/2014/main" id="{EDF705AC-663B-47CA-A940-A7EF1A2367E6}"/>
-              </a:ext>
-            </a:extLst>
-          </p:cNvPr>
-          <p:cNvPicPr>
-            <a:picLocks noChangeAspect="1"/>
-          </p:cNvPicPr>
-          <p:nvPr/>
-        </p:nvPicPr>
-        <p:blipFill>
-          <a:blip r:embed="rId3"/>
-          <a:stretch>
-            <a:fillRect/>
-          </a:stretch>
-        </p:blipFill>
-        <p:spPr>
-          <a:xfrm>
-            <a:off x="803787" y="2591321"/>
-            <a:ext cx="5453239" cy="3293009"/>
-          </a:xfrm>
-          <a:prstGeom prst="roundRect">
-            <a:avLst>
-              <a:gd name="adj" fmla="val 1858"/>
-            </a:avLst>
-          </a:prstGeom>
-          <a:effectLst/>
-        </p:spPr>
-      </p:pic>
-    </p:spTree>
-    <p:extLst>
-      <p:ext uri="{BB962C8B-B14F-4D97-AF65-F5344CB8AC3E}">
-        <p14:creationId xmlns:p14="http://schemas.microsoft.com/office/powerpoint/2010/main" val="283028918"/>
-      </p:ext>
-    </p:extLst>
-  </p:cSld>
-  <p:clrMapOvr>
-    <a:masterClrMapping/>
-  </p:clrMapOvr>
-</p:sld>
-</file>
-
-<file path=ppt/slides/slide4.xml><?xml version="1.0" encoding="utf-8"?>
 <p:sld xmlns:a="http://schemas.openxmlformats.org/drawingml/2006/main" xmlns:r="http://schemas.openxmlformats.org/officeDocument/2006/relationships" xmlns:p="http://schemas.openxmlformats.org/presentationml/2006/main">
   <p:cSld>
     <p:bg>
@@ -18165,7 +19745,7 @@
               <a:avLst/>
             </a:prstGeom>
             <a:blipFill>
-              <a:blip r:embed="rId2">
+              <a:blip r:embed="rId3">
                 <a:duotone>
                   <a:schemeClr val="dk2">
                     <a:shade val="69000"/>
@@ -18950,15 +20530,7 @@
             </a:pPr>
             <a:r>
               <a:rPr lang="it-IT" sz="3300" dirty="0"/>
-              <a:t>Read </a:t>
-            </a:r>
-            <a:r>
-              <a:rPr lang="it-IT" sz="3300" dirty="0" err="1"/>
-              <a:t>paired</a:t>
-            </a:r>
-            <a:r>
-              <a:rPr lang="it-IT" sz="3300" dirty="0"/>
-              <a:t>-end</a:t>
+              <a:t>Alternative Splicing</a:t>
             </a:r>
           </a:p>
         </p:txBody>
@@ -18992,12 +20564,20 @@
           <a:lstStyle/>
           <a:p>
             <a:r>
+              <a:rPr lang="en-US" dirty="0" err="1">
+                <a:solidFill>
+                  <a:schemeClr val="bg1"/>
+                </a:solidFill>
+              </a:rPr>
+              <a:t>Meccanismo</a:t>
+            </a:r>
+            <a:r>
               <a:rPr lang="en-US" dirty="0">
                 <a:solidFill>
                   <a:schemeClr val="bg1"/>
                 </a:solidFill>
               </a:rPr>
-              <a:t>Due </a:t>
+              <a:t> per la </a:t>
             </a:r>
             <a:r>
               <a:rPr lang="en-US" dirty="0" err="1">
@@ -19005,7 +20585,7 @@
                   <a:schemeClr val="bg1"/>
                 </a:solidFill>
               </a:rPr>
-              <a:t>letture</a:t>
+              <a:t>produzione</a:t>
             </a:r>
             <a:r>
               <a:rPr lang="en-US" dirty="0">
@@ -19013,7 +20593,31 @@
                   <a:schemeClr val="bg1"/>
                 </a:solidFill>
               </a:rPr>
-              <a:t> (“mates”) + </a:t>
+              <a:t> di </a:t>
+            </a:r>
+            <a:r>
+              <a:rPr lang="en-US" b="1" dirty="0" err="1">
+                <a:solidFill>
+                  <a:schemeClr val="bg1"/>
+                </a:solidFill>
+              </a:rPr>
+              <a:t>proteine</a:t>
+            </a:r>
+            <a:r>
+              <a:rPr lang="en-US" b="1" dirty="0">
+                <a:solidFill>
+                  <a:schemeClr val="bg1"/>
+                </a:solidFill>
+              </a:rPr>
+              <a:t> diverse</a:t>
+            </a:r>
+            <a:r>
+              <a:rPr lang="en-US" dirty="0">
+                <a:solidFill>
+                  <a:schemeClr val="bg1"/>
+                </a:solidFill>
+              </a:rPr>
+              <a:t> da </a:t>
             </a:r>
             <a:r>
               <a:rPr lang="en-US" dirty="0" err="1">
@@ -19021,7 +20625,7 @@
                   <a:schemeClr val="bg1"/>
                 </a:solidFill>
               </a:rPr>
-              <a:t>distanza</a:t>
+              <a:t>uno</a:t>
             </a:r>
             <a:r>
               <a:rPr lang="en-US" dirty="0">
@@ -19032,43 +20636,12 @@
               <a:t> </a:t>
             </a:r>
             <a:r>
-              <a:rPr lang="en-US" dirty="0" err="1">
+              <a:rPr lang="en-US" u="sng" dirty="0" err="1">
                 <a:solidFill>
                   <a:schemeClr val="bg1"/>
                 </a:solidFill>
               </a:rPr>
-              <a:t>tra</a:t>
-            </a:r>
-            <a:r>
-              <a:rPr lang="en-US" dirty="0">
-                <a:solidFill>
-                  <a:schemeClr val="bg1"/>
-                </a:solidFill>
-              </a:rPr>
-              <a:t> di </a:t>
-            </a:r>
-            <a:r>
-              <a:rPr lang="en-US" dirty="0" err="1">
-                <a:solidFill>
-                  <a:schemeClr val="bg1"/>
-                </a:solidFill>
-              </a:rPr>
-              <a:t>esse</a:t>
-            </a:r>
-            <a:endParaRPr lang="en-US" dirty="0">
-              <a:solidFill>
-                <a:schemeClr val="bg1"/>
-              </a:solidFill>
-            </a:endParaRPr>
-          </a:p>
-          <a:p>
-            <a:r>
-              <a:rPr lang="en-US" dirty="0" err="1">
-                <a:solidFill>
-                  <a:schemeClr val="bg1"/>
-                </a:solidFill>
-              </a:rPr>
-              <a:t>Utilizzate</a:t>
+              <a:t>stesso</a:t>
             </a:r>
             <a:r>
               <a:rPr lang="en-US" dirty="0">
@@ -19079,12 +20652,38 @@
               <a:t> </a:t>
             </a:r>
             <a:r>
+              <a:rPr lang="en-US" u="sng" dirty="0">
+                <a:solidFill>
+                  <a:schemeClr val="bg1"/>
+                </a:solidFill>
+              </a:rPr>
+              <a:t>gene</a:t>
+            </a:r>
+          </a:p>
+          <a:p>
+            <a:r>
               <a:rPr lang="en-US" dirty="0" err="1">
                 <a:solidFill>
                   <a:schemeClr val="bg1"/>
                 </a:solidFill>
               </a:rPr>
-              <a:t>dagli</a:t>
+              <a:t>Utilizzato</a:t>
+            </a:r>
+            <a:r>
+              <a:rPr lang="en-US" dirty="0">
+                <a:solidFill>
+                  <a:schemeClr val="bg1"/>
+                </a:solidFill>
+              </a:rPr>
+              <a:t> da </a:t>
+            </a:r>
+            <a:r>
+              <a:rPr lang="en-US" dirty="0" err="1">
+                <a:solidFill>
+                  <a:schemeClr val="bg1"/>
+                </a:solidFill>
+              </a:rPr>
+              <a:t>oltre</a:t>
             </a:r>
             <a:r>
               <a:rPr lang="en-US" dirty="0">
@@ -19100,23 +20699,7 @@
                   <a:schemeClr val="bg1"/>
                 </a:solidFill>
               </a:rPr>
-              <a:t>allineatori</a:t>
-            </a:r>
-            <a:r>
-              <a:rPr lang="en-US" dirty="0">
-                <a:solidFill>
-                  <a:schemeClr val="bg1"/>
-                </a:solidFill>
-              </a:rPr>
-              <a:t> per </a:t>
-            </a:r>
-            <a:r>
-              <a:rPr lang="en-US" dirty="0" err="1">
-                <a:solidFill>
-                  <a:schemeClr val="bg1"/>
-                </a:solidFill>
-              </a:rPr>
-              <a:t>disambiguare</a:t>
+              <a:t>il</a:t>
             </a:r>
             <a:r>
               <a:rPr lang="en-US" dirty="0">
@@ -19127,12 +20710,12 @@
               <a:t> </a:t>
             </a:r>
             <a:r>
-              <a:rPr lang="en-US" dirty="0" err="1">
+              <a:rPr lang="en-US" b="1" dirty="0">
                 <a:solidFill>
                   <a:schemeClr val="bg1"/>
                 </a:solidFill>
               </a:rPr>
-              <a:t>alcuni</a:t>
+              <a:t>75%</a:t>
             </a:r>
             <a:r>
               <a:rPr lang="en-US" dirty="0">
@@ -19143,12 +20726,28 @@
               <a:t> </a:t>
             </a:r>
             <a:r>
+              <a:rPr lang="it-IT" dirty="0">
+                <a:solidFill>
+                  <a:schemeClr val="bg1"/>
+                </a:solidFill>
+              </a:rPr>
+              <a:t>dei</a:t>
+            </a:r>
+            <a:r>
+              <a:rPr lang="en-US" dirty="0">
+                <a:solidFill>
+                  <a:schemeClr val="bg1"/>
+                </a:solidFill>
+              </a:rPr>
+              <a:t> </a:t>
+            </a:r>
+            <a:r>
               <a:rPr lang="en-US" dirty="0" err="1">
                 <a:solidFill>
                   <a:schemeClr val="bg1"/>
                 </a:solidFill>
               </a:rPr>
-              <a:t>casi</a:t>
+              <a:t>geni</a:t>
             </a:r>
             <a:r>
               <a:rPr lang="en-US" dirty="0">
@@ -19156,7 +20755,7 @@
                   <a:schemeClr val="bg1"/>
                 </a:solidFill>
               </a:rPr>
-              <a:t> di </a:t>
+              <a:t> </a:t>
             </a:r>
             <a:r>
               <a:rPr lang="en-US" dirty="0" err="1">
@@ -19164,31 +20763,25 @@
                   <a:schemeClr val="bg1"/>
                 </a:solidFill>
               </a:rPr>
-              <a:t>allineamento</a:t>
-            </a:r>
-            <a:endParaRPr lang="en-US" dirty="0">
-              <a:solidFill>
-                <a:schemeClr val="bg1"/>
-              </a:solidFill>
-            </a:endParaRPr>
-          </a:p>
-          <a:p>
-            <a:pPr lvl="1"/>
+              <a:t>umani</a:t>
+            </a:r>
             <a:r>
               <a:rPr lang="en-US" dirty="0">
                 <a:solidFill>
                   <a:schemeClr val="bg1"/>
                 </a:solidFill>
               </a:rPr>
-              <a:t> ASGAL le </a:t>
-            </a:r>
+              <a:t> </a:t>
+            </a:r>
+          </a:p>
+          <a:p>
             <a:r>
               <a:rPr lang="en-US" dirty="0" err="1">
                 <a:solidFill>
                   <a:schemeClr val="bg1"/>
                 </a:solidFill>
               </a:rPr>
-              <a:t>usa</a:t>
+              <a:t>Correlato</a:t>
             </a:r>
             <a:r>
               <a:rPr lang="en-US" dirty="0">
@@ -19196,7 +20789,7 @@
                   <a:schemeClr val="bg1"/>
                 </a:solidFill>
               </a:rPr>
-              <a:t> in modo un po’ </a:t>
+              <a:t> a </a:t>
             </a:r>
             <a:r>
               <a:rPr lang="en-US" dirty="0" err="1">
@@ -19204,7 +20797,7 @@
                   <a:schemeClr val="bg1"/>
                 </a:solidFill>
               </a:rPr>
-              <a:t>diverso</a:t>
+              <a:t>molte</a:t>
             </a:r>
             <a:r>
               <a:rPr lang="en-US" dirty="0">
@@ -19212,7 +20805,57 @@
                   <a:schemeClr val="bg1"/>
                 </a:solidFill>
               </a:rPr>
-              <a:t>…</a:t>
+              <a:t> </a:t>
+            </a:r>
+            <a:r>
+              <a:rPr lang="en-US" b="1" dirty="0" err="1">
+                <a:solidFill>
+                  <a:schemeClr val="bg1"/>
+                </a:solidFill>
+              </a:rPr>
+              <a:t>malattie</a:t>
+            </a:r>
+            <a:r>
+              <a:rPr lang="en-US" dirty="0">
+                <a:solidFill>
+                  <a:schemeClr val="bg1"/>
+                </a:solidFill>
+              </a:rPr>
+              <a:t> (es: Alzheimer)</a:t>
+            </a:r>
+          </a:p>
+          <a:p>
+            <a:r>
+              <a:rPr lang="en-US" dirty="0" err="1">
+                <a:solidFill>
+                  <a:schemeClr val="bg1"/>
+                </a:solidFill>
+              </a:rPr>
+              <a:t>Diversi</a:t>
+            </a:r>
+            <a:r>
+              <a:rPr lang="en-US" dirty="0">
+                <a:solidFill>
+                  <a:schemeClr val="bg1"/>
+                </a:solidFill>
+              </a:rPr>
+              <a:t> tipi di </a:t>
+            </a:r>
+            <a:r>
+              <a:rPr lang="en-US" dirty="0" err="1">
+                <a:solidFill>
+                  <a:schemeClr val="bg1"/>
+                </a:solidFill>
+              </a:rPr>
+              <a:t>eventi</a:t>
+            </a:r>
+            <a:r>
+              <a:rPr lang="en-US" dirty="0">
+                <a:solidFill>
+                  <a:schemeClr val="bg1"/>
+                </a:solidFill>
+              </a:rPr>
+              <a:t> di Alternative Splicing</a:t>
             </a:r>
           </a:p>
           <a:p>
@@ -19222,38 +20865,18 @@
               </a:solidFill>
             </a:endParaRPr>
           </a:p>
+          <a:p>
+            <a:pPr marL="0" indent="0">
+              <a:buNone/>
+            </a:pPr>
+            <a:endParaRPr lang="en-US" dirty="0">
+              <a:solidFill>
+                <a:schemeClr val="bg1"/>
+              </a:solidFill>
+            </a:endParaRPr>
+          </a:p>
         </p:txBody>
       </p:sp>
-      <p:pic>
-        <p:nvPicPr>
-          <p:cNvPr id="10" name="Segnaposto contenuto 6" descr="Immagine che contiene screenshot&#10;&#10;Descrizione generata automaticamente">
-            <a:extLst>
-              <a:ext uri="{FF2B5EF4-FFF2-40B4-BE49-F238E27FC236}">
-                <a16:creationId xmlns:a16="http://schemas.microsoft.com/office/drawing/2014/main" id="{5A3F121A-A6B6-4BC3-9D81-51D6FB024646}"/>
-              </a:ext>
-            </a:extLst>
-          </p:cNvPr>
-          <p:cNvPicPr>
-            <a:picLocks noChangeAspect="1"/>
-          </p:cNvPicPr>
-          <p:nvPr/>
-        </p:nvPicPr>
-        <p:blipFill>
-          <a:blip r:embed="rId3"/>
-          <a:stretch>
-            <a:fillRect/>
-          </a:stretch>
-        </p:blipFill>
-        <p:spPr>
-          <a:xfrm>
-            <a:off x="5334476" y="2256813"/>
-            <a:ext cx="6251664" cy="2344373"/>
-          </a:xfrm>
-          <a:prstGeom prst="rect">
-            <a:avLst/>
-          </a:prstGeom>
-        </p:spPr>
-      </p:pic>
       <p:sp>
         <p:nvSpPr>
           <p:cNvPr id="25" name="Rectangle 24">
@@ -19307,20 +20930,203 @@
           </a:fontRef>
         </p:style>
       </p:sp>
+      <p:pic>
+        <p:nvPicPr>
+          <p:cNvPr id="3" name="Immagine 2">
+            <a:extLst>
+              <a:ext uri="{FF2B5EF4-FFF2-40B4-BE49-F238E27FC236}">
+                <a16:creationId xmlns:a16="http://schemas.microsoft.com/office/drawing/2014/main" id="{9FF6909B-9C62-4555-A8BF-93D5829B5D88}"/>
+              </a:ext>
+            </a:extLst>
+          </p:cNvPr>
+          <p:cNvPicPr>
+            <a:picLocks noChangeAspect="1"/>
+          </p:cNvPicPr>
+          <p:nvPr/>
+        </p:nvPicPr>
+        <p:blipFill>
+          <a:blip r:embed="rId4"/>
+          <a:stretch>
+            <a:fillRect/>
+          </a:stretch>
+        </p:blipFill>
+        <p:spPr>
+          <a:xfrm>
+            <a:off x="6394049" y="1828800"/>
+            <a:ext cx="4642995" cy="3960021"/>
+          </a:xfrm>
+          <a:prstGeom prst="rect">
+            <a:avLst/>
+          </a:prstGeom>
+        </p:spPr>
+      </p:pic>
+      <p:pic>
+        <p:nvPicPr>
+          <p:cNvPr id="24" name="Segnaposto contenuto 4" descr="Immagine che contiene screenshot&#10;&#10;Descrizione generata automaticamente">
+            <a:extLst>
+              <a:ext uri="{FF2B5EF4-FFF2-40B4-BE49-F238E27FC236}">
+                <a16:creationId xmlns:a16="http://schemas.microsoft.com/office/drawing/2014/main" id="{A8FD5DD0-80B7-475C-B91E-E86C8A2CF401}"/>
+              </a:ext>
+            </a:extLst>
+          </p:cNvPr>
+          <p:cNvPicPr>
+            <a:picLocks noChangeAspect="1"/>
+          </p:cNvPicPr>
+          <p:nvPr/>
+        </p:nvPicPr>
+        <p:blipFill>
+          <a:blip r:embed="rId5"/>
+          <a:stretch>
+            <a:fillRect/>
+          </a:stretch>
+        </p:blipFill>
+        <p:spPr>
+          <a:xfrm>
+            <a:off x="5943865" y="1591995"/>
+            <a:ext cx="5259388" cy="3293009"/>
+          </a:xfrm>
+          <a:prstGeom prst="roundRect">
+            <a:avLst>
+              <a:gd name="adj" fmla="val 1858"/>
+            </a:avLst>
+          </a:prstGeom>
+          <a:effectLst/>
+        </p:spPr>
+      </p:pic>
     </p:spTree>
     <p:extLst>
       <p:ext uri="{BB962C8B-B14F-4D97-AF65-F5344CB8AC3E}">
-        <p14:creationId xmlns:p14="http://schemas.microsoft.com/office/powerpoint/2010/main" val="1844821252"/>
+        <p14:creationId xmlns:p14="http://schemas.microsoft.com/office/powerpoint/2010/main" val="3290389267"/>
       </p:ext>
     </p:extLst>
   </p:cSld>
   <p:clrMapOvr>
     <a:masterClrMapping/>
   </p:clrMapOvr>
+  <p:timing>
+    <p:tnLst>
+      <p:par>
+        <p:cTn id="1" dur="indefinite" restart="never" nodeType="tmRoot">
+          <p:childTnLst>
+            <p:seq concurrent="1" nextAc="seek">
+              <p:cTn id="2" dur="indefinite" nodeType="mainSeq">
+                <p:childTnLst>
+                  <p:par>
+                    <p:cTn id="3" fill="hold">
+                      <p:stCondLst>
+                        <p:cond delay="indefinite"/>
+                      </p:stCondLst>
+                      <p:childTnLst>
+                        <p:par>
+                          <p:cTn id="4" fill="hold">
+                            <p:stCondLst>
+                              <p:cond delay="0"/>
+                            </p:stCondLst>
+                            <p:childTnLst>
+                              <p:par>
+                                <p:cTn id="5" presetID="1" presetClass="exit" presetSubtype="0" fill="hold" nodeType="clickEffect">
+                                  <p:stCondLst>
+                                    <p:cond delay="0"/>
+                                  </p:stCondLst>
+                                  <p:childTnLst>
+                                    <p:set>
+                                      <p:cBhvr>
+                                        <p:cTn id="6" dur="1" fill="hold">
+                                          <p:stCondLst>
+                                            <p:cond delay="0"/>
+                                          </p:stCondLst>
+                                        </p:cTn>
+                                        <p:tgtEl>
+                                          <p:spTgt spid="24"/>
+                                        </p:tgtEl>
+                                        <p:attrNameLst>
+                                          <p:attrName>style.visibility</p:attrName>
+                                        </p:attrNameLst>
+                                      </p:cBhvr>
+                                      <p:to>
+                                        <p:strVal val="hidden"/>
+                                      </p:to>
+                                    </p:set>
+                                  </p:childTnLst>
+                                </p:cTn>
+                              </p:par>
+                            </p:childTnLst>
+                          </p:cTn>
+                        </p:par>
+                      </p:childTnLst>
+                    </p:cTn>
+                  </p:par>
+                  <p:par>
+                    <p:cTn id="7" fill="hold">
+                      <p:stCondLst>
+                        <p:cond delay="indefinite"/>
+                      </p:stCondLst>
+                      <p:childTnLst>
+                        <p:par>
+                          <p:cTn id="8" fill="hold">
+                            <p:stCondLst>
+                              <p:cond delay="0"/>
+                            </p:stCondLst>
+                            <p:childTnLst>
+                              <p:par>
+                                <p:cTn id="9" presetID="1" presetClass="entr" presetSubtype="0" fill="hold" nodeType="clickEffect">
+                                  <p:stCondLst>
+                                    <p:cond delay="0"/>
+                                  </p:stCondLst>
+                                  <p:childTnLst>
+                                    <p:set>
+                                      <p:cBhvr>
+                                        <p:cTn id="10" dur="1" fill="hold">
+                                          <p:stCondLst>
+                                            <p:cond delay="0"/>
+                                          </p:stCondLst>
+                                        </p:cTn>
+                                        <p:tgtEl>
+                                          <p:spTgt spid="3"/>
+                                        </p:tgtEl>
+                                        <p:attrNameLst>
+                                          <p:attrName>style.visibility</p:attrName>
+                                        </p:attrNameLst>
+                                      </p:cBhvr>
+                                      <p:to>
+                                        <p:strVal val="visible"/>
+                                      </p:to>
+                                    </p:set>
+                                  </p:childTnLst>
+                                </p:cTn>
+                              </p:par>
+                            </p:childTnLst>
+                          </p:cTn>
+                        </p:par>
+                      </p:childTnLst>
+                    </p:cTn>
+                  </p:par>
+                </p:childTnLst>
+              </p:cTn>
+              <p:prevCondLst>
+                <p:cond evt="onPrev" delay="0">
+                  <p:tgtEl>
+                    <p:sldTgt/>
+                  </p:tgtEl>
+                </p:cond>
+              </p:prevCondLst>
+              <p:nextCondLst>
+                <p:cond evt="onNext" delay="0">
+                  <p:tgtEl>
+                    <p:sldTgt/>
+                  </p:tgtEl>
+                </p:cond>
+              </p:nextCondLst>
+            </p:seq>
+          </p:childTnLst>
+        </p:cTn>
+      </p:par>
+    </p:tnLst>
+  </p:timing>
 </p:sld>
 </file>
 
-<file path=ppt/slides/slide5.xml><?xml version="1.0" encoding="utf-8"?>
+<file path=ppt/slides/slide4.xml><?xml version="1.0" encoding="utf-8"?>
 <p:sld xmlns:a="http://schemas.openxmlformats.org/drawingml/2006/main" xmlns:r="http://schemas.openxmlformats.org/officeDocument/2006/relationships" xmlns:p="http://schemas.openxmlformats.org/presentationml/2006/main">
   <p:cSld>
     <p:bg>
@@ -19345,21 +21151,21 @@
           <a:chExt cx="0" cy="0"/>
         </a:xfrm>
       </p:grpSpPr>
-      <p:sp>
-        <p:nvSpPr>
-          <p:cNvPr id="10" name="Rectangle 9">
+      <p:grpSp>
+        <p:nvGrpSpPr>
+          <p:cNvPr id="15" name="Group 14">
             <a:extLst>
               <a:ext uri="{FF2B5EF4-FFF2-40B4-BE49-F238E27FC236}">
-                <a16:creationId xmlns:a16="http://schemas.microsoft.com/office/drawing/2014/main" id="{C43A114B-CAF8-402E-A898-DEE2C2022EBD}"/>
+                <a16:creationId xmlns:a16="http://schemas.microsoft.com/office/drawing/2014/main" id="{A2FC4F8C-DCFB-41A7-9587-B6E49A20404A}"/>
               </a:ext>
               <a:ext uri="{C183D7F6-B498-43B3-948B-1728B52AA6E4}">
                 <adec:decorative xmlns:adec="http://schemas.microsoft.com/office/drawing/2017/decorative" val="1"/>
               </a:ext>
             </a:extLst>
           </p:cNvPr>
-          <p:cNvSpPr>
-            <a:spLocks noGrp="1" noRot="1" noChangeAspect="1" noMove="1" noResize="1" noEditPoints="1" noAdjustHandles="1" noChangeArrowheads="1" noChangeShapeType="1" noTextEdit="1"/>
-          </p:cNvSpPr>
+          <p:cNvGrpSpPr>
+            <a:grpSpLocks noGrp="1" noUngrp="1" noRot="1" noChangeAspect="1" noMove="1" noResize="1"/>
+          </p:cNvGrpSpPr>
           <p:nvPr>
             <p:extLst>
               <p:ext uri="{386F3935-93C4-4BCD-93E2-E3B085C9AB24}">
@@ -19367,364 +21173,1135 @@
               </p:ext>
             </p:extLst>
           </p:nvPr>
-        </p:nvSpPr>
-        <p:spPr>
+        </p:nvGrpSpPr>
+        <p:grpSpPr>
           <a:xfrm>
-            <a:off x="0" y="0"/>
-            <a:ext cx="12192000" cy="6858000"/>
+            <a:off x="-1588" y="0"/>
+            <a:ext cx="12193588" cy="6861555"/>
+            <a:chOff x="-1588" y="0"/>
+            <a:chExt cx="12193588" cy="6861555"/>
           </a:xfrm>
-          <a:prstGeom prst="rect">
-            <a:avLst/>
-          </a:prstGeom>
-          <a:blipFill>
-            <a:blip r:embed="rId2">
-              <a:duotone>
-                <a:schemeClr val="dk2">
-                  <a:shade val="69000"/>
-                  <a:hueMod val="108000"/>
-                  <a:satMod val="164000"/>
-                  <a:lumMod val="74000"/>
-                </a:schemeClr>
-                <a:schemeClr val="dk2">
-                  <a:tint val="96000"/>
-                  <a:hueMod val="88000"/>
-                  <a:satMod val="140000"/>
-                  <a:lumMod val="132000"/>
-                </a:schemeClr>
-              </a:duotone>
-            </a:blip>
-            <a:stretch>
-              <a:fillRect/>
-            </a:stretch>
-          </a:blipFill>
-          <a:ln>
-            <a:noFill/>
-          </a:ln>
-        </p:spPr>
-        <p:style>
-          <a:lnRef idx="2">
-            <a:schemeClr val="accent1">
-              <a:shade val="50000"/>
-            </a:schemeClr>
-          </a:lnRef>
-          <a:fillRef idx="1">
-            <a:schemeClr val="accent1"/>
-          </a:fillRef>
-          <a:effectRef idx="0">
-            <a:schemeClr val="accent1"/>
-          </a:effectRef>
-          <a:fontRef idx="minor">
-            <a:schemeClr val="lt1"/>
-          </a:fontRef>
-        </p:style>
-      </p:sp>
+        </p:grpSpPr>
+        <p:sp>
+          <p:nvSpPr>
+            <p:cNvPr id="16" name="Rectangle 15">
+              <a:extLst>
+                <a:ext uri="{FF2B5EF4-FFF2-40B4-BE49-F238E27FC236}">
+                  <a16:creationId xmlns:a16="http://schemas.microsoft.com/office/drawing/2014/main" id="{8CB8134D-DAA6-44DB-9A7B-8D5B04711DE5}"/>
+                </a:ext>
+                <a:ext uri="{C183D7F6-B498-43B3-948B-1728B52AA6E4}">
+                  <adec:decorative xmlns:adec="http://schemas.microsoft.com/office/drawing/2017/decorative" val="1"/>
+                </a:ext>
+              </a:extLst>
+            </p:cNvPr>
+            <p:cNvSpPr/>
+            <p:nvPr>
+              <p:extLst>
+                <p:ext uri="{386F3935-93C4-4BCD-93E2-E3B085C9AB24}">
+                  <p16:designElem xmlns:p16="http://schemas.microsoft.com/office/powerpoint/2015/main" val="1"/>
+                </p:ext>
+              </p:extLst>
+            </p:nvPr>
+          </p:nvSpPr>
+          <p:spPr>
+            <a:xfrm>
+              <a:off x="0" y="0"/>
+              <a:ext cx="12192000" cy="6858000"/>
+            </a:xfrm>
+            <a:prstGeom prst="rect">
+              <a:avLst/>
+            </a:prstGeom>
+            <a:blipFill>
+              <a:blip r:embed="rId3">
+                <a:duotone>
+                  <a:schemeClr val="dk2">
+                    <a:shade val="69000"/>
+                    <a:hueMod val="108000"/>
+                    <a:satMod val="164000"/>
+                    <a:lumMod val="74000"/>
+                  </a:schemeClr>
+                  <a:schemeClr val="dk2">
+                    <a:tint val="96000"/>
+                    <a:hueMod val="88000"/>
+                    <a:satMod val="140000"/>
+                    <a:lumMod val="132000"/>
+                  </a:schemeClr>
+                </a:duotone>
+              </a:blip>
+              <a:stretch>
+                <a:fillRect/>
+              </a:stretch>
+            </a:blipFill>
+            <a:ln>
+              <a:noFill/>
+            </a:ln>
+          </p:spPr>
+          <p:style>
+            <a:lnRef idx="2">
+              <a:schemeClr val="accent1">
+                <a:shade val="50000"/>
+              </a:schemeClr>
+            </a:lnRef>
+            <a:fillRef idx="1">
+              <a:schemeClr val="accent1"/>
+            </a:fillRef>
+            <a:effectRef idx="0">
+              <a:schemeClr val="accent1"/>
+            </a:effectRef>
+            <a:fontRef idx="minor">
+              <a:schemeClr val="lt1"/>
+            </a:fontRef>
+          </p:style>
+        </p:sp>
+        <p:sp>
+          <p:nvSpPr>
+            <p:cNvPr id="17" name="Oval 16">
+              <a:extLst>
+                <a:ext uri="{FF2B5EF4-FFF2-40B4-BE49-F238E27FC236}">
+                  <a16:creationId xmlns:a16="http://schemas.microsoft.com/office/drawing/2014/main" id="{25AD0F1C-BC8E-4CB4-BAC4-8F33C36F6949}"/>
+                </a:ext>
+                <a:ext uri="{C183D7F6-B498-43B3-948B-1728B52AA6E4}">
+                  <adec:decorative xmlns:adec="http://schemas.microsoft.com/office/drawing/2017/decorative" val="1"/>
+                </a:ext>
+              </a:extLst>
+            </p:cNvPr>
+            <p:cNvSpPr/>
+            <p:nvPr>
+              <p:extLst>
+                <p:ext uri="{386F3935-93C4-4BCD-93E2-E3B085C9AB24}">
+                  <p16:designElem xmlns:p16="http://schemas.microsoft.com/office/powerpoint/2015/main" val="1"/>
+                </p:ext>
+              </p:extLst>
+            </p:nvPr>
+          </p:nvSpPr>
+          <p:spPr>
+            <a:xfrm>
+              <a:off x="8761412" y="1828800"/>
+              <a:ext cx="2819400" cy="2819400"/>
+            </a:xfrm>
+            <a:prstGeom prst="ellipse">
+              <a:avLst/>
+            </a:prstGeom>
+            <a:gradFill flip="none" rotWithShape="1">
+              <a:gsLst>
+                <a:gs pos="0">
+                  <a:schemeClr val="accent5">
+                    <a:alpha val="7000"/>
+                  </a:schemeClr>
+                </a:gs>
+                <a:gs pos="69000">
+                  <a:schemeClr val="accent5">
+                    <a:alpha val="0"/>
+                  </a:schemeClr>
+                </a:gs>
+                <a:gs pos="36000">
+                  <a:schemeClr val="accent5">
+                    <a:alpha val="6000"/>
+                  </a:schemeClr>
+                </a:gs>
+              </a:gsLst>
+              <a:path path="circle">
+                <a:fillToRect l="50000" t="50000" r="50000" b="50000"/>
+              </a:path>
+              <a:tileRect/>
+            </a:gradFill>
+            <a:ln>
+              <a:noFill/>
+            </a:ln>
+            <a:effectLst/>
+          </p:spPr>
+          <p:style>
+            <a:lnRef idx="1">
+              <a:schemeClr val="accent1"/>
+            </a:lnRef>
+            <a:fillRef idx="3">
+              <a:schemeClr val="accent1"/>
+            </a:fillRef>
+            <a:effectRef idx="2">
+              <a:schemeClr val="accent1"/>
+            </a:effectRef>
+            <a:fontRef idx="minor">
+              <a:schemeClr val="lt1"/>
+            </a:fontRef>
+          </p:style>
+        </p:sp>
+        <p:sp>
+          <p:nvSpPr>
+            <p:cNvPr id="18" name="Oval 17">
+              <a:extLst>
+                <a:ext uri="{FF2B5EF4-FFF2-40B4-BE49-F238E27FC236}">
+                  <a16:creationId xmlns:a16="http://schemas.microsoft.com/office/drawing/2014/main" id="{581087E9-D266-4B08-AAB1-F7439DF65270}"/>
+                </a:ext>
+                <a:ext uri="{C183D7F6-B498-43B3-948B-1728B52AA6E4}">
+                  <adec:decorative xmlns:adec="http://schemas.microsoft.com/office/drawing/2017/decorative" val="1"/>
+                </a:ext>
+              </a:extLst>
+            </p:cNvPr>
+            <p:cNvSpPr/>
+            <p:nvPr>
+              <p:extLst>
+                <p:ext uri="{386F3935-93C4-4BCD-93E2-E3B085C9AB24}">
+                  <p16:designElem xmlns:p16="http://schemas.microsoft.com/office/powerpoint/2015/main" val="1"/>
+                </p:ext>
+              </p:extLst>
+            </p:nvPr>
+          </p:nvSpPr>
+          <p:spPr>
+            <a:xfrm>
+              <a:off x="8761412" y="5870955"/>
+              <a:ext cx="990600" cy="990600"/>
+            </a:xfrm>
+            <a:prstGeom prst="ellipse">
+              <a:avLst/>
+            </a:prstGeom>
+            <a:gradFill flip="none" rotWithShape="1">
+              <a:gsLst>
+                <a:gs pos="0">
+                  <a:schemeClr val="accent5">
+                    <a:alpha val="14000"/>
+                  </a:schemeClr>
+                </a:gs>
+                <a:gs pos="66000">
+                  <a:schemeClr val="accent5">
+                    <a:alpha val="0"/>
+                  </a:schemeClr>
+                </a:gs>
+                <a:gs pos="36000">
+                  <a:schemeClr val="accent5">
+                    <a:alpha val="7000"/>
+                  </a:schemeClr>
+                </a:gs>
+              </a:gsLst>
+              <a:path path="circle">
+                <a:fillToRect l="50000" t="50000" r="50000" b="50000"/>
+              </a:path>
+              <a:tileRect/>
+            </a:gradFill>
+            <a:ln>
+              <a:noFill/>
+            </a:ln>
+            <a:effectLst/>
+          </p:spPr>
+          <p:style>
+            <a:lnRef idx="1">
+              <a:schemeClr val="accent1"/>
+            </a:lnRef>
+            <a:fillRef idx="3">
+              <a:schemeClr val="accent1"/>
+            </a:fillRef>
+            <a:effectRef idx="2">
+              <a:schemeClr val="accent1"/>
+            </a:effectRef>
+            <a:fontRef idx="minor">
+              <a:schemeClr val="lt1"/>
+            </a:fontRef>
+          </p:style>
+        </p:sp>
+        <p:sp>
+          <p:nvSpPr>
+            <p:cNvPr id="19" name="Oval 18">
+              <a:extLst>
+                <a:ext uri="{FF2B5EF4-FFF2-40B4-BE49-F238E27FC236}">
+                  <a16:creationId xmlns:a16="http://schemas.microsoft.com/office/drawing/2014/main" id="{64A2B069-C853-43DD-8CC0-7CE6F331A7B7}"/>
+                </a:ext>
+                <a:ext uri="{C183D7F6-B498-43B3-948B-1728B52AA6E4}">
+                  <adec:decorative xmlns:adec="http://schemas.microsoft.com/office/drawing/2017/decorative" val="1"/>
+                </a:ext>
+              </a:extLst>
+            </p:cNvPr>
+            <p:cNvSpPr/>
+            <p:nvPr>
+              <p:extLst>
+                <p:ext uri="{386F3935-93C4-4BCD-93E2-E3B085C9AB24}">
+                  <p16:designElem xmlns:p16="http://schemas.microsoft.com/office/powerpoint/2015/main" val="1"/>
+                </p:ext>
+              </p:extLst>
+            </p:nvPr>
+          </p:nvSpPr>
+          <p:spPr>
+            <a:xfrm>
+              <a:off x="-1588" y="2667000"/>
+              <a:ext cx="4191000" cy="4191000"/>
+            </a:xfrm>
+            <a:prstGeom prst="ellipse">
+              <a:avLst/>
+            </a:prstGeom>
+            <a:gradFill flip="none" rotWithShape="1">
+              <a:gsLst>
+                <a:gs pos="0">
+                  <a:schemeClr val="accent5">
+                    <a:alpha val="11000"/>
+                  </a:schemeClr>
+                </a:gs>
+                <a:gs pos="75000">
+                  <a:schemeClr val="accent5">
+                    <a:alpha val="0"/>
+                  </a:schemeClr>
+                </a:gs>
+                <a:gs pos="36000">
+                  <a:schemeClr val="accent5">
+                    <a:alpha val="10000"/>
+                  </a:schemeClr>
+                </a:gs>
+              </a:gsLst>
+              <a:path path="circle">
+                <a:fillToRect l="50000" t="50000" r="50000" b="50000"/>
+              </a:path>
+              <a:tileRect/>
+            </a:gradFill>
+            <a:ln>
+              <a:noFill/>
+            </a:ln>
+            <a:effectLst/>
+          </p:spPr>
+          <p:style>
+            <a:lnRef idx="1">
+              <a:schemeClr val="accent1"/>
+            </a:lnRef>
+            <a:fillRef idx="3">
+              <a:schemeClr val="accent1"/>
+            </a:fillRef>
+            <a:effectRef idx="2">
+              <a:schemeClr val="accent1"/>
+            </a:effectRef>
+            <a:fontRef idx="minor">
+              <a:schemeClr val="lt1"/>
+            </a:fontRef>
+          </p:style>
+        </p:sp>
+        <p:sp>
+          <p:nvSpPr>
+            <p:cNvPr id="20" name="Rectangle 19">
+              <a:extLst>
+                <a:ext uri="{FF2B5EF4-FFF2-40B4-BE49-F238E27FC236}">
+                  <a16:creationId xmlns:a16="http://schemas.microsoft.com/office/drawing/2014/main" id="{7DDD86E2-5424-44EC-A189-3E2DDD38DD7B}"/>
+                </a:ext>
+                <a:ext uri="{C183D7F6-B498-43B3-948B-1728B52AA6E4}">
+                  <adec:decorative xmlns:adec="http://schemas.microsoft.com/office/drawing/2017/decorative" val="1"/>
+                </a:ext>
+              </a:extLst>
+            </p:cNvPr>
+            <p:cNvSpPr/>
+            <p:nvPr>
+              <p:extLst>
+                <p:ext uri="{386F3935-93C4-4BCD-93E2-E3B085C9AB24}">
+                  <p16:designElem xmlns:p16="http://schemas.microsoft.com/office/powerpoint/2015/main" val="1"/>
+                </p:ext>
+              </p:extLst>
+            </p:nvPr>
+          </p:nvSpPr>
+          <p:spPr>
+            <a:xfrm>
+              <a:off x="5713412" y="402165"/>
+              <a:ext cx="6055253" cy="6053670"/>
+            </a:xfrm>
+            <a:prstGeom prst="rect">
+              <a:avLst/>
+            </a:prstGeom>
+            <a:solidFill>
+              <a:schemeClr val="bg1"/>
+            </a:solidFill>
+            <a:ln>
+              <a:noFill/>
+            </a:ln>
+            <a:effectLst/>
+          </p:spPr>
+          <p:style>
+            <a:lnRef idx="1">
+              <a:schemeClr val="accent1"/>
+            </a:lnRef>
+            <a:fillRef idx="3">
+              <a:schemeClr val="accent1"/>
+            </a:fillRef>
+            <a:effectRef idx="2">
+              <a:schemeClr val="accent1"/>
+            </a:effectRef>
+            <a:fontRef idx="minor">
+              <a:schemeClr val="lt1"/>
+            </a:fontRef>
+          </p:style>
+        </p:sp>
+        <p:sp>
+          <p:nvSpPr>
+            <p:cNvPr id="21" name="Freeform 5">
+              <a:extLst>
+                <a:ext uri="{FF2B5EF4-FFF2-40B4-BE49-F238E27FC236}">
+                  <a16:creationId xmlns:a16="http://schemas.microsoft.com/office/drawing/2014/main" id="{4F8CFC5E-B977-45D3-A7A8-A4EDF8C88A6E}"/>
+                </a:ext>
+                <a:ext uri="{C183D7F6-B498-43B3-948B-1728B52AA6E4}">
+                  <adec:decorative xmlns:adec="http://schemas.microsoft.com/office/drawing/2017/decorative" val="1"/>
+                </a:ext>
+              </a:extLst>
+            </p:cNvPr>
+            <p:cNvSpPr/>
+            <p:nvPr>
+              <p:extLst>
+                <p:ext uri="{386F3935-93C4-4BCD-93E2-E3B085C9AB24}">
+                  <p16:designElem xmlns:p16="http://schemas.microsoft.com/office/powerpoint/2015/main" val="1"/>
+                </p:ext>
+              </p:extLst>
+            </p:nvPr>
+          </p:nvSpPr>
+          <p:spPr bwMode="gray">
+            <a:xfrm rot="16200000">
+              <a:off x="2229377" y="2801721"/>
+              <a:ext cx="6053670" cy="1254558"/>
+            </a:xfrm>
+            <a:custGeom>
+              <a:avLst/>
+              <a:gdLst/>
+              <a:ahLst/>
+              <a:cxnLst/>
+              <a:rect l="l" t="t" r="r" b="b"/>
+              <a:pathLst>
+                <a:path w="10000" h="8000">
+                  <a:moveTo>
+                    <a:pt x="0" y="0"/>
+                  </a:moveTo>
+                  <a:lnTo>
+                    <a:pt x="0" y="7970"/>
+                  </a:lnTo>
+                  <a:lnTo>
+                    <a:pt x="10000" y="8000"/>
+                  </a:lnTo>
+                  <a:lnTo>
+                    <a:pt x="10000" y="7"/>
+                  </a:lnTo>
+                  <a:lnTo>
+                    <a:pt x="10000" y="7"/>
+                  </a:lnTo>
+                  <a:lnTo>
+                    <a:pt x="9773" y="156"/>
+                  </a:lnTo>
+                  <a:lnTo>
+                    <a:pt x="9547" y="298"/>
+                  </a:lnTo>
+                  <a:lnTo>
+                    <a:pt x="9320" y="437"/>
+                  </a:lnTo>
+                  <a:lnTo>
+                    <a:pt x="9092" y="556"/>
+                  </a:lnTo>
+                  <a:lnTo>
+                    <a:pt x="8865" y="676"/>
+                  </a:lnTo>
+                  <a:lnTo>
+                    <a:pt x="8637" y="788"/>
+                  </a:lnTo>
+                  <a:lnTo>
+                    <a:pt x="8412" y="884"/>
+                  </a:lnTo>
+                  <a:lnTo>
+                    <a:pt x="8184" y="975"/>
+                  </a:lnTo>
+                  <a:lnTo>
+                    <a:pt x="7957" y="1058"/>
+                  </a:lnTo>
+                  <a:lnTo>
+                    <a:pt x="7734" y="1130"/>
+                  </a:lnTo>
+                  <a:lnTo>
+                    <a:pt x="7508" y="1202"/>
+                  </a:lnTo>
+                  <a:lnTo>
+                    <a:pt x="7285" y="1262"/>
+                  </a:lnTo>
+                  <a:lnTo>
+                    <a:pt x="7062" y="1309"/>
+                  </a:lnTo>
+                  <a:lnTo>
+                    <a:pt x="6840" y="1358"/>
+                  </a:lnTo>
+                  <a:lnTo>
+                    <a:pt x="6620" y="1399"/>
+                  </a:lnTo>
+                  <a:lnTo>
+                    <a:pt x="6402" y="1428"/>
+                  </a:lnTo>
+                  <a:lnTo>
+                    <a:pt x="6184" y="1453"/>
+                  </a:lnTo>
+                  <a:lnTo>
+                    <a:pt x="5968" y="1477"/>
+                  </a:lnTo>
+                  <a:lnTo>
+                    <a:pt x="5755" y="1488"/>
+                  </a:lnTo>
+                  <a:lnTo>
+                    <a:pt x="5542" y="1500"/>
+                  </a:lnTo>
+                  <a:lnTo>
+                    <a:pt x="5332" y="1506"/>
+                  </a:lnTo>
+                  <a:lnTo>
+                    <a:pt x="5124" y="1500"/>
+                  </a:lnTo>
+                  <a:lnTo>
+                    <a:pt x="4918" y="1500"/>
+                  </a:lnTo>
+                  <a:lnTo>
+                    <a:pt x="4714" y="1488"/>
+                  </a:lnTo>
+                  <a:lnTo>
+                    <a:pt x="4514" y="1470"/>
+                  </a:lnTo>
+                  <a:lnTo>
+                    <a:pt x="4316" y="1453"/>
+                  </a:lnTo>
+                  <a:lnTo>
+                    <a:pt x="4122" y="1434"/>
+                  </a:lnTo>
+                  <a:lnTo>
+                    <a:pt x="3929" y="1405"/>
+                  </a:lnTo>
+                  <a:lnTo>
+                    <a:pt x="3739" y="1374"/>
+                  </a:lnTo>
+                  <a:lnTo>
+                    <a:pt x="3553" y="1346"/>
+                  </a:lnTo>
+                  <a:lnTo>
+                    <a:pt x="3190" y="1267"/>
+                  </a:lnTo>
+                  <a:lnTo>
+                    <a:pt x="2842" y="1183"/>
+                  </a:lnTo>
+                  <a:lnTo>
+                    <a:pt x="2508" y="1095"/>
+                  </a:lnTo>
+                  <a:lnTo>
+                    <a:pt x="2192" y="998"/>
+                  </a:lnTo>
+                  <a:lnTo>
+                    <a:pt x="1890" y="897"/>
+                  </a:lnTo>
+                  <a:lnTo>
+                    <a:pt x="1610" y="788"/>
+                  </a:lnTo>
+                  <a:lnTo>
+                    <a:pt x="1347" y="681"/>
+                  </a:lnTo>
+                  <a:lnTo>
+                    <a:pt x="1105" y="574"/>
+                  </a:lnTo>
+                  <a:lnTo>
+                    <a:pt x="883" y="473"/>
+                  </a:lnTo>
+                  <a:lnTo>
+                    <a:pt x="686" y="377"/>
+                  </a:lnTo>
+                  <a:lnTo>
+                    <a:pt x="508" y="286"/>
+                  </a:lnTo>
+                  <a:lnTo>
+                    <a:pt x="358" y="210"/>
+                  </a:lnTo>
+                  <a:lnTo>
+                    <a:pt x="232" y="138"/>
+                  </a:lnTo>
+                  <a:lnTo>
+                    <a:pt x="59" y="35"/>
+                  </a:lnTo>
+                  <a:lnTo>
+                    <a:pt x="0" y="0"/>
+                  </a:lnTo>
+                  <a:lnTo>
+                    <a:pt x="0" y="0"/>
+                  </a:lnTo>
+                  <a:close/>
+                </a:path>
+              </a:pathLst>
+            </a:custGeom>
+            <a:solidFill>
+              <a:schemeClr val="bg1"/>
+            </a:solidFill>
+            <a:ln>
+              <a:noFill/>
+            </a:ln>
+          </p:spPr>
+        </p:sp>
+        <p:sp>
+          <p:nvSpPr>
+            <p:cNvPr id="22" name="Freeform 5">
+              <a:extLst>
+                <a:ext uri="{FF2B5EF4-FFF2-40B4-BE49-F238E27FC236}">
+                  <a16:creationId xmlns:a16="http://schemas.microsoft.com/office/drawing/2014/main" id="{A347F91F-7A0C-4FD7-AC29-DCAF67A2E561}"/>
+                </a:ext>
+                <a:ext uri="{C183D7F6-B498-43B3-948B-1728B52AA6E4}">
+                  <adec:decorative xmlns:adec="http://schemas.microsoft.com/office/drawing/2017/decorative" val="1"/>
+                </a:ext>
+              </a:extLst>
+            </p:cNvPr>
+            <p:cNvSpPr/>
+            <p:nvPr>
+              <p:extLst>
+                <p:ext uri="{386F3935-93C4-4BCD-93E2-E3B085C9AB24}">
+                  <p16:designElem xmlns:p16="http://schemas.microsoft.com/office/powerpoint/2015/main" val="1"/>
+                </p:ext>
+              </p:extLst>
+            </p:nvPr>
+          </p:nvSpPr>
+          <p:spPr bwMode="gray">
+            <a:xfrm rot="15922489">
+              <a:off x="3140485" y="1826078"/>
+              <a:ext cx="3299407" cy="440924"/>
+            </a:xfrm>
+            <a:custGeom>
+              <a:avLst/>
+              <a:gdLst/>
+              <a:ahLst/>
+              <a:cxnLst/>
+              <a:rect l="l" t="t" r="r" b="b"/>
+              <a:pathLst>
+                <a:path w="10000" h="5291">
+                  <a:moveTo>
+                    <a:pt x="85" y="2532"/>
+                  </a:moveTo>
+                  <a:cubicBezTo>
+                    <a:pt x="1736" y="3911"/>
+                    <a:pt x="7524" y="5298"/>
+                    <a:pt x="9958" y="5291"/>
+                  </a:cubicBezTo>
+                  <a:cubicBezTo>
+                    <a:pt x="9989" y="1958"/>
+                    <a:pt x="9969" y="3333"/>
+                    <a:pt x="10000" y="0"/>
+                  </a:cubicBezTo>
+                  <a:lnTo>
+                    <a:pt x="10000" y="0"/>
+                  </a:lnTo>
+                  <a:lnTo>
+                    <a:pt x="9667" y="204"/>
+                  </a:lnTo>
+                  <a:lnTo>
+                    <a:pt x="9334" y="400"/>
+                  </a:lnTo>
+                  <a:lnTo>
+                    <a:pt x="9001" y="590"/>
+                  </a:lnTo>
+                  <a:lnTo>
+                    <a:pt x="8667" y="753"/>
+                  </a:lnTo>
+                  <a:lnTo>
+                    <a:pt x="8333" y="917"/>
+                  </a:lnTo>
+                  <a:lnTo>
+                    <a:pt x="7999" y="1071"/>
+                  </a:lnTo>
+                  <a:lnTo>
+                    <a:pt x="7669" y="1202"/>
+                  </a:lnTo>
+                  <a:lnTo>
+                    <a:pt x="7333" y="1325"/>
+                  </a:lnTo>
+                  <a:lnTo>
+                    <a:pt x="7000" y="1440"/>
+                  </a:lnTo>
+                  <a:lnTo>
+                    <a:pt x="6673" y="1538"/>
+                  </a:lnTo>
+                  <a:lnTo>
+                    <a:pt x="6340" y="1636"/>
+                  </a:lnTo>
+                  <a:lnTo>
+                    <a:pt x="6013" y="1719"/>
+                  </a:lnTo>
+                  <a:lnTo>
+                    <a:pt x="5686" y="1784"/>
+                  </a:lnTo>
+                  <a:lnTo>
+                    <a:pt x="5359" y="1850"/>
+                  </a:lnTo>
+                  <a:lnTo>
+                    <a:pt x="5036" y="1906"/>
+                  </a:lnTo>
+                  <a:lnTo>
+                    <a:pt x="4717" y="1948"/>
+                  </a:lnTo>
+                  <a:lnTo>
+                    <a:pt x="4396" y="1980"/>
+                  </a:lnTo>
+                  <a:lnTo>
+                    <a:pt x="4079" y="2013"/>
+                  </a:lnTo>
+                  <a:lnTo>
+                    <a:pt x="3766" y="2029"/>
+                  </a:lnTo>
+                  <a:lnTo>
+                    <a:pt x="3454" y="2046"/>
+                  </a:lnTo>
+                  <a:lnTo>
+                    <a:pt x="3145" y="2053"/>
+                  </a:lnTo>
+                  <a:lnTo>
+                    <a:pt x="2839" y="2046"/>
+                  </a:lnTo>
+                  <a:lnTo>
+                    <a:pt x="2537" y="2046"/>
+                  </a:lnTo>
+                  <a:lnTo>
+                    <a:pt x="2238" y="2029"/>
+                  </a:lnTo>
+                  <a:lnTo>
+                    <a:pt x="1943" y="2004"/>
+                  </a:lnTo>
+                  <a:lnTo>
+                    <a:pt x="1653" y="1980"/>
+                  </a:lnTo>
+                  <a:lnTo>
+                    <a:pt x="1368" y="1955"/>
+                  </a:lnTo>
+                  <a:lnTo>
+                    <a:pt x="1085" y="1915"/>
+                  </a:lnTo>
+                  <a:lnTo>
+                    <a:pt x="806" y="1873"/>
+                  </a:lnTo>
+                  <a:lnTo>
+                    <a:pt x="533" y="1833"/>
+                  </a:lnTo>
+                  <a:lnTo>
+                    <a:pt x="0" y="1726"/>
+                  </a:lnTo>
+                  <a:cubicBezTo>
+                    <a:pt x="28" y="1995"/>
+                    <a:pt x="57" y="2263"/>
+                    <a:pt x="85" y="2532"/>
+                  </a:cubicBezTo>
+                  <a:close/>
+                </a:path>
+              </a:pathLst>
+            </a:custGeom>
+            <a:solidFill>
+              <a:schemeClr val="bg1">
+                <a:alpha val="20000"/>
+              </a:schemeClr>
+            </a:solidFill>
+            <a:ln>
+              <a:noFill/>
+            </a:ln>
+          </p:spPr>
+        </p:sp>
+        <p:sp>
+          <p:nvSpPr>
+            <p:cNvPr id="23" name="Freeform 5">
+              <a:extLst>
+                <a:ext uri="{FF2B5EF4-FFF2-40B4-BE49-F238E27FC236}">
+                  <a16:creationId xmlns:a16="http://schemas.microsoft.com/office/drawing/2014/main" id="{1FD264AA-C656-4350-AD8E-3E13639C02B9}"/>
+                </a:ext>
+                <a:ext uri="{C183D7F6-B498-43B3-948B-1728B52AA6E4}">
+                  <adec:decorative xmlns:adec="http://schemas.microsoft.com/office/drawing/2017/decorative" val="1"/>
+                </a:ext>
+              </a:extLst>
+            </p:cNvPr>
+            <p:cNvSpPr>
+              <a:spLocks noEditPoints="1"/>
+            </p:cNvSpPr>
+            <p:nvPr>
+              <p:extLst>
+                <p:ext uri="{386F3935-93C4-4BCD-93E2-E3B085C9AB24}">
+                  <p16:designElem xmlns:p16="http://schemas.microsoft.com/office/powerpoint/2015/main" val="1"/>
+                </p:ext>
+              </p:extLst>
+            </p:nvPr>
+          </p:nvSpPr>
+          <p:spPr bwMode="gray">
+            <a:xfrm>
+              <a:off x="0" y="1587"/>
+              <a:ext cx="12192000" cy="6856413"/>
+            </a:xfrm>
+            <a:custGeom>
+              <a:avLst/>
+              <a:gdLst/>
+              <a:ahLst/>
+              <a:cxnLst/>
+              <a:rect l="0" t="0" r="r" b="b"/>
+              <a:pathLst>
+                <a:path w="15356" h="8638">
+                  <a:moveTo>
+                    <a:pt x="0" y="0"/>
+                  </a:moveTo>
+                  <a:lnTo>
+                    <a:pt x="0" y="8638"/>
+                  </a:lnTo>
+                  <a:lnTo>
+                    <a:pt x="15356" y="8638"/>
+                  </a:lnTo>
+                  <a:lnTo>
+                    <a:pt x="15356" y="0"/>
+                  </a:lnTo>
+                  <a:lnTo>
+                    <a:pt x="0" y="0"/>
+                  </a:lnTo>
+                  <a:close/>
+                  <a:moveTo>
+                    <a:pt x="14748" y="8038"/>
+                  </a:moveTo>
+                  <a:lnTo>
+                    <a:pt x="600" y="8038"/>
+                  </a:lnTo>
+                  <a:lnTo>
+                    <a:pt x="600" y="592"/>
+                  </a:lnTo>
+                  <a:lnTo>
+                    <a:pt x="14748" y="592"/>
+                  </a:lnTo>
+                  <a:lnTo>
+                    <a:pt x="14748" y="8038"/>
+                  </a:lnTo>
+                  <a:close/>
+                </a:path>
+              </a:pathLst>
+            </a:custGeom>
+            <a:solidFill>
+              <a:schemeClr val="bg1"/>
+            </a:solidFill>
+            <a:ln>
+              <a:noFill/>
+            </a:ln>
+          </p:spPr>
+        </p:sp>
+      </p:grpSp>
       <p:sp>
         <p:nvSpPr>
-          <p:cNvPr id="12" name="Oval 11">
+          <p:cNvPr id="2" name="Titolo 1">
             <a:extLst>
               <a:ext uri="{FF2B5EF4-FFF2-40B4-BE49-F238E27FC236}">
-                <a16:creationId xmlns:a16="http://schemas.microsoft.com/office/drawing/2014/main" id="{64E68BB1-DCF6-49AB-8FF1-7E68DCBCD111}"/>
-              </a:ext>
-              <a:ext uri="{C183D7F6-B498-43B3-948B-1728B52AA6E4}">
-                <adec:decorative xmlns:adec="http://schemas.microsoft.com/office/drawing/2017/decorative" val="1"/>
+                <a16:creationId xmlns:a16="http://schemas.microsoft.com/office/drawing/2014/main" id="{82AC2252-78CC-4F36-9BB3-8AFF59C0F26B}"/>
               </a:ext>
             </a:extLst>
           </p:cNvPr>
           <p:cNvSpPr>
-            <a:spLocks noGrp="1" noRot="1" noChangeAspect="1" noMove="1" noResize="1" noEditPoints="1" noAdjustHandles="1" noChangeArrowheads="1" noChangeShapeType="1" noTextEdit="1"/>
+            <a:spLocks noGrp="1"/>
           </p:cNvSpPr>
           <p:nvPr>
-            <p:extLst>
-              <p:ext uri="{386F3935-93C4-4BCD-93E2-E3B085C9AB24}">
-                <p16:designElem xmlns:p16="http://schemas.microsoft.com/office/powerpoint/2015/main" val="1"/>
-              </p:ext>
-            </p:extLst>
+            <p:ph type="title"/>
           </p:nvPr>
         </p:nvSpPr>
         <p:spPr>
           <a:xfrm>
-            <a:off x="8761412" y="1828800"/>
-            <a:ext cx="2819400" cy="2819400"/>
+            <a:off x="1154955" y="973668"/>
+            <a:ext cx="3178260" cy="1020232"/>
           </a:xfrm>
-          <a:prstGeom prst="ellipse">
-            <a:avLst/>
-          </a:prstGeom>
-          <a:gradFill flip="none" rotWithShape="1">
-            <a:gsLst>
-              <a:gs pos="0">
-                <a:schemeClr val="accent5">
-                  <a:alpha val="7000"/>
-                </a:schemeClr>
-              </a:gs>
-              <a:gs pos="69000">
-                <a:schemeClr val="accent5">
-                  <a:alpha val="0"/>
-                </a:schemeClr>
-              </a:gs>
-              <a:gs pos="36000">
-                <a:schemeClr val="accent5">
-                  <a:alpha val="6000"/>
-                </a:schemeClr>
-              </a:gs>
-            </a:gsLst>
-            <a:path path="circle">
-              <a:fillToRect l="50000" t="50000" r="50000" b="50000"/>
-            </a:path>
-            <a:tileRect/>
-          </a:gradFill>
-          <a:ln>
-            <a:noFill/>
-          </a:ln>
-          <a:effectLst/>
         </p:spPr>
-        <p:style>
-          <a:lnRef idx="1">
-            <a:schemeClr val="accent1"/>
-          </a:lnRef>
-          <a:fillRef idx="3">
-            <a:schemeClr val="accent1"/>
-          </a:fillRef>
-          <a:effectRef idx="2">
-            <a:schemeClr val="accent1"/>
-          </a:effectRef>
-          <a:fontRef idx="minor">
-            <a:schemeClr val="lt1"/>
-          </a:fontRef>
-        </p:style>
+        <p:txBody>
+          <a:bodyPr>
+            <a:normAutofit/>
+          </a:bodyPr>
+          <a:lstStyle/>
+          <a:p>
+            <a:pPr>
+              <a:lnSpc>
+                <a:spcPct val="90000"/>
+              </a:lnSpc>
+            </a:pPr>
+            <a:r>
+              <a:rPr lang="it-IT" sz="3300" dirty="0"/>
+              <a:t>Read </a:t>
+            </a:r>
+            <a:r>
+              <a:rPr lang="it-IT" sz="3300" dirty="0" err="1"/>
+              <a:t>paired</a:t>
+            </a:r>
+            <a:r>
+              <a:rPr lang="it-IT" sz="3300" dirty="0"/>
+              <a:t>-end</a:t>
+            </a:r>
+          </a:p>
+        </p:txBody>
       </p:sp>
       <p:sp>
         <p:nvSpPr>
-          <p:cNvPr id="14" name="Oval 13">
+          <p:cNvPr id="12" name="Content Placeholder 11">
             <a:extLst>
               <a:ext uri="{FF2B5EF4-FFF2-40B4-BE49-F238E27FC236}">
-                <a16:creationId xmlns:a16="http://schemas.microsoft.com/office/drawing/2014/main" id="{DA9B8539-604B-420E-BA1B-0A2E64CD7C72}"/>
-              </a:ext>
-              <a:ext uri="{C183D7F6-B498-43B3-948B-1728B52AA6E4}">
-                <adec:decorative xmlns:adec="http://schemas.microsoft.com/office/drawing/2017/decorative" val="1"/>
+                <a16:creationId xmlns:a16="http://schemas.microsoft.com/office/drawing/2014/main" id="{7537A887-0048-45F2-8DC1-7C7607363F08}"/>
               </a:ext>
             </a:extLst>
           </p:cNvPr>
           <p:cNvSpPr>
-            <a:spLocks noGrp="1" noRot="1" noChangeAspect="1" noMove="1" noResize="1" noEditPoints="1" noAdjustHandles="1" noChangeArrowheads="1" noChangeShapeType="1" noTextEdit="1"/>
+            <a:spLocks noGrp="1"/>
           </p:cNvSpPr>
           <p:nvPr>
-            <p:extLst>
-              <p:ext uri="{386F3935-93C4-4BCD-93E2-E3B085C9AB24}">
-                <p16:designElem xmlns:p16="http://schemas.microsoft.com/office/powerpoint/2015/main" val="1"/>
-              </p:ext>
-            </p:extLst>
+            <p:ph idx="1"/>
           </p:nvPr>
         </p:nvSpPr>
         <p:spPr>
           <a:xfrm>
-            <a:off x="8761412" y="5870955"/>
-            <a:ext cx="990600" cy="990600"/>
+            <a:off x="1154955" y="2120900"/>
+            <a:ext cx="3133726" cy="3898900"/>
           </a:xfrm>
-          <a:prstGeom prst="ellipse">
-            <a:avLst/>
-          </a:prstGeom>
-          <a:gradFill flip="none" rotWithShape="1">
-            <a:gsLst>
-              <a:gs pos="0">
-                <a:schemeClr val="accent5">
-                  <a:alpha val="14000"/>
-                </a:schemeClr>
-              </a:gs>
-              <a:gs pos="66000">
-                <a:schemeClr val="accent5">
-                  <a:alpha val="0"/>
-                </a:schemeClr>
-              </a:gs>
-              <a:gs pos="36000">
-                <a:schemeClr val="accent5">
-                  <a:alpha val="7000"/>
-                </a:schemeClr>
-              </a:gs>
-            </a:gsLst>
-            <a:path path="circle">
-              <a:fillToRect l="50000" t="50000" r="50000" b="50000"/>
-            </a:path>
-            <a:tileRect/>
-          </a:gradFill>
-          <a:ln>
-            <a:noFill/>
-          </a:ln>
-          <a:effectLst/>
         </p:spPr>
-        <p:style>
-          <a:lnRef idx="1">
-            <a:schemeClr val="accent1"/>
-          </a:lnRef>
-          <a:fillRef idx="3">
-            <a:schemeClr val="accent1"/>
-          </a:fillRef>
-          <a:effectRef idx="2">
-            <a:schemeClr val="accent1"/>
-          </a:effectRef>
-          <a:fontRef idx="minor">
-            <a:schemeClr val="lt1"/>
-          </a:fontRef>
-        </p:style>
+        <p:txBody>
+          <a:bodyPr>
+            <a:normAutofit/>
+          </a:bodyPr>
+          <a:lstStyle/>
+          <a:p>
+            <a:r>
+              <a:rPr lang="en-US" b="1" dirty="0">
+                <a:solidFill>
+                  <a:schemeClr val="bg1"/>
+                </a:solidFill>
+              </a:rPr>
+              <a:t>Due </a:t>
+            </a:r>
+            <a:r>
+              <a:rPr lang="en-US" b="1" dirty="0" err="1">
+                <a:solidFill>
+                  <a:schemeClr val="bg1"/>
+                </a:solidFill>
+              </a:rPr>
+              <a:t>letture</a:t>
+            </a:r>
+            <a:r>
+              <a:rPr lang="en-US" b="1" dirty="0">
+                <a:solidFill>
+                  <a:schemeClr val="bg1"/>
+                </a:solidFill>
+              </a:rPr>
+              <a:t> </a:t>
+            </a:r>
+            <a:r>
+              <a:rPr lang="en-US" dirty="0">
+                <a:solidFill>
+                  <a:schemeClr val="bg1"/>
+                </a:solidFill>
+              </a:rPr>
+              <a:t>(“mates”) + </a:t>
+            </a:r>
+            <a:r>
+              <a:rPr lang="en-US" b="1" dirty="0" err="1">
+                <a:solidFill>
+                  <a:schemeClr val="bg1"/>
+                </a:solidFill>
+              </a:rPr>
+              <a:t>distanza</a:t>
+            </a:r>
+            <a:r>
+              <a:rPr lang="en-US" dirty="0">
+                <a:solidFill>
+                  <a:schemeClr val="bg1"/>
+                </a:solidFill>
+              </a:rPr>
+              <a:t> </a:t>
+            </a:r>
+            <a:r>
+              <a:rPr lang="en-US" dirty="0" err="1">
+                <a:solidFill>
+                  <a:schemeClr val="bg1"/>
+                </a:solidFill>
+              </a:rPr>
+              <a:t>tra</a:t>
+            </a:r>
+            <a:r>
+              <a:rPr lang="en-US" dirty="0">
+                <a:solidFill>
+                  <a:schemeClr val="bg1"/>
+                </a:solidFill>
+              </a:rPr>
+              <a:t> di </a:t>
+            </a:r>
+            <a:r>
+              <a:rPr lang="en-US" dirty="0" err="1">
+                <a:solidFill>
+                  <a:schemeClr val="bg1"/>
+                </a:solidFill>
+              </a:rPr>
+              <a:t>esse</a:t>
+            </a:r>
+            <a:endParaRPr lang="en-US" dirty="0">
+              <a:solidFill>
+                <a:schemeClr val="bg1"/>
+              </a:solidFill>
+            </a:endParaRPr>
+          </a:p>
+          <a:p>
+            <a:r>
+              <a:rPr lang="en-US" dirty="0" err="1">
+                <a:solidFill>
+                  <a:schemeClr val="bg1"/>
+                </a:solidFill>
+              </a:rPr>
+              <a:t>Utilizzate</a:t>
+            </a:r>
+            <a:r>
+              <a:rPr lang="en-US" dirty="0">
+                <a:solidFill>
+                  <a:schemeClr val="bg1"/>
+                </a:solidFill>
+              </a:rPr>
+              <a:t> </a:t>
+            </a:r>
+            <a:r>
+              <a:rPr lang="en-US" dirty="0" err="1">
+                <a:solidFill>
+                  <a:schemeClr val="bg1"/>
+                </a:solidFill>
+              </a:rPr>
+              <a:t>dagli</a:t>
+            </a:r>
+            <a:r>
+              <a:rPr lang="en-US" dirty="0">
+                <a:solidFill>
+                  <a:schemeClr val="bg1"/>
+                </a:solidFill>
+              </a:rPr>
+              <a:t> </a:t>
+            </a:r>
+            <a:r>
+              <a:rPr lang="en-US" dirty="0" err="1">
+                <a:solidFill>
+                  <a:schemeClr val="bg1"/>
+                </a:solidFill>
+              </a:rPr>
+              <a:t>allineatori</a:t>
+            </a:r>
+            <a:r>
+              <a:rPr lang="en-US" dirty="0">
+                <a:solidFill>
+                  <a:schemeClr val="bg1"/>
+                </a:solidFill>
+              </a:rPr>
+              <a:t> per </a:t>
+            </a:r>
+            <a:r>
+              <a:rPr lang="en-US" dirty="0" err="1">
+                <a:solidFill>
+                  <a:schemeClr val="bg1"/>
+                </a:solidFill>
+              </a:rPr>
+              <a:t>disambiguare</a:t>
+            </a:r>
+            <a:r>
+              <a:rPr lang="en-US" dirty="0">
+                <a:solidFill>
+                  <a:schemeClr val="bg1"/>
+                </a:solidFill>
+              </a:rPr>
+              <a:t> </a:t>
+            </a:r>
+            <a:r>
+              <a:rPr lang="en-US" dirty="0" err="1">
+                <a:solidFill>
+                  <a:schemeClr val="bg1"/>
+                </a:solidFill>
+              </a:rPr>
+              <a:t>alcuni</a:t>
+            </a:r>
+            <a:r>
+              <a:rPr lang="en-US" dirty="0">
+                <a:solidFill>
+                  <a:schemeClr val="bg1"/>
+                </a:solidFill>
+              </a:rPr>
+              <a:t> </a:t>
+            </a:r>
+            <a:r>
+              <a:rPr lang="en-US" dirty="0" err="1">
+                <a:solidFill>
+                  <a:schemeClr val="bg1"/>
+                </a:solidFill>
+              </a:rPr>
+              <a:t>casi</a:t>
+            </a:r>
+            <a:r>
+              <a:rPr lang="en-US" dirty="0">
+                <a:solidFill>
+                  <a:schemeClr val="bg1"/>
+                </a:solidFill>
+              </a:rPr>
+              <a:t> di </a:t>
+            </a:r>
+            <a:r>
+              <a:rPr lang="en-US" dirty="0" err="1">
+                <a:solidFill>
+                  <a:schemeClr val="bg1"/>
+                </a:solidFill>
+              </a:rPr>
+              <a:t>allineamento</a:t>
+            </a:r>
+            <a:endParaRPr lang="en-US" dirty="0">
+              <a:solidFill>
+                <a:schemeClr val="bg1"/>
+              </a:solidFill>
+            </a:endParaRPr>
+          </a:p>
+          <a:p>
+            <a:r>
+              <a:rPr lang="en-US" dirty="0" err="1">
+                <a:solidFill>
+                  <a:schemeClr val="bg1"/>
+                </a:solidFill>
+              </a:rPr>
+              <a:t>Risultati</a:t>
+            </a:r>
+            <a:r>
+              <a:rPr lang="en-US" dirty="0">
+                <a:solidFill>
+                  <a:schemeClr val="bg1"/>
+                </a:solidFill>
+              </a:rPr>
+              <a:t> </a:t>
+            </a:r>
+            <a:r>
+              <a:rPr lang="en-US" dirty="0" err="1">
+                <a:solidFill>
+                  <a:schemeClr val="bg1"/>
+                </a:solidFill>
+              </a:rPr>
+              <a:t>più</a:t>
+            </a:r>
+            <a:r>
+              <a:rPr lang="en-US" dirty="0">
+                <a:solidFill>
+                  <a:schemeClr val="bg1"/>
+                </a:solidFill>
+              </a:rPr>
+              <a:t> </a:t>
+            </a:r>
+            <a:r>
+              <a:rPr lang="en-US" dirty="0" err="1">
+                <a:solidFill>
+                  <a:schemeClr val="bg1"/>
+                </a:solidFill>
+              </a:rPr>
+              <a:t>accurati</a:t>
+            </a:r>
+            <a:r>
+              <a:rPr lang="en-US" dirty="0">
+                <a:solidFill>
+                  <a:schemeClr val="bg1"/>
+                </a:solidFill>
+              </a:rPr>
+              <a:t> rispetto a read single-end</a:t>
+            </a:r>
+          </a:p>
+          <a:p>
+            <a:endParaRPr lang="en-US" dirty="0">
+              <a:solidFill>
+                <a:schemeClr val="bg1"/>
+              </a:solidFill>
+            </a:endParaRPr>
+          </a:p>
+          <a:p>
+            <a:pPr marL="0" indent="0">
+              <a:buNone/>
+            </a:pPr>
+            <a:endParaRPr lang="en-US" dirty="0">
+              <a:solidFill>
+                <a:schemeClr val="bg1"/>
+              </a:solidFill>
+            </a:endParaRPr>
+          </a:p>
+        </p:txBody>
       </p:sp>
       <p:sp>
         <p:nvSpPr>
-          <p:cNvPr id="16" name="Oval 15">
+          <p:cNvPr id="25" name="Rectangle 24">
             <a:extLst>
               <a:ext uri="{FF2B5EF4-FFF2-40B4-BE49-F238E27FC236}">
-                <a16:creationId xmlns:a16="http://schemas.microsoft.com/office/drawing/2014/main" id="{7236CAA2-54C3-4136-B0CC-6837B14D8143}"/>
-              </a:ext>
-              <a:ext uri="{C183D7F6-B498-43B3-948B-1728B52AA6E4}">
-                <adec:decorative xmlns:adec="http://schemas.microsoft.com/office/drawing/2017/decorative" val="1"/>
-              </a:ext>
-            </a:extLst>
-          </p:cNvPr>
-          <p:cNvSpPr>
-            <a:spLocks noGrp="1" noRot="1" noChangeAspect="1" noMove="1" noResize="1" noEditPoints="1" noAdjustHandles="1" noChangeArrowheads="1" noChangeShapeType="1" noTextEdit="1"/>
-          </p:cNvSpPr>
-          <p:nvPr>
-            <p:extLst>
-              <p:ext uri="{386F3935-93C4-4BCD-93E2-E3B085C9AB24}">
-                <p16:designElem xmlns:p16="http://schemas.microsoft.com/office/powerpoint/2015/main" val="1"/>
-              </p:ext>
-            </p:extLst>
-          </p:nvPr>
-        </p:nvSpPr>
-        <p:spPr>
-          <a:xfrm>
-            <a:off x="-1588" y="2667000"/>
-            <a:ext cx="4191000" cy="4191000"/>
-          </a:xfrm>
-          <a:prstGeom prst="ellipse">
-            <a:avLst/>
-          </a:prstGeom>
-          <a:gradFill flip="none" rotWithShape="1">
-            <a:gsLst>
-              <a:gs pos="0">
-                <a:schemeClr val="accent5">
-                  <a:alpha val="11000"/>
-                </a:schemeClr>
-              </a:gs>
-              <a:gs pos="75000">
-                <a:schemeClr val="accent5">
-                  <a:alpha val="0"/>
-                </a:schemeClr>
-              </a:gs>
-              <a:gs pos="36000">
-                <a:schemeClr val="accent5">
-                  <a:alpha val="10000"/>
-                </a:schemeClr>
-              </a:gs>
-            </a:gsLst>
-            <a:path path="circle">
-              <a:fillToRect l="50000" t="50000" r="50000" b="50000"/>
-            </a:path>
-            <a:tileRect/>
-          </a:gradFill>
-          <a:ln>
-            <a:noFill/>
-          </a:ln>
-          <a:effectLst/>
-        </p:spPr>
-        <p:style>
-          <a:lnRef idx="1">
-            <a:schemeClr val="accent1"/>
-          </a:lnRef>
-          <a:fillRef idx="3">
-            <a:schemeClr val="accent1"/>
-          </a:fillRef>
-          <a:effectRef idx="2">
-            <a:schemeClr val="accent1"/>
-          </a:effectRef>
-          <a:fontRef idx="minor">
-            <a:schemeClr val="lt1"/>
-          </a:fontRef>
-        </p:style>
-      </p:sp>
-      <p:sp>
-        <p:nvSpPr>
-          <p:cNvPr id="18" name="Freeform 5">
-            <a:extLst>
-              <a:ext uri="{FF2B5EF4-FFF2-40B4-BE49-F238E27FC236}">
-                <a16:creationId xmlns:a16="http://schemas.microsoft.com/office/drawing/2014/main" id="{40F86E67-9E86-453F-92BC-648189829C2F}"/>
-              </a:ext>
-              <a:ext uri="{C183D7F6-B498-43B3-948B-1728B52AA6E4}">
-                <adec:decorative xmlns:adec="http://schemas.microsoft.com/office/drawing/2017/decorative" val="1"/>
-              </a:ext>
-            </a:extLst>
-          </p:cNvPr>
-          <p:cNvSpPr>
-            <a:spLocks noGrp="1" noRot="1" noChangeAspect="1" noMove="1" noResize="1" noEditPoints="1" noAdjustHandles="1" noChangeArrowheads="1" noChangeShapeType="1" noTextEdit="1"/>
-          </p:cNvSpPr>
-          <p:nvPr>
-            <p:extLst>
-              <p:ext uri="{386F3935-93C4-4BCD-93E2-E3B085C9AB24}">
-                <p16:designElem xmlns:p16="http://schemas.microsoft.com/office/powerpoint/2015/main" val="1"/>
-              </p:ext>
-            </p:extLst>
-          </p:nvPr>
-        </p:nvSpPr>
-        <p:spPr bwMode="gray">
-          <a:xfrm>
-            <a:off x="-1588" y="1587"/>
-            <a:ext cx="12192000" cy="6856413"/>
-          </a:xfrm>
-          <a:custGeom>
-            <a:avLst/>
-            <a:gdLst/>
-            <a:ahLst/>
-            <a:cxnLst/>
-            <a:rect l="0" t="0" r="r" b="b"/>
-            <a:pathLst>
-              <a:path w="15356" h="8638">
-                <a:moveTo>
-                  <a:pt x="0" y="0"/>
-                </a:moveTo>
-                <a:lnTo>
-                  <a:pt x="0" y="8638"/>
-                </a:lnTo>
-                <a:lnTo>
-                  <a:pt x="15356" y="8638"/>
-                </a:lnTo>
-                <a:lnTo>
-                  <a:pt x="15356" y="0"/>
-                </a:lnTo>
-                <a:lnTo>
-                  <a:pt x="0" y="0"/>
-                </a:lnTo>
-                <a:close/>
-                <a:moveTo>
-                  <a:pt x="14748" y="8038"/>
-                </a:moveTo>
-                <a:lnTo>
-                  <a:pt x="600" y="8038"/>
-                </a:lnTo>
-                <a:lnTo>
-                  <a:pt x="600" y="592"/>
-                </a:lnTo>
-                <a:lnTo>
-                  <a:pt x="14748" y="592"/>
-                </a:lnTo>
-                <a:lnTo>
-                  <a:pt x="14748" y="8038"/>
-                </a:lnTo>
-                <a:close/>
-              </a:path>
-            </a:pathLst>
-          </a:custGeom>
-          <a:solidFill>
-            <a:schemeClr val="bg1"/>
-          </a:solidFill>
-          <a:ln>
-            <a:noFill/>
-          </a:ln>
-        </p:spPr>
-      </p:sp>
-      <p:sp>
-        <p:nvSpPr>
-          <p:cNvPr id="20" name="Rectangle 19">
-            <a:extLst>
-              <a:ext uri="{FF2B5EF4-FFF2-40B4-BE49-F238E27FC236}">
-                <a16:creationId xmlns:a16="http://schemas.microsoft.com/office/drawing/2014/main" id="{F73C5439-21D4-46F3-9CF4-FF1CE786FF15}"/>
+                <a16:creationId xmlns:a16="http://schemas.microsoft.com/office/drawing/2014/main" id="{C4EF29AB-620C-4783-9B23-EACEB54D7836}"/>
               </a:ext>
               <a:ext uri="{C183D7F6-B498-43B3-948B-1728B52AA6E4}">
                 <adec:decorative xmlns:adec="http://schemas.microsoft.com/office/drawing/2017/decorative" val="1"/>
@@ -19772,60 +22349,80 @@
           </a:fontRef>
         </p:style>
       </p:sp>
-      <p:sp>
-        <p:nvSpPr>
-          <p:cNvPr id="2" name="Titolo 1">
+      <p:pic>
+        <p:nvPicPr>
+          <p:cNvPr id="4" name="Immagine 3" descr="Immagine che contiene screenshot&#10;&#10;Descrizione generata automaticamente">
             <a:extLst>
               <a:ext uri="{FF2B5EF4-FFF2-40B4-BE49-F238E27FC236}">
-                <a16:creationId xmlns:a16="http://schemas.microsoft.com/office/drawing/2014/main" id="{4CDD218B-2CB0-4D31-B902-7AD55AD5054D}"/>
+                <a16:creationId xmlns:a16="http://schemas.microsoft.com/office/drawing/2014/main" id="{6D8BA680-4C9B-4D8F-8D95-57BDEB643084}"/>
               </a:ext>
             </a:extLst>
           </p:cNvPr>
-          <p:cNvSpPr>
-            <a:spLocks noGrp="1"/>
-          </p:cNvSpPr>
-          <p:nvPr>
-            <p:ph type="title"/>
-          </p:nvPr>
-        </p:nvSpPr>
+          <p:cNvPicPr>
+            <a:picLocks noChangeAspect="1"/>
+          </p:cNvPicPr>
+          <p:nvPr/>
+        </p:nvPicPr>
+        <p:blipFill>
+          <a:blip r:embed="rId4"/>
+          <a:stretch>
+            <a:fillRect/>
+          </a:stretch>
+        </p:blipFill>
         <p:spPr>
           <a:xfrm>
-            <a:off x="8382055" y="1241266"/>
-            <a:ext cx="3161016" cy="3153753"/>
+            <a:off x="5883490" y="1543578"/>
+            <a:ext cx="5697321" cy="4327377"/>
           </a:xfrm>
+          <a:prstGeom prst="rect">
+            <a:avLst/>
+          </a:prstGeom>
         </p:spPr>
-        <p:txBody>
-          <a:bodyPr vert="horz" lIns="91440" tIns="45720" rIns="91440" bIns="45720" rtlCol="0" anchor="b">
-            <a:normAutofit/>
-          </a:bodyPr>
-          <a:lstStyle/>
-          <a:p>
-            <a:pPr>
-              <a:lnSpc>
-                <a:spcPct val="90000"/>
-              </a:lnSpc>
-            </a:pPr>
-            <a:r>
-              <a:rPr lang="en-US" sz="3800" dirty="0"/>
-              <a:t>ASGAL (Alternative Splicing Graph </a:t>
-            </a:r>
-            <a:r>
-              <a:rPr lang="en-US" sz="3800"/>
-              <a:t>ALigner</a:t>
-            </a:r>
-            <a:r>
-              <a:rPr lang="en-US" sz="3800" dirty="0"/>
-              <a:t>)</a:t>
-            </a:r>
-          </a:p>
-        </p:txBody>
-      </p:sp>
+      </p:pic>
+    </p:spTree>
+    <p:extLst>
+      <p:ext uri="{BB962C8B-B14F-4D97-AF65-F5344CB8AC3E}">
+        <p14:creationId xmlns:p14="http://schemas.microsoft.com/office/powerpoint/2010/main" val="1844821252"/>
+      </p:ext>
+    </p:extLst>
+  </p:cSld>
+  <p:clrMapOvr>
+    <a:masterClrMapping/>
+  </p:clrMapOvr>
+</p:sld>
+</file>
+
+<file path=ppt/slides/slide5.xml><?xml version="1.0" encoding="utf-8"?>
+<p:sld xmlns:a="http://schemas.openxmlformats.org/drawingml/2006/main" xmlns:r="http://schemas.openxmlformats.org/officeDocument/2006/relationships" xmlns:p="http://schemas.openxmlformats.org/presentationml/2006/main">
+  <p:cSld>
+    <p:bg>
+      <p:bgPr>
+        <a:solidFill>
+          <a:schemeClr val="bg1"/>
+        </a:solidFill>
+        <a:effectLst/>
+      </p:bgPr>
+    </p:bg>
+    <p:spTree>
+      <p:nvGrpSpPr>
+        <p:cNvPr id="1" name=""/>
+        <p:cNvGrpSpPr/>
+        <p:nvPr/>
+      </p:nvGrpSpPr>
+      <p:grpSpPr>
+        <a:xfrm>
+          <a:off x="0" y="0"/>
+          <a:ext cx="0" cy="0"/>
+          <a:chOff x="0" y="0"/>
+          <a:chExt cx="0" cy="0"/>
+        </a:xfrm>
+      </p:grpSpPr>
       <p:grpSp>
         <p:nvGrpSpPr>
-          <p:cNvPr id="22" name="Group 21">
+          <p:cNvPr id="15" name="Group 14">
             <a:extLst>
               <a:ext uri="{FF2B5EF4-FFF2-40B4-BE49-F238E27FC236}">
-                <a16:creationId xmlns:a16="http://schemas.microsoft.com/office/drawing/2014/main" id="{227140B8-92FC-43F0-8CCA-F40052CE502D}"/>
+                <a16:creationId xmlns:a16="http://schemas.microsoft.com/office/drawing/2014/main" id="{A2FC4F8C-DCFB-41A7-9587-B6E49A20404A}"/>
               </a:ext>
               <a:ext uri="{C183D7F6-B498-43B3-948B-1728B52AA6E4}">
                 <adec:decorative xmlns:adec="http://schemas.microsoft.com/office/drawing/2017/decorative" val="1"/>
@@ -19845,18 +22442,18 @@
         </p:nvGrpSpPr>
         <p:grpSpPr>
           <a:xfrm>
-            <a:off x="423332" y="396837"/>
-            <a:ext cx="7906665" cy="6058999"/>
-            <a:chOff x="423332" y="396837"/>
-            <a:chExt cx="7906665" cy="6058999"/>
+            <a:off x="-1588" y="0"/>
+            <a:ext cx="12193588" cy="6861555"/>
+            <a:chOff x="-1588" y="0"/>
+            <a:chExt cx="12193588" cy="6861555"/>
           </a:xfrm>
         </p:grpSpPr>
         <p:sp>
           <p:nvSpPr>
-            <p:cNvPr id="23" name="Rectangle 22">
+            <p:cNvPr id="16" name="Rectangle 15">
               <a:extLst>
                 <a:ext uri="{FF2B5EF4-FFF2-40B4-BE49-F238E27FC236}">
-                  <a16:creationId xmlns:a16="http://schemas.microsoft.com/office/drawing/2014/main" id="{E14FEF32-7604-4713-A9F1-9D90A6F78B99}"/>
+                  <a16:creationId xmlns:a16="http://schemas.microsoft.com/office/drawing/2014/main" id="{8CB8134D-DAA6-44DB-9A7B-8D5B04711DE5}"/>
                 </a:ext>
                 <a:ext uri="{C183D7F6-B498-43B3-948B-1728B52AA6E4}">
                   <adec:decorative xmlns:adec="http://schemas.microsoft.com/office/drawing/2017/decorative" val="1"/>
@@ -19872,10 +22469,297 @@
               </p:extLst>
             </p:nvPr>
           </p:nvSpPr>
-          <p:spPr bwMode="gray">
-            <a:xfrm flipH="1">
-              <a:off x="423332" y="402165"/>
-              <a:ext cx="6785133" cy="6053670"/>
+          <p:spPr>
+            <a:xfrm>
+              <a:off x="0" y="0"/>
+              <a:ext cx="12192000" cy="6858000"/>
+            </a:xfrm>
+            <a:prstGeom prst="rect">
+              <a:avLst/>
+            </a:prstGeom>
+            <a:blipFill>
+              <a:blip r:embed="rId3">
+                <a:duotone>
+                  <a:schemeClr val="dk2">
+                    <a:shade val="69000"/>
+                    <a:hueMod val="108000"/>
+                    <a:satMod val="164000"/>
+                    <a:lumMod val="74000"/>
+                  </a:schemeClr>
+                  <a:schemeClr val="dk2">
+                    <a:tint val="96000"/>
+                    <a:hueMod val="88000"/>
+                    <a:satMod val="140000"/>
+                    <a:lumMod val="132000"/>
+                  </a:schemeClr>
+                </a:duotone>
+              </a:blip>
+              <a:stretch>
+                <a:fillRect/>
+              </a:stretch>
+            </a:blipFill>
+            <a:ln>
+              <a:noFill/>
+            </a:ln>
+          </p:spPr>
+          <p:style>
+            <a:lnRef idx="2">
+              <a:schemeClr val="accent1">
+                <a:shade val="50000"/>
+              </a:schemeClr>
+            </a:lnRef>
+            <a:fillRef idx="1">
+              <a:schemeClr val="accent1"/>
+            </a:fillRef>
+            <a:effectRef idx="0">
+              <a:schemeClr val="accent1"/>
+            </a:effectRef>
+            <a:fontRef idx="minor">
+              <a:schemeClr val="lt1"/>
+            </a:fontRef>
+          </p:style>
+        </p:sp>
+        <p:sp>
+          <p:nvSpPr>
+            <p:cNvPr id="17" name="Oval 16">
+              <a:extLst>
+                <a:ext uri="{FF2B5EF4-FFF2-40B4-BE49-F238E27FC236}">
+                  <a16:creationId xmlns:a16="http://schemas.microsoft.com/office/drawing/2014/main" id="{25AD0F1C-BC8E-4CB4-BAC4-8F33C36F6949}"/>
+                </a:ext>
+                <a:ext uri="{C183D7F6-B498-43B3-948B-1728B52AA6E4}">
+                  <adec:decorative xmlns:adec="http://schemas.microsoft.com/office/drawing/2017/decorative" val="1"/>
+                </a:ext>
+              </a:extLst>
+            </p:cNvPr>
+            <p:cNvSpPr/>
+            <p:nvPr>
+              <p:extLst>
+                <p:ext uri="{386F3935-93C4-4BCD-93E2-E3B085C9AB24}">
+                  <p16:designElem xmlns:p16="http://schemas.microsoft.com/office/powerpoint/2015/main" val="1"/>
+                </p:ext>
+              </p:extLst>
+            </p:nvPr>
+          </p:nvSpPr>
+          <p:spPr>
+            <a:xfrm>
+              <a:off x="8761412" y="1828800"/>
+              <a:ext cx="2819400" cy="2819400"/>
+            </a:xfrm>
+            <a:prstGeom prst="ellipse">
+              <a:avLst/>
+            </a:prstGeom>
+            <a:gradFill flip="none" rotWithShape="1">
+              <a:gsLst>
+                <a:gs pos="0">
+                  <a:schemeClr val="accent5">
+                    <a:alpha val="7000"/>
+                  </a:schemeClr>
+                </a:gs>
+                <a:gs pos="69000">
+                  <a:schemeClr val="accent5">
+                    <a:alpha val="0"/>
+                  </a:schemeClr>
+                </a:gs>
+                <a:gs pos="36000">
+                  <a:schemeClr val="accent5">
+                    <a:alpha val="6000"/>
+                  </a:schemeClr>
+                </a:gs>
+              </a:gsLst>
+              <a:path path="circle">
+                <a:fillToRect l="50000" t="50000" r="50000" b="50000"/>
+              </a:path>
+              <a:tileRect/>
+            </a:gradFill>
+            <a:ln>
+              <a:noFill/>
+            </a:ln>
+            <a:effectLst/>
+          </p:spPr>
+          <p:style>
+            <a:lnRef idx="1">
+              <a:schemeClr val="accent1"/>
+            </a:lnRef>
+            <a:fillRef idx="3">
+              <a:schemeClr val="accent1"/>
+            </a:fillRef>
+            <a:effectRef idx="2">
+              <a:schemeClr val="accent1"/>
+            </a:effectRef>
+            <a:fontRef idx="minor">
+              <a:schemeClr val="lt1"/>
+            </a:fontRef>
+          </p:style>
+        </p:sp>
+        <p:sp>
+          <p:nvSpPr>
+            <p:cNvPr id="18" name="Oval 17">
+              <a:extLst>
+                <a:ext uri="{FF2B5EF4-FFF2-40B4-BE49-F238E27FC236}">
+                  <a16:creationId xmlns:a16="http://schemas.microsoft.com/office/drawing/2014/main" id="{581087E9-D266-4B08-AAB1-F7439DF65270}"/>
+                </a:ext>
+                <a:ext uri="{C183D7F6-B498-43B3-948B-1728B52AA6E4}">
+                  <adec:decorative xmlns:adec="http://schemas.microsoft.com/office/drawing/2017/decorative" val="1"/>
+                </a:ext>
+              </a:extLst>
+            </p:cNvPr>
+            <p:cNvSpPr/>
+            <p:nvPr>
+              <p:extLst>
+                <p:ext uri="{386F3935-93C4-4BCD-93E2-E3B085C9AB24}">
+                  <p16:designElem xmlns:p16="http://schemas.microsoft.com/office/powerpoint/2015/main" val="1"/>
+                </p:ext>
+              </p:extLst>
+            </p:nvPr>
+          </p:nvSpPr>
+          <p:spPr>
+            <a:xfrm>
+              <a:off x="8761412" y="5870955"/>
+              <a:ext cx="990600" cy="990600"/>
+            </a:xfrm>
+            <a:prstGeom prst="ellipse">
+              <a:avLst/>
+            </a:prstGeom>
+            <a:gradFill flip="none" rotWithShape="1">
+              <a:gsLst>
+                <a:gs pos="0">
+                  <a:schemeClr val="accent5">
+                    <a:alpha val="14000"/>
+                  </a:schemeClr>
+                </a:gs>
+                <a:gs pos="66000">
+                  <a:schemeClr val="accent5">
+                    <a:alpha val="0"/>
+                  </a:schemeClr>
+                </a:gs>
+                <a:gs pos="36000">
+                  <a:schemeClr val="accent5">
+                    <a:alpha val="7000"/>
+                  </a:schemeClr>
+                </a:gs>
+              </a:gsLst>
+              <a:path path="circle">
+                <a:fillToRect l="50000" t="50000" r="50000" b="50000"/>
+              </a:path>
+              <a:tileRect/>
+            </a:gradFill>
+            <a:ln>
+              <a:noFill/>
+            </a:ln>
+            <a:effectLst/>
+          </p:spPr>
+          <p:style>
+            <a:lnRef idx="1">
+              <a:schemeClr val="accent1"/>
+            </a:lnRef>
+            <a:fillRef idx="3">
+              <a:schemeClr val="accent1"/>
+            </a:fillRef>
+            <a:effectRef idx="2">
+              <a:schemeClr val="accent1"/>
+            </a:effectRef>
+            <a:fontRef idx="minor">
+              <a:schemeClr val="lt1"/>
+            </a:fontRef>
+          </p:style>
+        </p:sp>
+        <p:sp>
+          <p:nvSpPr>
+            <p:cNvPr id="19" name="Oval 18">
+              <a:extLst>
+                <a:ext uri="{FF2B5EF4-FFF2-40B4-BE49-F238E27FC236}">
+                  <a16:creationId xmlns:a16="http://schemas.microsoft.com/office/drawing/2014/main" id="{64A2B069-C853-43DD-8CC0-7CE6F331A7B7}"/>
+                </a:ext>
+                <a:ext uri="{C183D7F6-B498-43B3-948B-1728B52AA6E4}">
+                  <adec:decorative xmlns:adec="http://schemas.microsoft.com/office/drawing/2017/decorative" val="1"/>
+                </a:ext>
+              </a:extLst>
+            </p:cNvPr>
+            <p:cNvSpPr/>
+            <p:nvPr>
+              <p:extLst>
+                <p:ext uri="{386F3935-93C4-4BCD-93E2-E3B085C9AB24}">
+                  <p16:designElem xmlns:p16="http://schemas.microsoft.com/office/powerpoint/2015/main" val="1"/>
+                </p:ext>
+              </p:extLst>
+            </p:nvPr>
+          </p:nvSpPr>
+          <p:spPr>
+            <a:xfrm>
+              <a:off x="-1588" y="2667000"/>
+              <a:ext cx="4191000" cy="4191000"/>
+            </a:xfrm>
+            <a:prstGeom prst="ellipse">
+              <a:avLst/>
+            </a:prstGeom>
+            <a:gradFill flip="none" rotWithShape="1">
+              <a:gsLst>
+                <a:gs pos="0">
+                  <a:schemeClr val="accent5">
+                    <a:alpha val="11000"/>
+                  </a:schemeClr>
+                </a:gs>
+                <a:gs pos="75000">
+                  <a:schemeClr val="accent5">
+                    <a:alpha val="0"/>
+                  </a:schemeClr>
+                </a:gs>
+                <a:gs pos="36000">
+                  <a:schemeClr val="accent5">
+                    <a:alpha val="10000"/>
+                  </a:schemeClr>
+                </a:gs>
+              </a:gsLst>
+              <a:path path="circle">
+                <a:fillToRect l="50000" t="50000" r="50000" b="50000"/>
+              </a:path>
+              <a:tileRect/>
+            </a:gradFill>
+            <a:ln>
+              <a:noFill/>
+            </a:ln>
+            <a:effectLst/>
+          </p:spPr>
+          <p:style>
+            <a:lnRef idx="1">
+              <a:schemeClr val="accent1"/>
+            </a:lnRef>
+            <a:fillRef idx="3">
+              <a:schemeClr val="accent1"/>
+            </a:fillRef>
+            <a:effectRef idx="2">
+              <a:schemeClr val="accent1"/>
+            </a:effectRef>
+            <a:fontRef idx="minor">
+              <a:schemeClr val="lt1"/>
+            </a:fontRef>
+          </p:style>
+        </p:sp>
+        <p:sp>
+          <p:nvSpPr>
+            <p:cNvPr id="20" name="Rectangle 19">
+              <a:extLst>
+                <a:ext uri="{FF2B5EF4-FFF2-40B4-BE49-F238E27FC236}">
+                  <a16:creationId xmlns:a16="http://schemas.microsoft.com/office/drawing/2014/main" id="{7DDD86E2-5424-44EC-A189-3E2DDD38DD7B}"/>
+                </a:ext>
+                <a:ext uri="{C183D7F6-B498-43B3-948B-1728B52AA6E4}">
+                  <adec:decorative xmlns:adec="http://schemas.microsoft.com/office/drawing/2017/decorative" val="1"/>
+                </a:ext>
+              </a:extLst>
+            </p:cNvPr>
+            <p:cNvSpPr/>
+            <p:nvPr>
+              <p:extLst>
+                <p:ext uri="{386F3935-93C4-4BCD-93E2-E3B085C9AB24}">
+                  <p16:designElem xmlns:p16="http://schemas.microsoft.com/office/powerpoint/2015/main" val="1"/>
+                </p:ext>
+              </p:extLst>
+            </p:nvPr>
+          </p:nvSpPr>
+          <p:spPr>
+            <a:xfrm>
+              <a:off x="5713412" y="402165"/>
+              <a:ext cx="6055253" cy="6053670"/>
             </a:xfrm>
             <a:prstGeom prst="rect">
               <a:avLst/>
@@ -19905,10 +22789,10 @@
         </p:sp>
         <p:sp>
           <p:nvSpPr>
-            <p:cNvPr id="24" name="Freeform 5">
+            <p:cNvPr id="21" name="Freeform 5">
               <a:extLst>
                 <a:ext uri="{FF2B5EF4-FFF2-40B4-BE49-F238E27FC236}">
-                  <a16:creationId xmlns:a16="http://schemas.microsoft.com/office/drawing/2014/main" id="{95AD3905-A7DD-4026-B7FD-C203CC3052E8}"/>
+                  <a16:creationId xmlns:a16="http://schemas.microsoft.com/office/drawing/2014/main" id="{4F8CFC5E-B977-45D3-A7A8-A4EDF8C88A6E}"/>
                 </a:ext>
                 <a:ext uri="{C183D7F6-B498-43B3-948B-1728B52AA6E4}">
                   <adec:decorative xmlns:adec="http://schemas.microsoft.com/office/drawing/2017/decorative" val="1"/>
@@ -19925,8 +22809,8 @@
             </p:nvPr>
           </p:nvSpPr>
           <p:spPr bwMode="gray">
-            <a:xfrm rot="5400000" flipH="1">
-              <a:off x="4616676" y="2801722"/>
+            <a:xfrm rot="16200000">
+              <a:off x="2229377" y="2801721"/>
               <a:ext cx="6053670" cy="1254558"/>
             </a:xfrm>
             <a:custGeom>
@@ -20104,10 +22988,10 @@
         </p:sp>
         <p:sp>
           <p:nvSpPr>
-            <p:cNvPr id="25" name="Freeform 5">
+            <p:cNvPr id="22" name="Freeform 5">
               <a:extLst>
                 <a:ext uri="{FF2B5EF4-FFF2-40B4-BE49-F238E27FC236}">
-                  <a16:creationId xmlns:a16="http://schemas.microsoft.com/office/drawing/2014/main" id="{467A9BDB-6572-473C-B2E5-C1AC2F7163D1}"/>
+                  <a16:creationId xmlns:a16="http://schemas.microsoft.com/office/drawing/2014/main" id="{A347F91F-7A0C-4FD7-AC29-DCAF67A2E561}"/>
                 </a:ext>
                 <a:ext uri="{C183D7F6-B498-43B3-948B-1728B52AA6E4}">
                   <adec:decorative xmlns:adec="http://schemas.microsoft.com/office/drawing/2017/decorative" val="1"/>
@@ -20124,8 +23008,8 @@
             </p:nvPr>
           </p:nvSpPr>
           <p:spPr bwMode="gray">
-            <a:xfrm rot="5677511" flipH="1">
-              <a:off x="6459831" y="1826079"/>
+            <a:xfrm rot="15922489">
+              <a:off x="3140485" y="1826078"/>
               <a:ext cx="3299407" cy="440924"/>
             </a:xfrm>
             <a:custGeom>
@@ -20264,49 +23148,853 @@
             </a:ln>
           </p:spPr>
         </p:sp>
+        <p:sp>
+          <p:nvSpPr>
+            <p:cNvPr id="23" name="Freeform 5">
+              <a:extLst>
+                <a:ext uri="{FF2B5EF4-FFF2-40B4-BE49-F238E27FC236}">
+                  <a16:creationId xmlns:a16="http://schemas.microsoft.com/office/drawing/2014/main" id="{1FD264AA-C656-4350-AD8E-3E13639C02B9}"/>
+                </a:ext>
+                <a:ext uri="{C183D7F6-B498-43B3-948B-1728B52AA6E4}">
+                  <adec:decorative xmlns:adec="http://schemas.microsoft.com/office/drawing/2017/decorative" val="1"/>
+                </a:ext>
+              </a:extLst>
+            </p:cNvPr>
+            <p:cNvSpPr>
+              <a:spLocks noEditPoints="1"/>
+            </p:cNvSpPr>
+            <p:nvPr>
+              <p:extLst>
+                <p:ext uri="{386F3935-93C4-4BCD-93E2-E3B085C9AB24}">
+                  <p16:designElem xmlns:p16="http://schemas.microsoft.com/office/powerpoint/2015/main" val="1"/>
+                </p:ext>
+              </p:extLst>
+            </p:nvPr>
+          </p:nvSpPr>
+          <p:spPr bwMode="gray">
+            <a:xfrm>
+              <a:off x="0" y="1587"/>
+              <a:ext cx="12192000" cy="6856413"/>
+            </a:xfrm>
+            <a:custGeom>
+              <a:avLst/>
+              <a:gdLst/>
+              <a:ahLst/>
+              <a:cxnLst/>
+              <a:rect l="0" t="0" r="r" b="b"/>
+              <a:pathLst>
+                <a:path w="15356" h="8638">
+                  <a:moveTo>
+                    <a:pt x="0" y="0"/>
+                  </a:moveTo>
+                  <a:lnTo>
+                    <a:pt x="0" y="8638"/>
+                  </a:lnTo>
+                  <a:lnTo>
+                    <a:pt x="15356" y="8638"/>
+                  </a:lnTo>
+                  <a:lnTo>
+                    <a:pt x="15356" y="0"/>
+                  </a:lnTo>
+                  <a:lnTo>
+                    <a:pt x="0" y="0"/>
+                  </a:lnTo>
+                  <a:close/>
+                  <a:moveTo>
+                    <a:pt x="14748" y="8038"/>
+                  </a:moveTo>
+                  <a:lnTo>
+                    <a:pt x="600" y="8038"/>
+                  </a:lnTo>
+                  <a:lnTo>
+                    <a:pt x="600" y="592"/>
+                  </a:lnTo>
+                  <a:lnTo>
+                    <a:pt x="14748" y="592"/>
+                  </a:lnTo>
+                  <a:lnTo>
+                    <a:pt x="14748" y="8038"/>
+                  </a:lnTo>
+                  <a:close/>
+                </a:path>
+              </a:pathLst>
+            </a:custGeom>
+            <a:solidFill>
+              <a:schemeClr val="bg1"/>
+            </a:solidFill>
+            <a:ln>
+              <a:noFill/>
+            </a:ln>
+          </p:spPr>
+        </p:sp>
       </p:grpSp>
+      <p:sp>
+        <p:nvSpPr>
+          <p:cNvPr id="25" name="Rectangle 24">
+            <a:extLst>
+              <a:ext uri="{FF2B5EF4-FFF2-40B4-BE49-F238E27FC236}">
+                <a16:creationId xmlns:a16="http://schemas.microsoft.com/office/drawing/2014/main" id="{C4EF29AB-620C-4783-9B23-EACEB54D7836}"/>
+              </a:ext>
+              <a:ext uri="{C183D7F6-B498-43B3-948B-1728B52AA6E4}">
+                <adec:decorative xmlns:adec="http://schemas.microsoft.com/office/drawing/2017/decorative" val="1"/>
+              </a:ext>
+            </a:extLst>
+          </p:cNvPr>
+          <p:cNvSpPr>
+            <a:spLocks noGrp="1" noRot="1" noChangeAspect="1" noMove="1" noResize="1" noEditPoints="1" noAdjustHandles="1" noChangeArrowheads="1" noChangeShapeType="1" noTextEdit="1"/>
+          </p:cNvSpPr>
+          <p:nvPr>
+            <p:extLst>
+              <p:ext uri="{386F3935-93C4-4BCD-93E2-E3B085C9AB24}">
+                <p16:designElem xmlns:p16="http://schemas.microsoft.com/office/powerpoint/2015/main" val="1"/>
+              </p:ext>
+            </p:extLst>
+          </p:nvPr>
+        </p:nvSpPr>
+        <p:spPr>
+          <a:xfrm>
+            <a:off x="10437812" y="0"/>
+            <a:ext cx="685800" cy="1143000"/>
+          </a:xfrm>
+          <a:prstGeom prst="rect">
+            <a:avLst/>
+          </a:prstGeom>
+          <a:solidFill>
+            <a:schemeClr val="accent1"/>
+          </a:solidFill>
+          <a:ln>
+            <a:noFill/>
+          </a:ln>
+        </p:spPr>
+        <p:style>
+          <a:lnRef idx="1">
+            <a:schemeClr val="accent1"/>
+          </a:lnRef>
+          <a:fillRef idx="3">
+            <a:schemeClr val="accent1"/>
+          </a:fillRef>
+          <a:effectRef idx="2">
+            <a:schemeClr val="accent1"/>
+          </a:effectRef>
+          <a:fontRef idx="minor">
+            <a:schemeClr val="lt1"/>
+          </a:fontRef>
+        </p:style>
+      </p:sp>
       <p:pic>
         <p:nvPicPr>
-          <p:cNvPr id="5" name="Segnaposto contenuto 4" descr="Immagine che contiene screenshot&#10;&#10;Descrizione generata automaticamente">
+          <p:cNvPr id="4" name="Immagine 3">
             <a:extLst>
               <a:ext uri="{FF2B5EF4-FFF2-40B4-BE49-F238E27FC236}">
-                <a16:creationId xmlns:a16="http://schemas.microsoft.com/office/drawing/2014/main" id="{55BAB3B0-F296-430E-8C92-E4B748F4F488}"/>
+                <a16:creationId xmlns:a16="http://schemas.microsoft.com/office/drawing/2014/main" id="{6856CB08-07CC-43DC-B0A3-3B1868A16763}"/>
               </a:ext>
             </a:extLst>
           </p:cNvPr>
           <p:cNvPicPr>
-            <a:picLocks noGrp="1" noChangeAspect="1"/>
+            <a:picLocks noChangeAspect="1"/>
           </p:cNvPicPr>
-          <p:nvPr>
-            <p:ph idx="1"/>
-          </p:nvPr>
+          <p:nvPr/>
         </p:nvPicPr>
         <p:blipFill>
-          <a:blip r:embed="rId3"/>
+          <a:blip r:embed="rId4"/>
           <a:stretch>
             <a:fillRect/>
           </a:stretch>
         </p:blipFill>
         <p:spPr>
           <a:xfrm>
-            <a:off x="1143000" y="1114621"/>
-            <a:ext cx="5788779" cy="4756334"/>
+            <a:off x="5635846" y="1258388"/>
+            <a:ext cx="5785605" cy="4755292"/>
           </a:xfrm>
           <a:prstGeom prst="rect">
             <a:avLst/>
           </a:prstGeom>
         </p:spPr>
       </p:pic>
+      <p:sp>
+        <p:nvSpPr>
+          <p:cNvPr id="6" name="Ovale 5">
+            <a:extLst>
+              <a:ext uri="{FF2B5EF4-FFF2-40B4-BE49-F238E27FC236}">
+                <a16:creationId xmlns:a16="http://schemas.microsoft.com/office/drawing/2014/main" id="{AD9BF8DD-8231-44C0-9BFF-B63E5862ACBC}"/>
+              </a:ext>
+            </a:extLst>
+          </p:cNvPr>
+          <p:cNvSpPr/>
+          <p:nvPr/>
+        </p:nvSpPr>
+        <p:spPr>
+          <a:xfrm>
+            <a:off x="9535064" y="1143000"/>
+            <a:ext cx="2030083" cy="639792"/>
+          </a:xfrm>
+          <a:prstGeom prst="ellipse">
+            <a:avLst/>
+          </a:prstGeom>
+          <a:noFill/>
+          <a:ln>
+            <a:solidFill>
+              <a:srgbClr val="FF0000"/>
+            </a:solidFill>
+          </a:ln>
+        </p:spPr>
+        <p:style>
+          <a:lnRef idx="2">
+            <a:schemeClr val="accent1">
+              <a:shade val="50000"/>
+            </a:schemeClr>
+          </a:lnRef>
+          <a:fillRef idx="1">
+            <a:schemeClr val="accent1"/>
+          </a:fillRef>
+          <a:effectRef idx="0">
+            <a:schemeClr val="accent1"/>
+          </a:effectRef>
+          <a:fontRef idx="minor">
+            <a:schemeClr val="lt1"/>
+          </a:fontRef>
+        </p:style>
+        <p:txBody>
+          <a:bodyPr rtlCol="0" anchor="ctr"/>
+          <a:lstStyle/>
+          <a:p>
+            <a:pPr algn="ctr"/>
+            <a:endParaRPr lang="it-IT"/>
+          </a:p>
+        </p:txBody>
+      </p:sp>
+      <p:pic>
+        <p:nvPicPr>
+          <p:cNvPr id="7" name="Immagine 6">
+            <a:extLst>
+              <a:ext uri="{FF2B5EF4-FFF2-40B4-BE49-F238E27FC236}">
+                <a16:creationId xmlns:a16="http://schemas.microsoft.com/office/drawing/2014/main" id="{AA7422E8-A96B-4915-B3FD-2DF2697BFA21}"/>
+              </a:ext>
+            </a:extLst>
+          </p:cNvPr>
+          <p:cNvPicPr>
+            <a:picLocks noChangeAspect="1"/>
+          </p:cNvPicPr>
+          <p:nvPr/>
+        </p:nvPicPr>
+        <p:blipFill>
+          <a:blip r:embed="rId5"/>
+          <a:stretch>
+            <a:fillRect/>
+          </a:stretch>
+        </p:blipFill>
+        <p:spPr>
+          <a:xfrm>
+            <a:off x="7602612" y="3382484"/>
+            <a:ext cx="2048434" cy="652329"/>
+          </a:xfrm>
+          <a:prstGeom prst="rect">
+            <a:avLst/>
+          </a:prstGeom>
+        </p:spPr>
+      </p:pic>
+      <p:pic>
+        <p:nvPicPr>
+          <p:cNvPr id="8" name="Immagine 7">
+            <a:extLst>
+              <a:ext uri="{FF2B5EF4-FFF2-40B4-BE49-F238E27FC236}">
+                <a16:creationId xmlns:a16="http://schemas.microsoft.com/office/drawing/2014/main" id="{87A8F204-3B05-4751-ACAF-914DD2D08F98}"/>
+              </a:ext>
+            </a:extLst>
+          </p:cNvPr>
+          <p:cNvPicPr>
+            <a:picLocks noChangeAspect="1"/>
+          </p:cNvPicPr>
+          <p:nvPr/>
+        </p:nvPicPr>
+        <p:blipFill>
+          <a:blip r:embed="rId5"/>
+          <a:stretch>
+            <a:fillRect/>
+          </a:stretch>
+        </p:blipFill>
+        <p:spPr>
+          <a:xfrm>
+            <a:off x="5940647" y="4523318"/>
+            <a:ext cx="2048434" cy="652329"/>
+          </a:xfrm>
+          <a:prstGeom prst="rect">
+            <a:avLst/>
+          </a:prstGeom>
+        </p:spPr>
+      </p:pic>
+      <p:pic>
+        <p:nvPicPr>
+          <p:cNvPr id="9" name="Immagine 8">
+            <a:extLst>
+              <a:ext uri="{FF2B5EF4-FFF2-40B4-BE49-F238E27FC236}">
+                <a16:creationId xmlns:a16="http://schemas.microsoft.com/office/drawing/2014/main" id="{DDFB1B99-415C-4DF5-84C3-AFF604F2605E}"/>
+              </a:ext>
+            </a:extLst>
+          </p:cNvPr>
+          <p:cNvPicPr>
+            <a:picLocks noChangeAspect="1"/>
+          </p:cNvPicPr>
+          <p:nvPr/>
+        </p:nvPicPr>
+        <p:blipFill>
+          <a:blip r:embed="rId5"/>
+          <a:stretch>
+            <a:fillRect/>
+          </a:stretch>
+        </p:blipFill>
+        <p:spPr>
+          <a:xfrm>
+            <a:off x="8429445" y="4543113"/>
+            <a:ext cx="2819400" cy="652329"/>
+          </a:xfrm>
+          <a:prstGeom prst="rect">
+            <a:avLst/>
+          </a:prstGeom>
+        </p:spPr>
+      </p:pic>
+      <p:sp>
+        <p:nvSpPr>
+          <p:cNvPr id="24" name="Titolo 1">
+            <a:extLst>
+              <a:ext uri="{FF2B5EF4-FFF2-40B4-BE49-F238E27FC236}">
+                <a16:creationId xmlns:a16="http://schemas.microsoft.com/office/drawing/2014/main" id="{9F87B602-23BC-43AC-BB39-43F3BFD3A2F3}"/>
+              </a:ext>
+            </a:extLst>
+          </p:cNvPr>
+          <p:cNvSpPr txBox="1">
+            <a:spLocks/>
+          </p:cNvSpPr>
+          <p:nvPr/>
+        </p:nvSpPr>
+        <p:spPr bwMode="gray">
+          <a:xfrm>
+            <a:off x="1154955" y="973668"/>
+            <a:ext cx="3178260" cy="1020232"/>
+          </a:xfrm>
+          <a:prstGeom prst="rect">
+            <a:avLst/>
+          </a:prstGeom>
+        </p:spPr>
+        <p:txBody>
+          <a:bodyPr vert="horz" lIns="91440" tIns="45720" rIns="91440" bIns="45720" rtlCol="0" anchor="ctr">
+            <a:normAutofit/>
+          </a:bodyPr>
+          <a:lstStyle>
+            <a:lvl1pPr algn="l" defTabSz="457200" rtl="0" eaLnBrk="1" latinLnBrk="0" hangingPunct="1">
+              <a:spcBef>
+                <a:spcPct val="0"/>
+              </a:spcBef>
+              <a:buNone/>
+              <a:defRPr sz="3600" b="0" i="0" kern="1200">
+                <a:solidFill>
+                  <a:schemeClr val="bg2"/>
+                </a:solidFill>
+                <a:latin typeface="+mj-lt"/>
+                <a:ea typeface="+mj-ea"/>
+                <a:cs typeface="+mj-cs"/>
+              </a:defRPr>
+            </a:lvl1pPr>
+            <a:lvl2pPr eaLnBrk="1" hangingPunct="1">
+              <a:defRPr>
+                <a:solidFill>
+                  <a:schemeClr val="tx2"/>
+                </a:solidFill>
+              </a:defRPr>
+            </a:lvl2pPr>
+            <a:lvl3pPr eaLnBrk="1" hangingPunct="1">
+              <a:defRPr>
+                <a:solidFill>
+                  <a:schemeClr val="tx2"/>
+                </a:solidFill>
+              </a:defRPr>
+            </a:lvl3pPr>
+            <a:lvl4pPr eaLnBrk="1" hangingPunct="1">
+              <a:defRPr>
+                <a:solidFill>
+                  <a:schemeClr val="tx2"/>
+                </a:solidFill>
+              </a:defRPr>
+            </a:lvl4pPr>
+            <a:lvl5pPr eaLnBrk="1" hangingPunct="1">
+              <a:defRPr>
+                <a:solidFill>
+                  <a:schemeClr val="tx2"/>
+                </a:solidFill>
+              </a:defRPr>
+            </a:lvl5pPr>
+            <a:lvl6pPr eaLnBrk="1" hangingPunct="1">
+              <a:defRPr>
+                <a:solidFill>
+                  <a:schemeClr val="tx2"/>
+                </a:solidFill>
+              </a:defRPr>
+            </a:lvl6pPr>
+            <a:lvl7pPr eaLnBrk="1" hangingPunct="1">
+              <a:defRPr>
+                <a:solidFill>
+                  <a:schemeClr val="tx2"/>
+                </a:solidFill>
+              </a:defRPr>
+            </a:lvl7pPr>
+            <a:lvl8pPr eaLnBrk="1" hangingPunct="1">
+              <a:defRPr>
+                <a:solidFill>
+                  <a:schemeClr val="tx2"/>
+                </a:solidFill>
+              </a:defRPr>
+            </a:lvl8pPr>
+            <a:lvl9pPr eaLnBrk="1" hangingPunct="1">
+              <a:defRPr>
+                <a:solidFill>
+                  <a:schemeClr val="tx2"/>
+                </a:solidFill>
+              </a:defRPr>
+            </a:lvl9pPr>
+          </a:lstStyle>
+          <a:p>
+            <a:pPr>
+              <a:lnSpc>
+                <a:spcPct val="90000"/>
+              </a:lnSpc>
+            </a:pPr>
+            <a:r>
+              <a:rPr lang="it-IT" sz="3300" dirty="0"/>
+              <a:t>ASGAL</a:t>
+            </a:r>
+          </a:p>
+        </p:txBody>
+      </p:sp>
+      <p:sp>
+        <p:nvSpPr>
+          <p:cNvPr id="26" name="Content Placeholder 11">
+            <a:extLst>
+              <a:ext uri="{FF2B5EF4-FFF2-40B4-BE49-F238E27FC236}">
+                <a16:creationId xmlns:a16="http://schemas.microsoft.com/office/drawing/2014/main" id="{ED209B05-A92A-4915-A5DA-A15885FCACD5}"/>
+              </a:ext>
+            </a:extLst>
+          </p:cNvPr>
+          <p:cNvSpPr>
+            <a:spLocks noGrp="1"/>
+          </p:cNvSpPr>
+          <p:nvPr>
+            <p:ph idx="1"/>
+          </p:nvPr>
+        </p:nvSpPr>
+        <p:spPr>
+          <a:xfrm>
+            <a:off x="1154955" y="2120900"/>
+            <a:ext cx="3133726" cy="3898900"/>
+          </a:xfrm>
+        </p:spPr>
+        <p:txBody>
+          <a:bodyPr>
+            <a:normAutofit lnSpcReduction="10000"/>
+          </a:bodyPr>
+          <a:lstStyle/>
+          <a:p>
+            <a:r>
+              <a:rPr lang="en-US" b="1" dirty="0">
+                <a:solidFill>
+                  <a:schemeClr val="bg1"/>
+                </a:solidFill>
+              </a:rPr>
+              <a:t>ASGAL </a:t>
+            </a:r>
+            <a:r>
+              <a:rPr lang="en-US" dirty="0" err="1">
+                <a:solidFill>
+                  <a:schemeClr val="bg1"/>
+                </a:solidFill>
+              </a:rPr>
+              <a:t>sta</a:t>
+            </a:r>
+            <a:r>
+              <a:rPr lang="en-US" dirty="0">
+                <a:solidFill>
+                  <a:schemeClr val="bg1"/>
+                </a:solidFill>
+              </a:rPr>
+              <a:t> per “Alternative Splicing Graph </a:t>
+            </a:r>
+            <a:r>
+              <a:rPr lang="en-US" dirty="0" err="1">
+                <a:solidFill>
+                  <a:schemeClr val="bg1"/>
+                </a:solidFill>
+              </a:rPr>
+              <a:t>ALigner</a:t>
+            </a:r>
+            <a:r>
+              <a:rPr lang="en-US" dirty="0">
+                <a:solidFill>
+                  <a:schemeClr val="bg1"/>
+                </a:solidFill>
+              </a:rPr>
+              <a:t>”</a:t>
+            </a:r>
+          </a:p>
+          <a:p>
+            <a:r>
+              <a:rPr lang="en-US" dirty="0" err="1">
+                <a:solidFill>
+                  <a:schemeClr val="bg1"/>
+                </a:solidFill>
+              </a:rPr>
+              <a:t>Rileva</a:t>
+            </a:r>
+            <a:r>
+              <a:rPr lang="en-US" dirty="0">
+                <a:solidFill>
+                  <a:schemeClr val="bg1"/>
+                </a:solidFill>
+              </a:rPr>
+              <a:t> </a:t>
+            </a:r>
+            <a:r>
+              <a:rPr lang="en-US" dirty="0" err="1">
+                <a:solidFill>
+                  <a:schemeClr val="bg1"/>
+                </a:solidFill>
+              </a:rPr>
+              <a:t>eventi</a:t>
+            </a:r>
+            <a:r>
+              <a:rPr lang="en-US" dirty="0">
+                <a:solidFill>
+                  <a:schemeClr val="bg1"/>
+                </a:solidFill>
+              </a:rPr>
+              <a:t> di Alternative Splicing a </a:t>
+            </a:r>
+            <a:r>
+              <a:rPr lang="en-US" dirty="0" err="1">
+                <a:solidFill>
+                  <a:schemeClr val="bg1"/>
+                </a:solidFill>
+              </a:rPr>
+              <a:t>partire</a:t>
+            </a:r>
+            <a:r>
+              <a:rPr lang="en-US" dirty="0">
+                <a:solidFill>
+                  <a:schemeClr val="bg1"/>
+                </a:solidFill>
+              </a:rPr>
+              <a:t> da </a:t>
+            </a:r>
+            <a:r>
+              <a:rPr lang="en-US" dirty="0" err="1">
+                <a:solidFill>
+                  <a:schemeClr val="bg1"/>
+                </a:solidFill>
+              </a:rPr>
+              <a:t>campioni</a:t>
+            </a:r>
+            <a:r>
+              <a:rPr lang="en-US" dirty="0">
+                <a:solidFill>
+                  <a:schemeClr val="bg1"/>
+                </a:solidFill>
+              </a:rPr>
+              <a:t> di </a:t>
+            </a:r>
+            <a:r>
+              <a:rPr lang="en-US" b="1" dirty="0">
+                <a:solidFill>
+                  <a:schemeClr val="bg1"/>
+                </a:solidFill>
+              </a:rPr>
+              <a:t>RNA</a:t>
+            </a:r>
+          </a:p>
+          <a:p>
+            <a:r>
+              <a:rPr lang="en-US" b="1" u="sng" dirty="0" err="1">
+                <a:solidFill>
+                  <a:schemeClr val="bg1"/>
+                </a:solidFill>
+              </a:rPr>
+              <a:t>Obiettivo</a:t>
+            </a:r>
+            <a:r>
+              <a:rPr lang="en-US" b="1" u="sng" dirty="0">
+                <a:solidFill>
+                  <a:schemeClr val="bg1"/>
+                </a:solidFill>
+              </a:rPr>
+              <a:t> stage</a:t>
+            </a:r>
+            <a:r>
+              <a:rPr lang="en-US" dirty="0">
+                <a:solidFill>
+                  <a:schemeClr val="bg1"/>
+                </a:solidFill>
+              </a:rPr>
+              <a:t>: </a:t>
+            </a:r>
+            <a:r>
+              <a:rPr lang="en-US" dirty="0" err="1">
+                <a:solidFill>
+                  <a:schemeClr val="bg1"/>
+                </a:solidFill>
+              </a:rPr>
+              <a:t>estendere</a:t>
+            </a:r>
+            <a:r>
+              <a:rPr lang="en-US" dirty="0">
+                <a:solidFill>
+                  <a:schemeClr val="bg1"/>
+                </a:solidFill>
+              </a:rPr>
+              <a:t> ASGAL per </a:t>
+            </a:r>
+            <a:r>
+              <a:rPr lang="en-US" dirty="0" err="1">
+                <a:solidFill>
+                  <a:schemeClr val="bg1"/>
+                </a:solidFill>
+              </a:rPr>
+              <a:t>supportare</a:t>
+            </a:r>
+            <a:r>
+              <a:rPr lang="en-US" dirty="0">
+                <a:solidFill>
+                  <a:schemeClr val="bg1"/>
+                </a:solidFill>
+              </a:rPr>
+              <a:t> read paired-end, </a:t>
+            </a:r>
+            <a:r>
+              <a:rPr lang="en-US" dirty="0" err="1">
+                <a:solidFill>
+                  <a:schemeClr val="bg1"/>
+                </a:solidFill>
+              </a:rPr>
+              <a:t>incrementandone</a:t>
+            </a:r>
+            <a:r>
+              <a:rPr lang="en-US" dirty="0">
+                <a:solidFill>
+                  <a:schemeClr val="bg1"/>
+                </a:solidFill>
+              </a:rPr>
+              <a:t> le </a:t>
+            </a:r>
+            <a:r>
+              <a:rPr lang="en-US" dirty="0" err="1">
+                <a:solidFill>
+                  <a:schemeClr val="bg1"/>
+                </a:solidFill>
+              </a:rPr>
+              <a:t>capacità</a:t>
+            </a:r>
+            <a:r>
+              <a:rPr lang="en-US" dirty="0">
+                <a:solidFill>
+                  <a:schemeClr val="bg1"/>
+                </a:solidFill>
+              </a:rPr>
+              <a:t> di </a:t>
+            </a:r>
+            <a:r>
+              <a:rPr lang="en-US" dirty="0" err="1">
+                <a:solidFill>
+                  <a:schemeClr val="bg1"/>
+                </a:solidFill>
+              </a:rPr>
+              <a:t>rilevazione</a:t>
+            </a:r>
+            <a:r>
+              <a:rPr lang="en-US" dirty="0">
+                <a:solidFill>
+                  <a:schemeClr val="bg1"/>
+                </a:solidFill>
+              </a:rPr>
+              <a:t> </a:t>
+            </a:r>
+          </a:p>
+          <a:p>
+            <a:pPr marL="0" indent="0">
+              <a:buNone/>
+            </a:pPr>
+            <a:endParaRPr lang="en-US" dirty="0">
+              <a:solidFill>
+                <a:schemeClr val="bg1"/>
+              </a:solidFill>
+            </a:endParaRPr>
+          </a:p>
+        </p:txBody>
+      </p:sp>
     </p:spTree>
     <p:extLst>
       <p:ext uri="{BB962C8B-B14F-4D97-AF65-F5344CB8AC3E}">
-        <p14:creationId xmlns:p14="http://schemas.microsoft.com/office/powerpoint/2010/main" val="2270121580"/>
+        <p14:creationId xmlns:p14="http://schemas.microsoft.com/office/powerpoint/2010/main" val="2663704618"/>
       </p:ext>
     </p:extLst>
   </p:cSld>
   <p:clrMapOvr>
     <a:masterClrMapping/>
   </p:clrMapOvr>
+  <p:timing>
+    <p:tnLst>
+      <p:par>
+        <p:cTn id="1" dur="indefinite" restart="never" nodeType="tmRoot">
+          <p:childTnLst>
+            <p:seq concurrent="1" nextAc="seek">
+              <p:cTn id="2" dur="indefinite" nodeType="mainSeq">
+                <p:childTnLst>
+                  <p:par>
+                    <p:cTn id="3" fill="hold">
+                      <p:stCondLst>
+                        <p:cond delay="indefinite"/>
+                      </p:stCondLst>
+                      <p:childTnLst>
+                        <p:par>
+                          <p:cTn id="4" fill="hold">
+                            <p:stCondLst>
+                              <p:cond delay="0"/>
+                            </p:stCondLst>
+                            <p:childTnLst>
+                              <p:par>
+                                <p:cTn id="5" presetID="1" presetClass="entr" presetSubtype="0" fill="hold" grpId="0" nodeType="clickEffect">
+                                  <p:stCondLst>
+                                    <p:cond delay="0"/>
+                                  </p:stCondLst>
+                                  <p:childTnLst>
+                                    <p:set>
+                                      <p:cBhvr>
+                                        <p:cTn id="6" dur="1" fill="hold">
+                                          <p:stCondLst>
+                                            <p:cond delay="0"/>
+                                          </p:stCondLst>
+                                        </p:cTn>
+                                        <p:tgtEl>
+                                          <p:spTgt spid="6"/>
+                                        </p:tgtEl>
+                                        <p:attrNameLst>
+                                          <p:attrName>style.visibility</p:attrName>
+                                        </p:attrNameLst>
+                                      </p:cBhvr>
+                                      <p:to>
+                                        <p:strVal val="visible"/>
+                                      </p:to>
+                                    </p:set>
+                                  </p:childTnLst>
+                                </p:cTn>
+                              </p:par>
+                              <p:par>
+                                <p:cTn id="7" presetID="1" presetClass="entr" presetSubtype="0" fill="hold" nodeType="withEffect">
+                                  <p:stCondLst>
+                                    <p:cond delay="0"/>
+                                  </p:stCondLst>
+                                  <p:childTnLst>
+                                    <p:set>
+                                      <p:cBhvr>
+                                        <p:cTn id="8" dur="1" fill="hold">
+                                          <p:stCondLst>
+                                            <p:cond delay="0"/>
+                                          </p:stCondLst>
+                                        </p:cTn>
+                                        <p:tgtEl>
+                                          <p:spTgt spid="7"/>
+                                        </p:tgtEl>
+                                        <p:attrNameLst>
+                                          <p:attrName>style.visibility</p:attrName>
+                                        </p:attrNameLst>
+                                      </p:cBhvr>
+                                      <p:to>
+                                        <p:strVal val="visible"/>
+                                      </p:to>
+                                    </p:set>
+                                  </p:childTnLst>
+                                </p:cTn>
+                              </p:par>
+                              <p:par>
+                                <p:cTn id="9" presetID="1" presetClass="entr" presetSubtype="0" fill="hold" nodeType="withEffect">
+                                  <p:stCondLst>
+                                    <p:cond delay="0"/>
+                                  </p:stCondLst>
+                                  <p:childTnLst>
+                                    <p:set>
+                                      <p:cBhvr>
+                                        <p:cTn id="10" dur="1" fill="hold">
+                                          <p:stCondLst>
+                                            <p:cond delay="0"/>
+                                          </p:stCondLst>
+                                        </p:cTn>
+                                        <p:tgtEl>
+                                          <p:spTgt spid="8"/>
+                                        </p:tgtEl>
+                                        <p:attrNameLst>
+                                          <p:attrName>style.visibility</p:attrName>
+                                        </p:attrNameLst>
+                                      </p:cBhvr>
+                                      <p:to>
+                                        <p:strVal val="visible"/>
+                                      </p:to>
+                                    </p:set>
+                                  </p:childTnLst>
+                                </p:cTn>
+                              </p:par>
+                              <p:par>
+                                <p:cTn id="11" presetID="1" presetClass="entr" presetSubtype="0" fill="hold" nodeType="withEffect">
+                                  <p:stCondLst>
+                                    <p:cond delay="0"/>
+                                  </p:stCondLst>
+                                  <p:childTnLst>
+                                    <p:set>
+                                      <p:cBhvr>
+                                        <p:cTn id="12" dur="1" fill="hold">
+                                          <p:stCondLst>
+                                            <p:cond delay="0"/>
+                                          </p:stCondLst>
+                                        </p:cTn>
+                                        <p:tgtEl>
+                                          <p:spTgt spid="9"/>
+                                        </p:tgtEl>
+                                        <p:attrNameLst>
+                                          <p:attrName>style.visibility</p:attrName>
+                                        </p:attrNameLst>
+                                      </p:cBhvr>
+                                      <p:to>
+                                        <p:strVal val="visible"/>
+                                      </p:to>
+                                    </p:set>
+                                  </p:childTnLst>
+                                </p:cTn>
+                              </p:par>
+                            </p:childTnLst>
+                          </p:cTn>
+                        </p:par>
+                      </p:childTnLst>
+                    </p:cTn>
+                  </p:par>
+                </p:childTnLst>
+              </p:cTn>
+              <p:prevCondLst>
+                <p:cond evt="onPrev" delay="0">
+                  <p:tgtEl>
+                    <p:sldTgt/>
+                  </p:tgtEl>
+                </p:cond>
+              </p:prevCondLst>
+              <p:nextCondLst>
+                <p:cond evt="onNext" delay="0">
+                  <p:tgtEl>
+                    <p:sldTgt/>
+                  </p:tgtEl>
+                </p:cond>
+              </p:nextCondLst>
+            </p:seq>
+          </p:childTnLst>
+        </p:cTn>
+      </p:par>
+    </p:tnLst>
+    <p:bldLst>
+      <p:bldP spid="6" grpId="0" animBg="1"/>
+    </p:bldLst>
+  </p:timing>
 </p:sld>
 </file>
 
@@ -20392,58 +24080,293 @@
         </p:blipFill>
         <p:spPr>
           <a:xfrm>
-            <a:off x="1154954" y="2492476"/>
+            <a:off x="1154954" y="2543053"/>
             <a:ext cx="5228303" cy="3465871"/>
           </a:xfrm>
         </p:spPr>
       </p:pic>
       <p:sp>
         <p:nvSpPr>
-          <p:cNvPr id="8" name="CasellaDiTesto 7">
+          <p:cNvPr id="7" name="Segnaposto contenuto 2">
             <a:extLst>
               <a:ext uri="{FF2B5EF4-FFF2-40B4-BE49-F238E27FC236}">
-                <a16:creationId xmlns:a16="http://schemas.microsoft.com/office/drawing/2014/main" id="{AB882E36-6DAC-448E-AE7B-5EBD8F9045DA}"/>
+                <a16:creationId xmlns:a16="http://schemas.microsoft.com/office/drawing/2014/main" id="{BDBCE5D1-B7F7-44AB-8271-D0DEAFCC0955}"/>
               </a:ext>
             </a:extLst>
           </p:cNvPr>
-          <p:cNvSpPr txBox="1"/>
+          <p:cNvSpPr txBox="1">
+            <a:spLocks/>
+          </p:cNvSpPr>
           <p:nvPr/>
         </p:nvSpPr>
         <p:spPr>
           <a:xfrm>
-            <a:off x="6894871" y="2706329"/>
-            <a:ext cx="4992329" cy="3139321"/>
+            <a:off x="6745567" y="2781780"/>
+            <a:ext cx="4734012" cy="3416300"/>
           </a:xfrm>
           <a:prstGeom prst="rect">
             <a:avLst/>
           </a:prstGeom>
-          <a:noFill/>
         </p:spPr>
         <p:txBody>
-          <a:bodyPr wrap="square" rtlCol="0">
-            <a:spAutoFit/>
+          <a:bodyPr vert="horz" lIns="91440" tIns="45720" rIns="91440" bIns="45720" rtlCol="0">
+            <a:normAutofit lnSpcReduction="10000"/>
           </a:bodyPr>
-          <a:lstStyle/>
+          <a:lstStyle>
+            <a:lvl1pPr marL="342900" indent="-342900" algn="l" defTabSz="457200" rtl="0" eaLnBrk="1" latinLnBrk="0" hangingPunct="1">
+              <a:spcBef>
+                <a:spcPts val="1000"/>
+              </a:spcBef>
+              <a:spcAft>
+                <a:spcPts val="0"/>
+              </a:spcAft>
+              <a:buClr>
+                <a:schemeClr val="accent1"/>
+              </a:buClr>
+              <a:buSzPct val="80000"/>
+              <a:buFont typeface="Wingdings 3" charset="2"/>
+              <a:buChar char=""/>
+              <a:defRPr sz="1800" b="0" i="0" kern="1200">
+                <a:solidFill>
+                  <a:schemeClr val="tx1">
+                    <a:lumMod val="75000"/>
+                    <a:lumOff val="25000"/>
+                  </a:schemeClr>
+                </a:solidFill>
+                <a:latin typeface="+mn-lt"/>
+                <a:ea typeface="+mn-ea"/>
+                <a:cs typeface="+mn-cs"/>
+              </a:defRPr>
+            </a:lvl1pPr>
+            <a:lvl2pPr marL="742950" indent="-285750" algn="l" defTabSz="457200" rtl="0" eaLnBrk="1" latinLnBrk="0" hangingPunct="1">
+              <a:spcBef>
+                <a:spcPts val="1000"/>
+              </a:spcBef>
+              <a:spcAft>
+                <a:spcPts val="0"/>
+              </a:spcAft>
+              <a:buClr>
+                <a:schemeClr val="accent1"/>
+              </a:buClr>
+              <a:buSzPct val="80000"/>
+              <a:buFont typeface="Wingdings 3" charset="2"/>
+              <a:buChar char=""/>
+              <a:defRPr sz="1600" b="0" i="0" kern="1200">
+                <a:solidFill>
+                  <a:schemeClr val="tx1">
+                    <a:lumMod val="75000"/>
+                    <a:lumOff val="25000"/>
+                  </a:schemeClr>
+                </a:solidFill>
+                <a:latin typeface="+mn-lt"/>
+                <a:ea typeface="+mn-ea"/>
+                <a:cs typeface="+mn-cs"/>
+              </a:defRPr>
+            </a:lvl2pPr>
+            <a:lvl3pPr marL="1143000" indent="-228600" algn="l" defTabSz="457200" rtl="0" eaLnBrk="1" latinLnBrk="0" hangingPunct="1">
+              <a:spcBef>
+                <a:spcPts val="1000"/>
+              </a:spcBef>
+              <a:spcAft>
+                <a:spcPts val="0"/>
+              </a:spcAft>
+              <a:buClr>
+                <a:schemeClr val="accent1"/>
+              </a:buClr>
+              <a:buSzPct val="80000"/>
+              <a:buFont typeface="Wingdings 3" charset="2"/>
+              <a:buChar char=""/>
+              <a:defRPr sz="1400" b="0" i="0" kern="1200">
+                <a:solidFill>
+                  <a:schemeClr val="tx1">
+                    <a:lumMod val="75000"/>
+                    <a:lumOff val="25000"/>
+                  </a:schemeClr>
+                </a:solidFill>
+                <a:latin typeface="+mn-lt"/>
+                <a:ea typeface="+mn-ea"/>
+                <a:cs typeface="+mn-cs"/>
+              </a:defRPr>
+            </a:lvl3pPr>
+            <a:lvl4pPr marL="1600200" indent="-228600" algn="l" defTabSz="457200" rtl="0" eaLnBrk="1" latinLnBrk="0" hangingPunct="1">
+              <a:spcBef>
+                <a:spcPts val="1000"/>
+              </a:spcBef>
+              <a:spcAft>
+                <a:spcPts val="0"/>
+              </a:spcAft>
+              <a:buClr>
+                <a:schemeClr val="accent1"/>
+              </a:buClr>
+              <a:buSzPct val="80000"/>
+              <a:buFont typeface="Wingdings 3" charset="2"/>
+              <a:buChar char=""/>
+              <a:defRPr sz="1200" b="0" i="0" kern="1200">
+                <a:solidFill>
+                  <a:schemeClr val="tx1">
+                    <a:lumMod val="75000"/>
+                    <a:lumOff val="25000"/>
+                  </a:schemeClr>
+                </a:solidFill>
+                <a:latin typeface="+mn-lt"/>
+                <a:ea typeface="+mn-ea"/>
+                <a:cs typeface="+mn-cs"/>
+              </a:defRPr>
+            </a:lvl4pPr>
+            <a:lvl5pPr marL="2057400" indent="-228600" algn="l" defTabSz="457200" rtl="0" eaLnBrk="1" latinLnBrk="0" hangingPunct="1">
+              <a:spcBef>
+                <a:spcPts val="1000"/>
+              </a:spcBef>
+              <a:spcAft>
+                <a:spcPts val="0"/>
+              </a:spcAft>
+              <a:buClr>
+                <a:schemeClr val="accent1"/>
+              </a:buClr>
+              <a:buSzPct val="80000"/>
+              <a:buFont typeface="Wingdings 3" charset="2"/>
+              <a:buChar char=""/>
+              <a:defRPr sz="1200" b="0" i="0" kern="1200">
+                <a:solidFill>
+                  <a:schemeClr val="tx1">
+                    <a:lumMod val="75000"/>
+                    <a:lumOff val="25000"/>
+                  </a:schemeClr>
+                </a:solidFill>
+                <a:latin typeface="+mn-lt"/>
+                <a:ea typeface="+mn-ea"/>
+                <a:cs typeface="+mn-cs"/>
+              </a:defRPr>
+            </a:lvl5pPr>
+            <a:lvl6pPr marL="2514600" indent="-228600" algn="l" defTabSz="457200" rtl="0" eaLnBrk="1" latinLnBrk="0" hangingPunct="1">
+              <a:spcBef>
+                <a:spcPts val="1000"/>
+              </a:spcBef>
+              <a:spcAft>
+                <a:spcPts val="0"/>
+              </a:spcAft>
+              <a:buClr>
+                <a:schemeClr val="accent1"/>
+              </a:buClr>
+              <a:buSzPct val="80000"/>
+              <a:buFont typeface="Wingdings 3" charset="2"/>
+              <a:buChar char=""/>
+              <a:defRPr sz="1200" b="0" i="0" kern="1200">
+                <a:solidFill>
+                  <a:schemeClr val="tx1">
+                    <a:lumMod val="75000"/>
+                    <a:lumOff val="25000"/>
+                  </a:schemeClr>
+                </a:solidFill>
+                <a:latin typeface="+mn-lt"/>
+                <a:ea typeface="+mn-ea"/>
+                <a:cs typeface="+mn-cs"/>
+              </a:defRPr>
+            </a:lvl6pPr>
+            <a:lvl7pPr marL="2971800" indent="-228600" algn="l" defTabSz="457200" rtl="0" eaLnBrk="1" latinLnBrk="0" hangingPunct="1">
+              <a:spcBef>
+                <a:spcPts val="1000"/>
+              </a:spcBef>
+              <a:spcAft>
+                <a:spcPts val="0"/>
+              </a:spcAft>
+              <a:buClr>
+                <a:schemeClr val="accent1"/>
+              </a:buClr>
+              <a:buSzPct val="80000"/>
+              <a:buFont typeface="Wingdings 3" charset="2"/>
+              <a:buChar char=""/>
+              <a:defRPr sz="1200" b="0" i="0" kern="1200">
+                <a:solidFill>
+                  <a:schemeClr val="tx1">
+                    <a:lumMod val="75000"/>
+                    <a:lumOff val="25000"/>
+                  </a:schemeClr>
+                </a:solidFill>
+                <a:latin typeface="+mn-lt"/>
+                <a:ea typeface="+mn-ea"/>
+                <a:cs typeface="+mn-cs"/>
+              </a:defRPr>
+            </a:lvl7pPr>
+            <a:lvl8pPr marL="3429000" indent="-228600" algn="l" defTabSz="457200" rtl="0" eaLnBrk="1" latinLnBrk="0" hangingPunct="1">
+              <a:spcBef>
+                <a:spcPts val="1000"/>
+              </a:spcBef>
+              <a:spcAft>
+                <a:spcPts val="0"/>
+              </a:spcAft>
+              <a:buClr>
+                <a:schemeClr val="accent1"/>
+              </a:buClr>
+              <a:buSzPct val="80000"/>
+              <a:buFont typeface="Wingdings 3" charset="2"/>
+              <a:buChar char=""/>
+              <a:defRPr sz="1200" b="0" i="0" kern="1200">
+                <a:solidFill>
+                  <a:schemeClr val="tx1">
+                    <a:lumMod val="75000"/>
+                    <a:lumOff val="25000"/>
+                  </a:schemeClr>
+                </a:solidFill>
+                <a:latin typeface="+mn-lt"/>
+                <a:ea typeface="+mn-ea"/>
+                <a:cs typeface="+mn-cs"/>
+              </a:defRPr>
+            </a:lvl8pPr>
+            <a:lvl9pPr marL="3886200" indent="-228600" algn="l" defTabSz="457200" rtl="0" eaLnBrk="1" latinLnBrk="0" hangingPunct="1">
+              <a:spcBef>
+                <a:spcPts val="1000"/>
+              </a:spcBef>
+              <a:spcAft>
+                <a:spcPts val="0"/>
+              </a:spcAft>
+              <a:buClr>
+                <a:schemeClr val="accent1"/>
+              </a:buClr>
+              <a:buSzPct val="80000"/>
+              <a:buFont typeface="Wingdings 3" charset="2"/>
+              <a:buChar char=""/>
+              <a:defRPr sz="1200" b="0" i="0" kern="1200">
+                <a:solidFill>
+                  <a:schemeClr val="tx1">
+                    <a:lumMod val="75000"/>
+                    <a:lumOff val="25000"/>
+                  </a:schemeClr>
+                </a:solidFill>
+                <a:latin typeface="+mn-lt"/>
+                <a:ea typeface="+mn-ea"/>
+                <a:cs typeface="+mn-cs"/>
+              </a:defRPr>
+            </a:lvl9pPr>
+          </a:lstStyle>
           <a:p>
             <a:r>
               <a:rPr lang="it-IT" dirty="0"/>
-              <a:t>Un MEM (</a:t>
-            </a:r>
-            <a:r>
-              <a:rPr lang="it-IT" dirty="0" err="1"/>
+              <a:t>Un </a:t>
+            </a:r>
+            <a:r>
+              <a:rPr lang="it-IT" b="1" dirty="0"/>
+              <a:t>MEM (</a:t>
+            </a:r>
+            <a:r>
+              <a:rPr lang="it-IT" b="1" dirty="0" err="1"/>
               <a:t>Maximal</a:t>
             </a:r>
             <a:r>
+              <a:rPr lang="it-IT" b="1" dirty="0"/>
+              <a:t> </a:t>
+            </a:r>
+            <a:r>
+              <a:rPr lang="it-IT" b="1" dirty="0" err="1"/>
+              <a:t>Exact</a:t>
+            </a:r>
+            <a:r>
+              <a:rPr lang="it-IT" b="1" dirty="0"/>
+              <a:t> Match) </a:t>
+            </a:r>
+            <a:r>
               <a:rPr lang="it-IT" dirty="0"/>
-              <a:t> </a:t>
-            </a:r>
-            <a:r>
-              <a:rPr lang="it-IT" dirty="0" err="1"/>
-              <a:t>Exact</a:t>
-            </a:r>
-            <a:r>
-              <a:rPr lang="it-IT" dirty="0"/>
-              <a:t> Match) è una tripla (</a:t>
+              <a:t>è una tripla (</a:t>
             </a:r>
             <a:r>
               <a:rPr lang="it-IT" dirty="0" err="1"/>
@@ -20455,20 +24378,14 @@
             </a:r>
           </a:p>
           <a:p>
-            <a:pPr marL="285750" indent="-285750">
-              <a:buFont typeface="Arial" panose="020B0604020202020204" pitchFamily="34" charset="0"/>
-              <a:buChar char="•"/>
-            </a:pPr>
+            <a:pPr lvl="1"/>
             <a:r>
               <a:rPr lang="it-IT" dirty="0"/>
               <a:t>t = posizione di partenza su Z</a:t>
             </a:r>
           </a:p>
           <a:p>
-            <a:pPr marL="285750" indent="-285750">
-              <a:buFont typeface="Arial" panose="020B0604020202020204" pitchFamily="34" charset="0"/>
-              <a:buChar char="•"/>
-            </a:pPr>
+            <a:pPr lvl="1"/>
             <a:r>
               <a:rPr lang="it-IT" dirty="0"/>
               <a:t>p = posizione di partenza sulla </a:t>
@@ -20480,32 +24397,35 @@
             <a:endParaRPr lang="it-IT" dirty="0"/>
           </a:p>
           <a:p>
-            <a:pPr marL="285750" indent="-285750">
-              <a:buFont typeface="Arial" panose="020B0604020202020204" pitchFamily="34" charset="0"/>
-              <a:buChar char="•"/>
-            </a:pPr>
+            <a:pPr lvl="1"/>
             <a:r>
               <a:rPr lang="it-IT" dirty="0"/>
               <a:t>l = lunghezza della sottostringa comune massimale</a:t>
             </a:r>
           </a:p>
           <a:p>
-            <a:br>
-              <a:rPr lang="it-IT" dirty="0"/>
-            </a:br>
             <a:r>
               <a:rPr lang="it-IT" dirty="0"/>
               <a:t>1 allineamento &lt;-&gt; 1 o più MEM</a:t>
             </a:r>
           </a:p>
           <a:p>
-            <a:endParaRPr lang="it-IT" dirty="0"/>
+            <a:r>
+              <a:rPr lang="it-IT" dirty="0"/>
+              <a:t>Allineamenti primari e secondari</a:t>
+            </a:r>
           </a:p>
           <a:p>
             <a:r>
               <a:rPr lang="it-IT" dirty="0"/>
-              <a:t>Almeno un allineamento primario, più allineamenti secondari</a:t>
-            </a:r>
+              <a:t>Necessario allineare i due mate contemporaneamente</a:t>
+            </a:r>
+          </a:p>
+          <a:p>
+            <a:pPr marL="0" indent="0">
+              <a:buNone/>
+            </a:pPr>
+            <a:endParaRPr lang="it-IT" dirty="0"/>
           </a:p>
         </p:txBody>
       </p:sp>
@@ -20562,7 +24482,15 @@
           <a:p>
             <a:r>
               <a:rPr lang="it-IT" dirty="0"/>
-              <a:t>Introduzione MEM </a:t>
+              <a:t>Introduzione </a:t>
+            </a:r>
+            <a:r>
+              <a:rPr lang="it-IT" dirty="0" err="1"/>
+              <a:t>read</a:t>
+            </a:r>
+            <a:r>
+              <a:rPr lang="it-IT" dirty="0"/>
+              <a:t> </a:t>
             </a:r>
             <a:r>
               <a:rPr lang="it-IT" dirty="0" err="1"/>
@@ -20638,8 +24566,12 @@
               <a:t>Introduzione di </a:t>
             </a:r>
             <a:r>
+              <a:rPr lang="it-IT" b="1" dirty="0" err="1"/>
+              <a:t>read</a:t>
+            </a:r>
+            <a:r>
               <a:rPr lang="it-IT" b="1" dirty="0"/>
-              <a:t>MEM </a:t>
+              <a:t> </a:t>
             </a:r>
             <a:r>
               <a:rPr lang="it-IT" b="1" dirty="0" err="1"/>
@@ -20671,8 +24603,12 @@
               <a:t>Introduzione di </a:t>
             </a:r>
             <a:r>
+              <a:rPr lang="it-IT" b="1" dirty="0" err="1"/>
+              <a:t>read</a:t>
+            </a:r>
+            <a:r>
               <a:rPr lang="it-IT" b="1" dirty="0"/>
-              <a:t>MEM </a:t>
+              <a:t> </a:t>
             </a:r>
             <a:r>
               <a:rPr lang="it-IT" b="1" dirty="0" err="1"/>
@@ -21689,7 +25625,7 @@
           </a:p>
           <a:p>
             <a:r>
-              <a:rPr lang="en-US" dirty="0" err="1">
+              <a:rPr lang="en-US" b="1" dirty="0" err="1">
                 <a:solidFill>
                   <a:schemeClr val="bg1"/>
                 </a:solidFill>
@@ -21697,7 +25633,7 @@
               <a:t>Posizione</a:t>
             </a:r>
             <a:r>
-              <a:rPr lang="en-US" dirty="0">
+              <a:rPr lang="en-US" b="1" dirty="0">
                 <a:solidFill>
                   <a:schemeClr val="bg1"/>
                 </a:solidFill>
@@ -21705,7 +25641,7 @@
               <a:t> </a:t>
             </a:r>
             <a:r>
-              <a:rPr lang="en-US" dirty="0" err="1">
+              <a:rPr lang="en-US" b="1" dirty="0" err="1">
                 <a:solidFill>
                   <a:schemeClr val="bg1"/>
                 </a:solidFill>
@@ -21713,7 +25649,7 @@
               <a:t>reciproca</a:t>
             </a:r>
             <a:r>
-              <a:rPr lang="en-US" dirty="0">
+              <a:rPr lang="en-US" b="1" dirty="0">
                 <a:solidFill>
                   <a:schemeClr val="bg1"/>
                 </a:solidFill>
@@ -21737,7 +25673,7 @@
               <a:t> read + </a:t>
             </a:r>
             <a:r>
-              <a:rPr lang="en-US" dirty="0" err="1">
+              <a:rPr lang="en-US" b="1" dirty="0" err="1">
                 <a:solidFill>
                   <a:schemeClr val="bg1"/>
                 </a:solidFill>
@@ -21745,12 +25681,20 @@
               <a:t>orientamento</a:t>
             </a:r>
             <a:r>
+              <a:rPr lang="en-US" b="1" dirty="0">
+                <a:solidFill>
+                  <a:schemeClr val="bg1"/>
+                </a:solidFill>
+              </a:rPr>
+              <a:t> prima read </a:t>
+            </a:r>
+            <a:r>
               <a:rPr lang="en-US" dirty="0">
                 <a:solidFill>
                   <a:schemeClr val="bg1"/>
                 </a:solidFill>
               </a:rPr>
-              <a:t> prima read (se </a:t>
+              <a:t>(se </a:t>
             </a:r>
             <a:r>
               <a:rPr lang="en-US" dirty="0" err="1">
@@ -21989,17 +25933,25 @@
           <a:p>
             <a:r>
               <a:rPr lang="it-IT" dirty="0"/>
-              <a:t>Formattazione SAM</a:t>
+              <a:t>Computazione degli allineamenti </a:t>
+            </a:r>
+            <a:r>
+              <a:rPr lang="it-IT" dirty="0" err="1"/>
+              <a:t>Spliced</a:t>
+            </a:r>
+            <a:r>
+              <a:rPr lang="it-IT" dirty="0"/>
+              <a:t> (Formattazione SAM)</a:t>
             </a:r>
           </a:p>
         </p:txBody>
       </p:sp>
       <p:pic>
         <p:nvPicPr>
-          <p:cNvPr id="9" name="Segnaposto contenuto 8" descr="Immagine che contiene screenshot&#10;&#10;Descrizione generata automaticamente">
+          <p:cNvPr id="6" name="Segnaposto contenuto 5" descr="Immagine che contiene screenshot, interni&#10;&#10;Descrizione generata automaticamente">
             <a:extLst>
               <a:ext uri="{FF2B5EF4-FFF2-40B4-BE49-F238E27FC236}">
-                <a16:creationId xmlns:a16="http://schemas.microsoft.com/office/drawing/2014/main" id="{43C5AD8F-5F12-47AA-B82F-2429ACC34184}"/>
+                <a16:creationId xmlns:a16="http://schemas.microsoft.com/office/drawing/2014/main" id="{D2F0A228-4861-4CF9-AD52-5670733BD6DB}"/>
               </a:ext>
             </a:extLst>
           </p:cNvPr>
@@ -22011,28 +25963,238 @@
           </p:nvPr>
         </p:nvPicPr>
         <p:blipFill>
-          <a:blip r:embed="rId2"/>
+          <a:blip r:embed="rId3"/>
           <a:stretch>
             <a:fillRect/>
           </a:stretch>
         </p:blipFill>
         <p:spPr>
           <a:xfrm>
-            <a:off x="1224116" y="2691581"/>
-            <a:ext cx="9792929" cy="3362632"/>
+            <a:off x="1084006" y="2679940"/>
+            <a:ext cx="9829799" cy="3425891"/>
           </a:xfrm>
         </p:spPr>
       </p:pic>
+      <p:sp>
+        <p:nvSpPr>
+          <p:cNvPr id="7" name="Ovale 6">
+            <a:extLst>
+              <a:ext uri="{FF2B5EF4-FFF2-40B4-BE49-F238E27FC236}">
+                <a16:creationId xmlns:a16="http://schemas.microsoft.com/office/drawing/2014/main" id="{76C1B8FE-7AC7-4BEA-85CC-6D05D5165397}"/>
+              </a:ext>
+            </a:extLst>
+          </p:cNvPr>
+          <p:cNvSpPr/>
+          <p:nvPr/>
+        </p:nvSpPr>
+        <p:spPr>
+          <a:xfrm>
+            <a:off x="2780071" y="5361039"/>
+            <a:ext cx="567813" cy="442451"/>
+          </a:xfrm>
+          <a:prstGeom prst="ellipse">
+            <a:avLst/>
+          </a:prstGeom>
+          <a:noFill/>
+          <a:ln>
+            <a:solidFill>
+              <a:srgbClr val="FF0000"/>
+            </a:solidFill>
+          </a:ln>
+        </p:spPr>
+        <p:style>
+          <a:lnRef idx="2">
+            <a:schemeClr val="accent1">
+              <a:shade val="50000"/>
+            </a:schemeClr>
+          </a:lnRef>
+          <a:fillRef idx="1">
+            <a:schemeClr val="accent1"/>
+          </a:fillRef>
+          <a:effectRef idx="0">
+            <a:schemeClr val="accent1"/>
+          </a:effectRef>
+          <a:fontRef idx="minor">
+            <a:schemeClr val="lt1"/>
+          </a:fontRef>
+        </p:style>
+        <p:txBody>
+          <a:bodyPr rtlCol="0" anchor="ctr"/>
+          <a:lstStyle/>
+          <a:p>
+            <a:pPr algn="ctr"/>
+            <a:endParaRPr lang="it-IT"/>
+          </a:p>
+        </p:txBody>
+      </p:sp>
+      <p:sp>
+        <p:nvSpPr>
+          <p:cNvPr id="8" name="Ovale 7">
+            <a:extLst>
+              <a:ext uri="{FF2B5EF4-FFF2-40B4-BE49-F238E27FC236}">
+                <a16:creationId xmlns:a16="http://schemas.microsoft.com/office/drawing/2014/main" id="{DF83D17B-10DE-46AC-A960-048F64F1E28A}"/>
+              </a:ext>
+            </a:extLst>
+          </p:cNvPr>
+          <p:cNvSpPr/>
+          <p:nvPr/>
+        </p:nvSpPr>
+        <p:spPr>
+          <a:xfrm>
+            <a:off x="5279366" y="5487188"/>
+            <a:ext cx="1219200" cy="511046"/>
+          </a:xfrm>
+          <a:prstGeom prst="ellipse">
+            <a:avLst/>
+          </a:prstGeom>
+          <a:noFill/>
+          <a:ln>
+            <a:solidFill>
+              <a:srgbClr val="FF0000"/>
+            </a:solidFill>
+          </a:ln>
+        </p:spPr>
+        <p:style>
+          <a:lnRef idx="2">
+            <a:schemeClr val="accent1">
+              <a:shade val="50000"/>
+            </a:schemeClr>
+          </a:lnRef>
+          <a:fillRef idx="1">
+            <a:schemeClr val="accent1"/>
+          </a:fillRef>
+          <a:effectRef idx="0">
+            <a:schemeClr val="accent1"/>
+          </a:effectRef>
+          <a:fontRef idx="minor">
+            <a:schemeClr val="lt1"/>
+          </a:fontRef>
+        </p:style>
+        <p:txBody>
+          <a:bodyPr rtlCol="0" anchor="ctr"/>
+          <a:lstStyle/>
+          <a:p>
+            <a:pPr algn="ctr"/>
+            <a:endParaRPr lang="it-IT"/>
+          </a:p>
+        </p:txBody>
+      </p:sp>
     </p:spTree>
     <p:extLst>
       <p:ext uri="{BB962C8B-B14F-4D97-AF65-F5344CB8AC3E}">
-        <p14:creationId xmlns:p14="http://schemas.microsoft.com/office/powerpoint/2010/main" val="2666377656"/>
+        <p14:creationId xmlns:p14="http://schemas.microsoft.com/office/powerpoint/2010/main" val="2269056559"/>
       </p:ext>
     </p:extLst>
   </p:cSld>
   <p:clrMapOvr>
     <a:masterClrMapping/>
   </p:clrMapOvr>
+  <p:timing>
+    <p:tnLst>
+      <p:par>
+        <p:cTn id="1" dur="indefinite" restart="never" nodeType="tmRoot">
+          <p:childTnLst>
+            <p:seq concurrent="1" nextAc="seek">
+              <p:cTn id="2" dur="indefinite" nodeType="mainSeq">
+                <p:childTnLst>
+                  <p:par>
+                    <p:cTn id="3" fill="hold">
+                      <p:stCondLst>
+                        <p:cond delay="indefinite"/>
+                      </p:stCondLst>
+                      <p:childTnLst>
+                        <p:par>
+                          <p:cTn id="4" fill="hold">
+                            <p:stCondLst>
+                              <p:cond delay="0"/>
+                            </p:stCondLst>
+                            <p:childTnLst>
+                              <p:par>
+                                <p:cTn id="5" presetID="1" presetClass="entr" presetSubtype="0" fill="hold" grpId="0" nodeType="clickEffect">
+                                  <p:stCondLst>
+                                    <p:cond delay="0"/>
+                                  </p:stCondLst>
+                                  <p:childTnLst>
+                                    <p:set>
+                                      <p:cBhvr>
+                                        <p:cTn id="6" dur="1" fill="hold">
+                                          <p:stCondLst>
+                                            <p:cond delay="0"/>
+                                          </p:stCondLst>
+                                        </p:cTn>
+                                        <p:tgtEl>
+                                          <p:spTgt spid="7"/>
+                                        </p:tgtEl>
+                                        <p:attrNameLst>
+                                          <p:attrName>style.visibility</p:attrName>
+                                        </p:attrNameLst>
+                                      </p:cBhvr>
+                                      <p:to>
+                                        <p:strVal val="visible"/>
+                                      </p:to>
+                                    </p:set>
+                                  </p:childTnLst>
+                                </p:cTn>
+                              </p:par>
+                              <p:par>
+                                <p:cTn id="7" presetID="1" presetClass="entr" presetSubtype="0" fill="hold" grpId="0" nodeType="withEffect">
+                                  <p:stCondLst>
+                                    <p:cond delay="0"/>
+                                  </p:stCondLst>
+                                  <p:childTnLst>
+                                    <p:set>
+                                      <p:cBhvr>
+                                        <p:cTn id="8" dur="1" fill="hold">
+                                          <p:stCondLst>
+                                            <p:cond delay="0"/>
+                                          </p:stCondLst>
+                                        </p:cTn>
+                                        <p:tgtEl>
+                                          <p:spTgt spid="8"/>
+                                        </p:tgtEl>
+                                        <p:attrNameLst>
+                                          <p:attrName>style.visibility</p:attrName>
+                                        </p:attrNameLst>
+                                      </p:cBhvr>
+                                      <p:to>
+                                        <p:strVal val="visible"/>
+                                      </p:to>
+                                    </p:set>
+                                  </p:childTnLst>
+                                </p:cTn>
+                              </p:par>
+                            </p:childTnLst>
+                          </p:cTn>
+                        </p:par>
+                      </p:childTnLst>
+                    </p:cTn>
+                  </p:par>
+                </p:childTnLst>
+              </p:cTn>
+              <p:prevCondLst>
+                <p:cond evt="onPrev" delay="0">
+                  <p:tgtEl>
+                    <p:sldTgt/>
+                  </p:tgtEl>
+                </p:cond>
+              </p:prevCondLst>
+              <p:nextCondLst>
+                <p:cond evt="onNext" delay="0">
+                  <p:tgtEl>
+                    <p:sldTgt/>
+                  </p:tgtEl>
+                </p:cond>
+              </p:nextCondLst>
+            </p:seq>
+          </p:childTnLst>
+        </p:cTn>
+      </p:par>
+    </p:tnLst>
+    <p:bldLst>
+      <p:bldP spid="7" grpId="0" animBg="1"/>
+      <p:bldP spid="8" grpId="0" animBg="1"/>
+    </p:bldLst>
+  </p:timing>
 </p:sld>
 </file>
 
@@ -22300,4 +26462,299 @@
     </a:ext>
   </a:extLst>
 </a:theme>
+</file>
+
+<file path=ppt/theme/theme2.xml><?xml version="1.0" encoding="utf-8"?>
+<a:theme xmlns:a="http://schemas.openxmlformats.org/drawingml/2006/main" name="Tema di Office">
+  <a:themeElements>
+    <a:clrScheme name="Office">
+      <a:dk1>
+        <a:sysClr val="windowText" lastClr="000000"/>
+      </a:dk1>
+      <a:lt1>
+        <a:sysClr val="window" lastClr="FFFFFF"/>
+      </a:lt1>
+      <a:dk2>
+        <a:srgbClr val="44546A"/>
+      </a:dk2>
+      <a:lt2>
+        <a:srgbClr val="E7E6E6"/>
+      </a:lt2>
+      <a:accent1>
+        <a:srgbClr val="4472C4"/>
+      </a:accent1>
+      <a:accent2>
+        <a:srgbClr val="ED7D31"/>
+      </a:accent2>
+      <a:accent3>
+        <a:srgbClr val="A5A5A5"/>
+      </a:accent3>
+      <a:accent4>
+        <a:srgbClr val="FFC000"/>
+      </a:accent4>
+      <a:accent5>
+        <a:srgbClr val="5B9BD5"/>
+      </a:accent5>
+      <a:accent6>
+        <a:srgbClr val="70AD47"/>
+      </a:accent6>
+      <a:hlink>
+        <a:srgbClr val="0563C1"/>
+      </a:hlink>
+      <a:folHlink>
+        <a:srgbClr val="954F72"/>
+      </a:folHlink>
+    </a:clrScheme>
+    <a:fontScheme name="Office">
+      <a:majorFont>
+        <a:latin typeface="Calibri Light" panose="020F0302020204030204"/>
+        <a:ea typeface=""/>
+        <a:cs typeface=""/>
+        <a:font script="Jpan" typeface="游ゴシック Light"/>
+        <a:font script="Hang" typeface="맑은 고딕"/>
+        <a:font script="Hans" typeface="等线 Light"/>
+        <a:font script="Hant" typeface="新細明體"/>
+        <a:font script="Arab" typeface="Times New Roman"/>
+        <a:font script="Hebr" typeface="Times New Roman"/>
+        <a:font script="Thai" typeface="Angsana New"/>
+        <a:font script="Ethi" typeface="Nyala"/>
+        <a:font script="Beng" typeface="Vrinda"/>
+        <a:font script="Gujr" typeface="Shruti"/>
+        <a:font script="Khmr" typeface="MoolBoran"/>
+        <a:font script="Knda" typeface="Tunga"/>
+        <a:font script="Guru" typeface="Raavi"/>
+        <a:font script="Cans" typeface="Euphemia"/>
+        <a:font script="Cher" typeface="Plantagenet Cherokee"/>
+        <a:font script="Yiii" typeface="Microsoft Yi Baiti"/>
+        <a:font script="Tibt" typeface="Microsoft Himalaya"/>
+        <a:font script="Thaa" typeface="MV Boli"/>
+        <a:font script="Deva" typeface="Mangal"/>
+        <a:font script="Telu" typeface="Gautami"/>
+        <a:font script="Taml" typeface="Latha"/>
+        <a:font script="Syrc" typeface="Estrangelo Edessa"/>
+        <a:font script="Orya" typeface="Kalinga"/>
+        <a:font script="Mlym" typeface="Kartika"/>
+        <a:font script="Laoo" typeface="DokChampa"/>
+        <a:font script="Sinh" typeface="Iskoola Pota"/>
+        <a:font script="Mong" typeface="Mongolian Baiti"/>
+        <a:font script="Viet" typeface="Times New Roman"/>
+        <a:font script="Uigh" typeface="Microsoft Uighur"/>
+        <a:font script="Geor" typeface="Sylfaen"/>
+        <a:font script="Armn" typeface="Arial"/>
+        <a:font script="Bugi" typeface="Leelawadee UI"/>
+        <a:font script="Bopo" typeface="Microsoft JhengHei"/>
+        <a:font script="Java" typeface="Javanese Text"/>
+        <a:font script="Lisu" typeface="Segoe UI"/>
+        <a:font script="Mymr" typeface="Myanmar Text"/>
+        <a:font script="Nkoo" typeface="Ebrima"/>
+        <a:font script="Olck" typeface="Nirmala UI"/>
+        <a:font script="Osma" typeface="Ebrima"/>
+        <a:font script="Phag" typeface="Phagspa"/>
+        <a:font script="Syrn" typeface="Estrangelo Edessa"/>
+        <a:font script="Syrj" typeface="Estrangelo Edessa"/>
+        <a:font script="Syre" typeface="Estrangelo Edessa"/>
+        <a:font script="Sora" typeface="Nirmala UI"/>
+        <a:font script="Tale" typeface="Microsoft Tai Le"/>
+        <a:font script="Talu" typeface="Microsoft New Tai Lue"/>
+        <a:font script="Tfng" typeface="Ebrima"/>
+      </a:majorFont>
+      <a:minorFont>
+        <a:latin typeface="Calibri" panose="020F0502020204030204"/>
+        <a:ea typeface=""/>
+        <a:cs typeface=""/>
+        <a:font script="Jpan" typeface="游ゴシック"/>
+        <a:font script="Hang" typeface="맑은 고딕"/>
+        <a:font script="Hans" typeface="等线"/>
+        <a:font script="Hant" typeface="新細明體"/>
+        <a:font script="Arab" typeface="Arial"/>
+        <a:font script="Hebr" typeface="Arial"/>
+        <a:font script="Thai" typeface="Cordia New"/>
+        <a:font script="Ethi" typeface="Nyala"/>
+        <a:font script="Beng" typeface="Vrinda"/>
+        <a:font script="Gujr" typeface="Shruti"/>
+        <a:font script="Khmr" typeface="DaunPenh"/>
+        <a:font script="Knda" typeface="Tunga"/>
+        <a:font script="Guru" typeface="Raavi"/>
+        <a:font script="Cans" typeface="Euphemia"/>
+        <a:font script="Cher" typeface="Plantagenet Cherokee"/>
+        <a:font script="Yiii" typeface="Microsoft Yi Baiti"/>
+        <a:font script="Tibt" typeface="Microsoft Himalaya"/>
+        <a:font script="Thaa" typeface="MV Boli"/>
+        <a:font script="Deva" typeface="Mangal"/>
+        <a:font script="Telu" typeface="Gautami"/>
+        <a:font script="Taml" typeface="Latha"/>
+        <a:font script="Syrc" typeface="Estrangelo Edessa"/>
+        <a:font script="Orya" typeface="Kalinga"/>
+        <a:font script="Mlym" typeface="Kartika"/>
+        <a:font script="Laoo" typeface="DokChampa"/>
+        <a:font script="Sinh" typeface="Iskoola Pota"/>
+        <a:font script="Mong" typeface="Mongolian Baiti"/>
+        <a:font script="Viet" typeface="Arial"/>
+        <a:font script="Uigh" typeface="Microsoft Uighur"/>
+        <a:font script="Geor" typeface="Sylfaen"/>
+        <a:font script="Armn" typeface="Arial"/>
+        <a:font script="Bugi" typeface="Leelawadee UI"/>
+        <a:font script="Bopo" typeface="Microsoft JhengHei"/>
+        <a:font script="Java" typeface="Javanese Text"/>
+        <a:font script="Lisu" typeface="Segoe UI"/>
+        <a:font script="Mymr" typeface="Myanmar Text"/>
+        <a:font script="Nkoo" typeface="Ebrima"/>
+        <a:font script="Olck" typeface="Nirmala UI"/>
+        <a:font script="Osma" typeface="Ebrima"/>
+        <a:font script="Phag" typeface="Phagspa"/>
+        <a:font script="Syrn" typeface="Estrangelo Edessa"/>
+        <a:font script="Syrj" typeface="Estrangelo Edessa"/>
+        <a:font script="Syre" typeface="Estrangelo Edessa"/>
+        <a:font script="Sora" typeface="Nirmala UI"/>
+        <a:font script="Tale" typeface="Microsoft Tai Le"/>
+        <a:font script="Talu" typeface="Microsoft New Tai Lue"/>
+        <a:font script="Tfng" typeface="Ebrima"/>
+      </a:minorFont>
+    </a:fontScheme>
+    <a:fmtScheme name="Office">
+      <a:fillStyleLst>
+        <a:solidFill>
+          <a:schemeClr val="phClr"/>
+        </a:solidFill>
+        <a:gradFill rotWithShape="1">
+          <a:gsLst>
+            <a:gs pos="0">
+              <a:schemeClr val="phClr">
+                <a:lumMod val="110000"/>
+                <a:satMod val="105000"/>
+                <a:tint val="67000"/>
+              </a:schemeClr>
+            </a:gs>
+            <a:gs pos="50000">
+              <a:schemeClr val="phClr">
+                <a:lumMod val="105000"/>
+                <a:satMod val="103000"/>
+                <a:tint val="73000"/>
+              </a:schemeClr>
+            </a:gs>
+            <a:gs pos="100000">
+              <a:schemeClr val="phClr">
+                <a:lumMod val="105000"/>
+                <a:satMod val="109000"/>
+                <a:tint val="81000"/>
+              </a:schemeClr>
+            </a:gs>
+          </a:gsLst>
+          <a:lin ang="5400000" scaled="0"/>
+        </a:gradFill>
+        <a:gradFill rotWithShape="1">
+          <a:gsLst>
+            <a:gs pos="0">
+              <a:schemeClr val="phClr">
+                <a:satMod val="103000"/>
+                <a:lumMod val="102000"/>
+                <a:tint val="94000"/>
+              </a:schemeClr>
+            </a:gs>
+            <a:gs pos="50000">
+              <a:schemeClr val="phClr">
+                <a:satMod val="110000"/>
+                <a:lumMod val="100000"/>
+                <a:shade val="100000"/>
+              </a:schemeClr>
+            </a:gs>
+            <a:gs pos="100000">
+              <a:schemeClr val="phClr">
+                <a:lumMod val="99000"/>
+                <a:satMod val="120000"/>
+                <a:shade val="78000"/>
+              </a:schemeClr>
+            </a:gs>
+          </a:gsLst>
+          <a:lin ang="5400000" scaled="0"/>
+        </a:gradFill>
+      </a:fillStyleLst>
+      <a:lnStyleLst>
+        <a:ln w="6350" cap="flat" cmpd="sng" algn="ctr">
+          <a:solidFill>
+            <a:schemeClr val="phClr"/>
+          </a:solidFill>
+          <a:prstDash val="solid"/>
+          <a:miter lim="800000"/>
+        </a:ln>
+        <a:ln w="12700" cap="flat" cmpd="sng" algn="ctr">
+          <a:solidFill>
+            <a:schemeClr val="phClr"/>
+          </a:solidFill>
+          <a:prstDash val="solid"/>
+          <a:miter lim="800000"/>
+        </a:ln>
+        <a:ln w="19050" cap="flat" cmpd="sng" algn="ctr">
+          <a:solidFill>
+            <a:schemeClr val="phClr"/>
+          </a:solidFill>
+          <a:prstDash val="solid"/>
+          <a:miter lim="800000"/>
+        </a:ln>
+      </a:lnStyleLst>
+      <a:effectStyleLst>
+        <a:effectStyle>
+          <a:effectLst/>
+        </a:effectStyle>
+        <a:effectStyle>
+          <a:effectLst/>
+        </a:effectStyle>
+        <a:effectStyle>
+          <a:effectLst>
+            <a:outerShdw blurRad="57150" dist="19050" dir="5400000" algn="ctr" rotWithShape="0">
+              <a:srgbClr val="000000">
+                <a:alpha val="63000"/>
+              </a:srgbClr>
+            </a:outerShdw>
+          </a:effectLst>
+        </a:effectStyle>
+      </a:effectStyleLst>
+      <a:bgFillStyleLst>
+        <a:solidFill>
+          <a:schemeClr val="phClr"/>
+        </a:solidFill>
+        <a:solidFill>
+          <a:schemeClr val="phClr">
+            <a:tint val="95000"/>
+            <a:satMod val="170000"/>
+          </a:schemeClr>
+        </a:solidFill>
+        <a:gradFill rotWithShape="1">
+          <a:gsLst>
+            <a:gs pos="0">
+              <a:schemeClr val="phClr">
+                <a:tint val="93000"/>
+                <a:satMod val="150000"/>
+                <a:shade val="98000"/>
+                <a:lumMod val="102000"/>
+              </a:schemeClr>
+            </a:gs>
+            <a:gs pos="50000">
+              <a:schemeClr val="phClr">
+                <a:tint val="98000"/>
+                <a:satMod val="130000"/>
+                <a:shade val="90000"/>
+                <a:lumMod val="103000"/>
+              </a:schemeClr>
+            </a:gs>
+            <a:gs pos="100000">
+              <a:schemeClr val="phClr">
+                <a:shade val="63000"/>
+                <a:satMod val="120000"/>
+              </a:schemeClr>
+            </a:gs>
+          </a:gsLst>
+          <a:lin ang="5400000" scaled="0"/>
+        </a:gradFill>
+      </a:bgFillStyleLst>
+    </a:fmtScheme>
+  </a:themeElements>
+  <a:objectDefaults/>
+  <a:extraClrSchemeLst/>
+  <a:extLst>
+    <a:ext uri="{05A4C25C-085E-4340-85A3-A5531E510DB2}">
+      <thm15:themeFamily xmlns:thm15="http://schemas.microsoft.com/office/thememl/2012/main" name="Office Theme" id="{62F939B6-93AF-4DB8-9C6B-D6C7DFDC589F}" vid="{4A3C46E8-61CC-4603-A589-7422A47A8E4A}"/>
+    </a:ext>
+  </a:extLst>
+</a:theme>
 </file>
--- a/powerpoint/Presentazione.pptx
+++ b/powerpoint/Presentazione.pptx
@@ -2697,7 +2697,7 @@
           <a:p>
             <a:fld id="{E882AD5C-591D-445A-8100-C0F621DCCAA2}" type="datetimeFigureOut">
               <a:rPr lang="it-IT" smtClean="0"/>
-              <a:t>17/07/2019</a:t>
+              <a:t>19/07/2019</a:t>
             </a:fld>
             <a:endParaRPr lang="it-IT"/>
           </a:p>
@@ -3048,6 +3048,192 @@
 </p:notes>
 </file>
 
+<file path=ppt/notesSlides/notesSlide10.xml><?xml version="1.0" encoding="utf-8"?>
+<p:notes xmlns:a="http://schemas.openxmlformats.org/drawingml/2006/main" xmlns:r="http://schemas.openxmlformats.org/officeDocument/2006/relationships" xmlns:p="http://schemas.openxmlformats.org/presentationml/2006/main">
+  <p:cSld>
+    <p:spTree>
+      <p:nvGrpSpPr>
+        <p:cNvPr id="1" name=""/>
+        <p:cNvGrpSpPr/>
+        <p:nvPr/>
+      </p:nvGrpSpPr>
+      <p:grpSpPr>
+        <a:xfrm>
+          <a:off x="0" y="0"/>
+          <a:ext cx="0" cy="0"/>
+          <a:chOff x="0" y="0"/>
+          <a:chExt cx="0" cy="0"/>
+        </a:xfrm>
+      </p:grpSpPr>
+      <p:sp>
+        <p:nvSpPr>
+          <p:cNvPr id="2" name="Segnaposto immagine diapositiva 1"/>
+          <p:cNvSpPr>
+            <a:spLocks noGrp="1" noRot="1" noChangeAspect="1"/>
+          </p:cNvSpPr>
+          <p:nvPr>
+            <p:ph type="sldImg"/>
+          </p:nvPr>
+        </p:nvSpPr>
+        <p:spPr/>
+      </p:sp>
+      <p:sp>
+        <p:nvSpPr>
+          <p:cNvPr id="3" name="Segnaposto note 2"/>
+          <p:cNvSpPr>
+            <a:spLocks noGrp="1"/>
+          </p:cNvSpPr>
+          <p:nvPr>
+            <p:ph type="body" idx="1"/>
+          </p:nvPr>
+        </p:nvSpPr>
+        <p:spPr/>
+        <p:txBody>
+          <a:bodyPr/>
+          <a:lstStyle/>
+          <a:p>
+            <a:r>
+              <a:rPr lang="it-IT" dirty="0"/>
+              <a:t>Vogliamo aumentare le capacità di rilevazione…</a:t>
+            </a:r>
+          </a:p>
+        </p:txBody>
+      </p:sp>
+      <p:sp>
+        <p:nvSpPr>
+          <p:cNvPr id="4" name="Segnaposto numero diapositiva 3"/>
+          <p:cNvSpPr>
+            <a:spLocks noGrp="1"/>
+          </p:cNvSpPr>
+          <p:nvPr>
+            <p:ph type="sldNum" sz="quarter" idx="5"/>
+          </p:nvPr>
+        </p:nvSpPr>
+        <p:spPr/>
+        <p:txBody>
+          <a:bodyPr/>
+          <a:lstStyle/>
+          <a:p>
+            <a:fld id="{6AA6CFA1-72A4-454D-A26D-61FC33286D3A}" type="slidenum">
+              <a:rPr lang="it-IT" smtClean="0"/>
+              <a:t>11</a:t>
+            </a:fld>
+            <a:endParaRPr lang="it-IT"/>
+          </a:p>
+        </p:txBody>
+      </p:sp>
+    </p:spTree>
+    <p:extLst>
+      <p:ext uri="{BB962C8B-B14F-4D97-AF65-F5344CB8AC3E}">
+        <p14:creationId xmlns:p14="http://schemas.microsoft.com/office/powerpoint/2010/main" val="1892335766"/>
+      </p:ext>
+    </p:extLst>
+  </p:cSld>
+  <p:clrMapOvr>
+    <a:masterClrMapping/>
+  </p:clrMapOvr>
+</p:notes>
+</file>
+
+<file path=ppt/notesSlides/notesSlide11.xml><?xml version="1.0" encoding="utf-8"?>
+<p:notes xmlns:a="http://schemas.openxmlformats.org/drawingml/2006/main" xmlns:r="http://schemas.openxmlformats.org/officeDocument/2006/relationships" xmlns:p="http://schemas.openxmlformats.org/presentationml/2006/main">
+  <p:cSld>
+    <p:spTree>
+      <p:nvGrpSpPr>
+        <p:cNvPr id="1" name=""/>
+        <p:cNvGrpSpPr/>
+        <p:nvPr/>
+      </p:nvGrpSpPr>
+      <p:grpSpPr>
+        <a:xfrm>
+          <a:off x="0" y="0"/>
+          <a:ext cx="0" cy="0"/>
+          <a:chOff x="0" y="0"/>
+          <a:chExt cx="0" cy="0"/>
+        </a:xfrm>
+      </p:grpSpPr>
+      <p:sp>
+        <p:nvSpPr>
+          <p:cNvPr id="2" name="Segnaposto immagine diapositiva 1"/>
+          <p:cNvSpPr>
+            <a:spLocks noGrp="1" noRot="1" noChangeAspect="1"/>
+          </p:cNvSpPr>
+          <p:nvPr>
+            <p:ph type="sldImg"/>
+          </p:nvPr>
+        </p:nvSpPr>
+        <p:spPr/>
+      </p:sp>
+      <p:sp>
+        <p:nvSpPr>
+          <p:cNvPr id="3" name="Segnaposto note 2"/>
+          <p:cNvSpPr>
+            <a:spLocks noGrp="1"/>
+          </p:cNvSpPr>
+          <p:nvPr>
+            <p:ph type="body" idx="1"/>
+          </p:nvPr>
+        </p:nvSpPr>
+        <p:spPr/>
+        <p:txBody>
+          <a:bodyPr/>
+          <a:lstStyle/>
+          <a:p>
+            <a:r>
+              <a:rPr lang="it-IT" dirty="0" err="1"/>
+              <a:t>Kseq</a:t>
+            </a:r>
+            <a:r>
+              <a:rPr lang="it-IT" dirty="0"/>
+              <a:t> utilizzato per </a:t>
+            </a:r>
+            <a:r>
+              <a:rPr lang="it-IT" dirty="0" err="1"/>
+              <a:t>parsing</a:t>
+            </a:r>
+            <a:r>
+              <a:rPr lang="it-IT" dirty="0"/>
+              <a:t> del formato FASTA</a:t>
+            </a:r>
+          </a:p>
+        </p:txBody>
+      </p:sp>
+      <p:sp>
+        <p:nvSpPr>
+          <p:cNvPr id="4" name="Segnaposto numero diapositiva 3"/>
+          <p:cNvSpPr>
+            <a:spLocks noGrp="1"/>
+          </p:cNvSpPr>
+          <p:nvPr>
+            <p:ph type="sldNum" sz="quarter" idx="5"/>
+          </p:nvPr>
+        </p:nvSpPr>
+        <p:spPr/>
+        <p:txBody>
+          <a:bodyPr/>
+          <a:lstStyle/>
+          <a:p>
+            <a:fld id="{6AA6CFA1-72A4-454D-A26D-61FC33286D3A}" type="slidenum">
+              <a:rPr lang="it-IT" smtClean="0"/>
+              <a:t>13</a:t>
+            </a:fld>
+            <a:endParaRPr lang="it-IT"/>
+          </a:p>
+        </p:txBody>
+      </p:sp>
+    </p:spTree>
+    <p:extLst>
+      <p:ext uri="{BB962C8B-B14F-4D97-AF65-F5344CB8AC3E}">
+        <p14:creationId xmlns:p14="http://schemas.microsoft.com/office/powerpoint/2010/main" val="1016399530"/>
+      </p:ext>
+    </p:extLst>
+  </p:cSld>
+  <p:clrMapOvr>
+    <a:masterClrMapping/>
+  </p:clrMapOvr>
+</p:notes>
+</file>
+
 <file path=ppt/notesSlides/notesSlide2.xml><?xml version="1.0" encoding="utf-8"?>
 <p:notes xmlns:a="http://schemas.openxmlformats.org/drawingml/2006/main" xmlns:r="http://schemas.openxmlformats.org/officeDocument/2006/relationships" xmlns:p="http://schemas.openxmlformats.org/presentationml/2006/main">
   <p:cSld>
@@ -3094,7 +3280,7 @@
           <a:p>
             <a:r>
               <a:rPr lang="it-IT" dirty="0"/>
-              <a:t>Aggiungere «modifiche»</a:t>
+              <a:t>Inizialmente saranno introdotti…</a:t>
             </a:r>
           </a:p>
         </p:txBody>
@@ -3179,7 +3365,62 @@
           <a:bodyPr/>
           <a:lstStyle/>
           <a:p>
-            <a:endParaRPr lang="it-IT" dirty="0"/>
+            <a:r>
+              <a:rPr lang="it-IT" dirty="0" err="1"/>
+              <a:t>Exon</a:t>
+            </a:r>
+            <a:r>
+              <a:rPr lang="it-IT" dirty="0"/>
+              <a:t> </a:t>
+            </a:r>
+            <a:r>
+              <a:rPr lang="it-IT" dirty="0" err="1"/>
+              <a:t>Skipping</a:t>
+            </a:r>
+            <a:r>
+              <a:rPr lang="it-IT" dirty="0"/>
+              <a:t> (un esone non appare nel trascritto), </a:t>
+            </a:r>
+            <a:r>
+              <a:rPr lang="it-IT" dirty="0" err="1"/>
+              <a:t>Mutually</a:t>
+            </a:r>
+            <a:r>
+              <a:rPr lang="it-IT" dirty="0"/>
+              <a:t> </a:t>
+            </a:r>
+            <a:r>
+              <a:rPr lang="it-IT" dirty="0" err="1"/>
+              <a:t>Exclusive</a:t>
+            </a:r>
+            <a:r>
+              <a:rPr lang="it-IT" dirty="0"/>
+              <a:t> </a:t>
+            </a:r>
+            <a:r>
+              <a:rPr lang="it-IT" dirty="0" err="1"/>
+              <a:t>Exons</a:t>
+            </a:r>
+            <a:r>
+              <a:rPr lang="it-IT" dirty="0"/>
+              <a:t> (due esoni non appaiono nello stesso trascritto contemporaneamente), 5’ 3’ (introne -&gt; esone), </a:t>
+            </a:r>
+            <a:r>
+              <a:rPr lang="it-IT" dirty="0" err="1"/>
+              <a:t>Intron</a:t>
+            </a:r>
+            <a:r>
+              <a:rPr lang="it-IT" dirty="0"/>
+              <a:t> </a:t>
+            </a:r>
+            <a:r>
+              <a:rPr lang="it-IT" dirty="0" err="1"/>
+              <a:t>Retention</a:t>
+            </a:r>
+            <a:r>
+              <a:rPr lang="it-IT" dirty="0"/>
+              <a:t> (esone -&gt; introne)</a:t>
+            </a:r>
           </a:p>
         </p:txBody>
       </p:sp>
@@ -3263,7 +3504,34 @@
           <a:bodyPr/>
           <a:lstStyle/>
           <a:p>
-            <a:endParaRPr lang="it-IT" dirty="0"/>
+            <a:r>
+              <a:rPr lang="it-IT" dirty="0"/>
+              <a:t>Reference </a:t>
+            </a:r>
+            <a:r>
+              <a:rPr lang="it-IT" dirty="0" err="1"/>
+              <a:t>sequence</a:t>
+            </a:r>
+            <a:r>
+              <a:rPr lang="it-IT" dirty="0"/>
+              <a:t> = trascritto; ASGAL usa </a:t>
+            </a:r>
+            <a:r>
+              <a:rPr lang="it-IT" dirty="0" err="1"/>
+              <a:t>read</a:t>
+            </a:r>
+            <a:r>
+              <a:rPr lang="it-IT" dirty="0"/>
+              <a:t> </a:t>
+            </a:r>
+            <a:r>
+              <a:rPr lang="it-IT" dirty="0" err="1"/>
+              <a:t>paired</a:t>
+            </a:r>
+            <a:r>
+              <a:rPr lang="it-IT" dirty="0"/>
+              <a:t>-end in modo un po’ diverso…</a:t>
+            </a:r>
           </a:p>
         </p:txBody>
       </p:sp>
@@ -3347,10 +3615,7 @@
           <a:bodyPr/>
           <a:lstStyle/>
           <a:p>
-            <a:r>
-              <a:rPr lang="it-IT" dirty="0"/>
-              <a:t>Evidenziare parti interessate</a:t>
-            </a:r>
+            <a:endParaRPr lang="it-IT" dirty="0"/>
           </a:p>
         </p:txBody>
       </p:sp>
@@ -3436,7 +3701,15 @@
           <a:p>
             <a:r>
               <a:rPr lang="it-IT" dirty="0"/>
-              <a:t>Inserire riga SAM + campi</a:t>
+              <a:t>Viene effettuata la CHIUSURA TRANSITIVA dello </a:t>
+            </a:r>
+            <a:r>
+              <a:rPr lang="it-IT" dirty="0" err="1"/>
+              <a:t>sg</a:t>
+            </a:r>
+            <a:r>
+              <a:rPr lang="it-IT" dirty="0"/>
+              <a:t> per collegare ogni esone a TUTTI i suoi successori</a:t>
             </a:r>
           </a:p>
         </p:txBody>
@@ -3458,7 +3731,7 @@
           <a:p>
             <a:fld id="{6AA6CFA1-72A4-454D-A26D-61FC33286D3A}" type="slidenum">
               <a:rPr lang="it-IT" smtClean="0"/>
-              <a:t>9</a:t>
+              <a:t>6</a:t>
             </a:fld>
             <a:endParaRPr lang="it-IT"/>
           </a:p>
@@ -3467,7 +3740,7 @@
     </p:spTree>
     <p:extLst>
       <p:ext uri="{BB962C8B-B14F-4D97-AF65-F5344CB8AC3E}">
-        <p14:creationId xmlns:p14="http://schemas.microsoft.com/office/powerpoint/2010/main" val="451483467"/>
+        <p14:creationId xmlns:p14="http://schemas.microsoft.com/office/powerpoint/2010/main" val="3404630413"/>
       </p:ext>
     </p:extLst>
   </p:cSld>
@@ -3523,8 +3796,235 @@
           <a:p>
             <a:r>
               <a:rPr lang="it-IT" dirty="0"/>
-              <a:t>Inserire cosa faccio</a:t>
-            </a:r>
+              <a:t>Sono «qualificatori»: </a:t>
+            </a:r>
+            <a:r>
+              <a:rPr lang="it-IT" dirty="0" err="1"/>
+              <a:t>Inward</a:t>
+            </a:r>
+            <a:r>
+              <a:rPr lang="it-IT" dirty="0"/>
+              <a:t>/</a:t>
+            </a:r>
+            <a:r>
+              <a:rPr lang="it-IT" dirty="0" err="1"/>
+              <a:t>Outward</a:t>
+            </a:r>
+            <a:r>
+              <a:rPr lang="it-IT" dirty="0"/>
+              <a:t>, </a:t>
+            </a:r>
+            <a:r>
+              <a:rPr lang="it-IT" dirty="0" err="1"/>
+              <a:t>Stranded</a:t>
+            </a:r>
+            <a:r>
+              <a:rPr lang="it-IT" dirty="0"/>
+              <a:t>/</a:t>
+            </a:r>
+            <a:r>
+              <a:rPr lang="it-IT" dirty="0" err="1"/>
+              <a:t>Unstranded</a:t>
+            </a:r>
+            <a:r>
+              <a:rPr lang="it-IT" dirty="0"/>
+              <a:t>, </a:t>
+            </a:r>
+            <a:r>
+              <a:rPr lang="it-IT" dirty="0" err="1"/>
+              <a:t>Forward</a:t>
+            </a:r>
+            <a:r>
+              <a:rPr lang="it-IT" dirty="0"/>
+              <a:t>/Reverse (</a:t>
+            </a:r>
+            <a:r>
+              <a:rPr lang="it-IT" dirty="0" err="1"/>
+              <a:t>strand</a:t>
+            </a:r>
+            <a:r>
+              <a:rPr lang="it-IT" dirty="0"/>
+              <a:t> della read1)</a:t>
+            </a:r>
+          </a:p>
+        </p:txBody>
+      </p:sp>
+      <p:sp>
+        <p:nvSpPr>
+          <p:cNvPr id="4" name="Segnaposto numero diapositiva 3"/>
+          <p:cNvSpPr>
+            <a:spLocks noGrp="1"/>
+          </p:cNvSpPr>
+          <p:nvPr>
+            <p:ph type="sldNum" sz="quarter" idx="5"/>
+          </p:nvPr>
+        </p:nvSpPr>
+        <p:spPr/>
+        <p:txBody>
+          <a:bodyPr/>
+          <a:lstStyle/>
+          <a:p>
+            <a:fld id="{6AA6CFA1-72A4-454D-A26D-61FC33286D3A}" type="slidenum">
+              <a:rPr lang="it-IT" smtClean="0"/>
+              <a:t>8</a:t>
+            </a:fld>
+            <a:endParaRPr lang="it-IT"/>
+          </a:p>
+        </p:txBody>
+      </p:sp>
+    </p:spTree>
+    <p:extLst>
+      <p:ext uri="{BB962C8B-B14F-4D97-AF65-F5344CB8AC3E}">
+        <p14:creationId xmlns:p14="http://schemas.microsoft.com/office/powerpoint/2010/main" val="864182473"/>
+      </p:ext>
+    </p:extLst>
+  </p:cSld>
+  <p:clrMapOvr>
+    <a:masterClrMapping/>
+  </p:clrMapOvr>
+</p:notes>
+</file>
+
+<file path=ppt/notesSlides/notesSlide8.xml><?xml version="1.0" encoding="utf-8"?>
+<p:notes xmlns:a="http://schemas.openxmlformats.org/drawingml/2006/main" xmlns:r="http://schemas.openxmlformats.org/officeDocument/2006/relationships" xmlns:p="http://schemas.openxmlformats.org/presentationml/2006/main">
+  <p:cSld>
+    <p:spTree>
+      <p:nvGrpSpPr>
+        <p:cNvPr id="1" name=""/>
+        <p:cNvGrpSpPr/>
+        <p:nvPr/>
+      </p:nvGrpSpPr>
+      <p:grpSpPr>
+        <a:xfrm>
+          <a:off x="0" y="0"/>
+          <a:ext cx="0" cy="0"/>
+          <a:chOff x="0" y="0"/>
+          <a:chExt cx="0" cy="0"/>
+        </a:xfrm>
+      </p:grpSpPr>
+      <p:sp>
+        <p:nvSpPr>
+          <p:cNvPr id="2" name="Segnaposto immagine diapositiva 1"/>
+          <p:cNvSpPr>
+            <a:spLocks noGrp="1" noRot="1" noChangeAspect="1"/>
+          </p:cNvSpPr>
+          <p:nvPr>
+            <p:ph type="sldImg"/>
+          </p:nvPr>
+        </p:nvSpPr>
+        <p:spPr/>
+      </p:sp>
+      <p:sp>
+        <p:nvSpPr>
+          <p:cNvPr id="3" name="Segnaposto note 2"/>
+          <p:cNvSpPr>
+            <a:spLocks noGrp="1"/>
+          </p:cNvSpPr>
+          <p:nvPr>
+            <p:ph type="body" idx="1"/>
+          </p:nvPr>
+        </p:nvSpPr>
+        <p:spPr/>
+        <p:txBody>
+          <a:bodyPr/>
+          <a:lstStyle/>
+          <a:p>
+            <a:r>
+              <a:rPr lang="it-IT" dirty="0"/>
+              <a:t>11 campi versione «completa»; RNEXT (ID mate), PNEXT (posizione partenza mate) e TLEN (distanza tra </a:t>
+            </a:r>
+            <a:r>
+              <a:rPr lang="it-IT" dirty="0" err="1"/>
+              <a:t>mates</a:t>
+            </a:r>
+            <a:r>
+              <a:rPr lang="it-IT" dirty="0"/>
+              <a:t>)</a:t>
+            </a:r>
+          </a:p>
+        </p:txBody>
+      </p:sp>
+      <p:sp>
+        <p:nvSpPr>
+          <p:cNvPr id="4" name="Segnaposto numero diapositiva 3"/>
+          <p:cNvSpPr>
+            <a:spLocks noGrp="1"/>
+          </p:cNvSpPr>
+          <p:nvPr>
+            <p:ph type="sldNum" sz="quarter" idx="5"/>
+          </p:nvPr>
+        </p:nvSpPr>
+        <p:spPr/>
+        <p:txBody>
+          <a:bodyPr/>
+          <a:lstStyle/>
+          <a:p>
+            <a:fld id="{6AA6CFA1-72A4-454D-A26D-61FC33286D3A}" type="slidenum">
+              <a:rPr lang="it-IT" smtClean="0"/>
+              <a:t>9</a:t>
+            </a:fld>
+            <a:endParaRPr lang="it-IT"/>
+          </a:p>
+        </p:txBody>
+      </p:sp>
+    </p:spTree>
+    <p:extLst>
+      <p:ext uri="{BB962C8B-B14F-4D97-AF65-F5344CB8AC3E}">
+        <p14:creationId xmlns:p14="http://schemas.microsoft.com/office/powerpoint/2010/main" val="451483467"/>
+      </p:ext>
+    </p:extLst>
+  </p:cSld>
+  <p:clrMapOvr>
+    <a:masterClrMapping/>
+  </p:clrMapOvr>
+</p:notes>
+</file>
+
+<file path=ppt/notesSlides/notesSlide9.xml><?xml version="1.0" encoding="utf-8"?>
+<p:notes xmlns:a="http://schemas.openxmlformats.org/drawingml/2006/main" xmlns:r="http://schemas.openxmlformats.org/officeDocument/2006/relationships" xmlns:p="http://schemas.openxmlformats.org/presentationml/2006/main">
+  <p:cSld>
+    <p:spTree>
+      <p:nvGrpSpPr>
+        <p:cNvPr id="1" name=""/>
+        <p:cNvGrpSpPr/>
+        <p:nvPr/>
+      </p:nvGrpSpPr>
+      <p:grpSpPr>
+        <a:xfrm>
+          <a:off x="0" y="0"/>
+          <a:ext cx="0" cy="0"/>
+          <a:chOff x="0" y="0"/>
+          <a:chExt cx="0" cy="0"/>
+        </a:xfrm>
+      </p:grpSpPr>
+      <p:sp>
+        <p:nvSpPr>
+          <p:cNvPr id="2" name="Segnaposto immagine diapositiva 1"/>
+          <p:cNvSpPr>
+            <a:spLocks noGrp="1" noRot="1" noChangeAspect="1"/>
+          </p:cNvSpPr>
+          <p:nvPr>
+            <p:ph type="sldImg"/>
+          </p:nvPr>
+        </p:nvSpPr>
+        <p:spPr/>
+      </p:sp>
+      <p:sp>
+        <p:nvSpPr>
+          <p:cNvPr id="3" name="Segnaposto note 2"/>
+          <p:cNvSpPr>
+            <a:spLocks noGrp="1"/>
+          </p:cNvSpPr>
+          <p:nvPr>
+            <p:ph type="body" idx="1"/>
+          </p:nvPr>
+        </p:nvSpPr>
+        <p:spPr/>
+        <p:txBody>
+          <a:bodyPr/>
+          <a:lstStyle/>
+          <a:p>
+            <a:endParaRPr lang="it-IT" dirty="0"/>
           </a:p>
         </p:txBody>
       </p:sp>
@@ -4073,7 +4573,7 @@
             <a:fld id="{1E700B27-DE4C-4B9E-BB11-B9027034A00F}" type="datetimeFigureOut">
               <a:rPr lang="en-US" smtClean="0"/>
               <a:pPr/>
-              <a:t>7/17/2019</a:t>
+              <a:t>7/19/2019</a:t>
             </a:fld>
             <a:endParaRPr lang="en-US" dirty="0"/>
           </a:p>
@@ -5061,7 +5561,7 @@
           <a:p>
             <a:fld id="{C40F4739-9812-4A9F-890D-2AD6BA5F6EE8}" type="datetimeFigureOut">
               <a:rPr lang="en-US" smtClean="0"/>
-              <a:t>7/17/2019</a:t>
+              <a:t>7/19/2019</a:t>
             </a:fld>
             <a:endParaRPr lang="en-US" dirty="0"/>
           </a:p>
@@ -5937,7 +6437,7 @@
           <a:p>
             <a:fld id="{18845AC5-A3F8-44AA-BA8F-596CDCC976D3}" type="datetimeFigureOut">
               <a:rPr lang="en-US" smtClean="0"/>
-              <a:t>7/17/2019</a:t>
+              <a:t>7/19/2019</a:t>
             </a:fld>
             <a:endParaRPr lang="en-US" dirty="0"/>
           </a:p>
@@ -6964,7 +7464,7 @@
           <a:p>
             <a:fld id="{7E0D914D-B099-4142-A885-11F276715148}" type="datetimeFigureOut">
               <a:rPr lang="en-US" smtClean="0"/>
-              <a:t>7/17/2019</a:t>
+              <a:t>7/19/2019</a:t>
             </a:fld>
             <a:endParaRPr lang="en-US" dirty="0"/>
           </a:p>
@@ -7891,7 +8391,7 @@
           <a:p>
             <a:fld id="{174D01B4-0AA5-45E6-B2E6-5FA4078AEBCF}" type="datetimeFigureOut">
               <a:rPr lang="en-US" smtClean="0"/>
-              <a:t>7/17/2019</a:t>
+              <a:t>7/19/2019</a:t>
             </a:fld>
             <a:endParaRPr lang="en-US" dirty="0"/>
           </a:p>
@@ -8553,7 +9053,7 @@
           <a:p>
             <a:fld id="{4147335C-0450-40D7-8612-B3203BED4F28}" type="datetimeFigureOut">
               <a:rPr lang="en-US" smtClean="0"/>
-              <a:t>7/17/2019</a:t>
+              <a:t>7/19/2019</a:t>
             </a:fld>
             <a:endParaRPr lang="en-US" dirty="0"/>
           </a:p>
@@ -9416,7 +9916,7 @@
           <a:p>
             <a:fld id="{D246A105-2A1C-4284-B4EA-07CF89B1A393}" type="datetimeFigureOut">
               <a:rPr lang="en-US" smtClean="0"/>
-              <a:t>7/17/2019</a:t>
+              <a:t>7/19/2019</a:t>
             </a:fld>
             <a:endParaRPr lang="en-US" dirty="0"/>
           </a:p>
@@ -9605,7 +10105,7 @@
           <a:p>
             <a:fld id="{80DBE609-F3F2-45E6-BD6A-E03A8C86C1AE}" type="datetimeFigureOut">
               <a:rPr lang="en-US" smtClean="0"/>
-              <a:t>7/17/2019</a:t>
+              <a:t>7/19/2019</a:t>
             </a:fld>
             <a:endParaRPr lang="en-US" dirty="0"/>
           </a:p>
@@ -10468,7 +10968,7 @@
           <a:p>
             <a:fld id="{7E0D914D-B099-4142-A885-11F276715148}" type="datetimeFigureOut">
               <a:rPr lang="en-US" smtClean="0"/>
-              <a:t>7/17/2019</a:t>
+              <a:t>7/19/2019</a:t>
             </a:fld>
             <a:endParaRPr lang="en-US" dirty="0"/>
           </a:p>
@@ -10694,7 +11194,7 @@
           <a:p>
             <a:fld id="{75C51FCE-E4BB-4680-8E50-3C0E348D2609}" type="datetimeFigureOut">
               <a:rPr lang="en-US" smtClean="0"/>
-              <a:t>7/17/2019</a:t>
+              <a:t>7/19/2019</a:t>
             </a:fld>
             <a:endParaRPr lang="en-US" dirty="0"/>
           </a:p>
@@ -11625,7 +12125,7 @@
           <a:p>
             <a:fld id="{8AAA073D-A903-47F8-8D16-77642FB0DF1F}" type="datetimeFigureOut">
               <a:rPr lang="en-US" smtClean="0"/>
-              <a:t>7/17/2019</a:t>
+              <a:t>7/19/2019</a:t>
             </a:fld>
             <a:endParaRPr lang="en-US" dirty="0"/>
           </a:p>
@@ -11915,7 +12415,7 @@
           <a:p>
             <a:fld id="{AB91FA40-626B-4CA1-85D0-7A9016E395BA}" type="datetimeFigureOut">
               <a:rPr lang="en-US" smtClean="0"/>
-              <a:t>7/17/2019</a:t>
+              <a:t>7/19/2019</a:t>
             </a:fld>
             <a:endParaRPr lang="en-US" dirty="0"/>
           </a:p>
@@ -12311,7 +12811,7 @@
           <a:p>
             <a:fld id="{C3F425EA-B9DC-48A7-991E-9A82573B1B21}" type="datetimeFigureOut">
               <a:rPr lang="en-US" smtClean="0"/>
-              <a:t>7/17/2019</a:t>
+              <a:t>7/19/2019</a:t>
             </a:fld>
             <a:endParaRPr lang="en-US" dirty="0"/>
           </a:p>
@@ -12443,7 +12943,7 @@
           <a:p>
             <a:fld id="{66CB97F8-6CEB-469B-AFCC-889F2A2B1D5A}" type="datetimeFigureOut">
               <a:rPr lang="en-US" smtClean="0"/>
-              <a:t>7/17/2019</a:t>
+              <a:t>7/19/2019</a:t>
             </a:fld>
             <a:endParaRPr lang="en-US" dirty="0"/>
           </a:p>
@@ -12544,7 +13044,7 @@
           <a:p>
             <a:fld id="{8FA9179F-009E-4FA5-B091-7EBB82A185BD}" type="datetimeFigureOut">
               <a:rPr lang="en-US" smtClean="0"/>
-              <a:t>7/17/2019</a:t>
+              <a:t>7/19/2019</a:t>
             </a:fld>
             <a:endParaRPr lang="en-US" dirty="0"/>
           </a:p>
@@ -13521,7 +14021,7 @@
           <a:p>
             <a:fld id="{8E665CEB-0076-4E37-B880-BCEA9784DE0A}" type="datetimeFigureOut">
               <a:rPr lang="en-US" smtClean="0"/>
-              <a:t>7/17/2019</a:t>
+              <a:t>7/19/2019</a:t>
             </a:fld>
             <a:endParaRPr lang="en-US" dirty="0"/>
           </a:p>
@@ -14522,7 +15022,7 @@
           <a:p>
             <a:fld id="{A6149E5E-3896-4118-99A7-7B85668F1C5E}" type="datetimeFigureOut">
               <a:rPr lang="en-US" smtClean="0"/>
-              <a:t>7/17/2019</a:t>
+              <a:t>7/19/2019</a:t>
             </a:fld>
             <a:endParaRPr lang="en-US" dirty="0"/>
           </a:p>
@@ -15412,7 +15912,7 @@
           <a:p>
             <a:fld id="{7E0D914D-B099-4142-A885-11F276715148}" type="datetimeFigureOut">
               <a:rPr lang="en-US" smtClean="0"/>
-              <a:t>7/17/2019</a:t>
+              <a:t>7/19/2019</a:t>
             </a:fld>
             <a:endParaRPr lang="en-US" dirty="0"/>
           </a:p>
@@ -17470,7 +17970,7 @@
               <a:t> </a:t>
             </a:r>
             <a:r>
-              <a:rPr lang="en-US" dirty="0" err="1">
+              <a:rPr lang="it-IT" dirty="0">
                 <a:solidFill>
                   <a:schemeClr val="bg1"/>
                 </a:solidFill>
@@ -17491,7 +17991,7 @@
                   <a:schemeClr val="bg1"/>
                 </a:solidFill>
               </a:rPr>
-              <a:t>rilvare</a:t>
+              <a:t>rilevare</a:t>
             </a:r>
             <a:r>
               <a:rPr lang="en-US" dirty="0">
@@ -17613,7 +18113,7 @@
               <a:t> </a:t>
             </a:r>
             <a:r>
-              <a:rPr lang="en-US" dirty="0" err="1">
+              <a:rPr lang="en-US" i="1" dirty="0" err="1">
                 <a:solidFill>
                   <a:schemeClr val="bg1"/>
                 </a:solidFill>
@@ -17645,7 +18145,7 @@
               <a:t> </a:t>
             </a:r>
             <a:r>
-              <a:rPr lang="en-US" dirty="0" err="1">
+              <a:rPr lang="en-US" i="1" dirty="0" err="1">
                 <a:solidFill>
                   <a:schemeClr val="bg1"/>
                 </a:solidFill>
@@ -17733,7 +18233,7 @@
                   <a:schemeClr val="bg1"/>
                 </a:solidFill>
               </a:rPr>
-              <a:t>evento</a:t>
+              <a:t>eventi</a:t>
             </a:r>
             <a:r>
               <a:rPr lang="en-US" b="1" dirty="0">
@@ -18100,7 +18600,15 @@
             </a:r>
             <a:r>
               <a:rPr lang="it-IT" dirty="0"/>
-              <a:t>) distanza sul genoma tra </a:t>
+              <a:t>) distanza </a:t>
+            </a:r>
+            <a:r>
+              <a:rPr lang="it-IT" u="sng" dirty="0"/>
+              <a:t>sul genoma</a:t>
+            </a:r>
+            <a:r>
+              <a:rPr lang="it-IT" dirty="0"/>
+              <a:t> tra </a:t>
             </a:r>
             <a:r>
               <a:rPr lang="it-IT" dirty="0" err="1"/>
@@ -18165,7 +18673,15 @@
             </a:r>
             <a:r>
               <a:rPr lang="it-IT" dirty="0"/>
-              <a:t> IDMP) distanza sui trascritti tra </a:t>
+              <a:t> IDMP) distanza </a:t>
+            </a:r>
+            <a:r>
+              <a:rPr lang="it-IT" u="sng" dirty="0"/>
+              <a:t>sui trascritti</a:t>
+            </a:r>
+            <a:r>
+              <a:rPr lang="it-IT" dirty="0"/>
+              <a:t> tra </a:t>
             </a:r>
             <a:r>
               <a:rPr lang="it-IT" dirty="0" err="1"/>
@@ -18527,7 +19043,7 @@
             </a:r>
             <a:r>
               <a:rPr lang="it-IT" dirty="0">
-                <a:hlinkClick r:id="rId2"/>
+                <a:hlinkClick r:id="rId3"/>
               </a:rPr>
               <a:t>https://www.biostars.org/p/376192/</a:t>
             </a:r>
@@ -18570,10 +19086,9 @@
               <a:t>kseq</a:t>
             </a:r>
             <a:r>
-              <a:rPr lang="it-IT"/>
+              <a:rPr lang="it-IT" dirty="0"/>
               <a:t>)</a:t>
             </a:r>
-            <a:endParaRPr lang="it-IT" dirty="0"/>
           </a:p>
           <a:p>
             <a:r>
@@ -18674,8 +19189,12 @@
           <a:p>
             <a:pPr lvl="1"/>
             <a:r>
+              <a:rPr lang="it-IT" b="1" dirty="0"/>
+              <a:t>allineare</a:t>
+            </a:r>
+            <a:r>
               <a:rPr lang="it-IT" dirty="0"/>
-              <a:t>allineare correttamente </a:t>
+              <a:t> correttamente </a:t>
             </a:r>
             <a:r>
               <a:rPr lang="it-IT" dirty="0" err="1"/>
@@ -18702,8 +19221,12 @@
           <a:p>
             <a:pPr lvl="1"/>
             <a:r>
+              <a:rPr lang="it-IT" b="1" dirty="0"/>
+              <a:t>salvare</a:t>
+            </a:r>
+            <a:r>
               <a:rPr lang="it-IT" dirty="0"/>
-              <a:t>salvare gli allineamenti ottenuti nel formato SAM (rispettando le specifiche per quanto riguarda </a:t>
+              <a:t> gli allineamenti ottenuti nel formato SAM (rispettando le specifiche per quanto riguarda </a:t>
             </a:r>
             <a:r>
               <a:rPr lang="it-IT" dirty="0" err="1"/>
@@ -18725,8 +19248,12 @@
           <a:p>
             <a:pPr lvl="1"/>
             <a:r>
+              <a:rPr lang="it-IT" b="1" dirty="0"/>
+              <a:t>rilevare</a:t>
+            </a:r>
+            <a:r>
               <a:rPr lang="it-IT" dirty="0"/>
-              <a:t>rilevare eventi di Alternative Splicing a partire da </a:t>
+              <a:t> eventi di Alternative Splicing a partire da </a:t>
             </a:r>
             <a:r>
               <a:rPr lang="it-IT" dirty="0" err="1"/>
@@ -19552,13 +20079,18 @@
           <a:lstStyle/>
           <a:p>
             <a:r>
-              <a:rPr lang="it-IT" dirty="0">
+              <a:rPr lang="it-IT" dirty="0" err="1">
                 <a:solidFill>
                   <a:srgbClr val="EBEBEB"/>
                 </a:solidFill>
               </a:rPr>
-              <a:t>Introduzione</a:t>
-            </a:r>
+              <a:t>Outline</a:t>
+            </a:r>
+            <a:endParaRPr lang="it-IT" dirty="0">
+              <a:solidFill>
+                <a:srgbClr val="EBEBEB"/>
+              </a:solidFill>
+            </a:endParaRPr>
           </a:p>
         </p:txBody>
       </p:sp>
@@ -20982,7 +21514,7 @@
         </p:blipFill>
         <p:spPr>
           <a:xfrm>
-            <a:off x="5943865" y="1591995"/>
+            <a:off x="5997135" y="1825245"/>
             <a:ext cx="5259388" cy="3293009"/>
           </a:xfrm>
           <a:prstGeom prst="roundRect">
@@ -21083,6 +21615,37 @@
                                         </p:cTn>
                                         <p:tgtEl>
                                           <p:spTgt spid="3"/>
+                                        </p:tgtEl>
+                                        <p:attrNameLst>
+                                          <p:attrName>style.visibility</p:attrName>
+                                        </p:attrNameLst>
+                                      </p:cBhvr>
+                                      <p:to>
+                                        <p:strVal val="visible"/>
+                                      </p:to>
+                                    </p:set>
+                                  </p:childTnLst>
+                                </p:cTn>
+                              </p:par>
+                              <p:par>
+                                <p:cTn id="11" presetID="1" presetClass="entr" presetSubtype="0" fill="hold" nodeType="withEffect">
+                                  <p:stCondLst>
+                                    <p:cond delay="0"/>
+                                  </p:stCondLst>
+                                  <p:childTnLst>
+                                    <p:set>
+                                      <p:cBhvr>
+                                        <p:cTn id="12" dur="1" fill="hold">
+                                          <p:stCondLst>
+                                            <p:cond delay="0"/>
+                                          </p:stCondLst>
+                                        </p:cTn>
+                                        <p:tgtEl>
+                                          <p:spTgt spid="12">
+                                            <p:txEl>
+                                              <p:pRg st="3" end="3"/>
+                                            </p:txEl>
+                                          </p:spTgt>
                                         </p:tgtEl>
                                         <p:attrNameLst>
                                           <p:attrName>style.visibility</p:attrName>
@@ -22068,7 +22631,23 @@
                   <a:schemeClr val="bg1"/>
                 </a:solidFill>
               </a:rPr>
-              <a:t>(“mates”) + </a:t>
+              <a:t>(“</a:t>
+            </a:r>
+            <a:r>
+              <a:rPr lang="en-US" i="1" dirty="0">
+                <a:solidFill>
+                  <a:schemeClr val="bg1"/>
+                </a:solidFill>
+              </a:rPr>
+              <a:t>mates</a:t>
+            </a:r>
+            <a:r>
+              <a:rPr lang="en-US" dirty="0">
+                <a:solidFill>
+                  <a:schemeClr val="bg1"/>
+                </a:solidFill>
+              </a:rPr>
+              <a:t>”) + </a:t>
             </a:r>
             <a:r>
               <a:rPr lang="en-US" b="1" dirty="0" err="1">
@@ -22123,7 +22702,23 @@
                   <a:schemeClr val="bg1"/>
                 </a:solidFill>
               </a:rPr>
-              <a:t>Utilizzate</a:t>
+              <a:t>Prodotte</a:t>
+            </a:r>
+            <a:r>
+              <a:rPr lang="en-US" dirty="0">
+                <a:solidFill>
+                  <a:schemeClr val="bg1"/>
+                </a:solidFill>
+              </a:rPr>
+              <a:t> da </a:t>
+            </a:r>
+            <a:r>
+              <a:rPr lang="en-US" dirty="0" err="1">
+                <a:solidFill>
+                  <a:schemeClr val="bg1"/>
+                </a:solidFill>
+              </a:rPr>
+              <a:t>sequenziatori</a:t>
             </a:r>
             <a:r>
               <a:rPr lang="en-US" dirty="0">
@@ -22134,12 +22729,12 @@
               <a:t> </a:t>
             </a:r>
             <a:r>
-              <a:rPr lang="en-US" dirty="0" err="1">
+              <a:rPr lang="en-US" b="1" dirty="0">
                 <a:solidFill>
                   <a:schemeClr val="bg1"/>
                 </a:solidFill>
               </a:rPr>
-              <a:t>dagli</a:t>
+              <a:t>NGS</a:t>
             </a:r>
             <a:r>
               <a:rPr lang="en-US" dirty="0">
@@ -22147,15 +22742,15 @@
                   <a:schemeClr val="bg1"/>
                 </a:solidFill>
               </a:rPr>
-              <a:t> </a:t>
-            </a:r>
-            <a:r>
-              <a:rPr lang="en-US" dirty="0" err="1">
+              <a:t> (</a:t>
+            </a:r>
+            <a:r>
+              <a:rPr lang="en-US" i="1" dirty="0">
                 <a:solidFill>
                   <a:schemeClr val="bg1"/>
                 </a:solidFill>
               </a:rPr>
-              <a:t>allineatori</a:t>
+              <a:t>Next Generation Sequencing</a:t>
             </a:r>
             <a:r>
               <a:rPr lang="en-US" dirty="0">
@@ -22163,69 +22758,8 @@
                   <a:schemeClr val="bg1"/>
                 </a:solidFill>
               </a:rPr>
-              <a:t> per </a:t>
-            </a:r>
-            <a:r>
-              <a:rPr lang="en-US" dirty="0" err="1">
-                <a:solidFill>
-                  <a:schemeClr val="bg1"/>
-                </a:solidFill>
-              </a:rPr>
-              <a:t>disambiguare</a:t>
-            </a:r>
-            <a:r>
-              <a:rPr lang="en-US" dirty="0">
-                <a:solidFill>
-                  <a:schemeClr val="bg1"/>
-                </a:solidFill>
-              </a:rPr>
-              <a:t> </a:t>
-            </a:r>
-            <a:r>
-              <a:rPr lang="en-US" dirty="0" err="1">
-                <a:solidFill>
-                  <a:schemeClr val="bg1"/>
-                </a:solidFill>
-              </a:rPr>
-              <a:t>alcuni</a:t>
-            </a:r>
-            <a:r>
-              <a:rPr lang="en-US" dirty="0">
-                <a:solidFill>
-                  <a:schemeClr val="bg1"/>
-                </a:solidFill>
-              </a:rPr>
-              <a:t> </a:t>
-            </a:r>
-            <a:r>
-              <a:rPr lang="en-US" dirty="0" err="1">
-                <a:solidFill>
-                  <a:schemeClr val="bg1"/>
-                </a:solidFill>
-              </a:rPr>
-              <a:t>casi</a:t>
-            </a:r>
-            <a:r>
-              <a:rPr lang="en-US" dirty="0">
-                <a:solidFill>
-                  <a:schemeClr val="bg1"/>
-                </a:solidFill>
-              </a:rPr>
-              <a:t> di </a:t>
-            </a:r>
-            <a:r>
-              <a:rPr lang="en-US" dirty="0" err="1">
-                <a:solidFill>
-                  <a:schemeClr val="bg1"/>
-                </a:solidFill>
-              </a:rPr>
-              <a:t>allineamento</a:t>
-            </a:r>
-            <a:endParaRPr lang="en-US" dirty="0">
-              <a:solidFill>
-                <a:schemeClr val="bg1"/>
-              </a:solidFill>
-            </a:endParaRPr>
+              <a:t>)</a:t>
+            </a:r>
           </a:p>
           <a:p>
             <a:r>
@@ -23897,6 +24431,55 @@
                                           </p:stCondLst>
                                         </p:cTn>
                                         <p:tgtEl>
+                                          <p:spTgt spid="26">
+                                            <p:txEl>
+                                              <p:pRg st="2" end="2"/>
+                                            </p:txEl>
+                                          </p:spTgt>
+                                        </p:tgtEl>
+                                        <p:attrNameLst>
+                                          <p:attrName>style.visibility</p:attrName>
+                                        </p:attrNameLst>
+                                      </p:cBhvr>
+                                      <p:to>
+                                        <p:strVal val="visible"/>
+                                      </p:to>
+                                    </p:set>
+                                  </p:childTnLst>
+                                </p:cTn>
+                              </p:par>
+                            </p:childTnLst>
+                          </p:cTn>
+                        </p:par>
+                      </p:childTnLst>
+                    </p:cTn>
+                  </p:par>
+                  <p:par>
+                    <p:cTn id="9" fill="hold">
+                      <p:stCondLst>
+                        <p:cond delay="indefinite"/>
+                      </p:stCondLst>
+                      <p:childTnLst>
+                        <p:par>
+                          <p:cTn id="10" fill="hold">
+                            <p:stCondLst>
+                              <p:cond delay="0"/>
+                            </p:stCondLst>
+                            <p:childTnLst>
+                              <p:par>
+                                <p:cTn id="11" presetID="1" presetClass="entr" presetSubtype="0" fill="hold" nodeType="clickEffect">
+                                  <p:stCondLst>
+                                    <p:cond delay="0"/>
+                                  </p:stCondLst>
+                                  <p:childTnLst>
+                                    <p:set>
+                                      <p:cBhvr>
+                                        <p:cTn id="12" dur="1" fill="hold">
+                                          <p:stCondLst>
+                                            <p:cond delay="0"/>
+                                          </p:stCondLst>
+                                        </p:cTn>
+                                        <p:tgtEl>
                                           <p:spTgt spid="7"/>
                                         </p:tgtEl>
                                         <p:attrNameLst>
@@ -23911,14 +24494,14 @@
                                 </p:cTn>
                               </p:par>
                               <p:par>
-                                <p:cTn id="9" presetID="1" presetClass="entr" presetSubtype="0" fill="hold" nodeType="withEffect">
+                                <p:cTn id="13" presetID="1" presetClass="entr" presetSubtype="0" fill="hold" nodeType="withEffect">
                                   <p:stCondLst>
                                     <p:cond delay="0"/>
                                   </p:stCondLst>
                                   <p:childTnLst>
                                     <p:set>
                                       <p:cBhvr>
-                                        <p:cTn id="10" dur="1" fill="hold">
+                                        <p:cTn id="14" dur="1" fill="hold">
                                           <p:stCondLst>
                                             <p:cond delay="0"/>
                                           </p:stCondLst>
@@ -23938,14 +24521,14 @@
                                 </p:cTn>
                               </p:par>
                               <p:par>
-                                <p:cTn id="11" presetID="1" presetClass="entr" presetSubtype="0" fill="hold" nodeType="withEffect">
+                                <p:cTn id="15" presetID="1" presetClass="entr" presetSubtype="0" fill="hold" nodeType="withEffect">
                                   <p:stCondLst>
                                     <p:cond delay="0"/>
                                   </p:stCondLst>
                                   <p:childTnLst>
                                     <p:set>
                                       <p:cBhvr>
-                                        <p:cTn id="12" dur="1" fill="hold">
+                                        <p:cTn id="16" dur="1" fill="hold">
                                           <p:stCondLst>
                                             <p:cond delay="0"/>
                                           </p:stCondLst>
@@ -24073,7 +24656,7 @@
           </p:nvPr>
         </p:nvPicPr>
         <p:blipFill>
-          <a:blip r:embed="rId2"/>
+          <a:blip r:embed="rId3"/>
           <a:stretch>
             <a:fillRect/>
           </a:stretch>
@@ -24534,7 +25117,7 @@
             </a:pPr>
             <a:r>
               <a:rPr lang="it-IT" dirty="0"/>
-              <a:t>Consideriamo le due estremità di una </a:t>
+              <a:t>Consideriamo le due estremità («mate») di una </a:t>
             </a:r>
             <a:r>
               <a:rPr lang="it-IT" dirty="0" err="1"/>
@@ -24585,15 +25168,7 @@
           <a:p>
             <a:r>
               <a:rPr lang="it-IT" dirty="0"/>
-              <a:t>Problema #2:  Non sempre due </a:t>
-            </a:r>
-            <a:r>
-              <a:rPr lang="it-IT" dirty="0" err="1"/>
-              <a:t>read</a:t>
-            </a:r>
-            <a:r>
-              <a:rPr lang="it-IT" dirty="0"/>
-              <a:t> hanno lo stesso numero di allineamenti secondari </a:t>
+              <a:t>Problema #2:  Non sempre entrambe le estremità sono coinvolte nello stesso numero di allineamenti secondari </a:t>
             </a:r>
           </a:p>
           <a:p>
@@ -24747,7 +25322,7 @@
               <a:avLst/>
             </a:prstGeom>
             <a:blipFill>
-              <a:blip r:embed="rId2">
+              <a:blip r:embed="rId3">
                 <a:duotone>
                   <a:schemeClr val="dk2">
                     <a:shade val="69000"/>
@@ -25812,7 +26387,7 @@
           <p:nvPr/>
         </p:nvPicPr>
         <p:blipFill>
-          <a:blip r:embed="rId3"/>
+          <a:blip r:embed="rId4"/>
           <a:stretch>
             <a:fillRect/>
           </a:stretch>
